--- a/presentation/pptx/01-Linear_regression_methods.pptx
+++ b/presentation/pptx/01-Linear_regression_methods.pptx
@@ -5,13 +5,25 @@
     <p:sldMasterId id="2147483840" r:id="rId1"/>
   </p:sldMasterIdLst>
   <p:notesMasterIdLst>
-    <p:notesMasterId r:id="rId6"/>
+    <p:notesMasterId r:id="rId18"/>
   </p:notesMasterIdLst>
   <p:sldIdLst>
     <p:sldId id="256" r:id="rId2"/>
     <p:sldId id="258" r:id="rId3"/>
     <p:sldId id="259" r:id="rId4"/>
     <p:sldId id="260" r:id="rId5"/>
+    <p:sldId id="261" r:id="rId6"/>
+    <p:sldId id="262" r:id="rId7"/>
+    <p:sldId id="263" r:id="rId8"/>
+    <p:sldId id="264" r:id="rId9"/>
+    <p:sldId id="265" r:id="rId10"/>
+    <p:sldId id="268" r:id="rId11"/>
+    <p:sldId id="267" r:id="rId12"/>
+    <p:sldId id="273" r:id="rId13"/>
+    <p:sldId id="272" r:id="rId14"/>
+    <p:sldId id="269" r:id="rId15"/>
+    <p:sldId id="270" r:id="rId16"/>
+    <p:sldId id="271" r:id="rId17"/>
   </p:sldIdLst>
   <p:sldSz cx="12192000" cy="6858000"/>
   <p:notesSz cx="6858000" cy="9144000"/>
@@ -113,7 +125,7 @@
   <p:extLst>
     <p:ext uri="{EFAFB233-063F-42B5-8137-9DF3F51BA10A}">
       <p15:sldGuideLst xmlns:p15="http://schemas.microsoft.com/office/powerpoint/2012/main">
-        <p15:guide id="1" orient="horz" pos="2387" userDrawn="1">
+        <p15:guide id="1" orient="horz" pos="2409" userDrawn="1">
           <p15:clr>
             <a:srgbClr val="A4A3A4"/>
           </p15:clr>
@@ -482,6 +494,759 @@
     </a:lvl9pPr>
   </p:notesStyle>
 </p:notesMaster>
+</file>
+
+<file path=ppt/notesSlides/notesSlide1.xml><?xml version="1.0" encoding="utf-8"?>
+<p:notes xmlns:a="http://schemas.openxmlformats.org/drawingml/2006/main" xmlns:r="http://schemas.openxmlformats.org/officeDocument/2006/relationships" xmlns:p="http://schemas.openxmlformats.org/presentationml/2006/main">
+  <p:cSld>
+    <p:spTree>
+      <p:nvGrpSpPr>
+        <p:cNvPr id="1" name=""/>
+        <p:cNvGrpSpPr/>
+        <p:nvPr/>
+      </p:nvGrpSpPr>
+      <p:grpSpPr>
+        <a:xfrm>
+          <a:off x="0" y="0"/>
+          <a:ext cx="0" cy="0"/>
+          <a:chOff x="0" y="0"/>
+          <a:chExt cx="0" cy="0"/>
+        </a:xfrm>
+      </p:grpSpPr>
+      <p:sp>
+        <p:nvSpPr>
+          <p:cNvPr id="2" name="Slide Image Placeholder 1"/>
+          <p:cNvSpPr>
+            <a:spLocks noGrp="1" noRot="1" noChangeAspect="1"/>
+          </p:cNvSpPr>
+          <p:nvPr>
+            <p:ph type="sldImg"/>
+          </p:nvPr>
+        </p:nvSpPr>
+        <p:spPr/>
+      </p:sp>
+      <mc:AlternateContent xmlns:mc="http://schemas.openxmlformats.org/markup-compatibility/2006">
+        <mc:Choice xmlns:a14="http://schemas.microsoft.com/office/drawing/2010/main" Requires="a14">
+          <p:sp>
+            <p:nvSpPr>
+              <p:cNvPr id="3" name="Notes Placeholder 2"/>
+              <p:cNvSpPr>
+                <a:spLocks noGrp="1"/>
+              </p:cNvSpPr>
+              <p:nvPr>
+                <p:ph type="body" idx="1"/>
+              </p:nvPr>
+            </p:nvSpPr>
+            <p:spPr/>
+            <p:txBody>
+              <a:bodyPr/>
+              <a:lstStyle/>
+              <a:p>
+                <a:pPr rtl="0"/>
+                <a14:m>
+                  <m:oMathPara xmlns:m="http://schemas.openxmlformats.org/officeDocument/2006/math">
+                    <m:oMathParaPr>
+                      <m:jc m:val="centerGroup"/>
+                    </m:oMathParaPr>
+                    <m:oMath xmlns:m="http://schemas.openxmlformats.org/officeDocument/2006/math">
+                      <m:r>
+                        <a:rPr lang="en-US" b="0" i="1" dirty="0" smtClean="0">
+                          <a:latin typeface="Cambria Math" panose="02040503050406030204" pitchFamily="18" charset="0"/>
+                        </a:rPr>
+                        <m:t>𝐸</m:t>
+                      </m:r>
+                      <m:sSup>
+                        <m:sSupPr>
+                          <m:ctrlPr>
+                            <a:rPr lang="en-US" b="0" i="1" dirty="0" smtClean="0">
+                              <a:latin typeface="Cambria Math" panose="02040503050406030204" pitchFamily="18" charset="0"/>
+                            </a:rPr>
+                          </m:ctrlPr>
+                        </m:sSupPr>
+                        <m:e>
+                          <m:r>
+                            <a:rPr lang="en-US" b="0" i="1" dirty="0" smtClean="0">
+                              <a:latin typeface="Cambria Math" panose="02040503050406030204" pitchFamily="18" charset="0"/>
+                            </a:rPr>
+                            <m:t>𝑎</m:t>
+                          </m:r>
+                        </m:e>
+                        <m:sup>
+                          <m:r>
+                            <a:rPr lang="en-US" b="0" i="1" dirty="0" smtClean="0">
+                              <a:latin typeface="Cambria Math" panose="02040503050406030204" pitchFamily="18" charset="0"/>
+                            </a:rPr>
+                            <m:t>𝑇</m:t>
+                          </m:r>
+                        </m:sup>
+                      </m:sSup>
+                      <m:sSup>
+                        <m:sSupPr>
+                          <m:ctrlPr>
+                            <a:rPr lang="en-US" i="1">
+                              <a:latin typeface="Cambria Math" panose="02040503050406030204" pitchFamily="18" charset="0"/>
+                            </a:rPr>
+                          </m:ctrlPr>
+                        </m:sSupPr>
+                        <m:e>
+                          <m:d>
+                            <m:dPr>
+                              <m:ctrlPr>
+                                <a:rPr lang="en-US" i="1">
+                                  <a:latin typeface="Cambria Math" panose="02040503050406030204" pitchFamily="18" charset="0"/>
+                                </a:rPr>
+                              </m:ctrlPr>
+                            </m:dPr>
+                            <m:e>
+                              <m:sSup>
+                                <m:sSupPr>
+                                  <m:ctrlPr>
+                                    <a:rPr lang="en-US" i="1">
+                                      <a:latin typeface="Cambria Math" panose="02040503050406030204" pitchFamily="18" charset="0"/>
+                                    </a:rPr>
+                                  </m:ctrlPr>
+                                </m:sSupPr>
+                                <m:e>
+                                  <m:r>
+                                    <a:rPr lang="en-US" i="1">
+                                      <a:latin typeface="Cambria Math" panose="02040503050406030204" pitchFamily="18" charset="0"/>
+                                    </a:rPr>
+                                    <m:t>𝑋</m:t>
+                                  </m:r>
+                                </m:e>
+                                <m:sup>
+                                  <m:r>
+                                    <a:rPr lang="en-US" i="1">
+                                      <a:latin typeface="Cambria Math" panose="02040503050406030204" pitchFamily="18" charset="0"/>
+                                    </a:rPr>
+                                    <m:t>𝑇</m:t>
+                                  </m:r>
+                                </m:sup>
+                              </m:sSup>
+                              <m:r>
+                                <a:rPr lang="en-US" i="1">
+                                  <a:latin typeface="Cambria Math" panose="02040503050406030204" pitchFamily="18" charset="0"/>
+                                </a:rPr>
+                                <m:t>𝑋</m:t>
+                              </m:r>
+                            </m:e>
+                          </m:d>
+                        </m:e>
+                        <m:sup>
+                          <m:r>
+                            <a:rPr lang="en-US" i="1">
+                              <a:latin typeface="Cambria Math" panose="02040503050406030204" pitchFamily="18" charset="0"/>
+                            </a:rPr>
+                            <m:t>−</m:t>
+                          </m:r>
+                          <m:r>
+                            <a:rPr lang="en-US" i="1">
+                              <a:latin typeface="Cambria Math" panose="02040503050406030204" pitchFamily="18" charset="0"/>
+                            </a:rPr>
+                            <m:t>1</m:t>
+                          </m:r>
+                        </m:sup>
+                      </m:sSup>
+                      <m:sSup>
+                        <m:sSupPr>
+                          <m:ctrlPr>
+                            <a:rPr lang="en-US" i="1">
+                              <a:latin typeface="Cambria Math" panose="02040503050406030204" pitchFamily="18" charset="0"/>
+                            </a:rPr>
+                          </m:ctrlPr>
+                        </m:sSupPr>
+                        <m:e>
+                          <m:r>
+                            <a:rPr lang="en-US" i="1">
+                              <a:latin typeface="Cambria Math" panose="02040503050406030204" pitchFamily="18" charset="0"/>
+                            </a:rPr>
+                            <m:t>𝑋</m:t>
+                          </m:r>
+                        </m:e>
+                        <m:sup>
+                          <m:r>
+                            <a:rPr lang="en-US" i="1">
+                              <a:latin typeface="Cambria Math" panose="02040503050406030204" pitchFamily="18" charset="0"/>
+                            </a:rPr>
+                            <m:t>𝑇</m:t>
+                          </m:r>
+                        </m:sup>
+                      </m:sSup>
+                      <m:r>
+                        <a:rPr lang="en-US" i="1">
+                          <a:latin typeface="Cambria Math" panose="02040503050406030204" pitchFamily="18" charset="0"/>
+                        </a:rPr>
+                        <m:t>𝑦</m:t>
+                      </m:r>
+                      <m:r>
+                        <a:rPr lang="en-US" b="0" i="1" smtClean="0">
+                          <a:latin typeface="Cambria Math" panose="02040503050406030204" pitchFamily="18" charset="0"/>
+                        </a:rPr>
+                        <m:t>=</m:t>
+                      </m:r>
+                      <m:r>
+                        <a:rPr lang="en-US" b="0" i="1" smtClean="0">
+                          <a:latin typeface="Cambria Math" panose="02040503050406030204" pitchFamily="18" charset="0"/>
+                        </a:rPr>
+                        <m:t>𝐸</m:t>
+                      </m:r>
+                      <m:d>
+                        <m:dPr>
+                          <m:ctrlPr>
+                            <a:rPr lang="en-US" b="0" i="1" smtClean="0">
+                              <a:latin typeface="Cambria Math" panose="02040503050406030204" pitchFamily="18" charset="0"/>
+                            </a:rPr>
+                          </m:ctrlPr>
+                        </m:dPr>
+                        <m:e>
+                          <m:sSup>
+                            <m:sSupPr>
+                              <m:ctrlPr>
+                                <a:rPr lang="en-US" b="0" i="1" smtClean="0">
+                                  <a:latin typeface="Cambria Math" panose="02040503050406030204" pitchFamily="18" charset="0"/>
+                                </a:rPr>
+                              </m:ctrlPr>
+                            </m:sSupPr>
+                            <m:e>
+                              <m:r>
+                                <a:rPr lang="en-US" b="0" i="1" smtClean="0">
+                                  <a:latin typeface="Cambria Math" panose="02040503050406030204" pitchFamily="18" charset="0"/>
+                                </a:rPr>
+                                <m:t>𝑎</m:t>
+                              </m:r>
+                            </m:e>
+                            <m:sup>
+                              <m:r>
+                                <a:rPr lang="en-US" b="0" i="1" smtClean="0">
+                                  <a:latin typeface="Cambria Math" panose="02040503050406030204" pitchFamily="18" charset="0"/>
+                                </a:rPr>
+                                <m:t>𝑇</m:t>
+                              </m:r>
+                            </m:sup>
+                          </m:sSup>
+                          <m:sSup>
+                            <m:sSupPr>
+                              <m:ctrlPr>
+                                <a:rPr lang="en-US" b="0" i="1" smtClean="0">
+                                  <a:latin typeface="Cambria Math" panose="02040503050406030204" pitchFamily="18" charset="0"/>
+                                </a:rPr>
+                              </m:ctrlPr>
+                            </m:sSupPr>
+                            <m:e>
+                              <m:d>
+                                <m:dPr>
+                                  <m:ctrlPr>
+                                    <a:rPr lang="en-US" b="0" i="1" smtClean="0">
+                                      <a:latin typeface="Cambria Math" panose="02040503050406030204" pitchFamily="18" charset="0"/>
+                                    </a:rPr>
+                                  </m:ctrlPr>
+                                </m:dPr>
+                                <m:e>
+                                  <m:sSup>
+                                    <m:sSupPr>
+                                      <m:ctrlPr>
+                                        <a:rPr lang="en-US" b="0" i="1" smtClean="0">
+                                          <a:latin typeface="Cambria Math" panose="02040503050406030204" pitchFamily="18" charset="0"/>
+                                        </a:rPr>
+                                      </m:ctrlPr>
+                                    </m:sSupPr>
+                                    <m:e>
+                                      <m:r>
+                                        <a:rPr lang="en-US" b="0" i="1" smtClean="0">
+                                          <a:latin typeface="Cambria Math" panose="02040503050406030204" pitchFamily="18" charset="0"/>
+                                        </a:rPr>
+                                        <m:t>𝑋</m:t>
+                                      </m:r>
+                                    </m:e>
+                                    <m:sup>
+                                      <m:r>
+                                        <a:rPr lang="en-US" b="0" i="1" smtClean="0">
+                                          <a:latin typeface="Cambria Math" panose="02040503050406030204" pitchFamily="18" charset="0"/>
+                                        </a:rPr>
+                                        <m:t>𝑇</m:t>
+                                      </m:r>
+                                    </m:sup>
+                                  </m:sSup>
+                                  <m:r>
+                                    <a:rPr lang="en-US" b="0" i="1" smtClean="0">
+                                      <a:latin typeface="Cambria Math" panose="02040503050406030204" pitchFamily="18" charset="0"/>
+                                    </a:rPr>
+                                    <m:t>𝑋</m:t>
+                                  </m:r>
+                                </m:e>
+                              </m:d>
+                            </m:e>
+                            <m:sup>
+                              <m:r>
+                                <a:rPr lang="en-US" b="0" i="1" smtClean="0">
+                                  <a:latin typeface="Cambria Math" panose="02040503050406030204" pitchFamily="18" charset="0"/>
+                                </a:rPr>
+                                <m:t>−</m:t>
+                              </m:r>
+                              <m:r>
+                                <a:rPr lang="en-US" b="0" i="1" smtClean="0">
+                                  <a:latin typeface="Cambria Math" panose="02040503050406030204" pitchFamily="18" charset="0"/>
+                                </a:rPr>
+                                <m:t>1</m:t>
+                              </m:r>
+                            </m:sup>
+                          </m:sSup>
+                          <m:sSup>
+                            <m:sSupPr>
+                              <m:ctrlPr>
+                                <a:rPr lang="en-US" b="0" i="1" smtClean="0">
+                                  <a:latin typeface="Cambria Math" panose="02040503050406030204" pitchFamily="18" charset="0"/>
+                                </a:rPr>
+                              </m:ctrlPr>
+                            </m:sSupPr>
+                            <m:e>
+                              <m:r>
+                                <a:rPr lang="en-US" b="0" i="1" smtClean="0">
+                                  <a:latin typeface="Cambria Math" panose="02040503050406030204" pitchFamily="18" charset="0"/>
+                                </a:rPr>
+                                <m:t>𝑋</m:t>
+                              </m:r>
+                            </m:e>
+                            <m:sup>
+                              <m:r>
+                                <a:rPr lang="en-US" b="0" i="1" smtClean="0">
+                                  <a:latin typeface="Cambria Math" panose="02040503050406030204" pitchFamily="18" charset="0"/>
+                                </a:rPr>
+                                <m:t>𝑇</m:t>
+                              </m:r>
+                            </m:sup>
+                          </m:sSup>
+                          <m:r>
+                            <a:rPr lang="en-US" b="0" i="1" smtClean="0">
+                              <a:latin typeface="Cambria Math" panose="02040503050406030204" pitchFamily="18" charset="0"/>
+                            </a:rPr>
+                            <m:t>𝑋</m:t>
+                          </m:r>
+                          <m:r>
+                            <a:rPr lang="en-US" b="0" i="1" smtClean="0">
+                              <a:latin typeface="Cambria Math" panose="02040503050406030204" pitchFamily="18" charset="0"/>
+                            </a:rPr>
+                            <m:t>𝛽</m:t>
+                          </m:r>
+                        </m:e>
+                      </m:d>
+                      <m:r>
+                        <a:rPr lang="en-US" b="0" i="1" smtClean="0">
+                          <a:latin typeface="Cambria Math" panose="02040503050406030204" pitchFamily="18" charset="0"/>
+                        </a:rPr>
+                        <m:t>=</m:t>
+                      </m:r>
+                      <m:r>
+                        <a:rPr lang="en-US" b="0" i="1" smtClean="0">
+                          <a:latin typeface="Cambria Math" panose="02040503050406030204" pitchFamily="18" charset="0"/>
+                        </a:rPr>
+                        <m:t>𝐸</m:t>
+                      </m:r>
+                      <m:sSup>
+                        <m:sSupPr>
+                          <m:ctrlPr>
+                            <a:rPr lang="en-US" b="0" i="1" smtClean="0">
+                              <a:latin typeface="Cambria Math" panose="02040503050406030204" pitchFamily="18" charset="0"/>
+                            </a:rPr>
+                          </m:ctrlPr>
+                        </m:sSupPr>
+                        <m:e>
+                          <m:r>
+                            <a:rPr lang="en-US" b="0" i="1" smtClean="0">
+                              <a:latin typeface="Cambria Math" panose="02040503050406030204" pitchFamily="18" charset="0"/>
+                            </a:rPr>
+                            <m:t>𝑎</m:t>
+                          </m:r>
+                        </m:e>
+                        <m:sup>
+                          <m:r>
+                            <a:rPr lang="en-US" b="0" i="1" smtClean="0">
+                              <a:latin typeface="Cambria Math" panose="02040503050406030204" pitchFamily="18" charset="0"/>
+                            </a:rPr>
+                            <m:t>𝑇</m:t>
+                          </m:r>
+                        </m:sup>
+                      </m:sSup>
+                      <m:r>
+                        <a:rPr lang="en-US" b="0" i="1" smtClean="0">
+                          <a:latin typeface="Cambria Math" panose="02040503050406030204" pitchFamily="18" charset="0"/>
+                        </a:rPr>
+                        <m:t>𝛽</m:t>
+                      </m:r>
+                    </m:oMath>
+                  </m:oMathPara>
+                </a14:m>
+                <a:endParaRPr lang="he-IL" dirty="0"/>
+              </a:p>
+            </p:txBody>
+          </p:sp>
+        </mc:Choice>
+        <mc:Fallback>
+          <p:sp>
+            <p:nvSpPr>
+              <p:cNvPr id="3" name="Notes Placeholder 2"/>
+              <p:cNvSpPr>
+                <a:spLocks noGrp="1"/>
+              </p:cNvSpPr>
+              <p:nvPr>
+                <p:ph type="body" idx="1"/>
+              </p:nvPr>
+            </p:nvSpPr>
+            <p:spPr/>
+            <p:txBody>
+              <a:bodyPr/>
+              <a:lstStyle/>
+              <a:p>
+                <a:pPr rtl="0"/>
+                <a:r>
+                  <a:rPr lang="en-US" b="0" i="0" dirty="0" smtClean="0">
+                    <a:latin typeface="Cambria Math" panose="02040503050406030204" pitchFamily="18" charset="0"/>
+                  </a:rPr>
+                  <a:t>𝐸</a:t>
+                </a:r>
+                <a:r>
+                  <a:rPr lang="en-US" b="0" i="0" dirty="0" smtClean="0">
+                    <a:latin typeface="Cambria Math" panose="02040503050406030204" pitchFamily="18" charset="0"/>
+                  </a:rPr>
+                  <a:t>𝑎^𝑇</a:t>
+                </a:r>
+                <a:r>
+                  <a:rPr lang="en-US" b="0" i="0">
+                    <a:latin typeface="Cambria Math" panose="02040503050406030204" pitchFamily="18" charset="0"/>
+                  </a:rPr>
+                  <a:t> </a:t>
+                </a:r>
+                <a:r>
+                  <a:rPr lang="en-US" i="0">
+                    <a:latin typeface="Cambria Math" panose="02040503050406030204" pitchFamily="18" charset="0"/>
+                  </a:rPr>
+                  <a:t>(𝑋^𝑇 𝑋)^(−1) 𝑋^𝑇 𝑦</a:t>
+                </a:r>
+                <a:r>
+                  <a:rPr lang="en-US" b="0" i="0" smtClean="0">
+                    <a:latin typeface="Cambria Math" panose="02040503050406030204" pitchFamily="18" charset="0"/>
+                  </a:rPr>
+                  <a:t>=𝐸(𝑎^𝑇 (𝑋^𝑇 𝑋)^(−1) 𝑋^𝑇 𝑋𝛽)=𝐸𝑎^𝑇 𝛽</a:t>
+                </a:r>
+                <a:endParaRPr lang="he-IL" dirty="0"/>
+              </a:p>
+            </p:txBody>
+          </p:sp>
+        </mc:Fallback>
+      </mc:AlternateContent>
+      <p:sp>
+        <p:nvSpPr>
+          <p:cNvPr id="4" name="Slide Number Placeholder 3"/>
+          <p:cNvSpPr>
+            <a:spLocks noGrp="1"/>
+          </p:cNvSpPr>
+          <p:nvPr>
+            <p:ph type="sldNum" sz="quarter" idx="10"/>
+          </p:nvPr>
+        </p:nvSpPr>
+        <p:spPr/>
+        <p:txBody>
+          <a:bodyPr/>
+          <a:lstStyle/>
+          <a:p>
+            <a:fld id="{C4276747-8356-4D8F-84BF-3C530C5DAF39}" type="slidenum">
+              <a:rPr lang="he-IL" smtClean="0"/>
+              <a:t>5</a:t>
+            </a:fld>
+            <a:endParaRPr lang="he-IL"/>
+          </a:p>
+        </p:txBody>
+      </p:sp>
+    </p:spTree>
+    <p:extLst>
+      <p:ext uri="{BB962C8B-B14F-4D97-AF65-F5344CB8AC3E}">
+        <p14:creationId xmlns:p14="http://schemas.microsoft.com/office/powerpoint/2010/main" val="3217456036"/>
+      </p:ext>
+    </p:extLst>
+  </p:cSld>
+  <p:clrMapOvr>
+    <a:masterClrMapping/>
+  </p:clrMapOvr>
+</p:notes>
+</file>
+
+<file path=ppt/notesSlides/notesSlide2.xml><?xml version="1.0" encoding="utf-8"?>
+<p:notes xmlns:a="http://schemas.openxmlformats.org/drawingml/2006/main" xmlns:r="http://schemas.openxmlformats.org/officeDocument/2006/relationships" xmlns:p="http://schemas.openxmlformats.org/presentationml/2006/main">
+  <p:cSld>
+    <p:spTree>
+      <p:nvGrpSpPr>
+        <p:cNvPr id="1" name=""/>
+        <p:cNvGrpSpPr/>
+        <p:nvPr/>
+      </p:nvGrpSpPr>
+      <p:grpSpPr>
+        <a:xfrm>
+          <a:off x="0" y="0"/>
+          <a:ext cx="0" cy="0"/>
+          <a:chOff x="0" y="0"/>
+          <a:chExt cx="0" cy="0"/>
+        </a:xfrm>
+      </p:grpSpPr>
+      <p:sp>
+        <p:nvSpPr>
+          <p:cNvPr id="2" name="Slide Image Placeholder 1"/>
+          <p:cNvSpPr>
+            <a:spLocks noGrp="1" noRot="1" noChangeAspect="1"/>
+          </p:cNvSpPr>
+          <p:nvPr>
+            <p:ph type="sldImg"/>
+          </p:nvPr>
+        </p:nvSpPr>
+        <p:spPr/>
+      </p:sp>
+      <p:sp>
+        <p:nvSpPr>
+          <p:cNvPr id="3" name="Notes Placeholder 2"/>
+          <p:cNvSpPr>
+            <a:spLocks noGrp="1"/>
+          </p:cNvSpPr>
+          <p:nvPr>
+            <p:ph type="body" idx="1"/>
+          </p:nvPr>
+        </p:nvSpPr>
+        <p:spPr/>
+        <p:txBody>
+          <a:bodyPr/>
+          <a:lstStyle/>
+          <a:p>
+            <a:r>
+              <a:rPr lang="en-US" dirty="0" smtClean="0"/>
+              <a:t>These assume a normal distribution</a:t>
+            </a:r>
+            <a:r>
+              <a:rPr lang="en-US" baseline="0" dirty="0" smtClean="0"/>
+              <a:t> for the error.</a:t>
+            </a:r>
+            <a:endParaRPr lang="en-US" dirty="0" smtClean="0"/>
+          </a:p>
+          <a:p>
+            <a:r>
+              <a:rPr lang="en-US" dirty="0" smtClean="0"/>
+              <a:t>F = \</a:t>
+            </a:r>
+            <a:r>
+              <a:rPr lang="en-US" dirty="0" err="1" smtClean="0"/>
+              <a:t>frac</a:t>
+            </a:r>
+            <a:r>
+              <a:rPr lang="en-US" dirty="0" smtClean="0"/>
+              <a:t>{(TSS - RSS)/p}{RSS/(n-p-1)}  \</a:t>
+            </a:r>
+            <a:r>
+              <a:rPr lang="en-US" dirty="0" err="1" smtClean="0"/>
+              <a:t>Rightarrow</a:t>
+            </a:r>
+            <a:r>
+              <a:rPr lang="en-US" baseline="0" dirty="0" smtClean="0"/>
+              <a:t> as the difference is small between the TSS and RSS, the F increases, to the point its p-value is extremely small (hence the overall relationship is significant). This is equivalent to a hypothesis test of:</a:t>
+            </a:r>
+          </a:p>
+          <a:p>
+            <a:r>
+              <a:rPr lang="en-US" baseline="0" dirty="0" smtClean="0"/>
+              <a:t>H0: \beta_0=\beta_1=\</a:t>
+            </a:r>
+            <a:r>
+              <a:rPr lang="en-US" baseline="0" dirty="0" err="1" smtClean="0"/>
+              <a:t>ldots</a:t>
+            </a:r>
+            <a:r>
+              <a:rPr lang="en-US" baseline="0" dirty="0" smtClean="0"/>
+              <a:t>=\</a:t>
+            </a:r>
+            <a:r>
+              <a:rPr lang="en-US" baseline="0" dirty="0" err="1" smtClean="0"/>
+              <a:t>beta_p</a:t>
+            </a:r>
+            <a:r>
+              <a:rPr lang="en-US" baseline="0" dirty="0" smtClean="0"/>
+              <a:t>=0</a:t>
+            </a:r>
+          </a:p>
+          <a:p>
+            <a:pPr marL="0" marR="0" lvl="0" indent="0" algn="l" defTabSz="914400" rtl="0" eaLnBrk="1" fontAlgn="auto" latinLnBrk="0" hangingPunct="1">
+              <a:lnSpc>
+                <a:spcPct val="100000"/>
+              </a:lnSpc>
+              <a:spcBef>
+                <a:spcPts val="0"/>
+              </a:spcBef>
+              <a:spcAft>
+                <a:spcPts val="0"/>
+              </a:spcAft>
+              <a:buClrTx/>
+              <a:buSzTx/>
+              <a:buFontTx/>
+              <a:buNone/>
+              <a:tabLst/>
+              <a:defRPr/>
+            </a:pPr>
+            <a:r>
+              <a:rPr lang="en-US" baseline="0" dirty="0" smtClean="0"/>
+              <a:t>H1: </a:t>
+            </a:r>
+            <a:r>
+              <a:rPr lang="en-US" baseline="0" dirty="0" smtClean="0"/>
+              <a:t>\exists </a:t>
+            </a:r>
+            <a:r>
+              <a:rPr lang="en-US" baseline="0" dirty="0" err="1" smtClean="0"/>
+              <a:t>i</a:t>
+            </a:r>
+            <a:r>
+              <a:rPr lang="en-US" baseline="0" dirty="0" smtClean="0"/>
+              <a:t> such that \</a:t>
+            </a:r>
+            <a:r>
+              <a:rPr lang="en-US" baseline="0" dirty="0" err="1" smtClean="0"/>
+              <a:t>beta_i</a:t>
+            </a:r>
+            <a:r>
+              <a:rPr lang="en-US" baseline="0" dirty="0" smtClean="0"/>
+              <a:t>\neq0</a:t>
+            </a:r>
+          </a:p>
+          <a:p>
+            <a:pPr marL="0" marR="0" lvl="0" indent="0" algn="l" defTabSz="914400" rtl="0" eaLnBrk="1" fontAlgn="auto" latinLnBrk="0" hangingPunct="1">
+              <a:lnSpc>
+                <a:spcPct val="100000"/>
+              </a:lnSpc>
+              <a:spcBef>
+                <a:spcPts val="0"/>
+              </a:spcBef>
+              <a:spcAft>
+                <a:spcPts val="0"/>
+              </a:spcAft>
+              <a:buClrTx/>
+              <a:buSzTx/>
+              <a:buFontTx/>
+              <a:buNone/>
+              <a:tabLst/>
+              <a:defRPr/>
+            </a:pPr>
+            <a:endParaRPr lang="en-US" baseline="0" dirty="0" smtClean="0"/>
+          </a:p>
+          <a:p>
+            <a:pPr marL="0" marR="0" lvl="0" indent="0" algn="l" defTabSz="914400" rtl="0" eaLnBrk="1" fontAlgn="auto" latinLnBrk="0" hangingPunct="1">
+              <a:lnSpc>
+                <a:spcPct val="100000"/>
+              </a:lnSpc>
+              <a:spcBef>
+                <a:spcPts val="0"/>
+              </a:spcBef>
+              <a:spcAft>
+                <a:spcPts val="0"/>
+              </a:spcAft>
+              <a:buClrTx/>
+              <a:buSzTx/>
+              <a:buFontTx/>
+              <a:buNone/>
+              <a:tabLst/>
+              <a:defRPr/>
+            </a:pPr>
+            <a:r>
+              <a:rPr lang="en-US" baseline="0" dirty="0" smtClean="0"/>
+              <a:t>Individual tests for \</a:t>
+            </a:r>
+            <a:r>
+              <a:rPr lang="en-US" baseline="0" dirty="0" err="1" smtClean="0"/>
+              <a:t>beta_i</a:t>
+            </a:r>
+            <a:r>
+              <a:rPr lang="en-US" baseline="0" dirty="0" smtClean="0"/>
+              <a:t> also exist, using the t-test distribution.</a:t>
+            </a:r>
+          </a:p>
+          <a:p>
+            <a:pPr marL="0" marR="0" lvl="0" indent="0" algn="l" defTabSz="914400" rtl="0" eaLnBrk="1" fontAlgn="auto" latinLnBrk="0" hangingPunct="1">
+              <a:lnSpc>
+                <a:spcPct val="100000"/>
+              </a:lnSpc>
+              <a:spcBef>
+                <a:spcPts val="0"/>
+              </a:spcBef>
+              <a:spcAft>
+                <a:spcPts val="0"/>
+              </a:spcAft>
+              <a:buClrTx/>
+              <a:buSzTx/>
+              <a:buFontTx/>
+              <a:buNone/>
+              <a:tabLst/>
+              <a:defRPr/>
+            </a:pPr>
+            <a:r>
+              <a:rPr lang="en-US" baseline="0" dirty="0" smtClean="0"/>
+              <a:t>\beta \sim N(\beta, (X^TX)^{-1}\sigma^2)</a:t>
+            </a:r>
+          </a:p>
+          <a:p>
+            <a:pPr marL="0" marR="0" lvl="0" indent="0" algn="l" defTabSz="914400" rtl="0" eaLnBrk="1" fontAlgn="auto" latinLnBrk="0" hangingPunct="1">
+              <a:lnSpc>
+                <a:spcPct val="100000"/>
+              </a:lnSpc>
+              <a:spcBef>
+                <a:spcPts val="0"/>
+              </a:spcBef>
+              <a:spcAft>
+                <a:spcPts val="0"/>
+              </a:spcAft>
+              <a:buClrTx/>
+              <a:buSzTx/>
+              <a:buFontTx/>
+              <a:buNone/>
+              <a:tabLst/>
+              <a:defRPr/>
+            </a:pPr>
+            <a:r>
+              <a:rPr lang="en-US" baseline="0" dirty="0" smtClean="0"/>
+              <a:t>So by using the coefficient’s standard error and nominal estimate we can compute the individual \beta’s confidence interval.</a:t>
+            </a:r>
+          </a:p>
+          <a:p>
+            <a:endParaRPr lang="he-IL" dirty="0"/>
+          </a:p>
+        </p:txBody>
+      </p:sp>
+      <p:sp>
+        <p:nvSpPr>
+          <p:cNvPr id="4" name="Slide Number Placeholder 3"/>
+          <p:cNvSpPr>
+            <a:spLocks noGrp="1"/>
+          </p:cNvSpPr>
+          <p:nvPr>
+            <p:ph type="sldNum" sz="quarter" idx="10"/>
+          </p:nvPr>
+        </p:nvSpPr>
+        <p:spPr/>
+        <p:txBody>
+          <a:bodyPr/>
+          <a:lstStyle/>
+          <a:p>
+            <a:fld id="{C4276747-8356-4D8F-84BF-3C530C5DAF39}" type="slidenum">
+              <a:rPr lang="he-IL" smtClean="0"/>
+              <a:t>10</a:t>
+            </a:fld>
+            <a:endParaRPr lang="he-IL"/>
+          </a:p>
+        </p:txBody>
+      </p:sp>
+    </p:spTree>
+    <p:extLst>
+      <p:ext uri="{BB962C8B-B14F-4D97-AF65-F5344CB8AC3E}">
+        <p14:creationId xmlns:p14="http://schemas.microsoft.com/office/powerpoint/2010/main" val="3309583195"/>
+      </p:ext>
+    </p:extLst>
+  </p:cSld>
+  <p:clrMapOvr>
+    <a:masterClrMapping/>
+  </p:clrMapOvr>
+</p:notes>
 </file>
 
 <file path=ppt/slideLayouts/slideLayout1.xml><?xml version="1.0" encoding="utf-8"?>
@@ -4875,6 +5640,2389 @@
 </p:sld>
 </file>
 
+<file path=ppt/slides/slide10.xml><?xml version="1.0" encoding="utf-8"?>
+<p:sld xmlns:a="http://schemas.openxmlformats.org/drawingml/2006/main" xmlns:r="http://schemas.openxmlformats.org/officeDocument/2006/relationships" xmlns:p="http://schemas.openxmlformats.org/presentationml/2006/main">
+  <p:cSld>
+    <p:spTree>
+      <p:nvGrpSpPr>
+        <p:cNvPr id="1" name=""/>
+        <p:cNvGrpSpPr/>
+        <p:nvPr/>
+      </p:nvGrpSpPr>
+      <p:grpSpPr>
+        <a:xfrm>
+          <a:off x="0" y="0"/>
+          <a:ext cx="0" cy="0"/>
+          <a:chOff x="0" y="0"/>
+          <a:chExt cx="0" cy="0"/>
+        </a:xfrm>
+      </p:grpSpPr>
+      <p:sp>
+        <p:nvSpPr>
+          <p:cNvPr id="2" name="Title 1"/>
+          <p:cNvSpPr>
+            <a:spLocks noGrp="1"/>
+          </p:cNvSpPr>
+          <p:nvPr>
+            <p:ph type="title"/>
+          </p:nvPr>
+        </p:nvSpPr>
+        <p:spPr/>
+        <p:txBody>
+          <a:bodyPr>
+            <a:normAutofit/>
+          </a:bodyPr>
+          <a:lstStyle/>
+          <a:p>
+            <a:r>
+              <a:rPr lang="en-US" dirty="0" smtClean="0"/>
+              <a:t>Questions we need to ask ourselves when running a model</a:t>
+            </a:r>
+            <a:endParaRPr lang="he-IL" dirty="0"/>
+          </a:p>
+        </p:txBody>
+      </p:sp>
+      <p:sp>
+        <p:nvSpPr>
+          <p:cNvPr id="3" name="Content Placeholder 2"/>
+          <p:cNvSpPr>
+            <a:spLocks noGrp="1"/>
+          </p:cNvSpPr>
+          <p:nvPr>
+            <p:ph idx="1"/>
+          </p:nvPr>
+        </p:nvSpPr>
+        <p:spPr>
+          <a:xfrm>
+            <a:off x="1069848" y="2121408"/>
+            <a:ext cx="10058400" cy="2687260"/>
+          </a:xfrm>
+        </p:spPr>
+        <p:txBody>
+          <a:bodyPr/>
+          <a:lstStyle/>
+          <a:p>
+            <a:pPr>
+              <a:lnSpc>
+                <a:spcPct val="150000"/>
+              </a:lnSpc>
+            </a:pPr>
+            <a:r>
+              <a:rPr lang="en-US" dirty="0" smtClean="0"/>
+              <a:t>Did we capture an overall relationship between response and predictors?</a:t>
+            </a:r>
+          </a:p>
+          <a:p>
+            <a:pPr>
+              <a:lnSpc>
+                <a:spcPct val="150000"/>
+              </a:lnSpc>
+            </a:pPr>
+            <a:r>
+              <a:rPr lang="en-US" dirty="0" smtClean="0"/>
+              <a:t>How do we decide on important variables?</a:t>
+            </a:r>
+          </a:p>
+          <a:p>
+            <a:pPr>
+              <a:lnSpc>
+                <a:spcPct val="150000"/>
+              </a:lnSpc>
+            </a:pPr>
+            <a:r>
+              <a:rPr lang="en-US" dirty="0"/>
+              <a:t>How would we measure the extent to which the model fits the data</a:t>
+            </a:r>
+            <a:r>
+              <a:rPr lang="en-US" dirty="0" smtClean="0"/>
+              <a:t>?</a:t>
+            </a:r>
+          </a:p>
+          <a:p>
+            <a:pPr>
+              <a:lnSpc>
+                <a:spcPct val="150000"/>
+              </a:lnSpc>
+            </a:pPr>
+            <a:r>
+              <a:rPr lang="en-US" dirty="0" smtClean="0"/>
+              <a:t>Given a set of predictor values, how accurate is our prediction?</a:t>
+            </a:r>
+            <a:endParaRPr lang="he-IL" dirty="0"/>
+          </a:p>
+        </p:txBody>
+      </p:sp>
+      <p:sp>
+        <p:nvSpPr>
+          <p:cNvPr id="4" name="Footer Placeholder 3"/>
+          <p:cNvSpPr>
+            <a:spLocks noGrp="1"/>
+          </p:cNvSpPr>
+          <p:nvPr>
+            <p:ph type="ftr" sz="quarter" idx="11"/>
+          </p:nvPr>
+        </p:nvSpPr>
+        <p:spPr/>
+        <p:txBody>
+          <a:bodyPr/>
+          <a:lstStyle/>
+          <a:p>
+            <a:r>
+              <a:rPr lang="en-US" smtClean="0"/>
+              <a:t>Materials by Adi Sarid https://adisarid.github.io and http://www.sarid-ins.com</a:t>
+            </a:r>
+            <a:endParaRPr lang="en-US" dirty="0"/>
+          </a:p>
+        </p:txBody>
+      </p:sp>
+      <p:sp>
+        <p:nvSpPr>
+          <p:cNvPr id="5" name="Slide Number Placeholder 4"/>
+          <p:cNvSpPr>
+            <a:spLocks noGrp="1"/>
+          </p:cNvSpPr>
+          <p:nvPr>
+            <p:ph type="sldNum" sz="quarter" idx="12"/>
+          </p:nvPr>
+        </p:nvSpPr>
+        <p:spPr/>
+        <p:txBody>
+          <a:bodyPr/>
+          <a:lstStyle/>
+          <a:p>
+            <a:fld id="{4FAB73BC-B049-4115-A692-8D63A059BFB8}" type="slidenum">
+              <a:rPr lang="en-US" smtClean="0"/>
+              <a:t>10</a:t>
+            </a:fld>
+            <a:endParaRPr lang="en-US" dirty="0"/>
+          </a:p>
+        </p:txBody>
+      </p:sp>
+      <p:pic>
+        <p:nvPicPr>
+          <p:cNvPr id="6" name="Picture 5">
+            <a:hlinkClick r:id="rId3"/>
+          </p:cNvPr>
+          <p:cNvPicPr>
+            <a:picLocks noChangeAspect="1"/>
+          </p:cNvPicPr>
+          <p:nvPr/>
+        </p:nvPicPr>
+        <p:blipFill rotWithShape="1">
+          <a:blip r:embed="rId4"/>
+          <a:srcRect l="16061" t="18242" r="8788" b="16788"/>
+          <a:stretch/>
+        </p:blipFill>
+        <p:spPr>
+          <a:xfrm>
+            <a:off x="10423563" y="4588510"/>
+            <a:ext cx="1574800" cy="1361440"/>
+          </a:xfrm>
+          <a:prstGeom prst="rect">
+            <a:avLst/>
+          </a:prstGeom>
+        </p:spPr>
+      </p:pic>
+      <p:sp>
+        <p:nvSpPr>
+          <p:cNvPr id="7" name="Rounded Rectangle 6"/>
+          <p:cNvSpPr/>
+          <p:nvPr/>
+        </p:nvSpPr>
+        <p:spPr>
+          <a:xfrm>
+            <a:off x="2140772" y="5088367"/>
+            <a:ext cx="1667435" cy="861583"/>
+          </a:xfrm>
+          <a:prstGeom prst="roundRect">
+            <a:avLst/>
+          </a:prstGeom>
+        </p:spPr>
+        <p:style>
+          <a:lnRef idx="2">
+            <a:schemeClr val="accent1">
+              <a:shade val="50000"/>
+            </a:schemeClr>
+          </a:lnRef>
+          <a:fillRef idx="1">
+            <a:schemeClr val="accent1"/>
+          </a:fillRef>
+          <a:effectRef idx="0">
+            <a:schemeClr val="accent1"/>
+          </a:effectRef>
+          <a:fontRef idx="minor">
+            <a:schemeClr val="lt1"/>
+          </a:fontRef>
+        </p:style>
+        <p:txBody>
+          <a:bodyPr rtlCol="1" anchor="ctr"/>
+          <a:lstStyle/>
+          <a:p>
+            <a:pPr algn="ctr"/>
+            <a:r>
+              <a:rPr lang="en-US" dirty="0" smtClean="0"/>
+              <a:t>Variable selection</a:t>
+            </a:r>
+            <a:endParaRPr lang="he-IL" dirty="0"/>
+          </a:p>
+        </p:txBody>
+      </p:sp>
+      <p:sp>
+        <p:nvSpPr>
+          <p:cNvPr id="8" name="Rounded Rectangle 7"/>
+          <p:cNvSpPr/>
+          <p:nvPr/>
+        </p:nvSpPr>
+        <p:spPr>
+          <a:xfrm>
+            <a:off x="4034118" y="5088367"/>
+            <a:ext cx="1667435" cy="861583"/>
+          </a:xfrm>
+          <a:prstGeom prst="roundRect">
+            <a:avLst/>
+          </a:prstGeom>
+        </p:spPr>
+        <p:style>
+          <a:lnRef idx="2">
+            <a:schemeClr val="accent1">
+              <a:shade val="50000"/>
+            </a:schemeClr>
+          </a:lnRef>
+          <a:fillRef idx="1">
+            <a:schemeClr val="accent1"/>
+          </a:fillRef>
+          <a:effectRef idx="0">
+            <a:schemeClr val="accent1"/>
+          </a:effectRef>
+          <a:fontRef idx="minor">
+            <a:schemeClr val="lt1"/>
+          </a:fontRef>
+        </p:style>
+        <p:txBody>
+          <a:bodyPr rtlCol="1" anchor="ctr"/>
+          <a:lstStyle/>
+          <a:p>
+            <a:pPr algn="ctr"/>
+            <a:r>
+              <a:rPr lang="en-US" dirty="0" smtClean="0"/>
+              <a:t>R-squared</a:t>
+            </a:r>
+            <a:endParaRPr lang="he-IL" dirty="0"/>
+          </a:p>
+        </p:txBody>
+      </p:sp>
+      <p:sp>
+        <p:nvSpPr>
+          <p:cNvPr id="9" name="Rounded Rectangle 8"/>
+          <p:cNvSpPr/>
+          <p:nvPr/>
+        </p:nvSpPr>
+        <p:spPr>
+          <a:xfrm>
+            <a:off x="5981252" y="5088367"/>
+            <a:ext cx="1667435" cy="861583"/>
+          </a:xfrm>
+          <a:prstGeom prst="roundRect">
+            <a:avLst/>
+          </a:prstGeom>
+        </p:spPr>
+        <p:style>
+          <a:lnRef idx="2">
+            <a:schemeClr val="accent1">
+              <a:shade val="50000"/>
+            </a:schemeClr>
+          </a:lnRef>
+          <a:fillRef idx="1">
+            <a:schemeClr val="accent1"/>
+          </a:fillRef>
+          <a:effectRef idx="0">
+            <a:schemeClr val="accent1"/>
+          </a:effectRef>
+          <a:fontRef idx="minor">
+            <a:schemeClr val="lt1"/>
+          </a:fontRef>
+        </p:style>
+        <p:txBody>
+          <a:bodyPr rtlCol="1" anchor="ctr"/>
+          <a:lstStyle/>
+          <a:p>
+            <a:pPr algn="ctr"/>
+            <a:r>
+              <a:rPr lang="en-US" dirty="0" smtClean="0"/>
+              <a:t>Hypothesis test</a:t>
+            </a:r>
+            <a:endParaRPr lang="he-IL" dirty="0"/>
+          </a:p>
+        </p:txBody>
+      </p:sp>
+      <p:sp>
+        <p:nvSpPr>
+          <p:cNvPr id="10" name="Rounded Rectangle 9"/>
+          <p:cNvSpPr/>
+          <p:nvPr/>
+        </p:nvSpPr>
+        <p:spPr>
+          <a:xfrm>
+            <a:off x="7853082" y="5088367"/>
+            <a:ext cx="1667435" cy="861583"/>
+          </a:xfrm>
+          <a:prstGeom prst="roundRect">
+            <a:avLst/>
+          </a:prstGeom>
+        </p:spPr>
+        <p:style>
+          <a:lnRef idx="2">
+            <a:schemeClr val="accent1">
+              <a:shade val="50000"/>
+            </a:schemeClr>
+          </a:lnRef>
+          <a:fillRef idx="1">
+            <a:schemeClr val="accent1"/>
+          </a:fillRef>
+          <a:effectRef idx="0">
+            <a:schemeClr val="accent1"/>
+          </a:effectRef>
+          <a:fontRef idx="minor">
+            <a:schemeClr val="lt1"/>
+          </a:fontRef>
+        </p:style>
+        <p:txBody>
+          <a:bodyPr rtlCol="1" anchor="ctr"/>
+          <a:lstStyle/>
+          <a:p>
+            <a:pPr algn="ctr"/>
+            <a:r>
+              <a:rPr lang="en-US" dirty="0" smtClean="0"/>
+              <a:t>Prediction intervals</a:t>
+            </a:r>
+            <a:endParaRPr lang="he-IL" dirty="0"/>
+          </a:p>
+        </p:txBody>
+      </p:sp>
+    </p:spTree>
+    <p:extLst>
+      <p:ext uri="{BB962C8B-B14F-4D97-AF65-F5344CB8AC3E}">
+        <p14:creationId xmlns:p14="http://schemas.microsoft.com/office/powerpoint/2010/main" val="558063630"/>
+      </p:ext>
+    </p:extLst>
+  </p:cSld>
+  <p:clrMapOvr>
+    <a:masterClrMapping/>
+  </p:clrMapOvr>
+  <p:timing>
+    <p:tnLst>
+      <p:par>
+        <p:cTn id="1" dur="indefinite" restart="never" nodeType="tmRoot"/>
+      </p:par>
+    </p:tnLst>
+  </p:timing>
+</p:sld>
+</file>
+
+<file path=ppt/slides/slide11.xml><?xml version="1.0" encoding="utf-8"?>
+<p:sld xmlns:a="http://schemas.openxmlformats.org/drawingml/2006/main" xmlns:r="http://schemas.openxmlformats.org/officeDocument/2006/relationships" xmlns:p="http://schemas.openxmlformats.org/presentationml/2006/main">
+  <p:cSld>
+    <p:spTree>
+      <p:nvGrpSpPr>
+        <p:cNvPr id="1" name=""/>
+        <p:cNvGrpSpPr/>
+        <p:nvPr/>
+      </p:nvGrpSpPr>
+      <p:grpSpPr>
+        <a:xfrm>
+          <a:off x="0" y="0"/>
+          <a:ext cx="0" cy="0"/>
+          <a:chOff x="0" y="0"/>
+          <a:chExt cx="0" cy="0"/>
+        </a:xfrm>
+      </p:grpSpPr>
+      <p:sp>
+        <p:nvSpPr>
+          <p:cNvPr id="2" name="Title 1"/>
+          <p:cNvSpPr>
+            <a:spLocks noGrp="1"/>
+          </p:cNvSpPr>
+          <p:nvPr>
+            <p:ph type="title"/>
+          </p:nvPr>
+        </p:nvSpPr>
+        <p:spPr/>
+        <p:txBody>
+          <a:bodyPr/>
+          <a:lstStyle/>
+          <a:p>
+            <a:r>
+              <a:rPr lang="en-US" dirty="0" smtClean="0"/>
+              <a:t>Live coding examples</a:t>
+            </a:r>
+            <a:endParaRPr lang="he-IL" dirty="0"/>
+          </a:p>
+        </p:txBody>
+      </p:sp>
+      <p:sp>
+        <p:nvSpPr>
+          <p:cNvPr id="3" name="Content Placeholder 2"/>
+          <p:cNvSpPr>
+            <a:spLocks noGrp="1"/>
+          </p:cNvSpPr>
+          <p:nvPr>
+            <p:ph idx="1"/>
+          </p:nvPr>
+        </p:nvSpPr>
+        <p:spPr/>
+        <p:txBody>
+          <a:bodyPr/>
+          <a:lstStyle/>
+          <a:p>
+            <a:r>
+              <a:rPr lang="en-US" dirty="0" smtClean="0"/>
+              <a:t>Model evaluation using R-squared</a:t>
+            </a:r>
+          </a:p>
+          <a:p>
+            <a:r>
+              <a:rPr lang="en-US" dirty="0" smtClean="0"/>
+              <a:t>Using </a:t>
+            </a:r>
+            <a:r>
+              <a:rPr lang="en-US" i="1" dirty="0" err="1" smtClean="0"/>
+              <a:t>relaimpo</a:t>
+            </a:r>
+            <a:r>
+              <a:rPr lang="en-US" dirty="0" smtClean="0"/>
+              <a:t> for feature importance</a:t>
+            </a:r>
+          </a:p>
+          <a:p>
+            <a:r>
+              <a:rPr lang="en-US" dirty="0" smtClean="0"/>
+              <a:t>Variable selection with </a:t>
+            </a:r>
+            <a:r>
+              <a:rPr lang="en-US" i="1" dirty="0" smtClean="0"/>
+              <a:t>stepwise</a:t>
+            </a:r>
+            <a:endParaRPr lang="en-US" dirty="0" smtClean="0"/>
+          </a:p>
+          <a:p>
+            <a:r>
+              <a:rPr lang="en-US" dirty="0" smtClean="0"/>
+              <a:t>Hypothesis testing</a:t>
+            </a:r>
+          </a:p>
+          <a:p>
+            <a:r>
+              <a:rPr lang="en-US" dirty="0" smtClean="0"/>
+              <a:t>Prediction intervals with </a:t>
+            </a:r>
+            <a:r>
+              <a:rPr lang="en-US" i="1" dirty="0" smtClean="0"/>
+              <a:t>predict</a:t>
+            </a:r>
+            <a:endParaRPr lang="en-US" dirty="0" smtClean="0"/>
+          </a:p>
+          <a:p>
+            <a:endParaRPr lang="en-US" dirty="0" smtClean="0"/>
+          </a:p>
+        </p:txBody>
+      </p:sp>
+      <p:sp>
+        <p:nvSpPr>
+          <p:cNvPr id="4" name="Footer Placeholder 3"/>
+          <p:cNvSpPr>
+            <a:spLocks noGrp="1"/>
+          </p:cNvSpPr>
+          <p:nvPr>
+            <p:ph type="ftr" sz="quarter" idx="11"/>
+          </p:nvPr>
+        </p:nvSpPr>
+        <p:spPr/>
+        <p:txBody>
+          <a:bodyPr/>
+          <a:lstStyle/>
+          <a:p>
+            <a:r>
+              <a:rPr lang="en-US" smtClean="0"/>
+              <a:t>Materials by Adi Sarid https://adisarid.github.io and http://www.sarid-ins.com</a:t>
+            </a:r>
+            <a:endParaRPr lang="en-US" dirty="0"/>
+          </a:p>
+        </p:txBody>
+      </p:sp>
+      <p:sp>
+        <p:nvSpPr>
+          <p:cNvPr id="5" name="Slide Number Placeholder 4"/>
+          <p:cNvSpPr>
+            <a:spLocks noGrp="1"/>
+          </p:cNvSpPr>
+          <p:nvPr>
+            <p:ph type="sldNum" sz="quarter" idx="12"/>
+          </p:nvPr>
+        </p:nvSpPr>
+        <p:spPr/>
+        <p:txBody>
+          <a:bodyPr/>
+          <a:lstStyle/>
+          <a:p>
+            <a:fld id="{4FAB73BC-B049-4115-A692-8D63A059BFB8}" type="slidenum">
+              <a:rPr lang="en-US" smtClean="0"/>
+              <a:t>11</a:t>
+            </a:fld>
+            <a:endParaRPr lang="en-US" dirty="0"/>
+          </a:p>
+        </p:txBody>
+      </p:sp>
+    </p:spTree>
+    <p:extLst>
+      <p:ext uri="{BB962C8B-B14F-4D97-AF65-F5344CB8AC3E}">
+        <p14:creationId xmlns:p14="http://schemas.microsoft.com/office/powerpoint/2010/main" val="3865411634"/>
+      </p:ext>
+    </p:extLst>
+  </p:cSld>
+  <p:clrMapOvr>
+    <a:masterClrMapping/>
+  </p:clrMapOvr>
+  <p:timing>
+    <p:tnLst>
+      <p:par>
+        <p:cTn id="1" dur="indefinite" restart="never" nodeType="tmRoot"/>
+      </p:par>
+    </p:tnLst>
+  </p:timing>
+</p:sld>
+</file>
+
+<file path=ppt/slides/slide12.xml><?xml version="1.0" encoding="utf-8"?>
+<p:sld xmlns:a="http://schemas.openxmlformats.org/drawingml/2006/main" xmlns:r="http://schemas.openxmlformats.org/officeDocument/2006/relationships" xmlns:p="http://schemas.openxmlformats.org/presentationml/2006/main">
+  <p:cSld>
+    <p:spTree>
+      <p:nvGrpSpPr>
+        <p:cNvPr id="1" name=""/>
+        <p:cNvGrpSpPr/>
+        <p:nvPr/>
+      </p:nvGrpSpPr>
+      <p:grpSpPr>
+        <a:xfrm>
+          <a:off x="0" y="0"/>
+          <a:ext cx="0" cy="0"/>
+          <a:chOff x="0" y="0"/>
+          <a:chExt cx="0" cy="0"/>
+        </a:xfrm>
+      </p:grpSpPr>
+      <p:sp>
+        <p:nvSpPr>
+          <p:cNvPr id="2" name="Title 1"/>
+          <p:cNvSpPr>
+            <a:spLocks noGrp="1"/>
+          </p:cNvSpPr>
+          <p:nvPr>
+            <p:ph type="title"/>
+          </p:nvPr>
+        </p:nvSpPr>
+        <p:spPr/>
+        <p:txBody>
+          <a:bodyPr/>
+          <a:lstStyle/>
+          <a:p>
+            <a:r>
+              <a:rPr lang="en-US" dirty="0" smtClean="0"/>
+              <a:t>Exercise</a:t>
+            </a:r>
+            <a:endParaRPr lang="he-IL" dirty="0"/>
+          </a:p>
+        </p:txBody>
+      </p:sp>
+      <p:sp>
+        <p:nvSpPr>
+          <p:cNvPr id="3" name="Content Placeholder 2"/>
+          <p:cNvSpPr>
+            <a:spLocks noGrp="1"/>
+          </p:cNvSpPr>
+          <p:nvPr>
+            <p:ph idx="1"/>
+          </p:nvPr>
+        </p:nvSpPr>
+        <p:spPr/>
+        <p:txBody>
+          <a:bodyPr/>
+          <a:lstStyle/>
+          <a:p>
+            <a:r>
+              <a:rPr lang="en-US" dirty="0" smtClean="0"/>
+              <a:t>01 - Subset selection, dimension reduction, and variable importance</a:t>
+            </a:r>
+            <a:endParaRPr lang="he-IL" dirty="0"/>
+          </a:p>
+        </p:txBody>
+      </p:sp>
+      <p:sp>
+        <p:nvSpPr>
+          <p:cNvPr id="4" name="Footer Placeholder 3"/>
+          <p:cNvSpPr>
+            <a:spLocks noGrp="1"/>
+          </p:cNvSpPr>
+          <p:nvPr>
+            <p:ph type="ftr" sz="quarter" idx="11"/>
+          </p:nvPr>
+        </p:nvSpPr>
+        <p:spPr/>
+        <p:txBody>
+          <a:bodyPr/>
+          <a:lstStyle/>
+          <a:p>
+            <a:r>
+              <a:rPr lang="en-US" smtClean="0"/>
+              <a:t>Materials by Adi Sarid https://adisarid.github.io and http://www.sarid-ins.com</a:t>
+            </a:r>
+            <a:endParaRPr lang="en-US" dirty="0"/>
+          </a:p>
+        </p:txBody>
+      </p:sp>
+      <p:sp>
+        <p:nvSpPr>
+          <p:cNvPr id="5" name="Slide Number Placeholder 4"/>
+          <p:cNvSpPr>
+            <a:spLocks noGrp="1"/>
+          </p:cNvSpPr>
+          <p:nvPr>
+            <p:ph type="sldNum" sz="quarter" idx="12"/>
+          </p:nvPr>
+        </p:nvSpPr>
+        <p:spPr/>
+        <p:txBody>
+          <a:bodyPr/>
+          <a:lstStyle/>
+          <a:p>
+            <a:fld id="{4FAB73BC-B049-4115-A692-8D63A059BFB8}" type="slidenum">
+              <a:rPr lang="en-US" smtClean="0"/>
+              <a:t>12</a:t>
+            </a:fld>
+            <a:endParaRPr lang="en-US" dirty="0"/>
+          </a:p>
+        </p:txBody>
+      </p:sp>
+    </p:spTree>
+    <p:extLst>
+      <p:ext uri="{BB962C8B-B14F-4D97-AF65-F5344CB8AC3E}">
+        <p14:creationId xmlns:p14="http://schemas.microsoft.com/office/powerpoint/2010/main" val="2921006448"/>
+      </p:ext>
+    </p:extLst>
+  </p:cSld>
+  <p:clrMapOvr>
+    <a:masterClrMapping/>
+  </p:clrMapOvr>
+  <p:timing>
+    <p:tnLst>
+      <p:par>
+        <p:cTn id="1" dur="indefinite" restart="never" nodeType="tmRoot"/>
+      </p:par>
+    </p:tnLst>
+  </p:timing>
+</p:sld>
+</file>
+
+<file path=ppt/slides/slide13.xml><?xml version="1.0" encoding="utf-8"?>
+<p:sld xmlns:a="http://schemas.openxmlformats.org/drawingml/2006/main" xmlns:r="http://schemas.openxmlformats.org/officeDocument/2006/relationships" xmlns:p="http://schemas.openxmlformats.org/presentationml/2006/main">
+  <p:cSld>
+    <p:spTree>
+      <p:nvGrpSpPr>
+        <p:cNvPr id="1" name=""/>
+        <p:cNvGrpSpPr/>
+        <p:nvPr/>
+      </p:nvGrpSpPr>
+      <p:grpSpPr>
+        <a:xfrm>
+          <a:off x="0" y="0"/>
+          <a:ext cx="0" cy="0"/>
+          <a:chOff x="0" y="0"/>
+          <a:chExt cx="0" cy="0"/>
+        </a:xfrm>
+      </p:grpSpPr>
+      <p:sp>
+        <p:nvSpPr>
+          <p:cNvPr id="2" name="Title 1"/>
+          <p:cNvSpPr>
+            <a:spLocks noGrp="1"/>
+          </p:cNvSpPr>
+          <p:nvPr>
+            <p:ph type="title"/>
+          </p:nvPr>
+        </p:nvSpPr>
+        <p:spPr/>
+        <p:txBody>
+          <a:bodyPr/>
+          <a:lstStyle/>
+          <a:p>
+            <a:r>
+              <a:rPr lang="en-US" dirty="0" smtClean="0"/>
+              <a:t>The influence of outliers</a:t>
+            </a:r>
+            <a:endParaRPr lang="he-IL" dirty="0"/>
+          </a:p>
+        </p:txBody>
+      </p:sp>
+      <p:sp>
+        <p:nvSpPr>
+          <p:cNvPr id="3" name="Content Placeholder 2"/>
+          <p:cNvSpPr>
+            <a:spLocks noGrp="1"/>
+          </p:cNvSpPr>
+          <p:nvPr>
+            <p:ph idx="1"/>
+          </p:nvPr>
+        </p:nvSpPr>
+        <p:spPr/>
+        <p:txBody>
+          <a:bodyPr/>
+          <a:lstStyle/>
+          <a:p>
+            <a:r>
+              <a:rPr lang="en-US" dirty="0" smtClean="0"/>
+              <a:t>Live coding example</a:t>
+            </a:r>
+          </a:p>
+          <a:p>
+            <a:r>
+              <a:rPr lang="en-US" dirty="0" smtClean="0"/>
+              <a:t>Mitigation:</a:t>
+            </a:r>
+            <a:endParaRPr lang="en-US" dirty="0"/>
+          </a:p>
+          <a:p>
+            <a:pPr lvl="1"/>
+            <a:r>
+              <a:rPr lang="en-US" dirty="0" smtClean="0"/>
+              <a:t>Outlier detection (out of scope for now)</a:t>
+            </a:r>
+          </a:p>
+          <a:p>
+            <a:pPr lvl="1"/>
+            <a:r>
+              <a:rPr lang="en-US" dirty="0" smtClean="0"/>
+              <a:t>Quantile regression</a:t>
+            </a:r>
+            <a:endParaRPr lang="he-IL" dirty="0"/>
+          </a:p>
+        </p:txBody>
+      </p:sp>
+      <p:sp>
+        <p:nvSpPr>
+          <p:cNvPr id="4" name="Footer Placeholder 3"/>
+          <p:cNvSpPr>
+            <a:spLocks noGrp="1"/>
+          </p:cNvSpPr>
+          <p:nvPr>
+            <p:ph type="ftr" sz="quarter" idx="11"/>
+          </p:nvPr>
+        </p:nvSpPr>
+        <p:spPr/>
+        <p:txBody>
+          <a:bodyPr/>
+          <a:lstStyle/>
+          <a:p>
+            <a:r>
+              <a:rPr lang="en-US" smtClean="0"/>
+              <a:t>Materials by Adi Sarid https://adisarid.github.io and http://www.sarid-ins.com</a:t>
+            </a:r>
+            <a:endParaRPr lang="en-US" dirty="0"/>
+          </a:p>
+        </p:txBody>
+      </p:sp>
+      <p:sp>
+        <p:nvSpPr>
+          <p:cNvPr id="5" name="Slide Number Placeholder 4"/>
+          <p:cNvSpPr>
+            <a:spLocks noGrp="1"/>
+          </p:cNvSpPr>
+          <p:nvPr>
+            <p:ph type="sldNum" sz="quarter" idx="12"/>
+          </p:nvPr>
+        </p:nvSpPr>
+        <p:spPr/>
+        <p:txBody>
+          <a:bodyPr/>
+          <a:lstStyle/>
+          <a:p>
+            <a:fld id="{4FAB73BC-B049-4115-A692-8D63A059BFB8}" type="slidenum">
+              <a:rPr lang="en-US" smtClean="0"/>
+              <a:t>13</a:t>
+            </a:fld>
+            <a:endParaRPr lang="en-US" dirty="0"/>
+          </a:p>
+        </p:txBody>
+      </p:sp>
+    </p:spTree>
+    <p:extLst>
+      <p:ext uri="{BB962C8B-B14F-4D97-AF65-F5344CB8AC3E}">
+        <p14:creationId xmlns:p14="http://schemas.microsoft.com/office/powerpoint/2010/main" val="3866612985"/>
+      </p:ext>
+    </p:extLst>
+  </p:cSld>
+  <p:clrMapOvr>
+    <a:masterClrMapping/>
+  </p:clrMapOvr>
+  <p:timing>
+    <p:tnLst>
+      <p:par>
+        <p:cTn id="1" dur="indefinite" restart="never" nodeType="tmRoot"/>
+      </p:par>
+    </p:tnLst>
+  </p:timing>
+</p:sld>
+</file>
+
+<file path=ppt/slides/slide14.xml><?xml version="1.0" encoding="utf-8"?>
+<p:sld xmlns:a="http://schemas.openxmlformats.org/drawingml/2006/main" xmlns:r="http://schemas.openxmlformats.org/officeDocument/2006/relationships" xmlns:p="http://schemas.openxmlformats.org/presentationml/2006/main">
+  <p:cSld>
+    <p:spTree>
+      <p:nvGrpSpPr>
+        <p:cNvPr id="1" name=""/>
+        <p:cNvGrpSpPr/>
+        <p:nvPr/>
+      </p:nvGrpSpPr>
+      <p:grpSpPr>
+        <a:xfrm>
+          <a:off x="0" y="0"/>
+          <a:ext cx="0" cy="0"/>
+          <a:chOff x="0" y="0"/>
+          <a:chExt cx="0" cy="0"/>
+        </a:xfrm>
+      </p:grpSpPr>
+      <p:sp>
+        <p:nvSpPr>
+          <p:cNvPr id="2" name="Title 1"/>
+          <p:cNvSpPr>
+            <a:spLocks noGrp="1"/>
+          </p:cNvSpPr>
+          <p:nvPr>
+            <p:ph type="title"/>
+          </p:nvPr>
+        </p:nvSpPr>
+        <p:spPr/>
+        <p:txBody>
+          <a:bodyPr/>
+          <a:lstStyle/>
+          <a:p>
+            <a:r>
+              <a:rPr lang="en-US" dirty="0" smtClean="0"/>
+              <a:t>Contents</a:t>
+            </a:r>
+            <a:endParaRPr lang="he-IL" dirty="0"/>
+          </a:p>
+        </p:txBody>
+      </p:sp>
+      <p:sp>
+        <p:nvSpPr>
+          <p:cNvPr id="4" name="Footer Placeholder 3"/>
+          <p:cNvSpPr>
+            <a:spLocks noGrp="1"/>
+          </p:cNvSpPr>
+          <p:nvPr>
+            <p:ph type="ftr" sz="quarter" idx="11"/>
+          </p:nvPr>
+        </p:nvSpPr>
+        <p:spPr/>
+        <p:txBody>
+          <a:bodyPr/>
+          <a:lstStyle/>
+          <a:p>
+            <a:r>
+              <a:rPr lang="en-US" smtClean="0"/>
+              <a:t>Materials by Adi Sarid https://adisarid.github.io and http://www.sarid-ins.com</a:t>
+            </a:r>
+            <a:endParaRPr lang="en-US" dirty="0"/>
+          </a:p>
+        </p:txBody>
+      </p:sp>
+      <p:sp>
+        <p:nvSpPr>
+          <p:cNvPr id="5" name="Slide Number Placeholder 4"/>
+          <p:cNvSpPr>
+            <a:spLocks noGrp="1"/>
+          </p:cNvSpPr>
+          <p:nvPr>
+            <p:ph type="sldNum" sz="quarter" idx="12"/>
+          </p:nvPr>
+        </p:nvSpPr>
+        <p:spPr/>
+        <p:txBody>
+          <a:bodyPr/>
+          <a:lstStyle/>
+          <a:p>
+            <a:fld id="{4FAB73BC-B049-4115-A692-8D63A059BFB8}" type="slidenum">
+              <a:rPr lang="en-US" smtClean="0"/>
+              <a:t>14</a:t>
+            </a:fld>
+            <a:endParaRPr lang="en-US" dirty="0"/>
+          </a:p>
+        </p:txBody>
+      </p:sp>
+      <p:sp>
+        <p:nvSpPr>
+          <p:cNvPr id="6" name="Rounded Rectangle 5"/>
+          <p:cNvSpPr/>
+          <p:nvPr/>
+        </p:nvSpPr>
+        <p:spPr>
+          <a:xfrm>
+            <a:off x="3377903" y="2000920"/>
+            <a:ext cx="1775012" cy="623943"/>
+          </a:xfrm>
+          <a:prstGeom prst="roundRect">
+            <a:avLst/>
+          </a:prstGeom>
+        </p:spPr>
+        <p:style>
+          <a:lnRef idx="3">
+            <a:schemeClr val="lt1"/>
+          </a:lnRef>
+          <a:fillRef idx="1">
+            <a:schemeClr val="accent2"/>
+          </a:fillRef>
+          <a:effectRef idx="1">
+            <a:schemeClr val="accent2"/>
+          </a:effectRef>
+          <a:fontRef idx="minor">
+            <a:schemeClr val="lt1"/>
+          </a:fontRef>
+        </p:style>
+        <p:txBody>
+          <a:bodyPr rtlCol="1" anchor="ctr"/>
+          <a:lstStyle/>
+          <a:p>
+            <a:pPr algn="ctr"/>
+            <a:r>
+              <a:rPr lang="en-US" dirty="0" smtClean="0"/>
+              <a:t>Supervised learning</a:t>
+            </a:r>
+            <a:endParaRPr lang="he-IL" dirty="0"/>
+          </a:p>
+        </p:txBody>
+      </p:sp>
+      <p:sp>
+        <p:nvSpPr>
+          <p:cNvPr id="7" name="Rounded Rectangle 6"/>
+          <p:cNvSpPr/>
+          <p:nvPr/>
+        </p:nvSpPr>
+        <p:spPr>
+          <a:xfrm>
+            <a:off x="441065" y="2000920"/>
+            <a:ext cx="1775012" cy="623943"/>
+          </a:xfrm>
+          <a:prstGeom prst="roundRect">
+            <a:avLst/>
+          </a:prstGeom>
+          <a:ln>
+            <a:headEnd type="none" w="med" len="med"/>
+            <a:tailEnd type="none" w="med" len="med"/>
+          </a:ln>
+        </p:spPr>
+        <p:style>
+          <a:lnRef idx="2">
+            <a:schemeClr val="accent2"/>
+          </a:lnRef>
+          <a:fillRef idx="1">
+            <a:schemeClr val="lt1"/>
+          </a:fillRef>
+          <a:effectRef idx="0">
+            <a:schemeClr val="accent2"/>
+          </a:effectRef>
+          <a:fontRef idx="minor">
+            <a:schemeClr val="dk1"/>
+          </a:fontRef>
+        </p:style>
+        <p:txBody>
+          <a:bodyPr rtlCol="1" anchor="ctr"/>
+          <a:lstStyle/>
+          <a:p>
+            <a:pPr algn="ctr"/>
+            <a:r>
+              <a:rPr lang="en-US" dirty="0" smtClean="0"/>
+              <a:t>Unsupervised learning</a:t>
+            </a:r>
+          </a:p>
+        </p:txBody>
+      </p:sp>
+      <p:sp>
+        <p:nvSpPr>
+          <p:cNvPr id="8" name="Rounded Rectangle 7"/>
+          <p:cNvSpPr/>
+          <p:nvPr/>
+        </p:nvSpPr>
+        <p:spPr>
+          <a:xfrm>
+            <a:off x="3528511" y="4129373"/>
+            <a:ext cx="1785765" cy="623943"/>
+          </a:xfrm>
+          <a:prstGeom prst="roundRect">
+            <a:avLst/>
+          </a:prstGeom>
+        </p:spPr>
+        <p:style>
+          <a:lnRef idx="2">
+            <a:schemeClr val="accent2"/>
+          </a:lnRef>
+          <a:fillRef idx="1">
+            <a:schemeClr val="lt1"/>
+          </a:fillRef>
+          <a:effectRef idx="0">
+            <a:schemeClr val="accent2"/>
+          </a:effectRef>
+          <a:fontRef idx="minor">
+            <a:schemeClr val="dk1"/>
+          </a:fontRef>
+        </p:style>
+        <p:txBody>
+          <a:bodyPr rtlCol="1" anchor="ctr"/>
+          <a:lstStyle/>
+          <a:p>
+            <a:pPr algn="ctr"/>
+            <a:r>
+              <a:rPr lang="en-US" dirty="0" smtClean="0"/>
+              <a:t>Classification</a:t>
+            </a:r>
+            <a:endParaRPr lang="he-IL" dirty="0"/>
+          </a:p>
+        </p:txBody>
+      </p:sp>
+      <p:sp>
+        <p:nvSpPr>
+          <p:cNvPr id="9" name="Rounded Rectangle 8"/>
+          <p:cNvSpPr/>
+          <p:nvPr/>
+        </p:nvSpPr>
+        <p:spPr>
+          <a:xfrm>
+            <a:off x="9918559" y="3161180"/>
+            <a:ext cx="1592128" cy="623943"/>
+          </a:xfrm>
+          <a:prstGeom prst="roundRect">
+            <a:avLst/>
+          </a:prstGeom>
+        </p:spPr>
+        <p:style>
+          <a:lnRef idx="3">
+            <a:schemeClr val="lt1"/>
+          </a:lnRef>
+          <a:fillRef idx="1">
+            <a:schemeClr val="accent5"/>
+          </a:fillRef>
+          <a:effectRef idx="1">
+            <a:schemeClr val="accent5"/>
+          </a:effectRef>
+          <a:fontRef idx="minor">
+            <a:schemeClr val="lt1"/>
+          </a:fontRef>
+        </p:style>
+        <p:txBody>
+          <a:bodyPr rtlCol="1" anchor="ctr"/>
+          <a:lstStyle/>
+          <a:p>
+            <a:pPr algn="ctr"/>
+            <a:r>
+              <a:rPr lang="en-US" dirty="0" smtClean="0"/>
+              <a:t>Feature importance</a:t>
+            </a:r>
+            <a:endParaRPr lang="he-IL" dirty="0"/>
+          </a:p>
+        </p:txBody>
+      </p:sp>
+      <p:sp>
+        <p:nvSpPr>
+          <p:cNvPr id="10" name="Rounded Rectangle 9"/>
+          <p:cNvSpPr/>
+          <p:nvPr/>
+        </p:nvSpPr>
+        <p:spPr>
+          <a:xfrm>
+            <a:off x="7901252" y="5495589"/>
+            <a:ext cx="1592128" cy="623943"/>
+          </a:xfrm>
+          <a:prstGeom prst="roundRect">
+            <a:avLst/>
+          </a:prstGeom>
+        </p:spPr>
+        <p:style>
+          <a:lnRef idx="3">
+            <a:schemeClr val="lt1"/>
+          </a:lnRef>
+          <a:fillRef idx="1">
+            <a:schemeClr val="accent2"/>
+          </a:fillRef>
+          <a:effectRef idx="1">
+            <a:schemeClr val="accent2"/>
+          </a:effectRef>
+          <a:fontRef idx="minor">
+            <a:schemeClr val="lt1"/>
+          </a:fontRef>
+        </p:style>
+        <p:txBody>
+          <a:bodyPr rtlCol="1" anchor="ctr"/>
+          <a:lstStyle/>
+          <a:p>
+            <a:pPr algn="ctr"/>
+            <a:r>
+              <a:rPr lang="en-US" dirty="0" smtClean="0"/>
+              <a:t>Shrinkage methods</a:t>
+            </a:r>
+            <a:endParaRPr lang="he-IL" dirty="0"/>
+          </a:p>
+        </p:txBody>
+      </p:sp>
+      <p:sp>
+        <p:nvSpPr>
+          <p:cNvPr id="11" name="Rounded Rectangle 10"/>
+          <p:cNvSpPr/>
+          <p:nvPr/>
+        </p:nvSpPr>
+        <p:spPr>
+          <a:xfrm>
+            <a:off x="9897042" y="5140586"/>
+            <a:ext cx="1108033" cy="623943"/>
+          </a:xfrm>
+          <a:prstGeom prst="roundRect">
+            <a:avLst/>
+          </a:prstGeom>
+        </p:spPr>
+        <p:style>
+          <a:lnRef idx="3">
+            <a:schemeClr val="lt1"/>
+          </a:lnRef>
+          <a:fillRef idx="1">
+            <a:schemeClr val="accent2"/>
+          </a:fillRef>
+          <a:effectRef idx="1">
+            <a:schemeClr val="accent2"/>
+          </a:effectRef>
+          <a:fontRef idx="minor">
+            <a:schemeClr val="lt1"/>
+          </a:fontRef>
+        </p:style>
+        <p:txBody>
+          <a:bodyPr rtlCol="1" anchor="ctr"/>
+          <a:lstStyle/>
+          <a:p>
+            <a:pPr algn="ctr"/>
+            <a:r>
+              <a:rPr lang="en-US" dirty="0" smtClean="0"/>
+              <a:t>Ridge</a:t>
+            </a:r>
+            <a:endParaRPr lang="he-IL" dirty="0"/>
+          </a:p>
+        </p:txBody>
+      </p:sp>
+      <p:sp>
+        <p:nvSpPr>
+          <p:cNvPr id="12" name="Rounded Rectangle 11"/>
+          <p:cNvSpPr/>
+          <p:nvPr/>
+        </p:nvSpPr>
+        <p:spPr>
+          <a:xfrm>
+            <a:off x="9897041" y="5891923"/>
+            <a:ext cx="1108033" cy="623943"/>
+          </a:xfrm>
+          <a:prstGeom prst="roundRect">
+            <a:avLst/>
+          </a:prstGeom>
+        </p:spPr>
+        <p:style>
+          <a:lnRef idx="3">
+            <a:schemeClr val="lt1"/>
+          </a:lnRef>
+          <a:fillRef idx="1">
+            <a:schemeClr val="accent2"/>
+          </a:fillRef>
+          <a:effectRef idx="1">
+            <a:schemeClr val="accent2"/>
+          </a:effectRef>
+          <a:fontRef idx="minor">
+            <a:schemeClr val="lt1"/>
+          </a:fontRef>
+        </p:style>
+        <p:txBody>
+          <a:bodyPr rtlCol="1" anchor="ctr"/>
+          <a:lstStyle/>
+          <a:p>
+            <a:pPr algn="ctr"/>
+            <a:r>
+              <a:rPr lang="en-US" dirty="0" smtClean="0"/>
+              <a:t>Lasso</a:t>
+            </a:r>
+            <a:endParaRPr lang="he-IL" dirty="0"/>
+          </a:p>
+        </p:txBody>
+      </p:sp>
+      <p:sp>
+        <p:nvSpPr>
+          <p:cNvPr id="13" name="Rounded Rectangle 12"/>
+          <p:cNvSpPr/>
+          <p:nvPr/>
+        </p:nvSpPr>
+        <p:spPr>
+          <a:xfrm>
+            <a:off x="1516830" y="4130942"/>
+            <a:ext cx="1775012" cy="623943"/>
+          </a:xfrm>
+          <a:prstGeom prst="roundRect">
+            <a:avLst/>
+          </a:prstGeom>
+          <a:ln>
+            <a:headEnd type="none" w="med" len="med"/>
+            <a:tailEnd type="none" w="med" len="med"/>
+          </a:ln>
+        </p:spPr>
+        <p:style>
+          <a:lnRef idx="2">
+            <a:schemeClr val="accent2"/>
+          </a:lnRef>
+          <a:fillRef idx="1">
+            <a:schemeClr val="lt1"/>
+          </a:fillRef>
+          <a:effectRef idx="0">
+            <a:schemeClr val="accent2"/>
+          </a:effectRef>
+          <a:fontRef idx="minor">
+            <a:schemeClr val="dk1"/>
+          </a:fontRef>
+        </p:style>
+        <p:txBody>
+          <a:bodyPr rtlCol="1" anchor="ctr"/>
+          <a:lstStyle/>
+          <a:p>
+            <a:pPr algn="ctr"/>
+            <a:r>
+              <a:rPr lang="en-US" dirty="0" smtClean="0"/>
+              <a:t>Model evaluation</a:t>
+            </a:r>
+            <a:endParaRPr lang="he-IL" dirty="0"/>
+          </a:p>
+        </p:txBody>
+      </p:sp>
+      <p:sp>
+        <p:nvSpPr>
+          <p:cNvPr id="14" name="Rounded Rectangle 13"/>
+          <p:cNvSpPr/>
+          <p:nvPr/>
+        </p:nvSpPr>
+        <p:spPr>
+          <a:xfrm>
+            <a:off x="591681" y="2913754"/>
+            <a:ext cx="1473794" cy="623943"/>
+          </a:xfrm>
+          <a:prstGeom prst="roundRect">
+            <a:avLst/>
+          </a:prstGeom>
+        </p:spPr>
+        <p:style>
+          <a:lnRef idx="3">
+            <a:schemeClr val="lt1"/>
+          </a:lnRef>
+          <a:fillRef idx="1">
+            <a:schemeClr val="accent2"/>
+          </a:fillRef>
+          <a:effectRef idx="1">
+            <a:schemeClr val="accent2"/>
+          </a:effectRef>
+          <a:fontRef idx="minor">
+            <a:schemeClr val="lt1"/>
+          </a:fontRef>
+        </p:style>
+        <p:txBody>
+          <a:bodyPr rtlCol="1" anchor="ctr"/>
+          <a:lstStyle/>
+          <a:p>
+            <a:pPr algn="ctr"/>
+            <a:r>
+              <a:rPr lang="en-US" dirty="0" smtClean="0"/>
+              <a:t>PCA</a:t>
+            </a:r>
+            <a:endParaRPr lang="he-IL" dirty="0"/>
+          </a:p>
+        </p:txBody>
+      </p:sp>
+      <p:sp>
+        <p:nvSpPr>
+          <p:cNvPr id="15" name="Rounded Rectangle 14"/>
+          <p:cNvSpPr/>
+          <p:nvPr/>
+        </p:nvSpPr>
+        <p:spPr>
+          <a:xfrm>
+            <a:off x="5443370" y="4129372"/>
+            <a:ext cx="1785765" cy="623943"/>
+          </a:xfrm>
+          <a:prstGeom prst="roundRect">
+            <a:avLst/>
+          </a:prstGeom>
+        </p:spPr>
+        <p:style>
+          <a:lnRef idx="3">
+            <a:schemeClr val="lt1"/>
+          </a:lnRef>
+          <a:fillRef idx="1">
+            <a:schemeClr val="accent2"/>
+          </a:fillRef>
+          <a:effectRef idx="1">
+            <a:schemeClr val="accent2"/>
+          </a:effectRef>
+          <a:fontRef idx="minor">
+            <a:schemeClr val="lt1"/>
+          </a:fontRef>
+        </p:style>
+        <p:txBody>
+          <a:bodyPr rtlCol="1" anchor="ctr"/>
+          <a:lstStyle/>
+          <a:p>
+            <a:pPr algn="ctr"/>
+            <a:r>
+              <a:rPr lang="en-US" dirty="0" smtClean="0"/>
+              <a:t>Regression</a:t>
+            </a:r>
+            <a:endParaRPr lang="he-IL" dirty="0"/>
+          </a:p>
+        </p:txBody>
+      </p:sp>
+      <p:sp>
+        <p:nvSpPr>
+          <p:cNvPr id="16" name="Rounded Rectangle 15"/>
+          <p:cNvSpPr/>
+          <p:nvPr/>
+        </p:nvSpPr>
+        <p:spPr>
+          <a:xfrm>
+            <a:off x="4448049" y="2935269"/>
+            <a:ext cx="1785765" cy="623943"/>
+          </a:xfrm>
+          <a:prstGeom prst="roundRect">
+            <a:avLst/>
+          </a:prstGeom>
+        </p:spPr>
+        <p:style>
+          <a:lnRef idx="3">
+            <a:schemeClr val="lt1"/>
+          </a:lnRef>
+          <a:fillRef idx="1">
+            <a:schemeClr val="accent2"/>
+          </a:fillRef>
+          <a:effectRef idx="1">
+            <a:schemeClr val="accent2"/>
+          </a:effectRef>
+          <a:fontRef idx="minor">
+            <a:schemeClr val="lt1"/>
+          </a:fontRef>
+        </p:style>
+        <p:txBody>
+          <a:bodyPr rtlCol="1" anchor="ctr"/>
+          <a:lstStyle/>
+          <a:p>
+            <a:pPr algn="ctr"/>
+            <a:r>
+              <a:rPr lang="en-US" dirty="0" smtClean="0"/>
+              <a:t>Models</a:t>
+            </a:r>
+            <a:endParaRPr lang="he-IL" dirty="0"/>
+          </a:p>
+        </p:txBody>
+      </p:sp>
+      <p:sp>
+        <p:nvSpPr>
+          <p:cNvPr id="17" name="Rounded Rectangle 16"/>
+          <p:cNvSpPr/>
+          <p:nvPr/>
+        </p:nvSpPr>
+        <p:spPr>
+          <a:xfrm>
+            <a:off x="2511673" y="2935269"/>
+            <a:ext cx="1785765" cy="623943"/>
+          </a:xfrm>
+          <a:prstGeom prst="roundRect">
+            <a:avLst/>
+          </a:prstGeom>
+        </p:spPr>
+        <p:style>
+          <a:lnRef idx="2">
+            <a:schemeClr val="accent2"/>
+          </a:lnRef>
+          <a:fillRef idx="1">
+            <a:schemeClr val="lt1"/>
+          </a:fillRef>
+          <a:effectRef idx="0">
+            <a:schemeClr val="accent2"/>
+          </a:effectRef>
+          <a:fontRef idx="minor">
+            <a:schemeClr val="dk1"/>
+          </a:fontRef>
+        </p:style>
+        <p:txBody>
+          <a:bodyPr rtlCol="1" anchor="ctr"/>
+          <a:lstStyle/>
+          <a:p>
+            <a:pPr algn="ctr"/>
+            <a:r>
+              <a:rPr lang="en-US" dirty="0" smtClean="0"/>
+              <a:t>Methods</a:t>
+            </a:r>
+            <a:endParaRPr lang="he-IL" dirty="0"/>
+          </a:p>
+        </p:txBody>
+      </p:sp>
+      <p:sp>
+        <p:nvSpPr>
+          <p:cNvPr id="18" name="Rounded Rectangle 17"/>
+          <p:cNvSpPr/>
+          <p:nvPr/>
+        </p:nvSpPr>
+        <p:spPr>
+          <a:xfrm>
+            <a:off x="7901252" y="3548458"/>
+            <a:ext cx="1592128" cy="623943"/>
+          </a:xfrm>
+          <a:prstGeom prst="roundRect">
+            <a:avLst/>
+          </a:prstGeom>
+        </p:spPr>
+        <p:style>
+          <a:lnRef idx="3">
+            <a:schemeClr val="lt1"/>
+          </a:lnRef>
+          <a:fillRef idx="1">
+            <a:schemeClr val="accent5"/>
+          </a:fillRef>
+          <a:effectRef idx="1">
+            <a:schemeClr val="accent5"/>
+          </a:effectRef>
+          <a:fontRef idx="minor">
+            <a:schemeClr val="lt1"/>
+          </a:fontRef>
+        </p:style>
+        <p:txBody>
+          <a:bodyPr rtlCol="1" anchor="ctr"/>
+          <a:lstStyle/>
+          <a:p>
+            <a:pPr algn="ctr"/>
+            <a:r>
+              <a:rPr lang="en-US" dirty="0" smtClean="0"/>
+              <a:t>Linear regression</a:t>
+            </a:r>
+            <a:endParaRPr lang="he-IL" dirty="0"/>
+          </a:p>
+        </p:txBody>
+      </p:sp>
+      <p:sp>
+        <p:nvSpPr>
+          <p:cNvPr id="19" name="Rounded Rectangle 18"/>
+          <p:cNvSpPr/>
+          <p:nvPr/>
+        </p:nvSpPr>
+        <p:spPr>
+          <a:xfrm>
+            <a:off x="9918559" y="3924973"/>
+            <a:ext cx="1592128" cy="623943"/>
+          </a:xfrm>
+          <a:prstGeom prst="roundRect">
+            <a:avLst/>
+          </a:prstGeom>
+        </p:spPr>
+        <p:style>
+          <a:lnRef idx="3">
+            <a:schemeClr val="lt1"/>
+          </a:lnRef>
+          <a:fillRef idx="1">
+            <a:schemeClr val="accent5"/>
+          </a:fillRef>
+          <a:effectRef idx="1">
+            <a:schemeClr val="accent5"/>
+          </a:effectRef>
+          <a:fontRef idx="minor">
+            <a:schemeClr val="lt1"/>
+          </a:fontRef>
+        </p:style>
+        <p:txBody>
+          <a:bodyPr rtlCol="1" anchor="ctr"/>
+          <a:lstStyle/>
+          <a:p>
+            <a:pPr algn="ctr"/>
+            <a:r>
+              <a:rPr lang="en-US" dirty="0" smtClean="0"/>
+              <a:t>Variable selection</a:t>
+            </a:r>
+            <a:endParaRPr lang="he-IL" dirty="0"/>
+          </a:p>
+        </p:txBody>
+      </p:sp>
+      <p:sp>
+        <p:nvSpPr>
+          <p:cNvPr id="20" name="Rounded Rectangle 19"/>
+          <p:cNvSpPr/>
+          <p:nvPr/>
+        </p:nvSpPr>
+        <p:spPr>
+          <a:xfrm>
+            <a:off x="7901252" y="4624219"/>
+            <a:ext cx="1592128" cy="623943"/>
+          </a:xfrm>
+          <a:prstGeom prst="roundRect">
+            <a:avLst/>
+          </a:prstGeom>
+        </p:spPr>
+        <p:style>
+          <a:lnRef idx="3">
+            <a:schemeClr val="lt1"/>
+          </a:lnRef>
+          <a:fillRef idx="1">
+            <a:schemeClr val="accent5"/>
+          </a:fillRef>
+          <a:effectRef idx="1">
+            <a:schemeClr val="accent5"/>
+          </a:effectRef>
+          <a:fontRef idx="minor">
+            <a:schemeClr val="lt1"/>
+          </a:fontRef>
+        </p:style>
+        <p:txBody>
+          <a:bodyPr rtlCol="1" anchor="ctr"/>
+          <a:lstStyle/>
+          <a:p>
+            <a:pPr algn="ctr"/>
+            <a:r>
+              <a:rPr lang="en-US" dirty="0" smtClean="0"/>
+              <a:t>Quantile regression</a:t>
+            </a:r>
+            <a:endParaRPr lang="he-IL" dirty="0"/>
+          </a:p>
+        </p:txBody>
+      </p:sp>
+      <p:cxnSp>
+        <p:nvCxnSpPr>
+          <p:cNvPr id="21" name="Straight Arrow Connector 20"/>
+          <p:cNvCxnSpPr>
+            <a:stCxn id="6" idx="2"/>
+            <a:endCxn id="16" idx="0"/>
+          </p:cNvCxnSpPr>
+          <p:nvPr/>
+        </p:nvCxnSpPr>
+        <p:spPr>
+          <a:xfrm>
+            <a:off x="4265409" y="2624863"/>
+            <a:ext cx="1075523" cy="310406"/>
+          </a:xfrm>
+          <a:prstGeom prst="straightConnector1">
+            <a:avLst/>
+          </a:prstGeom>
+          <a:ln>
+            <a:tailEnd type="triangle"/>
+          </a:ln>
+        </p:spPr>
+        <p:style>
+          <a:lnRef idx="2">
+            <a:schemeClr val="dk1"/>
+          </a:lnRef>
+          <a:fillRef idx="0">
+            <a:schemeClr val="dk1"/>
+          </a:fillRef>
+          <a:effectRef idx="1">
+            <a:schemeClr val="dk1"/>
+          </a:effectRef>
+          <a:fontRef idx="minor">
+            <a:schemeClr val="tx1"/>
+          </a:fontRef>
+        </p:style>
+      </p:cxnSp>
+      <p:cxnSp>
+        <p:nvCxnSpPr>
+          <p:cNvPr id="22" name="Straight Arrow Connector 21"/>
+          <p:cNvCxnSpPr>
+            <a:stCxn id="16" idx="2"/>
+            <a:endCxn id="15" idx="0"/>
+          </p:cNvCxnSpPr>
+          <p:nvPr/>
+        </p:nvCxnSpPr>
+        <p:spPr>
+          <a:xfrm>
+            <a:off x="5340932" y="3559212"/>
+            <a:ext cx="995321" cy="570160"/>
+          </a:xfrm>
+          <a:prstGeom prst="straightConnector1">
+            <a:avLst/>
+          </a:prstGeom>
+          <a:ln>
+            <a:tailEnd type="triangle"/>
+          </a:ln>
+        </p:spPr>
+        <p:style>
+          <a:lnRef idx="2">
+            <a:schemeClr val="dk1"/>
+          </a:lnRef>
+          <a:fillRef idx="0">
+            <a:schemeClr val="dk1"/>
+          </a:fillRef>
+          <a:effectRef idx="1">
+            <a:schemeClr val="dk1"/>
+          </a:effectRef>
+          <a:fontRef idx="minor">
+            <a:schemeClr val="tx1"/>
+          </a:fontRef>
+        </p:style>
+      </p:cxnSp>
+      <p:cxnSp>
+        <p:nvCxnSpPr>
+          <p:cNvPr id="23" name="Straight Arrow Connector 22"/>
+          <p:cNvCxnSpPr>
+            <a:stCxn id="18" idx="2"/>
+            <a:endCxn id="20" idx="0"/>
+          </p:cNvCxnSpPr>
+          <p:nvPr/>
+        </p:nvCxnSpPr>
+        <p:spPr>
+          <a:xfrm>
+            <a:off x="8697316" y="4172401"/>
+            <a:ext cx="0" cy="451818"/>
+          </a:xfrm>
+          <a:prstGeom prst="straightConnector1">
+            <a:avLst/>
+          </a:prstGeom>
+          <a:ln>
+            <a:tailEnd type="triangle"/>
+          </a:ln>
+        </p:spPr>
+        <p:style>
+          <a:lnRef idx="2">
+            <a:schemeClr val="dk1"/>
+          </a:lnRef>
+          <a:fillRef idx="0">
+            <a:schemeClr val="dk1"/>
+          </a:fillRef>
+          <a:effectRef idx="1">
+            <a:schemeClr val="dk1"/>
+          </a:effectRef>
+          <a:fontRef idx="minor">
+            <a:schemeClr val="tx1"/>
+          </a:fontRef>
+        </p:style>
+      </p:cxnSp>
+      <p:cxnSp>
+        <p:nvCxnSpPr>
+          <p:cNvPr id="24" name="Straight Arrow Connector 23"/>
+          <p:cNvCxnSpPr>
+            <a:stCxn id="15" idx="3"/>
+            <a:endCxn id="18" idx="1"/>
+          </p:cNvCxnSpPr>
+          <p:nvPr/>
+        </p:nvCxnSpPr>
+        <p:spPr>
+          <a:xfrm flipV="1">
+            <a:off x="7229135" y="3860430"/>
+            <a:ext cx="672117" cy="580914"/>
+          </a:xfrm>
+          <a:prstGeom prst="straightConnector1">
+            <a:avLst/>
+          </a:prstGeom>
+          <a:ln>
+            <a:tailEnd type="triangle"/>
+          </a:ln>
+        </p:spPr>
+        <p:style>
+          <a:lnRef idx="2">
+            <a:schemeClr val="dk1"/>
+          </a:lnRef>
+          <a:fillRef idx="0">
+            <a:schemeClr val="dk1"/>
+          </a:fillRef>
+          <a:effectRef idx="1">
+            <a:schemeClr val="dk1"/>
+          </a:effectRef>
+          <a:fontRef idx="minor">
+            <a:schemeClr val="tx1"/>
+          </a:fontRef>
+        </p:style>
+      </p:cxnSp>
+      <p:cxnSp>
+        <p:nvCxnSpPr>
+          <p:cNvPr id="25" name="Straight Arrow Connector 24"/>
+          <p:cNvCxnSpPr>
+            <a:stCxn id="10" idx="3"/>
+            <a:endCxn id="11" idx="1"/>
+          </p:cNvCxnSpPr>
+          <p:nvPr/>
+        </p:nvCxnSpPr>
+        <p:spPr>
+          <a:xfrm flipV="1">
+            <a:off x="9493380" y="5452558"/>
+            <a:ext cx="403662" cy="355003"/>
+          </a:xfrm>
+          <a:prstGeom prst="straightConnector1">
+            <a:avLst/>
+          </a:prstGeom>
+          <a:ln>
+            <a:tailEnd type="triangle"/>
+          </a:ln>
+        </p:spPr>
+        <p:style>
+          <a:lnRef idx="2">
+            <a:schemeClr val="dk1"/>
+          </a:lnRef>
+          <a:fillRef idx="0">
+            <a:schemeClr val="dk1"/>
+          </a:fillRef>
+          <a:effectRef idx="1">
+            <a:schemeClr val="dk1"/>
+          </a:effectRef>
+          <a:fontRef idx="minor">
+            <a:schemeClr val="tx1"/>
+          </a:fontRef>
+        </p:style>
+      </p:cxnSp>
+      <p:cxnSp>
+        <p:nvCxnSpPr>
+          <p:cNvPr id="26" name="Straight Arrow Connector 25"/>
+          <p:cNvCxnSpPr>
+            <a:stCxn id="10" idx="3"/>
+            <a:endCxn id="12" idx="1"/>
+          </p:cNvCxnSpPr>
+          <p:nvPr/>
+        </p:nvCxnSpPr>
+        <p:spPr>
+          <a:xfrm>
+            <a:off x="9493380" y="5807561"/>
+            <a:ext cx="403661" cy="396334"/>
+          </a:xfrm>
+          <a:prstGeom prst="straightConnector1">
+            <a:avLst/>
+          </a:prstGeom>
+          <a:ln>
+            <a:tailEnd type="triangle"/>
+          </a:ln>
+        </p:spPr>
+        <p:style>
+          <a:lnRef idx="2">
+            <a:schemeClr val="dk1"/>
+          </a:lnRef>
+          <a:fillRef idx="0">
+            <a:schemeClr val="dk1"/>
+          </a:fillRef>
+          <a:effectRef idx="1">
+            <a:schemeClr val="dk1"/>
+          </a:effectRef>
+          <a:fontRef idx="minor">
+            <a:schemeClr val="tx1"/>
+          </a:fontRef>
+        </p:style>
+      </p:cxnSp>
+      <p:cxnSp>
+        <p:nvCxnSpPr>
+          <p:cNvPr id="27" name="Straight Arrow Connector 26"/>
+          <p:cNvCxnSpPr>
+            <a:stCxn id="18" idx="3"/>
+            <a:endCxn id="9" idx="1"/>
+          </p:cNvCxnSpPr>
+          <p:nvPr/>
+        </p:nvCxnSpPr>
+        <p:spPr>
+          <a:xfrm flipV="1">
+            <a:off x="9493380" y="3473152"/>
+            <a:ext cx="425179" cy="387278"/>
+          </a:xfrm>
+          <a:prstGeom prst="straightConnector1">
+            <a:avLst/>
+          </a:prstGeom>
+          <a:ln>
+            <a:tailEnd type="triangle"/>
+          </a:ln>
+        </p:spPr>
+        <p:style>
+          <a:lnRef idx="2">
+            <a:schemeClr val="dk1"/>
+          </a:lnRef>
+          <a:fillRef idx="0">
+            <a:schemeClr val="dk1"/>
+          </a:fillRef>
+          <a:effectRef idx="1">
+            <a:schemeClr val="dk1"/>
+          </a:effectRef>
+          <a:fontRef idx="minor">
+            <a:schemeClr val="tx1"/>
+          </a:fontRef>
+        </p:style>
+      </p:cxnSp>
+      <p:cxnSp>
+        <p:nvCxnSpPr>
+          <p:cNvPr id="28" name="Straight Arrow Connector 27"/>
+          <p:cNvCxnSpPr>
+            <a:stCxn id="18" idx="3"/>
+            <a:endCxn id="19" idx="1"/>
+          </p:cNvCxnSpPr>
+          <p:nvPr/>
+        </p:nvCxnSpPr>
+        <p:spPr>
+          <a:xfrm>
+            <a:off x="9493380" y="3860430"/>
+            <a:ext cx="425179" cy="376515"/>
+          </a:xfrm>
+          <a:prstGeom prst="straightConnector1">
+            <a:avLst/>
+          </a:prstGeom>
+          <a:ln>
+            <a:tailEnd type="triangle"/>
+          </a:ln>
+        </p:spPr>
+        <p:style>
+          <a:lnRef idx="2">
+            <a:schemeClr val="dk1"/>
+          </a:lnRef>
+          <a:fillRef idx="0">
+            <a:schemeClr val="dk1"/>
+          </a:fillRef>
+          <a:effectRef idx="1">
+            <a:schemeClr val="dk1"/>
+          </a:effectRef>
+          <a:fontRef idx="minor">
+            <a:schemeClr val="tx1"/>
+          </a:fontRef>
+        </p:style>
+      </p:cxnSp>
+      <p:cxnSp>
+        <p:nvCxnSpPr>
+          <p:cNvPr id="29" name="Straight Arrow Connector 28"/>
+          <p:cNvCxnSpPr>
+            <a:stCxn id="6" idx="2"/>
+            <a:endCxn id="17" idx="0"/>
+          </p:cNvCxnSpPr>
+          <p:nvPr/>
+        </p:nvCxnSpPr>
+        <p:spPr>
+          <a:xfrm flipH="1">
+            <a:off x="3404556" y="2624863"/>
+            <a:ext cx="860853" cy="310406"/>
+          </a:xfrm>
+          <a:prstGeom prst="straightConnector1">
+            <a:avLst/>
+          </a:prstGeom>
+          <a:ln>
+            <a:tailEnd type="triangle"/>
+          </a:ln>
+        </p:spPr>
+        <p:style>
+          <a:lnRef idx="2">
+            <a:schemeClr val="dk1"/>
+          </a:lnRef>
+          <a:fillRef idx="0">
+            <a:schemeClr val="dk1"/>
+          </a:fillRef>
+          <a:effectRef idx="1">
+            <a:schemeClr val="dk1"/>
+          </a:effectRef>
+          <a:fontRef idx="minor">
+            <a:schemeClr val="tx1"/>
+          </a:fontRef>
+        </p:style>
+      </p:cxnSp>
+      <p:cxnSp>
+        <p:nvCxnSpPr>
+          <p:cNvPr id="30" name="Straight Arrow Connector 29"/>
+          <p:cNvCxnSpPr>
+            <a:stCxn id="7" idx="2"/>
+            <a:endCxn id="14" idx="0"/>
+          </p:cNvCxnSpPr>
+          <p:nvPr/>
+        </p:nvCxnSpPr>
+        <p:spPr>
+          <a:xfrm>
+            <a:off x="1328571" y="2624863"/>
+            <a:ext cx="7" cy="288891"/>
+          </a:xfrm>
+          <a:prstGeom prst="straightConnector1">
+            <a:avLst/>
+          </a:prstGeom>
+          <a:ln>
+            <a:tailEnd type="triangle"/>
+          </a:ln>
+        </p:spPr>
+        <p:style>
+          <a:lnRef idx="2">
+            <a:schemeClr val="dk1"/>
+          </a:lnRef>
+          <a:fillRef idx="0">
+            <a:schemeClr val="dk1"/>
+          </a:fillRef>
+          <a:effectRef idx="1">
+            <a:schemeClr val="dk1"/>
+          </a:effectRef>
+          <a:fontRef idx="minor">
+            <a:schemeClr val="tx1"/>
+          </a:fontRef>
+        </p:style>
+      </p:cxnSp>
+      <p:cxnSp>
+        <p:nvCxnSpPr>
+          <p:cNvPr id="31" name="Straight Arrow Connector 30"/>
+          <p:cNvCxnSpPr>
+            <a:stCxn id="16" idx="2"/>
+            <a:endCxn id="8" idx="0"/>
+          </p:cNvCxnSpPr>
+          <p:nvPr/>
+        </p:nvCxnSpPr>
+        <p:spPr>
+          <a:xfrm flipH="1">
+            <a:off x="4421394" y="3559212"/>
+            <a:ext cx="919538" cy="570161"/>
+          </a:xfrm>
+          <a:prstGeom prst="straightConnector1">
+            <a:avLst/>
+          </a:prstGeom>
+          <a:ln>
+            <a:tailEnd type="triangle"/>
+          </a:ln>
+        </p:spPr>
+        <p:style>
+          <a:lnRef idx="2">
+            <a:schemeClr val="dk1"/>
+          </a:lnRef>
+          <a:fillRef idx="0">
+            <a:schemeClr val="dk1"/>
+          </a:fillRef>
+          <a:effectRef idx="1">
+            <a:schemeClr val="dk1"/>
+          </a:effectRef>
+          <a:fontRef idx="minor">
+            <a:schemeClr val="tx1"/>
+          </a:fontRef>
+        </p:style>
+      </p:cxnSp>
+      <p:cxnSp>
+        <p:nvCxnSpPr>
+          <p:cNvPr id="32" name="Straight Arrow Connector 31"/>
+          <p:cNvCxnSpPr>
+            <a:stCxn id="17" idx="2"/>
+            <a:endCxn id="13" idx="0"/>
+          </p:cNvCxnSpPr>
+          <p:nvPr/>
+        </p:nvCxnSpPr>
+        <p:spPr>
+          <a:xfrm flipH="1">
+            <a:off x="2404336" y="3559212"/>
+            <a:ext cx="1000220" cy="571730"/>
+          </a:xfrm>
+          <a:prstGeom prst="straightConnector1">
+            <a:avLst/>
+          </a:prstGeom>
+          <a:ln>
+            <a:tailEnd type="triangle"/>
+          </a:ln>
+        </p:spPr>
+        <p:style>
+          <a:lnRef idx="2">
+            <a:schemeClr val="dk1"/>
+          </a:lnRef>
+          <a:fillRef idx="0">
+            <a:schemeClr val="dk1"/>
+          </a:fillRef>
+          <a:effectRef idx="1">
+            <a:schemeClr val="dk1"/>
+          </a:effectRef>
+          <a:fontRef idx="minor">
+            <a:schemeClr val="tx1"/>
+          </a:fontRef>
+        </p:style>
+      </p:cxnSp>
+      <p:cxnSp>
+        <p:nvCxnSpPr>
+          <p:cNvPr id="33" name="Elbow Connector 32"/>
+          <p:cNvCxnSpPr>
+            <a:stCxn id="18" idx="2"/>
+            <a:endCxn id="10" idx="1"/>
+          </p:cNvCxnSpPr>
+          <p:nvPr/>
+        </p:nvCxnSpPr>
+        <p:spPr>
+          <a:xfrm rot="5400000">
+            <a:off x="7481704" y="4591949"/>
+            <a:ext cx="1635160" cy="796064"/>
+          </a:xfrm>
+          <a:prstGeom prst="bentConnector4">
+            <a:avLst>
+              <a:gd name="adj1" fmla="val 14145"/>
+              <a:gd name="adj2" fmla="val 128716"/>
+            </a:avLst>
+          </a:prstGeom>
+          <a:ln>
+            <a:tailEnd type="triangle"/>
+          </a:ln>
+        </p:spPr>
+        <p:style>
+          <a:lnRef idx="2">
+            <a:schemeClr val="dk1"/>
+          </a:lnRef>
+          <a:fillRef idx="0">
+            <a:schemeClr val="dk1"/>
+          </a:fillRef>
+          <a:effectRef idx="1">
+            <a:schemeClr val="dk1"/>
+          </a:effectRef>
+          <a:fontRef idx="minor">
+            <a:schemeClr val="tx1"/>
+          </a:fontRef>
+        </p:style>
+      </p:cxnSp>
+      <p:sp>
+        <p:nvSpPr>
+          <p:cNvPr id="34" name="Rounded Rectangle 33"/>
+          <p:cNvSpPr/>
+          <p:nvPr/>
+        </p:nvSpPr>
+        <p:spPr>
+          <a:xfrm>
+            <a:off x="4464425" y="5174438"/>
+            <a:ext cx="2753954" cy="763792"/>
+          </a:xfrm>
+          <a:prstGeom prst="roundRect">
+            <a:avLst/>
+          </a:prstGeom>
+        </p:spPr>
+        <p:style>
+          <a:lnRef idx="2">
+            <a:schemeClr val="accent2"/>
+          </a:lnRef>
+          <a:fillRef idx="1">
+            <a:schemeClr val="lt1"/>
+          </a:fillRef>
+          <a:effectRef idx="0">
+            <a:schemeClr val="accent2"/>
+          </a:effectRef>
+          <a:fontRef idx="minor">
+            <a:schemeClr val="dk1"/>
+          </a:fontRef>
+        </p:style>
+        <p:txBody>
+          <a:bodyPr rtlCol="1" anchor="ctr"/>
+          <a:lstStyle/>
+          <a:p>
+            <a:pPr algn="ctr"/>
+            <a:r>
+              <a:rPr lang="en-US" dirty="0" smtClean="0"/>
+              <a:t>Additional algorithms (e.g. </a:t>
+            </a:r>
+            <a:r>
+              <a:rPr lang="en-US" dirty="0" err="1" smtClean="0"/>
+              <a:t>knn</a:t>
+            </a:r>
+            <a:r>
+              <a:rPr lang="en-US" dirty="0" smtClean="0"/>
+              <a:t>, trees,…)</a:t>
+            </a:r>
+            <a:endParaRPr lang="he-IL" dirty="0"/>
+          </a:p>
+        </p:txBody>
+      </p:sp>
+      <p:cxnSp>
+        <p:nvCxnSpPr>
+          <p:cNvPr id="35" name="Straight Arrow Connector 34"/>
+          <p:cNvCxnSpPr>
+            <a:stCxn id="15" idx="2"/>
+            <a:endCxn id="34" idx="0"/>
+          </p:cNvCxnSpPr>
+          <p:nvPr/>
+        </p:nvCxnSpPr>
+        <p:spPr>
+          <a:xfrm flipH="1">
+            <a:off x="5841402" y="4753315"/>
+            <a:ext cx="494851" cy="421123"/>
+          </a:xfrm>
+          <a:prstGeom prst="straightConnector1">
+            <a:avLst/>
+          </a:prstGeom>
+          <a:ln>
+            <a:tailEnd type="triangle"/>
+          </a:ln>
+        </p:spPr>
+        <p:style>
+          <a:lnRef idx="2">
+            <a:schemeClr val="dk1"/>
+          </a:lnRef>
+          <a:fillRef idx="0">
+            <a:schemeClr val="dk1"/>
+          </a:fillRef>
+          <a:effectRef idx="1">
+            <a:schemeClr val="dk1"/>
+          </a:effectRef>
+          <a:fontRef idx="minor">
+            <a:schemeClr val="tx1"/>
+          </a:fontRef>
+        </p:style>
+      </p:cxnSp>
+    </p:spTree>
+    <p:extLst>
+      <p:ext uri="{BB962C8B-B14F-4D97-AF65-F5344CB8AC3E}">
+        <p14:creationId xmlns:p14="http://schemas.microsoft.com/office/powerpoint/2010/main" val="1516091288"/>
+      </p:ext>
+    </p:extLst>
+  </p:cSld>
+  <p:clrMapOvr>
+    <a:masterClrMapping/>
+  </p:clrMapOvr>
+  <p:timing>
+    <p:tnLst>
+      <p:par>
+        <p:cTn id="1" dur="indefinite" restart="never" nodeType="tmRoot"/>
+      </p:par>
+    </p:tnLst>
+  </p:timing>
+</p:sld>
+</file>
+
+<file path=ppt/slides/slide15.xml><?xml version="1.0" encoding="utf-8"?>
+<p:sld xmlns:a="http://schemas.openxmlformats.org/drawingml/2006/main" xmlns:r="http://schemas.openxmlformats.org/officeDocument/2006/relationships" xmlns:p="http://schemas.openxmlformats.org/presentationml/2006/main">
+  <p:cSld>
+    <p:spTree>
+      <p:nvGrpSpPr>
+        <p:cNvPr id="1" name=""/>
+        <p:cNvGrpSpPr/>
+        <p:nvPr/>
+      </p:nvGrpSpPr>
+      <p:grpSpPr>
+        <a:xfrm>
+          <a:off x="0" y="0"/>
+          <a:ext cx="0" cy="0"/>
+          <a:chOff x="0" y="0"/>
+          <a:chExt cx="0" cy="0"/>
+        </a:xfrm>
+      </p:grpSpPr>
+      <p:sp>
+        <p:nvSpPr>
+          <p:cNvPr id="2" name="Title 1"/>
+          <p:cNvSpPr>
+            <a:spLocks noGrp="1"/>
+          </p:cNvSpPr>
+          <p:nvPr>
+            <p:ph type="title"/>
+          </p:nvPr>
+        </p:nvSpPr>
+        <p:spPr/>
+        <p:txBody>
+          <a:bodyPr>
+            <a:normAutofit fontScale="90000"/>
+          </a:bodyPr>
+          <a:lstStyle/>
+          <a:p>
+            <a:r>
+              <a:rPr lang="en-US" dirty="0" smtClean="0"/>
+              <a:t>Dimension reduction using Principle Component Analysis (PCA)</a:t>
+            </a:r>
+            <a:endParaRPr lang="he-IL" dirty="0"/>
+          </a:p>
+        </p:txBody>
+      </p:sp>
+      <p:sp>
+        <p:nvSpPr>
+          <p:cNvPr id="3" name="Content Placeholder 2"/>
+          <p:cNvSpPr>
+            <a:spLocks noGrp="1"/>
+          </p:cNvSpPr>
+          <p:nvPr>
+            <p:ph idx="1"/>
+          </p:nvPr>
+        </p:nvSpPr>
+        <p:spPr/>
+        <p:txBody>
+          <a:bodyPr/>
+          <a:lstStyle/>
+          <a:p>
+            <a:endParaRPr lang="he-IL"/>
+          </a:p>
+        </p:txBody>
+      </p:sp>
+      <p:sp>
+        <p:nvSpPr>
+          <p:cNvPr id="4" name="Footer Placeholder 3"/>
+          <p:cNvSpPr>
+            <a:spLocks noGrp="1"/>
+          </p:cNvSpPr>
+          <p:nvPr>
+            <p:ph type="ftr" sz="quarter" idx="11"/>
+          </p:nvPr>
+        </p:nvSpPr>
+        <p:spPr/>
+        <p:txBody>
+          <a:bodyPr/>
+          <a:lstStyle/>
+          <a:p>
+            <a:r>
+              <a:rPr lang="en-US" smtClean="0"/>
+              <a:t>Materials by Adi Sarid https://adisarid.github.io and http://www.sarid-ins.com</a:t>
+            </a:r>
+            <a:endParaRPr lang="en-US" dirty="0"/>
+          </a:p>
+        </p:txBody>
+      </p:sp>
+      <p:sp>
+        <p:nvSpPr>
+          <p:cNvPr id="5" name="Slide Number Placeholder 4"/>
+          <p:cNvSpPr>
+            <a:spLocks noGrp="1"/>
+          </p:cNvSpPr>
+          <p:nvPr>
+            <p:ph type="sldNum" sz="quarter" idx="12"/>
+          </p:nvPr>
+        </p:nvSpPr>
+        <p:spPr/>
+        <p:txBody>
+          <a:bodyPr/>
+          <a:lstStyle/>
+          <a:p>
+            <a:fld id="{4FAB73BC-B049-4115-A692-8D63A059BFB8}" type="slidenum">
+              <a:rPr lang="en-US" smtClean="0"/>
+              <a:t>15</a:t>
+            </a:fld>
+            <a:endParaRPr lang="en-US" dirty="0"/>
+          </a:p>
+        </p:txBody>
+      </p:sp>
+    </p:spTree>
+    <p:extLst>
+      <p:ext uri="{BB962C8B-B14F-4D97-AF65-F5344CB8AC3E}">
+        <p14:creationId xmlns:p14="http://schemas.microsoft.com/office/powerpoint/2010/main" val="2763858504"/>
+      </p:ext>
+    </p:extLst>
+  </p:cSld>
+  <p:clrMapOvr>
+    <a:masterClrMapping/>
+  </p:clrMapOvr>
+  <p:timing>
+    <p:tnLst>
+      <p:par>
+        <p:cTn id="1" dur="indefinite" restart="never" nodeType="tmRoot"/>
+      </p:par>
+    </p:tnLst>
+  </p:timing>
+</p:sld>
+</file>
+
+<file path=ppt/slides/slide16.xml><?xml version="1.0" encoding="utf-8"?>
+<p:sld xmlns:a="http://schemas.openxmlformats.org/drawingml/2006/main" xmlns:r="http://schemas.openxmlformats.org/officeDocument/2006/relationships" xmlns:p="http://schemas.openxmlformats.org/presentationml/2006/main">
+  <p:cSld>
+    <p:spTree>
+      <p:nvGrpSpPr>
+        <p:cNvPr id="1" name=""/>
+        <p:cNvGrpSpPr/>
+        <p:nvPr/>
+      </p:nvGrpSpPr>
+      <p:grpSpPr>
+        <a:xfrm>
+          <a:off x="0" y="0"/>
+          <a:ext cx="0" cy="0"/>
+          <a:chOff x="0" y="0"/>
+          <a:chExt cx="0" cy="0"/>
+        </a:xfrm>
+      </p:grpSpPr>
+      <p:sp>
+        <p:nvSpPr>
+          <p:cNvPr id="2" name="Title 1"/>
+          <p:cNvSpPr>
+            <a:spLocks noGrp="1"/>
+          </p:cNvSpPr>
+          <p:nvPr>
+            <p:ph type="title"/>
+          </p:nvPr>
+        </p:nvSpPr>
+        <p:spPr/>
+        <p:txBody>
+          <a:bodyPr/>
+          <a:lstStyle/>
+          <a:p>
+            <a:r>
+              <a:rPr lang="en-US" dirty="0" smtClean="0"/>
+              <a:t>Overfitting with linear regression Coding example</a:t>
+            </a:r>
+            <a:endParaRPr lang="he-IL" dirty="0"/>
+          </a:p>
+        </p:txBody>
+      </p:sp>
+      <p:sp>
+        <p:nvSpPr>
+          <p:cNvPr id="3" name="Content Placeholder 2"/>
+          <p:cNvSpPr>
+            <a:spLocks noGrp="1"/>
+          </p:cNvSpPr>
+          <p:nvPr>
+            <p:ph idx="1"/>
+          </p:nvPr>
+        </p:nvSpPr>
+        <p:spPr/>
+        <p:txBody>
+          <a:bodyPr/>
+          <a:lstStyle/>
+          <a:p>
+            <a:endParaRPr lang="he-IL"/>
+          </a:p>
+        </p:txBody>
+      </p:sp>
+      <p:sp>
+        <p:nvSpPr>
+          <p:cNvPr id="4" name="Footer Placeholder 3"/>
+          <p:cNvSpPr>
+            <a:spLocks noGrp="1"/>
+          </p:cNvSpPr>
+          <p:nvPr>
+            <p:ph type="ftr" sz="quarter" idx="11"/>
+          </p:nvPr>
+        </p:nvSpPr>
+        <p:spPr/>
+        <p:txBody>
+          <a:bodyPr/>
+          <a:lstStyle/>
+          <a:p>
+            <a:r>
+              <a:rPr lang="en-US" smtClean="0"/>
+              <a:t>Materials by Adi Sarid https://adisarid.github.io and http://www.sarid-ins.com</a:t>
+            </a:r>
+            <a:endParaRPr lang="en-US" dirty="0"/>
+          </a:p>
+        </p:txBody>
+      </p:sp>
+      <p:sp>
+        <p:nvSpPr>
+          <p:cNvPr id="5" name="Slide Number Placeholder 4"/>
+          <p:cNvSpPr>
+            <a:spLocks noGrp="1"/>
+          </p:cNvSpPr>
+          <p:nvPr>
+            <p:ph type="sldNum" sz="quarter" idx="12"/>
+          </p:nvPr>
+        </p:nvSpPr>
+        <p:spPr/>
+        <p:txBody>
+          <a:bodyPr/>
+          <a:lstStyle/>
+          <a:p>
+            <a:fld id="{4FAB73BC-B049-4115-A692-8D63A059BFB8}" type="slidenum">
+              <a:rPr lang="en-US" smtClean="0"/>
+              <a:t>16</a:t>
+            </a:fld>
+            <a:endParaRPr lang="en-US" dirty="0"/>
+          </a:p>
+        </p:txBody>
+      </p:sp>
+    </p:spTree>
+    <p:extLst>
+      <p:ext uri="{BB962C8B-B14F-4D97-AF65-F5344CB8AC3E}">
+        <p14:creationId xmlns:p14="http://schemas.microsoft.com/office/powerpoint/2010/main" val="1589459444"/>
+      </p:ext>
+    </p:extLst>
+  </p:cSld>
+  <p:clrMapOvr>
+    <a:masterClrMapping/>
+  </p:clrMapOvr>
+  <p:timing>
+    <p:tnLst>
+      <p:par>
+        <p:cTn id="1" dur="indefinite" restart="never" nodeType="tmRoot"/>
+      </p:par>
+    </p:tnLst>
+  </p:timing>
+</p:sld>
+</file>
+
 <file path=ppt/slides/slide2.xml><?xml version="1.0" encoding="utf-8"?>
 <p:sld xmlns:a="http://schemas.openxmlformats.org/drawingml/2006/main" xmlns:r="http://schemas.openxmlformats.org/officeDocument/2006/relationships" xmlns:p="http://schemas.openxmlformats.org/presentationml/2006/main">
   <p:cSld>
@@ -5976,15 +9124,15 @@
         <p:nvCxnSpPr>
           <p:cNvPr id="43" name="Straight Arrow Connector 42"/>
           <p:cNvCxnSpPr>
-            <a:stCxn id="17" idx="2"/>
+            <a:stCxn id="16" idx="2"/>
             <a:endCxn id="8" idx="0"/>
           </p:cNvCxnSpPr>
           <p:nvPr/>
         </p:nvCxnSpPr>
         <p:spPr>
-          <a:xfrm>
-            <a:off x="3404556" y="3559212"/>
-            <a:ext cx="1016838" cy="570161"/>
+          <a:xfrm flipH="1">
+            <a:off x="4421394" y="3559212"/>
+            <a:ext cx="919538" cy="570161"/>
           </a:xfrm>
           <a:prstGeom prst="straightConnector1">
             <a:avLst/>
@@ -6179,6 +9327,13 @@
   <p:clrMapOvr>
     <a:masterClrMapping/>
   </p:clrMapOvr>
+  <p:timing>
+    <p:tnLst>
+      <p:par>
+        <p:cTn id="1" dur="indefinite" restart="never" nodeType="tmRoot"/>
+      </p:par>
+    </p:tnLst>
+  </p:timing>
 </p:sld>
 </file>
 
@@ -6249,11 +9404,15 @@
             </a:r>
             <a:r>
               <a:rPr lang="en-US" dirty="0" smtClean="0"/>
-              <a:t> with independent variable </a:t>
+              <a:t> (matrix) with independent variable </a:t>
             </a:r>
             <a:r>
               <a:rPr lang="en-US" i="1" dirty="0" smtClean="0"/>
-              <a:t>Y</a:t>
+              <a:t>Y </a:t>
+            </a:r>
+            <a:r>
+              <a:rPr lang="en-US" dirty="0" smtClean="0"/>
+              <a:t>(vector)</a:t>
             </a:r>
             <a:endParaRPr lang="en-US" dirty="0"/>
           </a:p>
@@ -6870,6 +10029,13 @@
   <p:clrMapOvr>
     <a:masterClrMapping/>
   </p:clrMapOvr>
+  <p:timing>
+    <p:tnLst>
+      <p:par>
+        <p:cTn id="1" dur="indefinite" restart="never" nodeType="tmRoot"/>
+      </p:par>
+    </p:tnLst>
+  </p:timing>
 </p:sld>
 </file>
 
@@ -8021,6 +11187,3460 @@
   <p:clrMapOvr>
     <a:masterClrMapping/>
   </p:clrMapOvr>
+  <p:timing>
+    <p:tnLst>
+      <p:par>
+        <p:cTn id="1" dur="indefinite" restart="never" nodeType="tmRoot"/>
+      </p:par>
+    </p:tnLst>
+  </p:timing>
+</p:sld>
+</file>
+
+<file path=ppt/slides/slide5.xml><?xml version="1.0" encoding="utf-8"?>
+<p:sld xmlns:a="http://schemas.openxmlformats.org/drawingml/2006/main" xmlns:r="http://schemas.openxmlformats.org/officeDocument/2006/relationships" xmlns:p="http://schemas.openxmlformats.org/presentationml/2006/main">
+  <p:cSld>
+    <p:spTree>
+      <p:nvGrpSpPr>
+        <p:cNvPr id="1" name=""/>
+        <p:cNvGrpSpPr/>
+        <p:nvPr/>
+      </p:nvGrpSpPr>
+      <p:grpSpPr>
+        <a:xfrm>
+          <a:off x="0" y="0"/>
+          <a:ext cx="0" cy="0"/>
+          <a:chOff x="0" y="0"/>
+          <a:chExt cx="0" cy="0"/>
+        </a:xfrm>
+      </p:grpSpPr>
+      <p:sp>
+        <p:nvSpPr>
+          <p:cNvPr id="2" name="Title 1"/>
+          <p:cNvSpPr>
+            <a:spLocks noGrp="1"/>
+          </p:cNvSpPr>
+          <p:nvPr>
+            <p:ph type="title"/>
+          </p:nvPr>
+        </p:nvSpPr>
+        <p:spPr/>
+        <p:txBody>
+          <a:bodyPr>
+            <a:normAutofit/>
+          </a:bodyPr>
+          <a:lstStyle/>
+          <a:p>
+            <a:r>
+              <a:rPr lang="en-US" sz="4400" dirty="0" smtClean="0"/>
+              <a:t>Key properties of linear regression</a:t>
+            </a:r>
+            <a:endParaRPr lang="he-IL" sz="4400" dirty="0"/>
+          </a:p>
+        </p:txBody>
+      </p:sp>
+      <mc:AlternateContent xmlns:mc="http://schemas.openxmlformats.org/markup-compatibility/2006">
+        <mc:Choice xmlns:a14="http://schemas.microsoft.com/office/drawing/2010/main" Requires="a14">
+          <p:sp>
+            <p:nvSpPr>
+              <p:cNvPr id="3" name="Content Placeholder 2"/>
+              <p:cNvSpPr>
+                <a:spLocks noGrp="1"/>
+              </p:cNvSpPr>
+              <p:nvPr>
+                <p:ph idx="1"/>
+              </p:nvPr>
+            </p:nvSpPr>
+            <p:spPr/>
+            <p:txBody>
+              <a:bodyPr>
+                <a:normAutofit/>
+              </a:bodyPr>
+              <a:lstStyle/>
+              <a:p>
+                <a:r>
+                  <a:rPr lang="en-US" dirty="0" smtClean="0"/>
+                  <a:t>The linear regression estimate</a:t>
+                </a:r>
+                <a:r>
+                  <a:rPr lang="en-US" i="1" dirty="0" smtClean="0"/>
+                  <a:t> </a:t>
+                </a:r>
+                <a:r>
+                  <a:rPr lang="en-US" dirty="0" smtClean="0"/>
+                  <a:t>is </a:t>
+                </a:r>
+                <a:r>
+                  <a:rPr lang="en-US" b="1" dirty="0" smtClean="0"/>
+                  <a:t>unbiased</a:t>
+                </a:r>
+                <a:r>
+                  <a:rPr lang="en-US" dirty="0" smtClean="0"/>
+                  <a:t>, i.e., </a:t>
+                </a:r>
+                <a14:m>
+                  <m:oMath xmlns:m="http://schemas.openxmlformats.org/officeDocument/2006/math">
+                    <m:r>
+                      <a:rPr lang="en-US" b="0" i="1" smtClean="0">
+                        <a:latin typeface="Cambria Math" panose="02040503050406030204" pitchFamily="18" charset="0"/>
+                      </a:rPr>
+                      <m:t>𝐸</m:t>
+                    </m:r>
+                    <m:d>
+                      <m:dPr>
+                        <m:begChr m:val="["/>
+                        <m:endChr m:val="]"/>
+                        <m:ctrlPr>
+                          <a:rPr lang="en-US" b="0" i="1" smtClean="0">
+                            <a:latin typeface="Cambria Math" panose="02040503050406030204" pitchFamily="18" charset="0"/>
+                          </a:rPr>
+                        </m:ctrlPr>
+                      </m:dPr>
+                      <m:e>
+                        <m:sSup>
+                          <m:sSupPr>
+                            <m:ctrlPr>
+                              <a:rPr lang="en-US" b="0" i="1" smtClean="0">
+                                <a:latin typeface="Cambria Math" panose="02040503050406030204" pitchFamily="18" charset="0"/>
+                              </a:rPr>
+                            </m:ctrlPr>
+                          </m:sSupPr>
+                          <m:e>
+                            <m:r>
+                              <a:rPr lang="en-US" b="0" i="1" smtClean="0">
+                                <a:latin typeface="Cambria Math" panose="02040503050406030204" pitchFamily="18" charset="0"/>
+                              </a:rPr>
+                              <m:t>𝑎</m:t>
+                            </m:r>
+                          </m:e>
+                          <m:sup>
+                            <m:r>
+                              <a:rPr lang="en-US" b="0" i="1" smtClean="0">
+                                <a:latin typeface="Cambria Math" panose="02040503050406030204" pitchFamily="18" charset="0"/>
+                              </a:rPr>
+                              <m:t>𝑇</m:t>
+                            </m:r>
+                          </m:sup>
+                        </m:sSup>
+                        <m:acc>
+                          <m:accPr>
+                            <m:chr m:val="̂"/>
+                            <m:ctrlPr>
+                              <a:rPr lang="en-US" b="0" i="1" smtClean="0">
+                                <a:latin typeface="Cambria Math" panose="02040503050406030204" pitchFamily="18" charset="0"/>
+                              </a:rPr>
+                            </m:ctrlPr>
+                          </m:accPr>
+                          <m:e>
+                            <m:r>
+                              <a:rPr lang="en-US" b="0" i="1" smtClean="0">
+                                <a:latin typeface="Cambria Math" panose="02040503050406030204" pitchFamily="18" charset="0"/>
+                              </a:rPr>
+                              <m:t>𝛽</m:t>
+                            </m:r>
+                          </m:e>
+                        </m:acc>
+                      </m:e>
+                    </m:d>
+                    <m:r>
+                      <a:rPr lang="en-US" b="0" i="1" dirty="0" smtClean="0">
+                        <a:latin typeface="Cambria Math" panose="02040503050406030204" pitchFamily="18" charset="0"/>
+                      </a:rPr>
+                      <m:t>=</m:t>
+                    </m:r>
+                    <m:sSup>
+                      <m:sSupPr>
+                        <m:ctrlPr>
+                          <a:rPr lang="en-US" b="0" i="1" smtClean="0">
+                            <a:latin typeface="Cambria Math" panose="02040503050406030204" pitchFamily="18" charset="0"/>
+                          </a:rPr>
+                        </m:ctrlPr>
+                      </m:sSupPr>
+                      <m:e>
+                        <m:r>
+                          <a:rPr lang="en-US" b="0" i="1" smtClean="0">
+                            <a:latin typeface="Cambria Math" panose="02040503050406030204" pitchFamily="18" charset="0"/>
+                          </a:rPr>
+                          <m:t>𝑎</m:t>
+                        </m:r>
+                      </m:e>
+                      <m:sup>
+                        <m:r>
+                          <a:rPr lang="en-US" b="0" i="1" smtClean="0">
+                            <a:latin typeface="Cambria Math" panose="02040503050406030204" pitchFamily="18" charset="0"/>
+                          </a:rPr>
+                          <m:t>𝑇</m:t>
+                        </m:r>
+                      </m:sup>
+                    </m:sSup>
+                    <m:r>
+                      <a:rPr lang="en-US" b="0" i="1" smtClean="0">
+                        <a:latin typeface="Cambria Math" panose="02040503050406030204" pitchFamily="18" charset="0"/>
+                      </a:rPr>
+                      <m:t>𝛽</m:t>
+                    </m:r>
+                  </m:oMath>
+                </a14:m>
+                <a:endParaRPr lang="en-US" dirty="0" smtClean="0"/>
+              </a:p>
+              <a:p>
+                <a:r>
+                  <a:rPr lang="en-US" dirty="0" smtClean="0"/>
+                  <a:t>Any statistic (i.e., estimator) can be broken down to a bias-variance tradeoff:</a:t>
+                </a:r>
+              </a:p>
+              <a:p>
+                <a:endParaRPr lang="he-IL" dirty="0" smtClean="0"/>
+              </a:p>
+              <a:p>
+                <a:pPr marL="0" indent="0">
+                  <a:buNone/>
+                </a:pPr>
+                <a14:m>
+                  <m:oMathPara xmlns:m="http://schemas.openxmlformats.org/officeDocument/2006/math">
+                    <m:oMathParaPr>
+                      <m:jc m:val="centerGroup"/>
+                    </m:oMathParaPr>
+                    <m:oMath xmlns:m="http://schemas.openxmlformats.org/officeDocument/2006/math">
+                      <m:r>
+                        <a:rPr lang="en-US" b="0" i="1" smtClean="0">
+                          <a:latin typeface="Cambria Math" panose="02040503050406030204" pitchFamily="18" charset="0"/>
+                        </a:rPr>
+                        <m:t>𝐸</m:t>
+                      </m:r>
+                      <m:sSup>
+                        <m:sSupPr>
+                          <m:ctrlPr>
+                            <a:rPr lang="en-US" b="0" i="1" smtClean="0">
+                              <a:latin typeface="Cambria Math" panose="02040503050406030204" pitchFamily="18" charset="0"/>
+                            </a:rPr>
+                          </m:ctrlPr>
+                        </m:sSupPr>
+                        <m:e>
+                          <m:d>
+                            <m:dPr>
+                              <m:ctrlPr>
+                                <a:rPr lang="en-US" b="0" i="1" smtClean="0">
+                                  <a:latin typeface="Cambria Math" panose="02040503050406030204" pitchFamily="18" charset="0"/>
+                                </a:rPr>
+                              </m:ctrlPr>
+                            </m:dPr>
+                            <m:e>
+                              <m:acc>
+                                <m:accPr>
+                                  <m:chr m:val="̃"/>
+                                  <m:ctrlPr>
+                                    <a:rPr lang="en-US" b="0" i="1" smtClean="0">
+                                      <a:latin typeface="Cambria Math" panose="02040503050406030204" pitchFamily="18" charset="0"/>
+                                    </a:rPr>
+                                  </m:ctrlPr>
+                                </m:accPr>
+                                <m:e>
+                                  <m:r>
+                                    <a:rPr lang="en-US" b="0" i="1" smtClean="0">
+                                      <a:latin typeface="Cambria Math" panose="02040503050406030204" pitchFamily="18" charset="0"/>
+                                    </a:rPr>
+                                    <m:t>𝜃</m:t>
+                                  </m:r>
+                                </m:e>
+                              </m:acc>
+                              <m:r>
+                                <a:rPr lang="en-US" b="0" i="1" smtClean="0">
+                                  <a:latin typeface="Cambria Math" panose="02040503050406030204" pitchFamily="18" charset="0"/>
+                                </a:rPr>
+                                <m:t>−</m:t>
+                              </m:r>
+                              <m:r>
+                                <a:rPr lang="en-US" b="0" i="1" smtClean="0">
+                                  <a:latin typeface="Cambria Math" panose="02040503050406030204" pitchFamily="18" charset="0"/>
+                                </a:rPr>
+                                <m:t>𝜃</m:t>
+                              </m:r>
+                            </m:e>
+                          </m:d>
+                        </m:e>
+                        <m:sup>
+                          <m:r>
+                            <a:rPr lang="en-US" b="0" i="1" smtClean="0">
+                              <a:latin typeface="Cambria Math" panose="02040503050406030204" pitchFamily="18" charset="0"/>
+                            </a:rPr>
+                            <m:t>2</m:t>
+                          </m:r>
+                        </m:sup>
+                      </m:sSup>
+                      <m:r>
+                        <a:rPr lang="en-US" b="0" i="1" smtClean="0">
+                          <a:latin typeface="Cambria Math" panose="02040503050406030204" pitchFamily="18" charset="0"/>
+                        </a:rPr>
+                        <m:t>=</m:t>
+                      </m:r>
+                      <m:r>
+                        <a:rPr lang="en-US" b="0" i="1" smtClean="0">
+                          <a:latin typeface="Cambria Math" panose="02040503050406030204" pitchFamily="18" charset="0"/>
+                        </a:rPr>
+                        <m:t>𝑉𝑎𝑟</m:t>
+                      </m:r>
+                      <m:d>
+                        <m:dPr>
+                          <m:ctrlPr>
+                            <a:rPr lang="en-US" b="0" i="1" smtClean="0">
+                              <a:latin typeface="Cambria Math" panose="02040503050406030204" pitchFamily="18" charset="0"/>
+                            </a:rPr>
+                          </m:ctrlPr>
+                        </m:dPr>
+                        <m:e>
+                          <m:acc>
+                            <m:accPr>
+                              <m:chr m:val="̃"/>
+                              <m:ctrlPr>
+                                <a:rPr lang="en-US" b="0" i="1" smtClean="0">
+                                  <a:latin typeface="Cambria Math" panose="02040503050406030204" pitchFamily="18" charset="0"/>
+                                </a:rPr>
+                              </m:ctrlPr>
+                            </m:accPr>
+                            <m:e>
+                              <m:r>
+                                <a:rPr lang="en-US" b="0" i="1" smtClean="0">
+                                  <a:latin typeface="Cambria Math" panose="02040503050406030204" pitchFamily="18" charset="0"/>
+                                </a:rPr>
+                                <m:t>𝜃</m:t>
+                              </m:r>
+                            </m:e>
+                          </m:acc>
+                        </m:e>
+                      </m:d>
+                      <m:r>
+                        <a:rPr lang="en-US" b="0" i="1" smtClean="0">
+                          <a:latin typeface="Cambria Math" panose="02040503050406030204" pitchFamily="18" charset="0"/>
+                        </a:rPr>
+                        <m:t>+</m:t>
+                      </m:r>
+                      <m:sSup>
+                        <m:sSupPr>
+                          <m:ctrlPr>
+                            <a:rPr lang="en-US" b="0" i="1" smtClean="0">
+                              <a:latin typeface="Cambria Math" panose="02040503050406030204" pitchFamily="18" charset="0"/>
+                            </a:rPr>
+                          </m:ctrlPr>
+                        </m:sSupPr>
+                        <m:e>
+                          <m:d>
+                            <m:dPr>
+                              <m:ctrlPr>
+                                <a:rPr lang="en-US" b="0" i="1" smtClean="0">
+                                  <a:latin typeface="Cambria Math" panose="02040503050406030204" pitchFamily="18" charset="0"/>
+                                </a:rPr>
+                              </m:ctrlPr>
+                            </m:dPr>
+                            <m:e>
+                              <m:r>
+                                <a:rPr lang="en-US" b="0" i="1" smtClean="0">
+                                  <a:latin typeface="Cambria Math" panose="02040503050406030204" pitchFamily="18" charset="0"/>
+                                </a:rPr>
+                                <m:t>𝐸</m:t>
+                              </m:r>
+                              <m:acc>
+                                <m:accPr>
+                                  <m:chr m:val="̃"/>
+                                  <m:ctrlPr>
+                                    <a:rPr lang="en-US" b="0" i="1" smtClean="0">
+                                      <a:latin typeface="Cambria Math" panose="02040503050406030204" pitchFamily="18" charset="0"/>
+                                    </a:rPr>
+                                  </m:ctrlPr>
+                                </m:accPr>
+                                <m:e>
+                                  <m:r>
+                                    <a:rPr lang="en-US" b="0" i="1" smtClean="0">
+                                      <a:latin typeface="Cambria Math" panose="02040503050406030204" pitchFamily="18" charset="0"/>
+                                    </a:rPr>
+                                    <m:t>𝜃</m:t>
+                                  </m:r>
+                                </m:e>
+                              </m:acc>
+                              <m:r>
+                                <a:rPr lang="en-US" b="0" i="1" smtClean="0">
+                                  <a:latin typeface="Cambria Math" panose="02040503050406030204" pitchFamily="18" charset="0"/>
+                                </a:rPr>
+                                <m:t>−</m:t>
+                              </m:r>
+                              <m:r>
+                                <a:rPr lang="en-US" b="0" i="1" smtClean="0">
+                                  <a:latin typeface="Cambria Math" panose="02040503050406030204" pitchFamily="18" charset="0"/>
+                                </a:rPr>
+                                <m:t>𝜃</m:t>
+                              </m:r>
+                            </m:e>
+                          </m:d>
+                        </m:e>
+                        <m:sup>
+                          <m:r>
+                            <a:rPr lang="en-US" b="0" i="1" smtClean="0">
+                              <a:latin typeface="Cambria Math" panose="02040503050406030204" pitchFamily="18" charset="0"/>
+                            </a:rPr>
+                            <m:t>2</m:t>
+                          </m:r>
+                        </m:sup>
+                      </m:sSup>
+                    </m:oMath>
+                  </m:oMathPara>
+                </a14:m>
+                <a:endParaRPr lang="en-US" dirty="0" smtClean="0"/>
+              </a:p>
+              <a:p>
+                <a:endParaRPr lang="en-US" dirty="0" smtClean="0"/>
+              </a:p>
+              <a:p>
+                <a:r>
+                  <a:rPr lang="en-US" dirty="0" smtClean="0"/>
+                  <a:t>The linear regression yields the </a:t>
+                </a:r>
+                <a:r>
+                  <a:rPr lang="en-US" b="1" dirty="0" smtClean="0"/>
+                  <a:t>minimal variance among all unbiased </a:t>
+                </a:r>
+                <a:r>
+                  <a:rPr lang="en-US" dirty="0" smtClean="0"/>
+                  <a:t>linear estimates (gauss-</a:t>
+                </a:r>
+                <a:r>
+                  <a:rPr lang="en-US" dirty="0" err="1" smtClean="0"/>
+                  <a:t>markov</a:t>
+                </a:r>
+                <a:r>
+                  <a:rPr lang="en-US" dirty="0" smtClean="0"/>
+                  <a:t> theorem)</a:t>
+                </a:r>
+              </a:p>
+              <a:p>
+                <a:pPr lvl="1"/>
+                <a:r>
+                  <a:rPr lang="en-US" dirty="0" smtClean="0"/>
+                  <a:t>Unbiased = “on average” we are accurate</a:t>
+                </a:r>
+              </a:p>
+              <a:p>
+                <a:pPr lvl="1"/>
+                <a:r>
+                  <a:rPr lang="en-US" dirty="0" smtClean="0"/>
+                  <a:t>Minimum variance = our estimates have a low dispersion</a:t>
+                </a:r>
+              </a:p>
+              <a:p>
+                <a:r>
+                  <a:rPr lang="en-US" dirty="0" smtClean="0"/>
+                  <a:t>However, we might get a lower </a:t>
+                </a:r>
+                <a14:m>
+                  <m:oMath xmlns:m="http://schemas.openxmlformats.org/officeDocument/2006/math">
+                    <m:r>
+                      <a:rPr lang="en-US" b="0" i="1" smtClean="0">
+                        <a:latin typeface="Cambria Math" panose="02040503050406030204" pitchFamily="18" charset="0"/>
+                      </a:rPr>
+                      <m:t>𝐸</m:t>
+                    </m:r>
+                    <m:sSup>
+                      <m:sSupPr>
+                        <m:ctrlPr>
+                          <a:rPr lang="en-US" b="0" i="1" smtClean="0">
+                            <a:latin typeface="Cambria Math" panose="02040503050406030204" pitchFamily="18" charset="0"/>
+                          </a:rPr>
+                        </m:ctrlPr>
+                      </m:sSupPr>
+                      <m:e>
+                        <m:d>
+                          <m:dPr>
+                            <m:ctrlPr>
+                              <a:rPr lang="en-US" b="0" i="1" smtClean="0">
+                                <a:latin typeface="Cambria Math" panose="02040503050406030204" pitchFamily="18" charset="0"/>
+                              </a:rPr>
+                            </m:ctrlPr>
+                          </m:dPr>
+                          <m:e>
+                            <m:acc>
+                              <m:accPr>
+                                <m:chr m:val="̃"/>
+                                <m:ctrlPr>
+                                  <a:rPr lang="en-US" b="0" i="1" smtClean="0">
+                                    <a:latin typeface="Cambria Math" panose="02040503050406030204" pitchFamily="18" charset="0"/>
+                                  </a:rPr>
+                                </m:ctrlPr>
+                              </m:accPr>
+                              <m:e>
+                                <m:r>
+                                  <a:rPr lang="en-US" b="0" i="1" smtClean="0">
+                                    <a:latin typeface="Cambria Math" panose="02040503050406030204" pitchFamily="18" charset="0"/>
+                                  </a:rPr>
+                                  <m:t>𝜃</m:t>
+                                </m:r>
+                              </m:e>
+                            </m:acc>
+                            <m:r>
+                              <a:rPr lang="en-US" b="0" i="1" smtClean="0">
+                                <a:latin typeface="Cambria Math" panose="02040503050406030204" pitchFamily="18" charset="0"/>
+                              </a:rPr>
+                              <m:t>−</m:t>
+                            </m:r>
+                            <m:r>
+                              <a:rPr lang="en-US" b="0" i="1" smtClean="0">
+                                <a:latin typeface="Cambria Math" panose="02040503050406030204" pitchFamily="18" charset="0"/>
+                              </a:rPr>
+                              <m:t>𝜃</m:t>
+                            </m:r>
+                          </m:e>
+                        </m:d>
+                      </m:e>
+                      <m:sup>
+                        <m:r>
+                          <a:rPr lang="en-US" b="0" i="1" smtClean="0">
+                            <a:latin typeface="Cambria Math" panose="02040503050406030204" pitchFamily="18" charset="0"/>
+                          </a:rPr>
+                          <m:t>2</m:t>
+                        </m:r>
+                      </m:sup>
+                    </m:sSup>
+                  </m:oMath>
+                </a14:m>
+                <a:r>
+                  <a:rPr lang="en-US" dirty="0" smtClean="0"/>
+                  <a:t> by using biased estimates</a:t>
+                </a:r>
+              </a:p>
+            </p:txBody>
+          </p:sp>
+        </mc:Choice>
+        <mc:Fallback>
+          <p:sp>
+            <p:nvSpPr>
+              <p:cNvPr id="3" name="Content Placeholder 2"/>
+              <p:cNvSpPr>
+                <a:spLocks noGrp="1" noRot="1" noChangeAspect="1" noMove="1" noResize="1" noEditPoints="1" noAdjustHandles="1" noChangeArrowheads="1" noChangeShapeType="1" noTextEdit="1"/>
+              </p:cNvSpPr>
+              <p:nvPr>
+                <p:ph idx="1"/>
+              </p:nvPr>
+            </p:nvSpPr>
+            <p:spPr>
+              <a:blipFill>
+                <a:blip r:embed="rId3"/>
+                <a:stretch>
+                  <a:fillRect l="-303" t="-1053" r="-1273"/>
+                </a:stretch>
+              </a:blipFill>
+            </p:spPr>
+            <p:txBody>
+              <a:bodyPr/>
+              <a:lstStyle/>
+              <a:p>
+                <a:r>
+                  <a:rPr lang="he-IL">
+                    <a:noFill/>
+                  </a:rPr>
+                  <a:t> </a:t>
+                </a:r>
+              </a:p>
+            </p:txBody>
+          </p:sp>
+        </mc:Fallback>
+      </mc:AlternateContent>
+      <p:sp>
+        <p:nvSpPr>
+          <p:cNvPr id="4" name="Footer Placeholder 3"/>
+          <p:cNvSpPr>
+            <a:spLocks noGrp="1"/>
+          </p:cNvSpPr>
+          <p:nvPr>
+            <p:ph type="ftr" sz="quarter" idx="11"/>
+          </p:nvPr>
+        </p:nvSpPr>
+        <p:spPr/>
+        <p:txBody>
+          <a:bodyPr/>
+          <a:lstStyle/>
+          <a:p>
+            <a:r>
+              <a:rPr lang="en-US" smtClean="0"/>
+              <a:t>Materials by Adi Sarid https://adisarid.github.io and http://www.sarid-ins.com</a:t>
+            </a:r>
+            <a:endParaRPr lang="en-US" dirty="0"/>
+          </a:p>
+        </p:txBody>
+      </p:sp>
+      <p:sp>
+        <p:nvSpPr>
+          <p:cNvPr id="5" name="Slide Number Placeholder 4"/>
+          <p:cNvSpPr>
+            <a:spLocks noGrp="1"/>
+          </p:cNvSpPr>
+          <p:nvPr>
+            <p:ph type="sldNum" sz="quarter" idx="12"/>
+          </p:nvPr>
+        </p:nvSpPr>
+        <p:spPr/>
+        <p:txBody>
+          <a:bodyPr/>
+          <a:lstStyle/>
+          <a:p>
+            <a:fld id="{4FAB73BC-B049-4115-A692-8D63A059BFB8}" type="slidenum">
+              <a:rPr lang="en-US" smtClean="0"/>
+              <a:t>5</a:t>
+            </a:fld>
+            <a:endParaRPr lang="en-US" dirty="0"/>
+          </a:p>
+        </p:txBody>
+      </p:sp>
+    </p:spTree>
+    <p:extLst>
+      <p:ext uri="{BB962C8B-B14F-4D97-AF65-F5344CB8AC3E}">
+        <p14:creationId xmlns:p14="http://schemas.microsoft.com/office/powerpoint/2010/main" val="3068560513"/>
+      </p:ext>
+    </p:extLst>
+  </p:cSld>
+  <p:clrMapOvr>
+    <a:masterClrMapping/>
+  </p:clrMapOvr>
+  <p:timing>
+    <p:tnLst>
+      <p:par>
+        <p:cTn id="1" dur="indefinite" restart="never" nodeType="tmRoot"/>
+      </p:par>
+    </p:tnLst>
+  </p:timing>
+</p:sld>
+</file>
+
+<file path=ppt/slides/slide6.xml><?xml version="1.0" encoding="utf-8"?>
+<p:sld xmlns:a="http://schemas.openxmlformats.org/drawingml/2006/main" xmlns:r="http://schemas.openxmlformats.org/officeDocument/2006/relationships" xmlns:p="http://schemas.openxmlformats.org/presentationml/2006/main">
+  <p:cSld>
+    <p:spTree>
+      <p:nvGrpSpPr>
+        <p:cNvPr id="1" name=""/>
+        <p:cNvGrpSpPr/>
+        <p:nvPr/>
+      </p:nvGrpSpPr>
+      <p:grpSpPr>
+        <a:xfrm>
+          <a:off x="0" y="0"/>
+          <a:ext cx="0" cy="0"/>
+          <a:chOff x="0" y="0"/>
+          <a:chExt cx="0" cy="0"/>
+        </a:xfrm>
+      </p:grpSpPr>
+      <p:sp>
+        <p:nvSpPr>
+          <p:cNvPr id="2" name="Title 1"/>
+          <p:cNvSpPr>
+            <a:spLocks noGrp="1"/>
+          </p:cNvSpPr>
+          <p:nvPr>
+            <p:ph type="title"/>
+          </p:nvPr>
+        </p:nvSpPr>
+        <p:spPr/>
+        <p:txBody>
+          <a:bodyPr/>
+          <a:lstStyle/>
+          <a:p>
+            <a:r>
+              <a:rPr lang="en-US" dirty="0" smtClean="0"/>
+              <a:t>Warm-up quiz</a:t>
+            </a:r>
+            <a:endParaRPr lang="he-IL" dirty="0"/>
+          </a:p>
+        </p:txBody>
+      </p:sp>
+      <p:sp>
+        <p:nvSpPr>
+          <p:cNvPr id="3" name="Content Placeholder 2"/>
+          <p:cNvSpPr>
+            <a:spLocks noGrp="1"/>
+          </p:cNvSpPr>
+          <p:nvPr>
+            <p:ph idx="1"/>
+          </p:nvPr>
+        </p:nvSpPr>
+        <p:spPr>
+          <a:xfrm>
+            <a:off x="1069848" y="2113280"/>
+            <a:ext cx="10058400" cy="4058920"/>
+          </a:xfrm>
+        </p:spPr>
+        <p:txBody>
+          <a:bodyPr/>
+          <a:lstStyle/>
+          <a:p>
+            <a:r>
+              <a:rPr lang="en-US" dirty="0" smtClean="0"/>
+              <a:t>Take a moment to think: Is this a good model? (Is it unbiased?</a:t>
+            </a:r>
+            <a:r>
+              <a:rPr lang="en-US" dirty="0"/>
+              <a:t> </a:t>
+            </a:r>
+            <a:r>
+              <a:rPr lang="en-US" dirty="0" smtClean="0"/>
+              <a:t>Does the linearity assumption hold?)</a:t>
+            </a:r>
+          </a:p>
+        </p:txBody>
+      </p:sp>
+      <p:sp>
+        <p:nvSpPr>
+          <p:cNvPr id="4" name="Footer Placeholder 3"/>
+          <p:cNvSpPr>
+            <a:spLocks noGrp="1"/>
+          </p:cNvSpPr>
+          <p:nvPr>
+            <p:ph type="ftr" sz="quarter" idx="11"/>
+          </p:nvPr>
+        </p:nvSpPr>
+        <p:spPr/>
+        <p:txBody>
+          <a:bodyPr/>
+          <a:lstStyle/>
+          <a:p>
+            <a:r>
+              <a:rPr lang="en-US" smtClean="0"/>
+              <a:t>Materials by Adi Sarid https://adisarid.github.io and http://www.sarid-ins.com</a:t>
+            </a:r>
+            <a:endParaRPr lang="en-US" dirty="0"/>
+          </a:p>
+        </p:txBody>
+      </p:sp>
+      <p:sp>
+        <p:nvSpPr>
+          <p:cNvPr id="5" name="Slide Number Placeholder 4"/>
+          <p:cNvSpPr>
+            <a:spLocks noGrp="1"/>
+          </p:cNvSpPr>
+          <p:nvPr>
+            <p:ph type="sldNum" sz="quarter" idx="12"/>
+          </p:nvPr>
+        </p:nvSpPr>
+        <p:spPr/>
+        <p:txBody>
+          <a:bodyPr/>
+          <a:lstStyle/>
+          <a:p>
+            <a:fld id="{4FAB73BC-B049-4115-A692-8D63A059BFB8}" type="slidenum">
+              <a:rPr lang="en-US" smtClean="0"/>
+              <a:t>6</a:t>
+            </a:fld>
+            <a:endParaRPr lang="en-US" dirty="0"/>
+          </a:p>
+        </p:txBody>
+      </p:sp>
+      <p:pic>
+        <p:nvPicPr>
+          <p:cNvPr id="6" name="Picture 5"/>
+          <p:cNvPicPr>
+            <a:picLocks noChangeAspect="1"/>
+          </p:cNvPicPr>
+          <p:nvPr/>
+        </p:nvPicPr>
+        <p:blipFill>
+          <a:blip r:embed="rId2"/>
+          <a:stretch>
+            <a:fillRect/>
+          </a:stretch>
+        </p:blipFill>
+        <p:spPr>
+          <a:xfrm>
+            <a:off x="5628640" y="3013545"/>
+            <a:ext cx="6418563" cy="2565806"/>
+          </a:xfrm>
+          <a:prstGeom prst="rect">
+            <a:avLst/>
+          </a:prstGeom>
+        </p:spPr>
+      </p:pic>
+      <p:sp>
+        <p:nvSpPr>
+          <p:cNvPr id="9" name="TextBox 8"/>
+          <p:cNvSpPr txBox="1"/>
+          <p:nvPr/>
+        </p:nvSpPr>
+        <p:spPr>
+          <a:xfrm>
+            <a:off x="538480" y="2966720"/>
+            <a:ext cx="5249134" cy="2839239"/>
+          </a:xfrm>
+          <a:prstGeom prst="rect">
+            <a:avLst/>
+          </a:prstGeom>
+          <a:noFill/>
+        </p:spPr>
+        <p:txBody>
+          <a:bodyPr wrap="square" rtlCol="1">
+            <a:spAutoFit/>
+          </a:bodyPr>
+          <a:lstStyle/>
+          <a:p>
+            <a:r>
+              <a:rPr lang="en-US" sz="1050" dirty="0">
+                <a:latin typeface="Courier New" panose="02070309020205020404" pitchFamily="49" charset="0"/>
+                <a:cs typeface="Courier New" panose="02070309020205020404" pitchFamily="49" charset="0"/>
+              </a:rPr>
+              <a:t>Call:</a:t>
+            </a:r>
+          </a:p>
+          <a:p>
+            <a:r>
+              <a:rPr lang="en-US" sz="1050" dirty="0">
+                <a:latin typeface="Courier New" panose="02070309020205020404" pitchFamily="49" charset="0"/>
+                <a:cs typeface="Courier New" panose="02070309020205020404" pitchFamily="49" charset="0"/>
+              </a:rPr>
+              <a:t>lm(formula = </a:t>
+            </a:r>
+            <a:r>
+              <a:rPr lang="en-US" sz="1050" dirty="0" err="1">
+                <a:latin typeface="Courier New" panose="02070309020205020404" pitchFamily="49" charset="0"/>
+                <a:cs typeface="Courier New" panose="02070309020205020404" pitchFamily="49" charset="0"/>
+              </a:rPr>
+              <a:t>measured_y</a:t>
+            </a:r>
+            <a:r>
+              <a:rPr lang="en-US" sz="1050" dirty="0">
+                <a:latin typeface="Courier New" panose="02070309020205020404" pitchFamily="49" charset="0"/>
+                <a:cs typeface="Courier New" panose="02070309020205020404" pitchFamily="49" charset="0"/>
+              </a:rPr>
+              <a:t> ~ x, data = </a:t>
+            </a:r>
+            <a:r>
+              <a:rPr lang="en-US" sz="1050" dirty="0" err="1">
+                <a:latin typeface="Courier New" panose="02070309020205020404" pitchFamily="49" charset="0"/>
+                <a:cs typeface="Courier New" panose="02070309020205020404" pitchFamily="49" charset="0"/>
+              </a:rPr>
+              <a:t>data_in_partial</a:t>
+            </a:r>
+            <a:r>
+              <a:rPr lang="en-US" sz="1050" dirty="0">
+                <a:latin typeface="Courier New" panose="02070309020205020404" pitchFamily="49" charset="0"/>
+                <a:cs typeface="Courier New" panose="02070309020205020404" pitchFamily="49" charset="0"/>
+              </a:rPr>
+              <a:t>)</a:t>
+            </a:r>
+          </a:p>
+          <a:p>
+            <a:endParaRPr lang="en-US" sz="1050" dirty="0">
+              <a:latin typeface="Courier New" panose="02070309020205020404" pitchFamily="49" charset="0"/>
+              <a:cs typeface="Courier New" panose="02070309020205020404" pitchFamily="49" charset="0"/>
+            </a:endParaRPr>
+          </a:p>
+          <a:p>
+            <a:r>
+              <a:rPr lang="en-US" sz="1050" dirty="0">
+                <a:latin typeface="Courier New" panose="02070309020205020404" pitchFamily="49" charset="0"/>
+                <a:cs typeface="Courier New" panose="02070309020205020404" pitchFamily="49" charset="0"/>
+              </a:rPr>
+              <a:t>Residuals:</a:t>
+            </a:r>
+          </a:p>
+          <a:p>
+            <a:r>
+              <a:rPr lang="en-US" sz="1050" dirty="0">
+                <a:latin typeface="Courier New" panose="02070309020205020404" pitchFamily="49" charset="0"/>
+                <a:cs typeface="Courier New" panose="02070309020205020404" pitchFamily="49" charset="0"/>
+              </a:rPr>
+              <a:t>     Min       1Q   Median       3Q      Max </a:t>
+            </a:r>
+          </a:p>
+          <a:p>
+            <a:r>
+              <a:rPr lang="en-US" sz="1050" dirty="0">
+                <a:latin typeface="Courier New" panose="02070309020205020404" pitchFamily="49" charset="0"/>
+                <a:cs typeface="Courier New" panose="02070309020205020404" pitchFamily="49" charset="0"/>
+              </a:rPr>
+              <a:t>-0.45050 -0.12257 -0.00307  0.13733  0.39436 </a:t>
+            </a:r>
+          </a:p>
+          <a:p>
+            <a:endParaRPr lang="en-US" sz="1050" dirty="0">
+              <a:latin typeface="Courier New" panose="02070309020205020404" pitchFamily="49" charset="0"/>
+              <a:cs typeface="Courier New" panose="02070309020205020404" pitchFamily="49" charset="0"/>
+            </a:endParaRPr>
+          </a:p>
+          <a:p>
+            <a:r>
+              <a:rPr lang="en-US" sz="1050" dirty="0">
+                <a:latin typeface="Courier New" panose="02070309020205020404" pitchFamily="49" charset="0"/>
+                <a:cs typeface="Courier New" panose="02070309020205020404" pitchFamily="49" charset="0"/>
+              </a:rPr>
+              <a:t>Coefficients:</a:t>
+            </a:r>
+          </a:p>
+          <a:p>
+            <a:r>
+              <a:rPr lang="en-US" sz="1050" dirty="0">
+                <a:latin typeface="Courier New" panose="02070309020205020404" pitchFamily="49" charset="0"/>
+                <a:cs typeface="Courier New" panose="02070309020205020404" pitchFamily="49" charset="0"/>
+              </a:rPr>
+              <a:t>            Estimate Std. Error t value </a:t>
+            </a:r>
+            <a:r>
+              <a:rPr lang="en-US" sz="1050" dirty="0" err="1">
+                <a:latin typeface="Courier New" panose="02070309020205020404" pitchFamily="49" charset="0"/>
+                <a:cs typeface="Courier New" panose="02070309020205020404" pitchFamily="49" charset="0"/>
+              </a:rPr>
+              <a:t>Pr</a:t>
+            </a:r>
+            <a:r>
+              <a:rPr lang="en-US" sz="1050" dirty="0">
+                <a:latin typeface="Courier New" panose="02070309020205020404" pitchFamily="49" charset="0"/>
+                <a:cs typeface="Courier New" panose="02070309020205020404" pitchFamily="49" charset="0"/>
+              </a:rPr>
+              <a:t>(&gt;|t|)    </a:t>
+            </a:r>
+          </a:p>
+          <a:p>
+            <a:r>
+              <a:rPr lang="en-US" sz="1050" dirty="0">
+                <a:latin typeface="Courier New" panose="02070309020205020404" pitchFamily="49" charset="0"/>
+                <a:cs typeface="Courier New" panose="02070309020205020404" pitchFamily="49" charset="0"/>
+              </a:rPr>
+              <a:t>(Intercept)  0.13405    0.02618    5.12 7.88e-07 ***</a:t>
+            </a:r>
+          </a:p>
+          <a:p>
+            <a:r>
+              <a:rPr lang="en-US" sz="1050" dirty="0">
+                <a:latin typeface="Courier New" panose="02070309020205020404" pitchFamily="49" charset="0"/>
+                <a:cs typeface="Courier New" panose="02070309020205020404" pitchFamily="49" charset="0"/>
+              </a:rPr>
+              <a:t>x            0.66828    0.02883   23.18  &lt; 2e-16 ***</a:t>
+            </a:r>
+          </a:p>
+          <a:p>
+            <a:r>
+              <a:rPr lang="en-US" sz="1050" dirty="0">
+                <a:latin typeface="Courier New" panose="02070309020205020404" pitchFamily="49" charset="0"/>
+                <a:cs typeface="Courier New" panose="02070309020205020404" pitchFamily="49" charset="0"/>
+              </a:rPr>
+              <a:t>---</a:t>
+            </a:r>
+          </a:p>
+          <a:p>
+            <a:r>
+              <a:rPr lang="en-US" sz="1050" dirty="0" err="1">
+                <a:latin typeface="Courier New" panose="02070309020205020404" pitchFamily="49" charset="0"/>
+                <a:cs typeface="Courier New" panose="02070309020205020404" pitchFamily="49" charset="0"/>
+              </a:rPr>
+              <a:t>Signif</a:t>
+            </a:r>
+            <a:r>
+              <a:rPr lang="en-US" sz="1050" dirty="0">
+                <a:latin typeface="Courier New" panose="02070309020205020404" pitchFamily="49" charset="0"/>
+                <a:cs typeface="Courier New" panose="02070309020205020404" pitchFamily="49" charset="0"/>
+              </a:rPr>
+              <a:t>. codes:  0 ‘***’ 0.001 ‘**’ 0.01 ‘*’ 0.05 ‘.’ 0.1 ‘ ’ 1</a:t>
+            </a:r>
+          </a:p>
+          <a:p>
+            <a:endParaRPr lang="en-US" sz="1050" dirty="0">
+              <a:latin typeface="Courier New" panose="02070309020205020404" pitchFamily="49" charset="0"/>
+              <a:cs typeface="Courier New" panose="02070309020205020404" pitchFamily="49" charset="0"/>
+            </a:endParaRPr>
+          </a:p>
+          <a:p>
+            <a:r>
+              <a:rPr lang="en-US" sz="1050" dirty="0">
+                <a:latin typeface="Courier New" panose="02070309020205020404" pitchFamily="49" charset="0"/>
+                <a:cs typeface="Courier New" panose="02070309020205020404" pitchFamily="49" charset="0"/>
+              </a:rPr>
+              <a:t>Residual standard error: 0.1764 on 178 degrees of freedom</a:t>
+            </a:r>
+          </a:p>
+          <a:p>
+            <a:r>
+              <a:rPr lang="en-US" sz="1050" dirty="0">
+                <a:latin typeface="Courier New" panose="02070309020205020404" pitchFamily="49" charset="0"/>
+                <a:cs typeface="Courier New" panose="02070309020205020404" pitchFamily="49" charset="0"/>
+              </a:rPr>
+              <a:t>Multiple R-squared:  0.7512,	Adjusted R-squared:  0.7498 </a:t>
+            </a:r>
+          </a:p>
+          <a:p>
+            <a:r>
+              <a:rPr lang="en-US" sz="1050" dirty="0">
+                <a:latin typeface="Courier New" panose="02070309020205020404" pitchFamily="49" charset="0"/>
+                <a:cs typeface="Courier New" panose="02070309020205020404" pitchFamily="49" charset="0"/>
+              </a:rPr>
+              <a:t>F-statistic: 537.3 on 1 and 178 DF,  p-value: &lt; 2.2e-16</a:t>
+            </a:r>
+            <a:endParaRPr lang="he-IL" sz="1050" dirty="0">
+              <a:latin typeface="Courier New" panose="02070309020205020404" pitchFamily="49" charset="0"/>
+              <a:cs typeface="Courier New" panose="02070309020205020404" pitchFamily="49" charset="0"/>
+            </a:endParaRPr>
+          </a:p>
+        </p:txBody>
+      </p:sp>
+      <p:pic>
+        <p:nvPicPr>
+          <p:cNvPr id="12" name="Picture 11">
+            <a:hlinkClick r:id="rId3"/>
+          </p:cNvPr>
+          <p:cNvPicPr>
+            <a:picLocks noChangeAspect="1"/>
+          </p:cNvPicPr>
+          <p:nvPr/>
+        </p:nvPicPr>
+        <p:blipFill rotWithShape="1">
+          <a:blip r:embed="rId4"/>
+          <a:srcRect l="16061" t="18242" r="8788" b="16788"/>
+          <a:stretch/>
+        </p:blipFill>
+        <p:spPr>
+          <a:xfrm>
+            <a:off x="10434320" y="172720"/>
+            <a:ext cx="1574800" cy="1361440"/>
+          </a:xfrm>
+          <a:prstGeom prst="rect">
+            <a:avLst/>
+          </a:prstGeom>
+        </p:spPr>
+      </p:pic>
+    </p:spTree>
+    <p:extLst>
+      <p:ext uri="{BB962C8B-B14F-4D97-AF65-F5344CB8AC3E}">
+        <p14:creationId xmlns:p14="http://schemas.microsoft.com/office/powerpoint/2010/main" val="2728849333"/>
+      </p:ext>
+    </p:extLst>
+  </p:cSld>
+  <p:clrMapOvr>
+    <a:masterClrMapping/>
+  </p:clrMapOvr>
+  <p:timing>
+    <p:tnLst>
+      <p:par>
+        <p:cTn id="1" dur="indefinite" restart="never" nodeType="tmRoot"/>
+      </p:par>
+    </p:tnLst>
+  </p:timing>
+</p:sld>
+</file>
+
+<file path=ppt/slides/slide7.xml><?xml version="1.0" encoding="utf-8"?>
+<p:sld xmlns:a="http://schemas.openxmlformats.org/drawingml/2006/main" xmlns:r="http://schemas.openxmlformats.org/officeDocument/2006/relationships" xmlns:p="http://schemas.openxmlformats.org/presentationml/2006/main">
+  <p:cSld>
+    <p:spTree>
+      <p:nvGrpSpPr>
+        <p:cNvPr id="1" name=""/>
+        <p:cNvGrpSpPr/>
+        <p:nvPr/>
+      </p:nvGrpSpPr>
+      <p:grpSpPr>
+        <a:xfrm>
+          <a:off x="0" y="0"/>
+          <a:ext cx="0" cy="0"/>
+          <a:chOff x="0" y="0"/>
+          <a:chExt cx="0" cy="0"/>
+        </a:xfrm>
+      </p:grpSpPr>
+      <p:sp>
+        <p:nvSpPr>
+          <p:cNvPr id="2" name="Title 1"/>
+          <p:cNvSpPr>
+            <a:spLocks noGrp="1"/>
+          </p:cNvSpPr>
+          <p:nvPr>
+            <p:ph type="title"/>
+          </p:nvPr>
+        </p:nvSpPr>
+        <p:spPr/>
+        <p:txBody>
+          <a:bodyPr/>
+          <a:lstStyle/>
+          <a:p>
+            <a:r>
+              <a:rPr lang="en-US" dirty="0" smtClean="0"/>
+              <a:t>It depends: the good</a:t>
+            </a:r>
+            <a:endParaRPr lang="he-IL" dirty="0"/>
+          </a:p>
+        </p:txBody>
+      </p:sp>
+      <p:sp>
+        <p:nvSpPr>
+          <p:cNvPr id="3" name="Content Placeholder 2"/>
+          <p:cNvSpPr>
+            <a:spLocks noGrp="1"/>
+          </p:cNvSpPr>
+          <p:nvPr>
+            <p:ph idx="1"/>
+          </p:nvPr>
+        </p:nvSpPr>
+        <p:spPr/>
+        <p:txBody>
+          <a:bodyPr/>
+          <a:lstStyle/>
+          <a:p>
+            <a:r>
+              <a:rPr lang="en-US" dirty="0" smtClean="0"/>
+              <a:t>If we are just predicting 0,…,pi/2, it’s roughly ok, even though we could’ve done better</a:t>
+            </a:r>
+          </a:p>
+        </p:txBody>
+      </p:sp>
+      <p:sp>
+        <p:nvSpPr>
+          <p:cNvPr id="4" name="Footer Placeholder 3"/>
+          <p:cNvSpPr>
+            <a:spLocks noGrp="1"/>
+          </p:cNvSpPr>
+          <p:nvPr>
+            <p:ph type="ftr" sz="quarter" idx="11"/>
+          </p:nvPr>
+        </p:nvSpPr>
+        <p:spPr/>
+        <p:txBody>
+          <a:bodyPr/>
+          <a:lstStyle/>
+          <a:p>
+            <a:r>
+              <a:rPr lang="en-US" smtClean="0"/>
+              <a:t>Materials by Adi Sarid https://adisarid.github.io and http://www.sarid-ins.com</a:t>
+            </a:r>
+            <a:endParaRPr lang="en-US" dirty="0"/>
+          </a:p>
+        </p:txBody>
+      </p:sp>
+      <p:sp>
+        <p:nvSpPr>
+          <p:cNvPr id="5" name="Slide Number Placeholder 4"/>
+          <p:cNvSpPr>
+            <a:spLocks noGrp="1"/>
+          </p:cNvSpPr>
+          <p:nvPr>
+            <p:ph type="sldNum" sz="quarter" idx="12"/>
+          </p:nvPr>
+        </p:nvSpPr>
+        <p:spPr/>
+        <p:txBody>
+          <a:bodyPr/>
+          <a:lstStyle/>
+          <a:p>
+            <a:fld id="{4FAB73BC-B049-4115-A692-8D63A059BFB8}" type="slidenum">
+              <a:rPr lang="en-US" smtClean="0"/>
+              <a:t>7</a:t>
+            </a:fld>
+            <a:endParaRPr lang="en-US" dirty="0"/>
+          </a:p>
+        </p:txBody>
+      </p:sp>
+      <p:grpSp>
+        <p:nvGrpSpPr>
+          <p:cNvPr id="10" name="Group 9"/>
+          <p:cNvGrpSpPr/>
+          <p:nvPr/>
+        </p:nvGrpSpPr>
+        <p:grpSpPr>
+          <a:xfrm>
+            <a:off x="1290320" y="2854960"/>
+            <a:ext cx="6309360" cy="3231654"/>
+            <a:chOff x="1290320" y="2854960"/>
+            <a:chExt cx="6309360" cy="3231654"/>
+          </a:xfrm>
+        </p:grpSpPr>
+        <p:sp>
+          <p:nvSpPr>
+            <p:cNvPr id="6" name="TextBox 5"/>
+            <p:cNvSpPr txBox="1"/>
+            <p:nvPr/>
+          </p:nvSpPr>
+          <p:spPr>
+            <a:xfrm>
+              <a:off x="1290320" y="2854960"/>
+              <a:ext cx="6309360" cy="3231654"/>
+            </a:xfrm>
+            <a:prstGeom prst="rect">
+              <a:avLst/>
+            </a:prstGeom>
+            <a:noFill/>
+          </p:spPr>
+          <p:txBody>
+            <a:bodyPr wrap="square" rtlCol="1">
+              <a:spAutoFit/>
+            </a:bodyPr>
+            <a:lstStyle/>
+            <a:p>
+              <a:r>
+                <a:rPr lang="en-US" sz="1200" dirty="0">
+                  <a:latin typeface="Courier New" panose="02070309020205020404" pitchFamily="49" charset="0"/>
+                  <a:cs typeface="Courier New" panose="02070309020205020404" pitchFamily="49" charset="0"/>
+                </a:rPr>
+                <a:t>Call:</a:t>
+              </a:r>
+            </a:p>
+            <a:p>
+              <a:r>
+                <a:rPr lang="en-US" sz="1200" dirty="0">
+                  <a:latin typeface="Courier New" panose="02070309020205020404" pitchFamily="49" charset="0"/>
+                  <a:cs typeface="Courier New" panose="02070309020205020404" pitchFamily="49" charset="0"/>
+                </a:rPr>
+                <a:t>lm(formula = </a:t>
+              </a:r>
+              <a:r>
+                <a:rPr lang="en-US" sz="1200" dirty="0" err="1">
+                  <a:latin typeface="Courier New" panose="02070309020205020404" pitchFamily="49" charset="0"/>
+                  <a:cs typeface="Courier New" panose="02070309020205020404" pitchFamily="49" charset="0"/>
+                </a:rPr>
+                <a:t>measured_y</a:t>
+              </a:r>
+              <a:r>
+                <a:rPr lang="en-US" sz="1200" dirty="0">
+                  <a:latin typeface="Courier New" panose="02070309020205020404" pitchFamily="49" charset="0"/>
+                  <a:cs typeface="Courier New" panose="02070309020205020404" pitchFamily="49" charset="0"/>
+                </a:rPr>
+                <a:t> ~ x, data = </a:t>
+              </a:r>
+              <a:r>
+                <a:rPr lang="en-US" sz="1200" dirty="0" err="1">
+                  <a:latin typeface="Courier New" panose="02070309020205020404" pitchFamily="49" charset="0"/>
+                  <a:cs typeface="Courier New" panose="02070309020205020404" pitchFamily="49" charset="0"/>
+                </a:rPr>
+                <a:t>data_in_partial</a:t>
+              </a:r>
+              <a:r>
+                <a:rPr lang="en-US" sz="1200" dirty="0">
+                  <a:latin typeface="Courier New" panose="02070309020205020404" pitchFamily="49" charset="0"/>
+                  <a:cs typeface="Courier New" panose="02070309020205020404" pitchFamily="49" charset="0"/>
+                </a:rPr>
+                <a:t>)</a:t>
+              </a:r>
+            </a:p>
+            <a:p>
+              <a:endParaRPr lang="en-US" sz="1200" dirty="0">
+                <a:latin typeface="Courier New" panose="02070309020205020404" pitchFamily="49" charset="0"/>
+                <a:cs typeface="Courier New" panose="02070309020205020404" pitchFamily="49" charset="0"/>
+              </a:endParaRPr>
+            </a:p>
+            <a:p>
+              <a:r>
+                <a:rPr lang="en-US" sz="1200" dirty="0">
+                  <a:latin typeface="Courier New" panose="02070309020205020404" pitchFamily="49" charset="0"/>
+                  <a:cs typeface="Courier New" panose="02070309020205020404" pitchFamily="49" charset="0"/>
+                </a:rPr>
+                <a:t>Residuals:</a:t>
+              </a:r>
+            </a:p>
+            <a:p>
+              <a:r>
+                <a:rPr lang="en-US" sz="1200" dirty="0">
+                  <a:latin typeface="Courier New" panose="02070309020205020404" pitchFamily="49" charset="0"/>
+                  <a:cs typeface="Courier New" panose="02070309020205020404" pitchFamily="49" charset="0"/>
+                </a:rPr>
+                <a:t>     Min       1Q   Median       3Q      Max </a:t>
+              </a:r>
+            </a:p>
+            <a:p>
+              <a:r>
+                <a:rPr lang="en-US" sz="1200" dirty="0">
+                  <a:latin typeface="Courier New" panose="02070309020205020404" pitchFamily="49" charset="0"/>
+                  <a:cs typeface="Courier New" panose="02070309020205020404" pitchFamily="49" charset="0"/>
+                </a:rPr>
+                <a:t>-0.45050 -0.12257 -0.00307  0.13733  0.39436 </a:t>
+              </a:r>
+            </a:p>
+            <a:p>
+              <a:endParaRPr lang="en-US" sz="1200" dirty="0">
+                <a:latin typeface="Courier New" panose="02070309020205020404" pitchFamily="49" charset="0"/>
+                <a:cs typeface="Courier New" panose="02070309020205020404" pitchFamily="49" charset="0"/>
+              </a:endParaRPr>
+            </a:p>
+            <a:p>
+              <a:r>
+                <a:rPr lang="en-US" sz="1200" dirty="0">
+                  <a:latin typeface="Courier New" panose="02070309020205020404" pitchFamily="49" charset="0"/>
+                  <a:cs typeface="Courier New" panose="02070309020205020404" pitchFamily="49" charset="0"/>
+                </a:rPr>
+                <a:t>Coefficients:</a:t>
+              </a:r>
+            </a:p>
+            <a:p>
+              <a:r>
+                <a:rPr lang="en-US" sz="1200" dirty="0">
+                  <a:latin typeface="Courier New" panose="02070309020205020404" pitchFamily="49" charset="0"/>
+                  <a:cs typeface="Courier New" panose="02070309020205020404" pitchFamily="49" charset="0"/>
+                </a:rPr>
+                <a:t>            Estimate Std. Error t value </a:t>
+              </a:r>
+              <a:r>
+                <a:rPr lang="en-US" sz="1200" dirty="0" err="1">
+                  <a:latin typeface="Courier New" panose="02070309020205020404" pitchFamily="49" charset="0"/>
+                  <a:cs typeface="Courier New" panose="02070309020205020404" pitchFamily="49" charset="0"/>
+                </a:rPr>
+                <a:t>Pr</a:t>
+              </a:r>
+              <a:r>
+                <a:rPr lang="en-US" sz="1200" dirty="0">
+                  <a:latin typeface="Courier New" panose="02070309020205020404" pitchFamily="49" charset="0"/>
+                  <a:cs typeface="Courier New" panose="02070309020205020404" pitchFamily="49" charset="0"/>
+                </a:rPr>
+                <a:t>(&gt;|t|)    </a:t>
+              </a:r>
+            </a:p>
+            <a:p>
+              <a:r>
+                <a:rPr lang="en-US" sz="1200" dirty="0">
+                  <a:latin typeface="Courier New" panose="02070309020205020404" pitchFamily="49" charset="0"/>
+                  <a:cs typeface="Courier New" panose="02070309020205020404" pitchFamily="49" charset="0"/>
+                </a:rPr>
+                <a:t>(Intercept)  0.13405    0.02618    5.12 7.88e-07 ***</a:t>
+              </a:r>
+            </a:p>
+            <a:p>
+              <a:r>
+                <a:rPr lang="en-US" sz="1200" dirty="0">
+                  <a:latin typeface="Courier New" panose="02070309020205020404" pitchFamily="49" charset="0"/>
+                  <a:cs typeface="Courier New" panose="02070309020205020404" pitchFamily="49" charset="0"/>
+                </a:rPr>
+                <a:t>x            0.66828    0.02883   23.18  &lt; 2e-16 ***</a:t>
+              </a:r>
+            </a:p>
+            <a:p>
+              <a:r>
+                <a:rPr lang="en-US" sz="1200" dirty="0">
+                  <a:latin typeface="Courier New" panose="02070309020205020404" pitchFamily="49" charset="0"/>
+                  <a:cs typeface="Courier New" panose="02070309020205020404" pitchFamily="49" charset="0"/>
+                </a:rPr>
+                <a:t>---</a:t>
+              </a:r>
+            </a:p>
+            <a:p>
+              <a:r>
+                <a:rPr lang="en-US" sz="1200" dirty="0" err="1">
+                  <a:latin typeface="Courier New" panose="02070309020205020404" pitchFamily="49" charset="0"/>
+                  <a:cs typeface="Courier New" panose="02070309020205020404" pitchFamily="49" charset="0"/>
+                </a:rPr>
+                <a:t>Signif</a:t>
+              </a:r>
+              <a:r>
+                <a:rPr lang="en-US" sz="1200" dirty="0">
+                  <a:latin typeface="Courier New" panose="02070309020205020404" pitchFamily="49" charset="0"/>
+                  <a:cs typeface="Courier New" panose="02070309020205020404" pitchFamily="49" charset="0"/>
+                </a:rPr>
+                <a:t>. codes:  0 ‘***’ 0.001 ‘**’ 0.01 ‘*’ 0.05 ‘.’ 0.1 ‘ ’ 1</a:t>
+              </a:r>
+            </a:p>
+            <a:p>
+              <a:endParaRPr lang="en-US" sz="1200" dirty="0">
+                <a:latin typeface="Courier New" panose="02070309020205020404" pitchFamily="49" charset="0"/>
+                <a:cs typeface="Courier New" panose="02070309020205020404" pitchFamily="49" charset="0"/>
+              </a:endParaRPr>
+            </a:p>
+            <a:p>
+              <a:r>
+                <a:rPr lang="en-US" sz="1200" dirty="0">
+                  <a:latin typeface="Courier New" panose="02070309020205020404" pitchFamily="49" charset="0"/>
+                  <a:cs typeface="Courier New" panose="02070309020205020404" pitchFamily="49" charset="0"/>
+                </a:rPr>
+                <a:t>Residual standard error: 0.1764 on 178 degrees of freedom</a:t>
+              </a:r>
+            </a:p>
+            <a:p>
+              <a:r>
+                <a:rPr lang="en-US" sz="1200" dirty="0">
+                  <a:latin typeface="Courier New" panose="02070309020205020404" pitchFamily="49" charset="0"/>
+                  <a:cs typeface="Courier New" panose="02070309020205020404" pitchFamily="49" charset="0"/>
+                </a:rPr>
+                <a:t>Multiple R-squared:  0.7512,	Adjusted R-squared:  0.7498 </a:t>
+              </a:r>
+            </a:p>
+            <a:p>
+              <a:r>
+                <a:rPr lang="en-US" sz="1200" dirty="0">
+                  <a:latin typeface="Courier New" panose="02070309020205020404" pitchFamily="49" charset="0"/>
+                  <a:cs typeface="Courier New" panose="02070309020205020404" pitchFamily="49" charset="0"/>
+                </a:rPr>
+                <a:t>F-statistic: 537.3 on 1 and 178 DF,  p-value: &lt; 2.2e-16</a:t>
+              </a:r>
+              <a:endParaRPr lang="he-IL" sz="1200" dirty="0">
+                <a:latin typeface="Courier New" panose="02070309020205020404" pitchFamily="49" charset="0"/>
+                <a:cs typeface="Courier New" panose="02070309020205020404" pitchFamily="49" charset="0"/>
+              </a:endParaRPr>
+            </a:p>
+          </p:txBody>
+        </p:sp>
+        <p:sp>
+          <p:nvSpPr>
+            <p:cNvPr id="7" name="Rectangle 6"/>
+            <p:cNvSpPr/>
+            <p:nvPr/>
+          </p:nvSpPr>
+          <p:spPr>
+            <a:xfrm>
+              <a:off x="5019040" y="4368800"/>
+              <a:ext cx="1168400" cy="558800"/>
+            </a:xfrm>
+            <a:prstGeom prst="rect">
+              <a:avLst/>
+            </a:prstGeom>
+            <a:noFill/>
+            <a:ln w="38100">
+              <a:solidFill>
+                <a:srgbClr val="FF0000"/>
+              </a:solidFill>
+            </a:ln>
+          </p:spPr>
+          <p:style>
+            <a:lnRef idx="2">
+              <a:schemeClr val="accent1">
+                <a:shade val="50000"/>
+              </a:schemeClr>
+            </a:lnRef>
+            <a:fillRef idx="1">
+              <a:schemeClr val="accent1"/>
+            </a:fillRef>
+            <a:effectRef idx="0">
+              <a:schemeClr val="accent1"/>
+            </a:effectRef>
+            <a:fontRef idx="minor">
+              <a:schemeClr val="lt1"/>
+            </a:fontRef>
+          </p:style>
+          <p:txBody>
+            <a:bodyPr rtlCol="1" anchor="ctr"/>
+            <a:lstStyle/>
+            <a:p>
+              <a:pPr algn="ctr"/>
+              <a:endParaRPr lang="he-IL"/>
+            </a:p>
+          </p:txBody>
+        </p:sp>
+        <p:sp>
+          <p:nvSpPr>
+            <p:cNvPr id="8" name="Rectangle 7"/>
+            <p:cNvSpPr/>
+            <p:nvPr/>
+          </p:nvSpPr>
+          <p:spPr>
+            <a:xfrm>
+              <a:off x="3241040" y="5648960"/>
+              <a:ext cx="741680" cy="172720"/>
+            </a:xfrm>
+            <a:prstGeom prst="rect">
+              <a:avLst/>
+            </a:prstGeom>
+            <a:noFill/>
+            <a:ln w="38100">
+              <a:solidFill>
+                <a:srgbClr val="FF0000"/>
+              </a:solidFill>
+            </a:ln>
+          </p:spPr>
+          <p:style>
+            <a:lnRef idx="2">
+              <a:schemeClr val="accent1">
+                <a:shade val="50000"/>
+              </a:schemeClr>
+            </a:lnRef>
+            <a:fillRef idx="1">
+              <a:schemeClr val="accent1"/>
+            </a:fillRef>
+            <a:effectRef idx="0">
+              <a:schemeClr val="accent1"/>
+            </a:effectRef>
+            <a:fontRef idx="minor">
+              <a:schemeClr val="lt1"/>
+            </a:fontRef>
+          </p:style>
+          <p:txBody>
+            <a:bodyPr rtlCol="1" anchor="ctr"/>
+            <a:lstStyle/>
+            <a:p>
+              <a:pPr algn="ctr"/>
+              <a:endParaRPr lang="he-IL"/>
+            </a:p>
+          </p:txBody>
+        </p:sp>
+        <p:sp>
+          <p:nvSpPr>
+            <p:cNvPr id="9" name="Rectangle 8"/>
+            <p:cNvSpPr/>
+            <p:nvPr/>
+          </p:nvSpPr>
+          <p:spPr>
+            <a:xfrm>
+              <a:off x="4744720" y="5812790"/>
+              <a:ext cx="1757680" cy="232410"/>
+            </a:xfrm>
+            <a:prstGeom prst="rect">
+              <a:avLst/>
+            </a:prstGeom>
+            <a:noFill/>
+            <a:ln w="38100">
+              <a:solidFill>
+                <a:srgbClr val="FF0000"/>
+              </a:solidFill>
+            </a:ln>
+          </p:spPr>
+          <p:style>
+            <a:lnRef idx="2">
+              <a:schemeClr val="accent1">
+                <a:shade val="50000"/>
+              </a:schemeClr>
+            </a:lnRef>
+            <a:fillRef idx="1">
+              <a:schemeClr val="accent1"/>
+            </a:fillRef>
+            <a:effectRef idx="0">
+              <a:schemeClr val="accent1"/>
+            </a:effectRef>
+            <a:fontRef idx="minor">
+              <a:schemeClr val="lt1"/>
+            </a:fontRef>
+          </p:style>
+          <p:txBody>
+            <a:bodyPr rtlCol="1" anchor="ctr"/>
+            <a:lstStyle/>
+            <a:p>
+              <a:pPr algn="ctr"/>
+              <a:endParaRPr lang="he-IL"/>
+            </a:p>
+          </p:txBody>
+        </p:sp>
+        <p:sp>
+          <p:nvSpPr>
+            <p:cNvPr id="11" name="Rectangle 10"/>
+            <p:cNvSpPr/>
+            <p:nvPr/>
+          </p:nvSpPr>
+          <p:spPr>
+            <a:xfrm>
+              <a:off x="3627120" y="5455920"/>
+              <a:ext cx="670560" cy="182880"/>
+            </a:xfrm>
+            <a:prstGeom prst="rect">
+              <a:avLst/>
+            </a:prstGeom>
+            <a:noFill/>
+            <a:ln w="38100">
+              <a:solidFill>
+                <a:srgbClr val="FF0000"/>
+              </a:solidFill>
+            </a:ln>
+          </p:spPr>
+          <p:style>
+            <a:lnRef idx="2">
+              <a:schemeClr val="accent1">
+                <a:shade val="50000"/>
+              </a:schemeClr>
+            </a:lnRef>
+            <a:fillRef idx="1">
+              <a:schemeClr val="accent1"/>
+            </a:fillRef>
+            <a:effectRef idx="0">
+              <a:schemeClr val="accent1"/>
+            </a:effectRef>
+            <a:fontRef idx="minor">
+              <a:schemeClr val="lt1"/>
+            </a:fontRef>
+          </p:style>
+          <p:txBody>
+            <a:bodyPr rtlCol="1" anchor="ctr"/>
+            <a:lstStyle/>
+            <a:p>
+              <a:pPr algn="ctr"/>
+              <a:endParaRPr lang="he-IL"/>
+            </a:p>
+          </p:txBody>
+        </p:sp>
+      </p:grpSp>
+    </p:spTree>
+    <p:extLst>
+      <p:ext uri="{BB962C8B-B14F-4D97-AF65-F5344CB8AC3E}">
+        <p14:creationId xmlns:p14="http://schemas.microsoft.com/office/powerpoint/2010/main" val="3097666071"/>
+      </p:ext>
+    </p:extLst>
+  </p:cSld>
+  <p:clrMapOvr>
+    <a:masterClrMapping/>
+  </p:clrMapOvr>
+  <p:timing>
+    <p:tnLst>
+      <p:par>
+        <p:cTn id="1" dur="indefinite" restart="never" nodeType="tmRoot"/>
+      </p:par>
+    </p:tnLst>
+  </p:timing>
+</p:sld>
+</file>
+
+<file path=ppt/slides/slide8.xml><?xml version="1.0" encoding="utf-8"?>
+<p:sld xmlns:a="http://schemas.openxmlformats.org/drawingml/2006/main" xmlns:r="http://schemas.openxmlformats.org/officeDocument/2006/relationships" xmlns:p="http://schemas.openxmlformats.org/presentationml/2006/main">
+  <p:cSld>
+    <p:spTree>
+      <p:nvGrpSpPr>
+        <p:cNvPr id="1" name=""/>
+        <p:cNvGrpSpPr/>
+        <p:nvPr/>
+      </p:nvGrpSpPr>
+      <p:grpSpPr>
+        <a:xfrm>
+          <a:off x="0" y="0"/>
+          <a:ext cx="0" cy="0"/>
+          <a:chOff x="0" y="0"/>
+          <a:chExt cx="0" cy="0"/>
+        </a:xfrm>
+      </p:grpSpPr>
+      <p:sp>
+        <p:nvSpPr>
+          <p:cNvPr id="2" name="Title 1"/>
+          <p:cNvSpPr>
+            <a:spLocks noGrp="1"/>
+          </p:cNvSpPr>
+          <p:nvPr>
+            <p:ph type="title"/>
+          </p:nvPr>
+        </p:nvSpPr>
+        <p:spPr/>
+        <p:txBody>
+          <a:bodyPr/>
+          <a:lstStyle/>
+          <a:p>
+            <a:r>
+              <a:rPr lang="en-US" dirty="0" smtClean="0"/>
+              <a:t>It depends: the bad</a:t>
+            </a:r>
+            <a:endParaRPr lang="he-IL" dirty="0"/>
+          </a:p>
+        </p:txBody>
+      </p:sp>
+      <p:sp>
+        <p:nvSpPr>
+          <p:cNvPr id="3" name="Content Placeholder 2"/>
+          <p:cNvSpPr>
+            <a:spLocks noGrp="1"/>
+          </p:cNvSpPr>
+          <p:nvPr>
+            <p:ph idx="1"/>
+          </p:nvPr>
+        </p:nvSpPr>
+        <p:spPr/>
+        <p:txBody>
+          <a:bodyPr/>
+          <a:lstStyle/>
+          <a:p>
+            <a:r>
+              <a:rPr lang="en-US" dirty="0" smtClean="0"/>
+              <a:t>If we’re trying to extrapolate we’re going to make a huge mistake – and not even know about it</a:t>
+            </a:r>
+          </a:p>
+          <a:p>
+            <a:r>
+              <a:rPr lang="en-US" dirty="0" smtClean="0"/>
+              <a:t>We’re approximating a sine function + error as a linear function…</a:t>
+            </a:r>
+            <a:endParaRPr lang="he-IL" dirty="0"/>
+          </a:p>
+        </p:txBody>
+      </p:sp>
+      <p:sp>
+        <p:nvSpPr>
+          <p:cNvPr id="4" name="Footer Placeholder 3"/>
+          <p:cNvSpPr>
+            <a:spLocks noGrp="1"/>
+          </p:cNvSpPr>
+          <p:nvPr>
+            <p:ph type="ftr" sz="quarter" idx="11"/>
+          </p:nvPr>
+        </p:nvSpPr>
+        <p:spPr/>
+        <p:txBody>
+          <a:bodyPr/>
+          <a:lstStyle/>
+          <a:p>
+            <a:r>
+              <a:rPr lang="en-US" smtClean="0"/>
+              <a:t>Materials by Adi Sarid https://adisarid.github.io and http://www.sarid-ins.com</a:t>
+            </a:r>
+            <a:endParaRPr lang="en-US" dirty="0"/>
+          </a:p>
+        </p:txBody>
+      </p:sp>
+      <p:sp>
+        <p:nvSpPr>
+          <p:cNvPr id="5" name="Slide Number Placeholder 4"/>
+          <p:cNvSpPr>
+            <a:spLocks noGrp="1"/>
+          </p:cNvSpPr>
+          <p:nvPr>
+            <p:ph type="sldNum" sz="quarter" idx="12"/>
+          </p:nvPr>
+        </p:nvSpPr>
+        <p:spPr/>
+        <p:txBody>
+          <a:bodyPr/>
+          <a:lstStyle/>
+          <a:p>
+            <a:fld id="{4FAB73BC-B049-4115-A692-8D63A059BFB8}" type="slidenum">
+              <a:rPr lang="en-US" smtClean="0"/>
+              <a:t>8</a:t>
+            </a:fld>
+            <a:endParaRPr lang="en-US" dirty="0"/>
+          </a:p>
+        </p:txBody>
+      </p:sp>
+      <p:pic>
+        <p:nvPicPr>
+          <p:cNvPr id="6" name="Picture 5"/>
+          <p:cNvPicPr>
+            <a:picLocks noChangeAspect="1"/>
+          </p:cNvPicPr>
+          <p:nvPr/>
+        </p:nvPicPr>
+        <p:blipFill>
+          <a:blip r:embed="rId2"/>
+          <a:stretch>
+            <a:fillRect/>
+          </a:stretch>
+        </p:blipFill>
+        <p:spPr>
+          <a:xfrm>
+            <a:off x="382008" y="3534201"/>
+            <a:ext cx="5713992" cy="2284155"/>
+          </a:xfrm>
+          <a:prstGeom prst="rect">
+            <a:avLst/>
+          </a:prstGeom>
+        </p:spPr>
+      </p:pic>
+      <p:pic>
+        <p:nvPicPr>
+          <p:cNvPr id="7" name="Picture 6"/>
+          <p:cNvPicPr>
+            <a:picLocks noChangeAspect="1"/>
+          </p:cNvPicPr>
+          <p:nvPr/>
+        </p:nvPicPr>
+        <p:blipFill>
+          <a:blip r:embed="rId3"/>
+          <a:stretch>
+            <a:fillRect/>
+          </a:stretch>
+        </p:blipFill>
+        <p:spPr>
+          <a:xfrm>
+            <a:off x="6203688" y="3534201"/>
+            <a:ext cx="5713992" cy="2284155"/>
+          </a:xfrm>
+          <a:prstGeom prst="rect">
+            <a:avLst/>
+          </a:prstGeom>
+        </p:spPr>
+      </p:pic>
+    </p:spTree>
+    <p:extLst>
+      <p:ext uri="{BB962C8B-B14F-4D97-AF65-F5344CB8AC3E}">
+        <p14:creationId xmlns:p14="http://schemas.microsoft.com/office/powerpoint/2010/main" val="4227802843"/>
+      </p:ext>
+    </p:extLst>
+  </p:cSld>
+  <p:clrMapOvr>
+    <a:masterClrMapping/>
+  </p:clrMapOvr>
+  <p:timing>
+    <p:tnLst>
+      <p:par>
+        <p:cTn id="1" dur="indefinite" restart="never" nodeType="tmRoot"/>
+      </p:par>
+    </p:tnLst>
+  </p:timing>
+</p:sld>
+</file>
+
+<file path=ppt/slides/slide9.xml><?xml version="1.0" encoding="utf-8"?>
+<p:sld xmlns:a="http://schemas.openxmlformats.org/drawingml/2006/main" xmlns:r="http://schemas.openxmlformats.org/officeDocument/2006/relationships" xmlns:p="http://schemas.openxmlformats.org/presentationml/2006/main">
+  <p:cSld>
+    <p:spTree>
+      <p:nvGrpSpPr>
+        <p:cNvPr id="1" name=""/>
+        <p:cNvGrpSpPr/>
+        <p:nvPr/>
+      </p:nvGrpSpPr>
+      <p:grpSpPr>
+        <a:xfrm>
+          <a:off x="0" y="0"/>
+          <a:ext cx="0" cy="0"/>
+          <a:chOff x="0" y="0"/>
+          <a:chExt cx="0" cy="0"/>
+        </a:xfrm>
+      </p:grpSpPr>
+      <p:sp>
+        <p:nvSpPr>
+          <p:cNvPr id="2" name="Title 1"/>
+          <p:cNvSpPr>
+            <a:spLocks noGrp="1"/>
+          </p:cNvSpPr>
+          <p:nvPr>
+            <p:ph type="title"/>
+          </p:nvPr>
+        </p:nvSpPr>
+        <p:spPr/>
+        <p:txBody>
+          <a:bodyPr>
+            <a:normAutofit/>
+          </a:bodyPr>
+          <a:lstStyle/>
+          <a:p>
+            <a:r>
+              <a:rPr lang="en-US" dirty="0" smtClean="0"/>
+              <a:t>Note the following terms</a:t>
+            </a:r>
+            <a:br>
+              <a:rPr lang="en-US" dirty="0" smtClean="0"/>
+            </a:br>
+            <a:r>
+              <a:rPr lang="en-US" sz="3200" dirty="0" smtClean="0"/>
+              <a:t>(discussing linear regression)</a:t>
+            </a:r>
+            <a:endParaRPr lang="he-IL" dirty="0"/>
+          </a:p>
+        </p:txBody>
+      </p:sp>
+      <mc:AlternateContent xmlns:mc="http://schemas.openxmlformats.org/markup-compatibility/2006">
+        <mc:Choice xmlns:a14="http://schemas.microsoft.com/office/drawing/2010/main" Requires="a14">
+          <p:sp>
+            <p:nvSpPr>
+              <p:cNvPr id="3" name="Content Placeholder 2"/>
+              <p:cNvSpPr>
+                <a:spLocks noGrp="1"/>
+              </p:cNvSpPr>
+              <p:nvPr>
+                <p:ph idx="1"/>
+              </p:nvPr>
+            </p:nvSpPr>
+            <p:spPr/>
+            <p:txBody>
+              <a:bodyPr/>
+              <a:lstStyle/>
+              <a:p>
+                <a:pPr>
+                  <a:lnSpc>
+                    <a:spcPct val="150000"/>
+                  </a:lnSpc>
+                </a:pPr>
+                <a:r>
+                  <a:rPr lang="en-US" dirty="0" smtClean="0"/>
+                  <a:t>Residual sum of squares (RSS, our target for minimization)</a:t>
+                </a:r>
+              </a:p>
+              <a:p>
+                <a:pPr>
+                  <a:lnSpc>
+                    <a:spcPct val="150000"/>
+                  </a:lnSpc>
+                </a:pPr>
+                <a:r>
+                  <a:rPr lang="en-US" dirty="0" smtClean="0"/>
+                  <a:t>Residuals</a:t>
+                </a:r>
+              </a:p>
+              <a:p>
+                <a:pPr>
+                  <a:lnSpc>
+                    <a:spcPct val="150000"/>
+                  </a:lnSpc>
+                </a:pPr>
+                <a:r>
+                  <a:rPr lang="en-US" dirty="0" smtClean="0"/>
+                  <a:t>Residual standard error (estimator for the </a:t>
+                </a:r>
+                <a14:m>
+                  <m:oMath xmlns:m="http://schemas.openxmlformats.org/officeDocument/2006/math">
+                    <m:sSub>
+                      <m:sSubPr>
+                        <m:ctrlPr>
+                          <a:rPr lang="en-US" b="0" i="1" smtClean="0">
+                            <a:latin typeface="Cambria Math" panose="02040503050406030204" pitchFamily="18" charset="0"/>
+                          </a:rPr>
+                        </m:ctrlPr>
+                      </m:sSubPr>
+                      <m:e>
+                        <m:r>
+                          <a:rPr lang="en-US" b="0" i="1" smtClean="0">
+                            <a:latin typeface="Cambria Math" panose="02040503050406030204" pitchFamily="18" charset="0"/>
+                          </a:rPr>
+                          <m:t>𝜎</m:t>
+                        </m:r>
+                      </m:e>
+                      <m:sub>
+                        <m:r>
+                          <a:rPr lang="en-US" b="0" i="1" smtClean="0">
+                            <a:latin typeface="Cambria Math" panose="02040503050406030204" pitchFamily="18" charset="0"/>
+                          </a:rPr>
+                          <m:t>𝜖</m:t>
+                        </m:r>
+                      </m:sub>
+                    </m:sSub>
+                  </m:oMath>
+                </a14:m>
+                <a:r>
+                  <a:rPr lang="en-US" dirty="0" smtClean="0"/>
+                  <a:t>)</a:t>
+                </a:r>
+              </a:p>
+              <a:p>
+                <a:pPr>
+                  <a:lnSpc>
+                    <a:spcPct val="150000"/>
+                  </a:lnSpc>
+                </a:pPr>
+                <a:r>
+                  <a:rPr lang="en-US" dirty="0" smtClean="0"/>
+                  <a:t>Total sum of squares (like RSS for a nominal “average”)</a:t>
+                </a:r>
+              </a:p>
+              <a:p>
+                <a:pPr>
+                  <a:lnSpc>
+                    <a:spcPct val="150000"/>
+                  </a:lnSpc>
+                </a:pPr>
+                <a:r>
+                  <a:rPr lang="en-US" dirty="0" smtClean="0"/>
+                  <a:t>R-squared (a 0…1 measure, proportion)</a:t>
+                </a:r>
+              </a:p>
+              <a:p>
+                <a:pPr>
+                  <a:lnSpc>
+                    <a:spcPct val="150000"/>
+                  </a:lnSpc>
+                </a:pPr>
+                <a:r>
+                  <a:rPr lang="en-US" dirty="0" smtClean="0"/>
+                  <a:t>Coefficient standard error (</a:t>
+                </a:r>
+                <a:r>
+                  <a:rPr lang="en-US" dirty="0" err="1" smtClean="0"/>
+                  <a:t>std</a:t>
+                </a:r>
+                <a:r>
+                  <a:rPr lang="en-US" dirty="0" smtClean="0"/>
+                  <a:t> of coefficient estimators)</a:t>
+                </a:r>
+                <a:endParaRPr lang="he-IL" dirty="0"/>
+              </a:p>
+            </p:txBody>
+          </p:sp>
+        </mc:Choice>
+        <mc:Fallback>
+          <p:sp>
+            <p:nvSpPr>
+              <p:cNvPr id="3" name="Content Placeholder 2"/>
+              <p:cNvSpPr>
+                <a:spLocks noGrp="1" noRot="1" noChangeAspect="1" noMove="1" noResize="1" noEditPoints="1" noAdjustHandles="1" noChangeArrowheads="1" noChangeShapeType="1" noTextEdit="1"/>
+              </p:cNvSpPr>
+              <p:nvPr>
+                <p:ph idx="1"/>
+              </p:nvPr>
+            </p:nvSpPr>
+            <p:spPr>
+              <a:blipFill>
+                <a:blip r:embed="rId2"/>
+                <a:stretch>
+                  <a:fillRect l="-303"/>
+                </a:stretch>
+              </a:blipFill>
+            </p:spPr>
+            <p:txBody>
+              <a:bodyPr/>
+              <a:lstStyle/>
+              <a:p>
+                <a:r>
+                  <a:rPr lang="he-IL">
+                    <a:noFill/>
+                  </a:rPr>
+                  <a:t> </a:t>
+                </a:r>
+              </a:p>
+            </p:txBody>
+          </p:sp>
+        </mc:Fallback>
+      </mc:AlternateContent>
+      <p:sp>
+        <p:nvSpPr>
+          <p:cNvPr id="4" name="Footer Placeholder 3"/>
+          <p:cNvSpPr>
+            <a:spLocks noGrp="1"/>
+          </p:cNvSpPr>
+          <p:nvPr>
+            <p:ph type="ftr" sz="quarter" idx="11"/>
+          </p:nvPr>
+        </p:nvSpPr>
+        <p:spPr/>
+        <p:txBody>
+          <a:bodyPr/>
+          <a:lstStyle/>
+          <a:p>
+            <a:r>
+              <a:rPr lang="en-US" smtClean="0"/>
+              <a:t>Materials by Adi Sarid https://adisarid.github.io and http://www.sarid-ins.com</a:t>
+            </a:r>
+            <a:endParaRPr lang="en-US" dirty="0"/>
+          </a:p>
+        </p:txBody>
+      </p:sp>
+      <p:sp>
+        <p:nvSpPr>
+          <p:cNvPr id="5" name="Slide Number Placeholder 4"/>
+          <p:cNvSpPr>
+            <a:spLocks noGrp="1"/>
+          </p:cNvSpPr>
+          <p:nvPr>
+            <p:ph type="sldNum" sz="quarter" idx="12"/>
+          </p:nvPr>
+        </p:nvSpPr>
+        <p:spPr/>
+        <p:txBody>
+          <a:bodyPr/>
+          <a:lstStyle/>
+          <a:p>
+            <a:fld id="{4FAB73BC-B049-4115-A692-8D63A059BFB8}" type="slidenum">
+              <a:rPr lang="en-US" smtClean="0"/>
+              <a:t>9</a:t>
+            </a:fld>
+            <a:endParaRPr lang="en-US" dirty="0"/>
+          </a:p>
+        </p:txBody>
+      </p:sp>
+      <mc:AlternateContent xmlns:mc="http://schemas.openxmlformats.org/markup-compatibility/2006">
+        <mc:Choice xmlns:a14="http://schemas.microsoft.com/office/drawing/2010/main" Requires="a14">
+          <p:sp>
+            <p:nvSpPr>
+              <p:cNvPr id="6" name="Rectangle 5"/>
+              <p:cNvSpPr/>
+              <p:nvPr/>
+            </p:nvSpPr>
+            <p:spPr>
+              <a:xfrm>
+                <a:off x="9019287" y="2019193"/>
+                <a:ext cx="2160783" cy="848566"/>
+              </a:xfrm>
+              <a:prstGeom prst="rect">
+                <a:avLst/>
+              </a:prstGeom>
+            </p:spPr>
+            <p:txBody>
+              <a:bodyPr wrap="none">
+                <a:spAutoFit/>
+              </a:bodyPr>
+              <a:lstStyle/>
+              <a:p>
+                <a14:m>
+                  <m:oMathPara xmlns:m="http://schemas.openxmlformats.org/officeDocument/2006/math">
+                    <m:oMathParaPr>
+                      <m:jc m:val="centerGroup"/>
+                    </m:oMathParaPr>
+                    <m:oMath xmlns:m="http://schemas.openxmlformats.org/officeDocument/2006/math">
+                      <m:func>
+                        <m:funcPr>
+                          <m:ctrlPr>
+                            <a:rPr lang="en-US" i="1" smtClean="0">
+                              <a:latin typeface="Cambria Math" panose="02040503050406030204" pitchFamily="18" charset="0"/>
+                            </a:rPr>
+                          </m:ctrlPr>
+                        </m:funcPr>
+                        <m:fName>
+                          <m:r>
+                            <m:rPr>
+                              <m:sty m:val="p"/>
+                            </m:rPr>
+                            <a:rPr lang="en-US">
+                              <a:latin typeface="Cambria Math" panose="02040503050406030204" pitchFamily="18" charset="0"/>
+                            </a:rPr>
+                            <m:t>RSS</m:t>
+                          </m:r>
+                          <m:r>
+                            <a:rPr lang="en-US">
+                              <a:latin typeface="Cambria Math" panose="02040503050406030204" pitchFamily="18" charset="0"/>
+                            </a:rPr>
+                            <m:t>=</m:t>
+                          </m:r>
+                        </m:fName>
+                        <m:e>
+                          <m:nary>
+                            <m:naryPr>
+                              <m:chr m:val="∑"/>
+                              <m:ctrlPr>
+                                <a:rPr lang="en-US" b="0" i="1" smtClean="0">
+                                  <a:latin typeface="Cambria Math" panose="02040503050406030204" pitchFamily="18" charset="0"/>
+                                </a:rPr>
+                              </m:ctrlPr>
+                            </m:naryPr>
+                            <m:sub>
+                              <m:r>
+                                <a:rPr lang="en-US" b="0" i="1" smtClean="0">
+                                  <a:latin typeface="Cambria Math" panose="02040503050406030204" pitchFamily="18" charset="0"/>
+                                </a:rPr>
+                                <m:t>𝑖</m:t>
+                              </m:r>
+                              <m:r>
+                                <a:rPr lang="en-US" b="0" i="1" smtClean="0">
+                                  <a:latin typeface="Cambria Math" panose="02040503050406030204" pitchFamily="18" charset="0"/>
+                                </a:rPr>
+                                <m:t>=</m:t>
+                              </m:r>
+                              <m:r>
+                                <a:rPr lang="en-US" b="0" i="1" smtClean="0">
+                                  <a:latin typeface="Cambria Math" panose="02040503050406030204" pitchFamily="18" charset="0"/>
+                                </a:rPr>
+                                <m:t>1</m:t>
+                              </m:r>
+                            </m:sub>
+                            <m:sup>
+                              <m:r>
+                                <a:rPr lang="en-US" b="0" i="1" smtClean="0">
+                                  <a:latin typeface="Cambria Math" panose="02040503050406030204" pitchFamily="18" charset="0"/>
+                                </a:rPr>
+                                <m:t>𝑛</m:t>
+                              </m:r>
+                            </m:sup>
+                            <m:e>
+                              <m:sSup>
+                                <m:sSupPr>
+                                  <m:ctrlPr>
+                                    <a:rPr lang="en-US" b="0" i="1" smtClean="0">
+                                      <a:latin typeface="Cambria Math" panose="02040503050406030204" pitchFamily="18" charset="0"/>
+                                    </a:rPr>
+                                  </m:ctrlPr>
+                                </m:sSupPr>
+                                <m:e>
+                                  <m:d>
+                                    <m:dPr>
+                                      <m:ctrlPr>
+                                        <a:rPr lang="en-US" b="0" i="1" smtClean="0">
+                                          <a:latin typeface="Cambria Math" panose="02040503050406030204" pitchFamily="18" charset="0"/>
+                                        </a:rPr>
+                                      </m:ctrlPr>
+                                    </m:dPr>
+                                    <m:e>
+                                      <m:sSub>
+                                        <m:sSubPr>
+                                          <m:ctrlPr>
+                                            <a:rPr lang="en-US" b="0" i="1" smtClean="0">
+                                              <a:latin typeface="Cambria Math" panose="02040503050406030204" pitchFamily="18" charset="0"/>
+                                            </a:rPr>
+                                          </m:ctrlPr>
+                                        </m:sSubPr>
+                                        <m:e>
+                                          <m:r>
+                                            <a:rPr lang="en-US" b="0" i="1" smtClean="0">
+                                              <a:latin typeface="Cambria Math" panose="02040503050406030204" pitchFamily="18" charset="0"/>
+                                            </a:rPr>
+                                            <m:t>𝑦</m:t>
+                                          </m:r>
+                                        </m:e>
+                                        <m:sub>
+                                          <m:r>
+                                            <a:rPr lang="en-US" b="0" i="1" smtClean="0">
+                                              <a:latin typeface="Cambria Math" panose="02040503050406030204" pitchFamily="18" charset="0"/>
+                                            </a:rPr>
+                                            <m:t>𝑖</m:t>
+                                          </m:r>
+                                        </m:sub>
+                                      </m:sSub>
+                                      <m:r>
+                                        <a:rPr lang="en-US" b="0" i="1" smtClean="0">
+                                          <a:latin typeface="Cambria Math" panose="02040503050406030204" pitchFamily="18" charset="0"/>
+                                        </a:rPr>
+                                        <m:t>−</m:t>
+                                      </m:r>
+                                      <m:acc>
+                                        <m:accPr>
+                                          <m:chr m:val="̂"/>
+                                          <m:ctrlPr>
+                                            <a:rPr lang="en-US" b="0" i="1" smtClean="0">
+                                              <a:latin typeface="Cambria Math" panose="02040503050406030204" pitchFamily="18" charset="0"/>
+                                            </a:rPr>
+                                          </m:ctrlPr>
+                                        </m:accPr>
+                                        <m:e>
+                                          <m:sSub>
+                                            <m:sSubPr>
+                                              <m:ctrlPr>
+                                                <a:rPr lang="en-US" b="0" i="1" smtClean="0">
+                                                  <a:latin typeface="Cambria Math" panose="02040503050406030204" pitchFamily="18" charset="0"/>
+                                                </a:rPr>
+                                              </m:ctrlPr>
+                                            </m:sSubPr>
+                                            <m:e>
+                                              <m:r>
+                                                <a:rPr lang="en-US" b="0" i="1" smtClean="0">
+                                                  <a:latin typeface="Cambria Math" panose="02040503050406030204" pitchFamily="18" charset="0"/>
+                                                </a:rPr>
+                                                <m:t>𝑦</m:t>
+                                              </m:r>
+                                            </m:e>
+                                            <m:sub>
+                                              <m:r>
+                                                <a:rPr lang="en-US" b="0" i="1" smtClean="0">
+                                                  <a:latin typeface="Cambria Math" panose="02040503050406030204" pitchFamily="18" charset="0"/>
+                                                </a:rPr>
+                                                <m:t>𝑖</m:t>
+                                              </m:r>
+                                            </m:sub>
+                                          </m:sSub>
+                                        </m:e>
+                                      </m:acc>
+                                    </m:e>
+                                  </m:d>
+                                </m:e>
+                                <m:sup>
+                                  <m:r>
+                                    <a:rPr lang="en-US" b="0" i="1" smtClean="0">
+                                      <a:latin typeface="Cambria Math" panose="02040503050406030204" pitchFamily="18" charset="0"/>
+                                    </a:rPr>
+                                    <m:t>2</m:t>
+                                  </m:r>
+                                </m:sup>
+                              </m:sSup>
+                            </m:e>
+                          </m:nary>
+                        </m:e>
+                      </m:func>
+                    </m:oMath>
+                  </m:oMathPara>
+                </a14:m>
+                <a:endParaRPr lang="he-IL" dirty="0"/>
+              </a:p>
+            </p:txBody>
+          </p:sp>
+        </mc:Choice>
+        <mc:Fallback>
+          <p:sp>
+            <p:nvSpPr>
+              <p:cNvPr id="6" name="Rectangle 5"/>
+              <p:cNvSpPr>
+                <a:spLocks noRot="1" noChangeAspect="1" noMove="1" noResize="1" noEditPoints="1" noAdjustHandles="1" noChangeArrowheads="1" noChangeShapeType="1" noTextEdit="1"/>
+              </p:cNvSpPr>
+              <p:nvPr/>
+            </p:nvSpPr>
+            <p:spPr>
+              <a:xfrm>
+                <a:off x="9019287" y="2019193"/>
+                <a:ext cx="2160783" cy="848566"/>
+              </a:xfrm>
+              <a:prstGeom prst="rect">
+                <a:avLst/>
+              </a:prstGeom>
+              <a:blipFill>
+                <a:blip r:embed="rId3"/>
+                <a:stretch>
+                  <a:fillRect/>
+                </a:stretch>
+              </a:blipFill>
+            </p:spPr>
+            <p:txBody>
+              <a:bodyPr/>
+              <a:lstStyle/>
+              <a:p>
+                <a:r>
+                  <a:rPr lang="he-IL">
+                    <a:noFill/>
+                  </a:rPr>
+                  <a:t> </a:t>
+                </a:r>
+              </a:p>
+            </p:txBody>
+          </p:sp>
+        </mc:Fallback>
+      </mc:AlternateContent>
+      <mc:AlternateContent xmlns:mc="http://schemas.openxmlformats.org/markup-compatibility/2006">
+        <mc:Choice xmlns:a14="http://schemas.microsoft.com/office/drawing/2010/main" Requires="a14">
+          <p:sp>
+            <p:nvSpPr>
+              <p:cNvPr id="7" name="Rectangle 6"/>
+              <p:cNvSpPr/>
+              <p:nvPr/>
+            </p:nvSpPr>
+            <p:spPr>
+              <a:xfrm>
+                <a:off x="2913127" y="2852313"/>
+                <a:ext cx="1396151" cy="369332"/>
+              </a:xfrm>
+              <a:prstGeom prst="rect">
+                <a:avLst/>
+              </a:prstGeom>
+            </p:spPr>
+            <p:txBody>
+              <a:bodyPr wrap="none">
+                <a:spAutoFit/>
+              </a:bodyPr>
+              <a:lstStyle/>
+              <a:p>
+                <a14:m>
+                  <m:oMathPara xmlns:m="http://schemas.openxmlformats.org/officeDocument/2006/math">
+                    <m:oMathParaPr>
+                      <m:jc m:val="centerGroup"/>
+                    </m:oMathParaPr>
+                    <m:oMath xmlns:m="http://schemas.openxmlformats.org/officeDocument/2006/math">
+                      <m:sSub>
+                        <m:sSubPr>
+                          <m:ctrlPr>
+                            <a:rPr lang="en-US" b="0" i="1" smtClean="0">
+                              <a:latin typeface="Cambria Math" panose="02040503050406030204" pitchFamily="18" charset="0"/>
+                            </a:rPr>
+                          </m:ctrlPr>
+                        </m:sSubPr>
+                        <m:e>
+                          <m:r>
+                            <a:rPr lang="en-US" b="0" i="1" smtClean="0">
+                              <a:latin typeface="Cambria Math" panose="02040503050406030204" pitchFamily="18" charset="0"/>
+                            </a:rPr>
+                            <m:t>𝑒</m:t>
+                          </m:r>
+                        </m:e>
+                        <m:sub>
+                          <m:r>
+                            <a:rPr lang="en-US" b="0" i="1" smtClean="0">
+                              <a:latin typeface="Cambria Math" panose="02040503050406030204" pitchFamily="18" charset="0"/>
+                            </a:rPr>
+                            <m:t>𝑖</m:t>
+                          </m:r>
+                        </m:sub>
+                      </m:sSub>
+                      <m:r>
+                        <a:rPr lang="en-US" b="0" i="1" smtClean="0">
+                          <a:latin typeface="Cambria Math" panose="02040503050406030204" pitchFamily="18" charset="0"/>
+                        </a:rPr>
+                        <m:t>=</m:t>
+                      </m:r>
+                      <m:sSub>
+                        <m:sSubPr>
+                          <m:ctrlPr>
+                            <a:rPr lang="en-US" b="0" i="1" smtClean="0">
+                              <a:latin typeface="Cambria Math" panose="02040503050406030204" pitchFamily="18" charset="0"/>
+                            </a:rPr>
+                          </m:ctrlPr>
+                        </m:sSubPr>
+                        <m:e>
+                          <m:r>
+                            <a:rPr lang="en-US" i="1" smtClean="0">
+                              <a:latin typeface="Cambria Math" panose="02040503050406030204" pitchFamily="18" charset="0"/>
+                            </a:rPr>
+                            <m:t>𝑦</m:t>
+                          </m:r>
+                        </m:e>
+                        <m:sub>
+                          <m:r>
+                            <a:rPr lang="en-US" b="0" i="1" smtClean="0">
+                              <a:latin typeface="Cambria Math" panose="02040503050406030204" pitchFamily="18" charset="0"/>
+                            </a:rPr>
+                            <m:t>𝑖</m:t>
+                          </m:r>
+                        </m:sub>
+                      </m:sSub>
+                      <m:r>
+                        <a:rPr lang="en-US" b="0" i="1" smtClean="0">
+                          <a:latin typeface="Cambria Math" panose="02040503050406030204" pitchFamily="18" charset="0"/>
+                        </a:rPr>
+                        <m:t>−</m:t>
+                      </m:r>
+                      <m:acc>
+                        <m:accPr>
+                          <m:chr m:val="̂"/>
+                          <m:ctrlPr>
+                            <a:rPr lang="en-US" b="0" i="1" smtClean="0">
+                              <a:latin typeface="Cambria Math" panose="02040503050406030204" pitchFamily="18" charset="0"/>
+                            </a:rPr>
+                          </m:ctrlPr>
+                        </m:accPr>
+                        <m:e>
+                          <m:sSub>
+                            <m:sSubPr>
+                              <m:ctrlPr>
+                                <a:rPr lang="en-US" b="0" i="1" smtClean="0">
+                                  <a:latin typeface="Cambria Math" panose="02040503050406030204" pitchFamily="18" charset="0"/>
+                                </a:rPr>
+                              </m:ctrlPr>
+                            </m:sSubPr>
+                            <m:e>
+                              <m:r>
+                                <a:rPr lang="en-US" b="0" i="1" smtClean="0">
+                                  <a:latin typeface="Cambria Math" panose="02040503050406030204" pitchFamily="18" charset="0"/>
+                                </a:rPr>
+                                <m:t>𝑦</m:t>
+                              </m:r>
+                            </m:e>
+                            <m:sub>
+                              <m:r>
+                                <a:rPr lang="en-US" b="0" i="1" smtClean="0">
+                                  <a:latin typeface="Cambria Math" panose="02040503050406030204" pitchFamily="18" charset="0"/>
+                                </a:rPr>
+                                <m:t>𝑖</m:t>
+                              </m:r>
+                            </m:sub>
+                          </m:sSub>
+                        </m:e>
+                      </m:acc>
+                    </m:oMath>
+                  </m:oMathPara>
+                </a14:m>
+                <a:endParaRPr lang="he-IL" dirty="0"/>
+              </a:p>
+            </p:txBody>
+          </p:sp>
+        </mc:Choice>
+        <mc:Fallback>
+          <p:sp>
+            <p:nvSpPr>
+              <p:cNvPr id="7" name="Rectangle 6"/>
+              <p:cNvSpPr>
+                <a:spLocks noRot="1" noChangeAspect="1" noMove="1" noResize="1" noEditPoints="1" noAdjustHandles="1" noChangeArrowheads="1" noChangeShapeType="1" noTextEdit="1"/>
+              </p:cNvSpPr>
+              <p:nvPr/>
+            </p:nvSpPr>
+            <p:spPr>
+              <a:xfrm>
+                <a:off x="2913127" y="2852313"/>
+                <a:ext cx="1396151" cy="369332"/>
+              </a:xfrm>
+              <a:prstGeom prst="rect">
+                <a:avLst/>
+              </a:prstGeom>
+              <a:blipFill>
+                <a:blip r:embed="rId4"/>
+                <a:stretch>
+                  <a:fillRect t="-5000" r="-23581" b="-8333"/>
+                </a:stretch>
+              </a:blipFill>
+            </p:spPr>
+            <p:txBody>
+              <a:bodyPr/>
+              <a:lstStyle/>
+              <a:p>
+                <a:r>
+                  <a:rPr lang="he-IL">
+                    <a:noFill/>
+                  </a:rPr>
+                  <a:t> </a:t>
+                </a:r>
+              </a:p>
+            </p:txBody>
+          </p:sp>
+        </mc:Fallback>
+      </mc:AlternateContent>
+      <mc:AlternateContent xmlns:mc="http://schemas.openxmlformats.org/markup-compatibility/2006">
+        <mc:Choice xmlns:a14="http://schemas.microsoft.com/office/drawing/2010/main" Requires="a14">
+          <p:sp>
+            <p:nvSpPr>
+              <p:cNvPr id="8" name="Rectangle 7"/>
+              <p:cNvSpPr/>
+              <p:nvPr/>
+            </p:nvSpPr>
+            <p:spPr>
+              <a:xfrm>
+                <a:off x="7718807" y="3157113"/>
+                <a:ext cx="2028696" cy="910699"/>
+              </a:xfrm>
+              <a:prstGeom prst="rect">
+                <a:avLst/>
+              </a:prstGeom>
+            </p:spPr>
+            <p:txBody>
+              <a:bodyPr wrap="none">
+                <a:spAutoFit/>
+              </a:bodyPr>
+              <a:lstStyle/>
+              <a:p>
+                <a14:m>
+                  <m:oMathPara xmlns:m="http://schemas.openxmlformats.org/officeDocument/2006/math">
+                    <m:oMathParaPr>
+                      <m:jc m:val="centerGroup"/>
+                    </m:oMathParaPr>
+                    <m:oMath xmlns:m="http://schemas.openxmlformats.org/officeDocument/2006/math">
+                      <m:func>
+                        <m:funcPr>
+                          <m:ctrlPr>
+                            <a:rPr lang="en-US" i="1" smtClean="0">
+                              <a:latin typeface="Cambria Math" panose="02040503050406030204" pitchFamily="18" charset="0"/>
+                            </a:rPr>
+                          </m:ctrlPr>
+                        </m:funcPr>
+                        <m:fName>
+                          <m:r>
+                            <m:rPr>
+                              <m:sty m:val="p"/>
+                            </m:rPr>
+                            <a:rPr lang="en-US">
+                              <a:latin typeface="Cambria Math" panose="02040503050406030204" pitchFamily="18" charset="0"/>
+                            </a:rPr>
+                            <m:t>RS</m:t>
+                          </m:r>
+                          <m:r>
+                            <m:rPr>
+                              <m:sty m:val="p"/>
+                            </m:rPr>
+                            <a:rPr lang="en-US" b="0" i="0" smtClean="0">
+                              <a:latin typeface="Cambria Math" panose="02040503050406030204" pitchFamily="18" charset="0"/>
+                            </a:rPr>
+                            <m:t>E</m:t>
+                          </m:r>
+                          <m:r>
+                            <a:rPr lang="en-US">
+                              <a:latin typeface="Cambria Math" panose="02040503050406030204" pitchFamily="18" charset="0"/>
+                            </a:rPr>
+                            <m:t>=</m:t>
+                          </m:r>
+                        </m:fName>
+                        <m:e>
+                          <m:rad>
+                            <m:radPr>
+                              <m:degHide m:val="on"/>
+                              <m:ctrlPr>
+                                <a:rPr lang="en-US" b="0" i="1" smtClean="0">
+                                  <a:latin typeface="Cambria Math" panose="02040503050406030204" pitchFamily="18" charset="0"/>
+                                </a:rPr>
+                              </m:ctrlPr>
+                            </m:radPr>
+                            <m:deg/>
+                            <m:e>
+                              <m:f>
+                                <m:fPr>
+                                  <m:ctrlPr>
+                                    <a:rPr lang="en-US" b="0" i="1" smtClean="0">
+                                      <a:latin typeface="Cambria Math" panose="02040503050406030204" pitchFamily="18" charset="0"/>
+                                    </a:rPr>
+                                  </m:ctrlPr>
+                                </m:fPr>
+                                <m:num>
+                                  <m:r>
+                                    <a:rPr lang="en-US" b="0" i="1" smtClean="0">
+                                      <a:latin typeface="Cambria Math" panose="02040503050406030204" pitchFamily="18" charset="0"/>
+                                    </a:rPr>
+                                    <m:t>𝑅𝑆𝑆</m:t>
+                                  </m:r>
+                                </m:num>
+                                <m:den>
+                                  <m:r>
+                                    <a:rPr lang="en-US" b="0" i="1" smtClean="0">
+                                      <a:latin typeface="Cambria Math" panose="02040503050406030204" pitchFamily="18" charset="0"/>
+                                    </a:rPr>
+                                    <m:t>𝑛</m:t>
+                                  </m:r>
+                                  <m:r>
+                                    <a:rPr lang="en-US" b="0" i="1" smtClean="0">
+                                      <a:latin typeface="Cambria Math" panose="02040503050406030204" pitchFamily="18" charset="0"/>
+                                    </a:rPr>
+                                    <m:t>−</m:t>
+                                  </m:r>
+                                  <m:r>
+                                    <a:rPr lang="en-US" b="0" i="1" smtClean="0">
+                                      <a:latin typeface="Cambria Math" panose="02040503050406030204" pitchFamily="18" charset="0"/>
+                                    </a:rPr>
+                                    <m:t>𝑝</m:t>
+                                  </m:r>
+                                  <m:r>
+                                    <a:rPr lang="en-US" b="0" i="1" smtClean="0">
+                                      <a:latin typeface="Cambria Math" panose="02040503050406030204" pitchFamily="18" charset="0"/>
+                                    </a:rPr>
+                                    <m:t>−</m:t>
+                                  </m:r>
+                                  <m:r>
+                                    <a:rPr lang="en-US" b="0" i="1" smtClean="0">
+                                      <a:latin typeface="Cambria Math" panose="02040503050406030204" pitchFamily="18" charset="0"/>
+                                    </a:rPr>
+                                    <m:t>1</m:t>
+                                  </m:r>
+                                </m:den>
+                              </m:f>
+                            </m:e>
+                          </m:rad>
+                        </m:e>
+                      </m:func>
+                    </m:oMath>
+                  </m:oMathPara>
+                </a14:m>
+                <a:endParaRPr lang="he-IL" dirty="0"/>
+              </a:p>
+            </p:txBody>
+          </p:sp>
+        </mc:Choice>
+        <mc:Fallback>
+          <p:sp>
+            <p:nvSpPr>
+              <p:cNvPr id="8" name="Rectangle 7"/>
+              <p:cNvSpPr>
+                <a:spLocks noRot="1" noChangeAspect="1" noMove="1" noResize="1" noEditPoints="1" noAdjustHandles="1" noChangeArrowheads="1" noChangeShapeType="1" noTextEdit="1"/>
+              </p:cNvSpPr>
+              <p:nvPr/>
+            </p:nvSpPr>
+            <p:spPr>
+              <a:xfrm>
+                <a:off x="7718807" y="3157113"/>
+                <a:ext cx="2028696" cy="910699"/>
+              </a:xfrm>
+              <a:prstGeom prst="rect">
+                <a:avLst/>
+              </a:prstGeom>
+              <a:blipFill>
+                <a:blip r:embed="rId5"/>
+                <a:stretch>
+                  <a:fillRect/>
+                </a:stretch>
+              </a:blipFill>
+            </p:spPr>
+            <p:txBody>
+              <a:bodyPr/>
+              <a:lstStyle/>
+              <a:p>
+                <a:r>
+                  <a:rPr lang="he-IL">
+                    <a:noFill/>
+                  </a:rPr>
+                  <a:t> </a:t>
+                </a:r>
+              </a:p>
+            </p:txBody>
+          </p:sp>
+        </mc:Fallback>
+      </mc:AlternateContent>
+      <mc:AlternateContent xmlns:mc="http://schemas.openxmlformats.org/markup-compatibility/2006">
+        <mc:Choice xmlns:a14="http://schemas.microsoft.com/office/drawing/2010/main" Requires="a14">
+          <p:sp>
+            <p:nvSpPr>
+              <p:cNvPr id="9" name="Rectangle 8"/>
+              <p:cNvSpPr/>
+              <p:nvPr/>
+            </p:nvSpPr>
+            <p:spPr>
+              <a:xfrm>
+                <a:off x="9456167" y="3858153"/>
+                <a:ext cx="2101153" cy="848566"/>
+              </a:xfrm>
+              <a:prstGeom prst="rect">
+                <a:avLst/>
+              </a:prstGeom>
+            </p:spPr>
+            <p:txBody>
+              <a:bodyPr wrap="none">
+                <a:spAutoFit/>
+              </a:bodyPr>
+              <a:lstStyle/>
+              <a:p>
+                <a14:m>
+                  <m:oMathPara xmlns:m="http://schemas.openxmlformats.org/officeDocument/2006/math">
+                    <m:oMathParaPr>
+                      <m:jc m:val="centerGroup"/>
+                    </m:oMathParaPr>
+                    <m:oMath xmlns:m="http://schemas.openxmlformats.org/officeDocument/2006/math">
+                      <m:func>
+                        <m:funcPr>
+                          <m:ctrlPr>
+                            <a:rPr lang="en-US" i="1" smtClean="0">
+                              <a:latin typeface="Cambria Math" panose="02040503050406030204" pitchFamily="18" charset="0"/>
+                            </a:rPr>
+                          </m:ctrlPr>
+                        </m:funcPr>
+                        <m:fName>
+                          <m:r>
+                            <m:rPr>
+                              <m:sty m:val="p"/>
+                            </m:rPr>
+                            <a:rPr lang="en-US">
+                              <a:latin typeface="Cambria Math" panose="02040503050406030204" pitchFamily="18" charset="0"/>
+                            </a:rPr>
+                            <m:t>RSS</m:t>
+                          </m:r>
+                          <m:r>
+                            <a:rPr lang="en-US">
+                              <a:latin typeface="Cambria Math" panose="02040503050406030204" pitchFamily="18" charset="0"/>
+                            </a:rPr>
+                            <m:t>=</m:t>
+                          </m:r>
+                        </m:fName>
+                        <m:e>
+                          <m:nary>
+                            <m:naryPr>
+                              <m:chr m:val="∑"/>
+                              <m:ctrlPr>
+                                <a:rPr lang="en-US" b="0" i="1" smtClean="0">
+                                  <a:latin typeface="Cambria Math" panose="02040503050406030204" pitchFamily="18" charset="0"/>
+                                </a:rPr>
+                              </m:ctrlPr>
+                            </m:naryPr>
+                            <m:sub>
+                              <m:r>
+                                <a:rPr lang="en-US" b="0" i="1" smtClean="0">
+                                  <a:latin typeface="Cambria Math" panose="02040503050406030204" pitchFamily="18" charset="0"/>
+                                </a:rPr>
+                                <m:t>𝑖</m:t>
+                              </m:r>
+                              <m:r>
+                                <a:rPr lang="en-US" b="0" i="1" smtClean="0">
+                                  <a:latin typeface="Cambria Math" panose="02040503050406030204" pitchFamily="18" charset="0"/>
+                                </a:rPr>
+                                <m:t>=</m:t>
+                              </m:r>
+                              <m:r>
+                                <a:rPr lang="en-US" b="0" i="1" smtClean="0">
+                                  <a:latin typeface="Cambria Math" panose="02040503050406030204" pitchFamily="18" charset="0"/>
+                                </a:rPr>
+                                <m:t>1</m:t>
+                              </m:r>
+                            </m:sub>
+                            <m:sup>
+                              <m:r>
+                                <a:rPr lang="en-US" b="0" i="1" smtClean="0">
+                                  <a:latin typeface="Cambria Math" panose="02040503050406030204" pitchFamily="18" charset="0"/>
+                                </a:rPr>
+                                <m:t>𝑛</m:t>
+                              </m:r>
+                            </m:sup>
+                            <m:e>
+                              <m:sSup>
+                                <m:sSupPr>
+                                  <m:ctrlPr>
+                                    <a:rPr lang="en-US" b="0" i="1" smtClean="0">
+                                      <a:latin typeface="Cambria Math" panose="02040503050406030204" pitchFamily="18" charset="0"/>
+                                    </a:rPr>
+                                  </m:ctrlPr>
+                                </m:sSupPr>
+                                <m:e>
+                                  <m:d>
+                                    <m:dPr>
+                                      <m:ctrlPr>
+                                        <a:rPr lang="en-US" b="0" i="1" smtClean="0">
+                                          <a:latin typeface="Cambria Math" panose="02040503050406030204" pitchFamily="18" charset="0"/>
+                                        </a:rPr>
+                                      </m:ctrlPr>
+                                    </m:dPr>
+                                    <m:e>
+                                      <m:sSub>
+                                        <m:sSubPr>
+                                          <m:ctrlPr>
+                                            <a:rPr lang="en-US" b="0" i="1" smtClean="0">
+                                              <a:latin typeface="Cambria Math" panose="02040503050406030204" pitchFamily="18" charset="0"/>
+                                            </a:rPr>
+                                          </m:ctrlPr>
+                                        </m:sSubPr>
+                                        <m:e>
+                                          <m:r>
+                                            <a:rPr lang="en-US" b="0" i="1" smtClean="0">
+                                              <a:latin typeface="Cambria Math" panose="02040503050406030204" pitchFamily="18" charset="0"/>
+                                            </a:rPr>
+                                            <m:t>𝑦</m:t>
+                                          </m:r>
+                                        </m:e>
+                                        <m:sub>
+                                          <m:r>
+                                            <a:rPr lang="en-US" b="0" i="1" smtClean="0">
+                                              <a:latin typeface="Cambria Math" panose="02040503050406030204" pitchFamily="18" charset="0"/>
+                                            </a:rPr>
+                                            <m:t>𝑖</m:t>
+                                          </m:r>
+                                        </m:sub>
+                                      </m:sSub>
+                                      <m:r>
+                                        <a:rPr lang="en-US" b="0" i="1" smtClean="0">
+                                          <a:latin typeface="Cambria Math" panose="02040503050406030204" pitchFamily="18" charset="0"/>
+                                        </a:rPr>
+                                        <m:t>−</m:t>
+                                      </m:r>
+                                      <m:acc>
+                                        <m:accPr>
+                                          <m:chr m:val="̅"/>
+                                          <m:ctrlPr>
+                                            <a:rPr lang="en-US" b="1" i="1" smtClean="0">
+                                              <a:latin typeface="Cambria Math" panose="02040503050406030204" pitchFamily="18" charset="0"/>
+                                            </a:rPr>
+                                          </m:ctrlPr>
+                                        </m:accPr>
+                                        <m:e>
+                                          <m:r>
+                                            <a:rPr lang="en-US" b="1" i="1" smtClean="0">
+                                              <a:latin typeface="Cambria Math" panose="02040503050406030204" pitchFamily="18" charset="0"/>
+                                            </a:rPr>
+                                            <m:t>𝒚</m:t>
+                                          </m:r>
+                                        </m:e>
+                                      </m:acc>
+                                    </m:e>
+                                  </m:d>
+                                </m:e>
+                                <m:sup>
+                                  <m:r>
+                                    <a:rPr lang="en-US" b="0" i="1" smtClean="0">
+                                      <a:latin typeface="Cambria Math" panose="02040503050406030204" pitchFamily="18" charset="0"/>
+                                    </a:rPr>
+                                    <m:t>2</m:t>
+                                  </m:r>
+                                </m:sup>
+                              </m:sSup>
+                            </m:e>
+                          </m:nary>
+                        </m:e>
+                      </m:func>
+                    </m:oMath>
+                  </m:oMathPara>
+                </a14:m>
+                <a:endParaRPr lang="he-IL" dirty="0"/>
+              </a:p>
+            </p:txBody>
+          </p:sp>
+        </mc:Choice>
+        <mc:Fallback>
+          <p:sp>
+            <p:nvSpPr>
+              <p:cNvPr id="9" name="Rectangle 8"/>
+              <p:cNvSpPr>
+                <a:spLocks noRot="1" noChangeAspect="1" noMove="1" noResize="1" noEditPoints="1" noAdjustHandles="1" noChangeArrowheads="1" noChangeShapeType="1" noTextEdit="1"/>
+              </p:cNvSpPr>
+              <p:nvPr/>
+            </p:nvSpPr>
+            <p:spPr>
+              <a:xfrm>
+                <a:off x="9456167" y="3858153"/>
+                <a:ext cx="2101153" cy="848566"/>
+              </a:xfrm>
+              <a:prstGeom prst="rect">
+                <a:avLst/>
+              </a:prstGeom>
+              <a:blipFill>
+                <a:blip r:embed="rId6"/>
+                <a:stretch>
+                  <a:fillRect/>
+                </a:stretch>
+              </a:blipFill>
+            </p:spPr>
+            <p:txBody>
+              <a:bodyPr/>
+              <a:lstStyle/>
+              <a:p>
+                <a:r>
+                  <a:rPr lang="he-IL">
+                    <a:noFill/>
+                  </a:rPr>
+                  <a:t> </a:t>
+                </a:r>
+              </a:p>
+            </p:txBody>
+          </p:sp>
+        </mc:Fallback>
+      </mc:AlternateContent>
+      <p:cxnSp>
+        <p:nvCxnSpPr>
+          <p:cNvPr id="11" name="Straight Connector 10"/>
+          <p:cNvCxnSpPr/>
+          <p:nvPr/>
+        </p:nvCxnSpPr>
+        <p:spPr>
+          <a:xfrm>
+            <a:off x="7061200" y="3637280"/>
+            <a:ext cx="660400" cy="0"/>
+          </a:xfrm>
+          <a:prstGeom prst="line">
+            <a:avLst/>
+          </a:prstGeom>
+        </p:spPr>
+        <p:style>
+          <a:lnRef idx="1">
+            <a:schemeClr val="accent1"/>
+          </a:lnRef>
+          <a:fillRef idx="0">
+            <a:schemeClr val="accent1"/>
+          </a:fillRef>
+          <a:effectRef idx="0">
+            <a:schemeClr val="accent1"/>
+          </a:effectRef>
+          <a:fontRef idx="minor">
+            <a:schemeClr val="tx1"/>
+          </a:fontRef>
+        </p:style>
+      </p:cxnSp>
+      <p:cxnSp>
+        <p:nvCxnSpPr>
+          <p:cNvPr id="13" name="Straight Connector 12"/>
+          <p:cNvCxnSpPr/>
+          <p:nvPr/>
+        </p:nvCxnSpPr>
+        <p:spPr>
+          <a:xfrm>
+            <a:off x="8747760" y="2438400"/>
+            <a:ext cx="294640" cy="0"/>
+          </a:xfrm>
+          <a:prstGeom prst="line">
+            <a:avLst/>
+          </a:prstGeom>
+        </p:spPr>
+        <p:style>
+          <a:lnRef idx="1">
+            <a:schemeClr val="accent1"/>
+          </a:lnRef>
+          <a:fillRef idx="0">
+            <a:schemeClr val="accent1"/>
+          </a:fillRef>
+          <a:effectRef idx="0">
+            <a:schemeClr val="accent1"/>
+          </a:effectRef>
+          <a:fontRef idx="minor">
+            <a:schemeClr val="tx1"/>
+          </a:fontRef>
+        </p:style>
+      </p:cxnSp>
+      <p:cxnSp>
+        <p:nvCxnSpPr>
+          <p:cNvPr id="15" name="Straight Connector 14"/>
+          <p:cNvCxnSpPr/>
+          <p:nvPr/>
+        </p:nvCxnSpPr>
+        <p:spPr>
+          <a:xfrm>
+            <a:off x="8300720" y="4277360"/>
+            <a:ext cx="1107440" cy="0"/>
+          </a:xfrm>
+          <a:prstGeom prst="line">
+            <a:avLst/>
+          </a:prstGeom>
+        </p:spPr>
+        <p:style>
+          <a:lnRef idx="1">
+            <a:schemeClr val="accent1"/>
+          </a:lnRef>
+          <a:fillRef idx="0">
+            <a:schemeClr val="accent1"/>
+          </a:fillRef>
+          <a:effectRef idx="0">
+            <a:schemeClr val="accent1"/>
+          </a:effectRef>
+          <a:fontRef idx="minor">
+            <a:schemeClr val="tx1"/>
+          </a:fontRef>
+        </p:style>
+      </p:cxnSp>
+      <p:cxnSp>
+        <p:nvCxnSpPr>
+          <p:cNvPr id="16" name="Straight Connector 15"/>
+          <p:cNvCxnSpPr/>
+          <p:nvPr/>
+        </p:nvCxnSpPr>
+        <p:spPr>
+          <a:xfrm>
+            <a:off x="6441440" y="4886960"/>
+            <a:ext cx="416560" cy="0"/>
+          </a:xfrm>
+          <a:prstGeom prst="line">
+            <a:avLst/>
+          </a:prstGeom>
+        </p:spPr>
+        <p:style>
+          <a:lnRef idx="1">
+            <a:schemeClr val="accent1"/>
+          </a:lnRef>
+          <a:fillRef idx="0">
+            <a:schemeClr val="accent1"/>
+          </a:fillRef>
+          <a:effectRef idx="0">
+            <a:schemeClr val="accent1"/>
+          </a:effectRef>
+          <a:fontRef idx="minor">
+            <a:schemeClr val="tx1"/>
+          </a:fontRef>
+        </p:style>
+      </p:cxnSp>
+      <mc:AlternateContent xmlns:mc="http://schemas.openxmlformats.org/markup-compatibility/2006">
+        <mc:Choice xmlns:a14="http://schemas.microsoft.com/office/drawing/2010/main" Requires="a14">
+          <p:sp>
+            <p:nvSpPr>
+              <p:cNvPr id="17" name="Rectangle 16"/>
+              <p:cNvSpPr/>
+              <p:nvPr/>
+            </p:nvSpPr>
+            <p:spPr>
+              <a:xfrm>
+                <a:off x="6936487" y="4691273"/>
+                <a:ext cx="2104679" cy="369332"/>
+              </a:xfrm>
+              <a:prstGeom prst="rect">
+                <a:avLst/>
+              </a:prstGeom>
+            </p:spPr>
+            <p:txBody>
+              <a:bodyPr wrap="none">
+                <a:spAutoFit/>
+              </a:bodyPr>
+              <a:lstStyle/>
+              <a:p>
+                <a14:m>
+                  <m:oMathPara xmlns:m="http://schemas.openxmlformats.org/officeDocument/2006/math">
+                    <m:oMathParaPr>
+                      <m:jc m:val="centerGroup"/>
+                    </m:oMathParaPr>
+                    <m:oMath xmlns:m="http://schemas.openxmlformats.org/officeDocument/2006/math">
+                      <m:sSup>
+                        <m:sSupPr>
+                          <m:ctrlPr>
+                            <a:rPr lang="en-US" b="0" i="1" smtClean="0">
+                              <a:latin typeface="Cambria Math" panose="02040503050406030204" pitchFamily="18" charset="0"/>
+                            </a:rPr>
+                          </m:ctrlPr>
+                        </m:sSupPr>
+                        <m:e>
+                          <m:r>
+                            <a:rPr lang="en-US" i="1" smtClean="0">
+                              <a:latin typeface="Cambria Math" panose="02040503050406030204" pitchFamily="18" charset="0"/>
+                            </a:rPr>
+                            <m:t>𝑅</m:t>
+                          </m:r>
+                        </m:e>
+                        <m:sup>
+                          <m:r>
+                            <a:rPr lang="en-US" b="0" i="1" smtClean="0">
+                              <a:latin typeface="Cambria Math" panose="02040503050406030204" pitchFamily="18" charset="0"/>
+                            </a:rPr>
+                            <m:t>2</m:t>
+                          </m:r>
+                        </m:sup>
+                      </m:sSup>
+                      <m:r>
+                        <a:rPr lang="en-US" b="0" i="1" smtClean="0">
+                          <a:latin typeface="Cambria Math" panose="02040503050406030204" pitchFamily="18" charset="0"/>
+                        </a:rPr>
+                        <m:t>=</m:t>
+                      </m:r>
+                      <m:r>
+                        <a:rPr lang="en-US" b="0" i="1" smtClean="0">
+                          <a:latin typeface="Cambria Math" panose="02040503050406030204" pitchFamily="18" charset="0"/>
+                        </a:rPr>
+                        <m:t>1</m:t>
+                      </m:r>
+                      <m:r>
+                        <a:rPr lang="en-US" b="0" i="1" smtClean="0">
+                          <a:latin typeface="Cambria Math" panose="02040503050406030204" pitchFamily="18" charset="0"/>
+                        </a:rPr>
+                        <m:t>−</m:t>
+                      </m:r>
+                      <m:r>
+                        <a:rPr lang="en-US" b="0" i="1" smtClean="0">
+                          <a:latin typeface="Cambria Math" panose="02040503050406030204" pitchFamily="18" charset="0"/>
+                        </a:rPr>
+                        <m:t>𝑅𝑆𝑆</m:t>
+                      </m:r>
+                      <m:r>
+                        <a:rPr lang="en-US" b="0" i="1" smtClean="0">
+                          <a:latin typeface="Cambria Math" panose="02040503050406030204" pitchFamily="18" charset="0"/>
+                        </a:rPr>
+                        <m:t>/</m:t>
+                      </m:r>
+                      <m:r>
+                        <a:rPr lang="en-US" b="0" i="1" smtClean="0">
+                          <a:latin typeface="Cambria Math" panose="02040503050406030204" pitchFamily="18" charset="0"/>
+                        </a:rPr>
+                        <m:t>𝑇𝑆𝑆</m:t>
+                      </m:r>
+                    </m:oMath>
+                  </m:oMathPara>
+                </a14:m>
+                <a:endParaRPr lang="he-IL" dirty="0"/>
+              </a:p>
+            </p:txBody>
+          </p:sp>
+        </mc:Choice>
+        <mc:Fallback>
+          <p:sp>
+            <p:nvSpPr>
+              <p:cNvPr id="17" name="Rectangle 16"/>
+              <p:cNvSpPr>
+                <a:spLocks noRot="1" noChangeAspect="1" noMove="1" noResize="1" noEditPoints="1" noAdjustHandles="1" noChangeArrowheads="1" noChangeShapeType="1" noTextEdit="1"/>
+              </p:cNvSpPr>
+              <p:nvPr/>
+            </p:nvSpPr>
+            <p:spPr>
+              <a:xfrm>
+                <a:off x="6936487" y="4691273"/>
+                <a:ext cx="2104679" cy="369332"/>
+              </a:xfrm>
+              <a:prstGeom prst="rect">
+                <a:avLst/>
+              </a:prstGeom>
+              <a:blipFill>
+                <a:blip r:embed="rId7"/>
+                <a:stretch>
+                  <a:fillRect b="-15000"/>
+                </a:stretch>
+              </a:blipFill>
+            </p:spPr>
+            <p:txBody>
+              <a:bodyPr/>
+              <a:lstStyle/>
+              <a:p>
+                <a:r>
+                  <a:rPr lang="he-IL">
+                    <a:noFill/>
+                  </a:rPr>
+                  <a:t> </a:t>
+                </a:r>
+              </a:p>
+            </p:txBody>
+          </p:sp>
+        </mc:Fallback>
+      </mc:AlternateContent>
+      <p:cxnSp>
+        <p:nvCxnSpPr>
+          <p:cNvPr id="20" name="Straight Connector 19"/>
+          <p:cNvCxnSpPr/>
+          <p:nvPr/>
+        </p:nvCxnSpPr>
+        <p:spPr>
+          <a:xfrm>
+            <a:off x="2631440" y="3048000"/>
+            <a:ext cx="254000" cy="0"/>
+          </a:xfrm>
+          <a:prstGeom prst="line">
+            <a:avLst/>
+          </a:prstGeom>
+        </p:spPr>
+        <p:style>
+          <a:lnRef idx="1">
+            <a:schemeClr val="accent1"/>
+          </a:lnRef>
+          <a:fillRef idx="0">
+            <a:schemeClr val="accent1"/>
+          </a:fillRef>
+          <a:effectRef idx="0">
+            <a:schemeClr val="accent1"/>
+          </a:effectRef>
+          <a:fontRef idx="minor">
+            <a:schemeClr val="tx1"/>
+          </a:fontRef>
+        </p:style>
+      </p:cxnSp>
+      <mc:AlternateContent xmlns:mc="http://schemas.openxmlformats.org/markup-compatibility/2006">
+        <mc:Choice xmlns:a14="http://schemas.microsoft.com/office/drawing/2010/main" Requires="a14">
+          <p:sp>
+            <p:nvSpPr>
+              <p:cNvPr id="21" name="Rectangle 20"/>
+              <p:cNvSpPr/>
+              <p:nvPr/>
+            </p:nvSpPr>
+            <p:spPr>
+              <a:xfrm>
+                <a:off x="8724647" y="5239913"/>
+                <a:ext cx="2918107" cy="466090"/>
+              </a:xfrm>
+              <a:prstGeom prst="rect">
+                <a:avLst/>
+              </a:prstGeom>
+            </p:spPr>
+            <p:txBody>
+              <a:bodyPr wrap="none">
+                <a:spAutoFit/>
+              </a:bodyPr>
+              <a:lstStyle/>
+              <a:p>
+                <a14:m>
+                  <m:oMathPara xmlns:m="http://schemas.openxmlformats.org/officeDocument/2006/math">
+                    <m:oMathParaPr>
+                      <m:jc m:val="centerGroup"/>
+                    </m:oMathParaPr>
+                    <m:oMath xmlns:m="http://schemas.openxmlformats.org/officeDocument/2006/math">
+                      <m:r>
+                        <a:rPr lang="en-US" b="0" i="1" smtClean="0">
+                          <a:latin typeface="Cambria Math" panose="02040503050406030204" pitchFamily="18" charset="0"/>
+                        </a:rPr>
+                        <m:t>𝑆𝐸</m:t>
+                      </m:r>
+                      <m:sSup>
+                        <m:sSupPr>
+                          <m:ctrlPr>
+                            <a:rPr lang="en-US" b="0" i="1" smtClean="0">
+                              <a:latin typeface="Cambria Math" panose="02040503050406030204" pitchFamily="18" charset="0"/>
+                            </a:rPr>
+                          </m:ctrlPr>
+                        </m:sSupPr>
+                        <m:e>
+                          <m:d>
+                            <m:dPr>
+                              <m:ctrlPr>
+                                <a:rPr lang="en-US" b="0" i="1" smtClean="0">
+                                  <a:latin typeface="Cambria Math" panose="02040503050406030204" pitchFamily="18" charset="0"/>
+                                </a:rPr>
+                              </m:ctrlPr>
+                            </m:dPr>
+                            <m:e>
+                              <m:sSub>
+                                <m:sSubPr>
+                                  <m:ctrlPr>
+                                    <a:rPr lang="en-US" b="0" i="1" smtClean="0">
+                                      <a:latin typeface="Cambria Math" panose="02040503050406030204" pitchFamily="18" charset="0"/>
+                                    </a:rPr>
+                                  </m:ctrlPr>
+                                </m:sSubPr>
+                                <m:e>
+                                  <m:r>
+                                    <a:rPr lang="en-US" b="0" i="1" smtClean="0">
+                                      <a:latin typeface="Cambria Math" panose="02040503050406030204" pitchFamily="18" charset="0"/>
+                                    </a:rPr>
+                                    <m:t>𝛽</m:t>
+                                  </m:r>
+                                </m:e>
+                                <m:sub>
+                                  <m:r>
+                                    <a:rPr lang="en-US" b="0" i="1" smtClean="0">
+                                      <a:latin typeface="Cambria Math" panose="02040503050406030204" pitchFamily="18" charset="0"/>
+                                    </a:rPr>
+                                    <m:t>𝑗</m:t>
+                                  </m:r>
+                                </m:sub>
+                              </m:sSub>
+                            </m:e>
+                          </m:d>
+                        </m:e>
+                        <m:sup>
+                          <m:r>
+                            <a:rPr lang="en-US" b="0" i="1" smtClean="0">
+                              <a:latin typeface="Cambria Math" panose="02040503050406030204" pitchFamily="18" charset="0"/>
+                            </a:rPr>
+                            <m:t>2</m:t>
+                          </m:r>
+                        </m:sup>
+                      </m:sSup>
+                      <m:r>
+                        <a:rPr lang="en-US" b="0" i="1" smtClean="0">
+                          <a:latin typeface="Cambria Math" panose="02040503050406030204" pitchFamily="18" charset="0"/>
+                        </a:rPr>
+                        <m:t>=</m:t>
+                      </m:r>
+                      <m:r>
+                        <m:rPr>
+                          <m:lit/>
+                        </m:rPr>
+                        <a:rPr lang="en-US" b="0" i="1" smtClean="0">
+                          <a:latin typeface="Cambria Math" panose="02040503050406030204" pitchFamily="18" charset="0"/>
+                        </a:rPr>
+                        <m:t> </m:t>
+                      </m:r>
+                      <m:sSub>
+                        <m:sSubPr>
+                          <m:ctrlPr>
+                            <a:rPr lang="en-US" i="1">
+                              <a:latin typeface="Cambria Math" panose="02040503050406030204" pitchFamily="18" charset="0"/>
+                            </a:rPr>
+                          </m:ctrlPr>
+                        </m:sSubPr>
+                        <m:e>
+                          <m:d>
+                            <m:dPr>
+                              <m:begChr m:val="["/>
+                              <m:endChr m:val="]"/>
+                              <m:ctrlPr>
+                                <a:rPr lang="en-US" i="1">
+                                  <a:latin typeface="Cambria Math" panose="02040503050406030204" pitchFamily="18" charset="0"/>
+                                </a:rPr>
+                              </m:ctrlPr>
+                            </m:dPr>
+                            <m:e>
+                              <m:sSup>
+                                <m:sSupPr>
+                                  <m:ctrlPr>
+                                    <a:rPr lang="en-US" i="1">
+                                      <a:latin typeface="Cambria Math" panose="02040503050406030204" pitchFamily="18" charset="0"/>
+                                    </a:rPr>
+                                  </m:ctrlPr>
+                                </m:sSupPr>
+                                <m:e>
+                                  <m:acc>
+                                    <m:accPr>
+                                      <m:chr m:val="̂"/>
+                                      <m:ctrlPr>
+                                        <a:rPr lang="en-US" i="1">
+                                          <a:latin typeface="Cambria Math" panose="02040503050406030204" pitchFamily="18" charset="0"/>
+                                        </a:rPr>
+                                      </m:ctrlPr>
+                                    </m:accPr>
+                                    <m:e>
+                                      <m:r>
+                                        <a:rPr lang="en-US" i="1">
+                                          <a:latin typeface="Cambria Math" panose="02040503050406030204" pitchFamily="18" charset="0"/>
+                                        </a:rPr>
+                                        <m:t>𝜎</m:t>
+                                      </m:r>
+                                    </m:e>
+                                  </m:acc>
+                                </m:e>
+                                <m:sup>
+                                  <m:r>
+                                    <a:rPr lang="en-US" i="1">
+                                      <a:latin typeface="Cambria Math" panose="02040503050406030204" pitchFamily="18" charset="0"/>
+                                    </a:rPr>
+                                    <m:t>2</m:t>
+                                  </m:r>
+                                </m:sup>
+                              </m:sSup>
+                              <m:sSup>
+                                <m:sSupPr>
+                                  <m:ctrlPr>
+                                    <a:rPr lang="en-US" i="1">
+                                      <a:latin typeface="Cambria Math" panose="02040503050406030204" pitchFamily="18" charset="0"/>
+                                    </a:rPr>
+                                  </m:ctrlPr>
+                                </m:sSupPr>
+                                <m:e>
+                                  <m:d>
+                                    <m:dPr>
+                                      <m:ctrlPr>
+                                        <a:rPr lang="en-US" i="1">
+                                          <a:latin typeface="Cambria Math" panose="02040503050406030204" pitchFamily="18" charset="0"/>
+                                        </a:rPr>
+                                      </m:ctrlPr>
+                                    </m:dPr>
+                                    <m:e>
+                                      <m:sSup>
+                                        <m:sSupPr>
+                                          <m:ctrlPr>
+                                            <a:rPr lang="en-US" i="1">
+                                              <a:latin typeface="Cambria Math" panose="02040503050406030204" pitchFamily="18" charset="0"/>
+                                            </a:rPr>
+                                          </m:ctrlPr>
+                                        </m:sSupPr>
+                                        <m:e>
+                                          <m:r>
+                                            <a:rPr lang="en-US" i="1">
+                                              <a:latin typeface="Cambria Math" panose="02040503050406030204" pitchFamily="18" charset="0"/>
+                                            </a:rPr>
+                                            <m:t>𝑋</m:t>
+                                          </m:r>
+                                        </m:e>
+                                        <m:sup>
+                                          <m:r>
+                                            <a:rPr lang="en-US" i="1">
+                                              <a:latin typeface="Cambria Math" panose="02040503050406030204" pitchFamily="18" charset="0"/>
+                                            </a:rPr>
+                                            <m:t>𝑇</m:t>
+                                          </m:r>
+                                        </m:sup>
+                                      </m:sSup>
+                                      <m:r>
+                                        <a:rPr lang="en-US" i="1">
+                                          <a:latin typeface="Cambria Math" panose="02040503050406030204" pitchFamily="18" charset="0"/>
+                                        </a:rPr>
+                                        <m:t>𝑋</m:t>
+                                      </m:r>
+                                    </m:e>
+                                  </m:d>
+                                </m:e>
+                                <m:sup>
+                                  <m:r>
+                                    <a:rPr lang="en-US" i="1">
+                                      <a:latin typeface="Cambria Math" panose="02040503050406030204" pitchFamily="18" charset="0"/>
+                                    </a:rPr>
+                                    <m:t>−</m:t>
+                                  </m:r>
+                                  <m:r>
+                                    <a:rPr lang="en-US" i="1">
+                                      <a:latin typeface="Cambria Math" panose="02040503050406030204" pitchFamily="18" charset="0"/>
+                                    </a:rPr>
+                                    <m:t>1</m:t>
+                                  </m:r>
+                                </m:sup>
+                              </m:sSup>
+                            </m:e>
+                          </m:d>
+                        </m:e>
+                        <m:sub>
+                          <m:r>
+                            <a:rPr lang="en-US" i="1">
+                              <a:latin typeface="Cambria Math" panose="02040503050406030204" pitchFamily="18" charset="0"/>
+                            </a:rPr>
+                            <m:t>𝑗𝑗</m:t>
+                          </m:r>
+                        </m:sub>
+                      </m:sSub>
+                    </m:oMath>
+                  </m:oMathPara>
+                </a14:m>
+                <a:endParaRPr lang="he-IL" baseline="-25000" dirty="0"/>
+              </a:p>
+            </p:txBody>
+          </p:sp>
+        </mc:Choice>
+        <mc:Fallback>
+          <p:sp>
+            <p:nvSpPr>
+              <p:cNvPr id="21" name="Rectangle 20"/>
+              <p:cNvSpPr>
+                <a:spLocks noRot="1" noChangeAspect="1" noMove="1" noResize="1" noEditPoints="1" noAdjustHandles="1" noChangeArrowheads="1" noChangeShapeType="1" noTextEdit="1"/>
+              </p:cNvSpPr>
+              <p:nvPr/>
+            </p:nvSpPr>
+            <p:spPr>
+              <a:xfrm>
+                <a:off x="8724647" y="5239913"/>
+                <a:ext cx="2918107" cy="466090"/>
+              </a:xfrm>
+              <a:prstGeom prst="rect">
+                <a:avLst/>
+              </a:prstGeom>
+              <a:blipFill>
+                <a:blip r:embed="rId8"/>
+                <a:stretch>
+                  <a:fillRect b="-6579"/>
+                </a:stretch>
+              </a:blipFill>
+            </p:spPr>
+            <p:txBody>
+              <a:bodyPr/>
+              <a:lstStyle/>
+              <a:p>
+                <a:r>
+                  <a:rPr lang="he-IL">
+                    <a:noFill/>
+                  </a:rPr>
+                  <a:t> </a:t>
+                </a:r>
+              </a:p>
+            </p:txBody>
+          </p:sp>
+        </mc:Fallback>
+      </mc:AlternateContent>
+      <p:cxnSp>
+        <p:nvCxnSpPr>
+          <p:cNvPr id="22" name="Straight Connector 21"/>
+          <p:cNvCxnSpPr/>
+          <p:nvPr/>
+        </p:nvCxnSpPr>
+        <p:spPr>
+          <a:xfrm>
+            <a:off x="8351520" y="5496560"/>
+            <a:ext cx="416560" cy="0"/>
+          </a:xfrm>
+          <a:prstGeom prst="line">
+            <a:avLst/>
+          </a:prstGeom>
+        </p:spPr>
+        <p:style>
+          <a:lnRef idx="1">
+            <a:schemeClr val="accent1"/>
+          </a:lnRef>
+          <a:fillRef idx="0">
+            <a:schemeClr val="accent1"/>
+          </a:fillRef>
+          <a:effectRef idx="0">
+            <a:schemeClr val="accent1"/>
+          </a:effectRef>
+          <a:fontRef idx="minor">
+            <a:schemeClr val="tx1"/>
+          </a:fontRef>
+        </p:style>
+      </p:cxnSp>
+    </p:spTree>
+    <p:extLst>
+      <p:ext uri="{BB962C8B-B14F-4D97-AF65-F5344CB8AC3E}">
+        <p14:creationId xmlns:p14="http://schemas.microsoft.com/office/powerpoint/2010/main" val="1167824106"/>
+      </p:ext>
+    </p:extLst>
+  </p:cSld>
+  <p:clrMapOvr>
+    <a:masterClrMapping/>
+  </p:clrMapOvr>
+  <p:timing>
+    <p:tnLst>
+      <p:par>
+        <p:cTn id="1" dur="indefinite" restart="never" nodeType="tmRoot"/>
+      </p:par>
+    </p:tnLst>
+  </p:timing>
 </p:sld>
 </file>
 

--- a/presentation/pptx/01-Linear_regression_methods.pptx
+++ b/presentation/pptx/01-Linear_regression_methods.pptx
@@ -5,7 +5,7 @@
     <p:sldMasterId id="2147483840" r:id="rId1"/>
   </p:sldMasterIdLst>
   <p:notesMasterIdLst>
-    <p:notesMasterId r:id="rId24"/>
+    <p:notesMasterId r:id="rId25"/>
   </p:notesMasterIdLst>
   <p:sldIdLst>
     <p:sldId id="256" r:id="rId2"/>
@@ -30,6 +30,7 @@
     <p:sldId id="270" r:id="rId21"/>
     <p:sldId id="281" r:id="rId22"/>
     <p:sldId id="261" r:id="rId23"/>
+    <p:sldId id="282" r:id="rId24"/>
   </p:sldIdLst>
   <p:sldSz cx="12192000" cy="6858000"/>
   <p:notesSz cx="6858000" cy="9144000"/>
@@ -234,7 +235,7 @@
           <a:p>
             <a:fld id="{5C93CA8F-50F8-44B5-B48F-4C4452AC4FCB}" type="datetimeFigureOut">
               <a:rPr lang="he-IL" smtClean="0"/>
-              <a:t>י"ב/תמוז/תשע"ט</a:t>
+              <a:t>י"ג/תמוז/תשע"ט</a:t>
             </a:fld>
             <a:endParaRPr lang="he-IL"/>
           </a:p>
@@ -7872,6 +7873,12 @@
           <a:p>
             <a:r>
               <a:rPr lang="en-US" dirty="0"/>
+              <a:t>Hypothesis testing</a:t>
+            </a:r>
+          </a:p>
+          <a:p>
+            <a:r>
+              <a:rPr lang="en-US" dirty="0"/>
               <a:t>Using </a:t>
             </a:r>
             <a:r>
@@ -7886,19 +7893,13 @@
           <a:p>
             <a:r>
               <a:rPr lang="en-US" dirty="0"/>
-              <a:t>Variable selection with </a:t>
+              <a:t>Feature selection with </a:t>
             </a:r>
             <a:r>
               <a:rPr lang="en-US" i="1" dirty="0"/>
               <a:t>stepwise</a:t>
             </a:r>
             <a:endParaRPr lang="en-US" dirty="0"/>
-          </a:p>
-          <a:p>
-            <a:r>
-              <a:rPr lang="en-US" dirty="0"/>
-              <a:t>Hypothesis testing</a:t>
-            </a:r>
           </a:p>
           <a:p>
             <a:r>
@@ -7959,56 +7960,6 @@
               <a:t>15</a:t>
             </a:fld>
             <a:endParaRPr lang="en-US" dirty="0"/>
-          </a:p>
-        </p:txBody>
-      </p:sp>
-      <p:sp>
-        <p:nvSpPr>
-          <p:cNvPr id="6" name="Rectangle: Rounded Corners 5">
-            <a:extLst>
-              <a:ext uri="{FF2B5EF4-FFF2-40B4-BE49-F238E27FC236}">
-                <a16:creationId xmlns:a16="http://schemas.microsoft.com/office/drawing/2014/main" id="{E60CBC10-B6FC-4980-A630-3831D668D45A}"/>
-              </a:ext>
-            </a:extLst>
-          </p:cNvPr>
-          <p:cNvSpPr/>
-          <p:nvPr/>
-        </p:nvSpPr>
-        <p:spPr>
-          <a:xfrm>
-            <a:off x="2743199" y="4287714"/>
-            <a:ext cx="6709025" cy="1784312"/>
-          </a:xfrm>
-          <a:prstGeom prst="roundRect">
-            <a:avLst/>
-          </a:prstGeom>
-        </p:spPr>
-        <p:style>
-          <a:lnRef idx="2">
-            <a:schemeClr val="accent4">
-              <a:shade val="50000"/>
-            </a:schemeClr>
-          </a:lnRef>
-          <a:fillRef idx="1">
-            <a:schemeClr val="accent4"/>
-          </a:fillRef>
-          <a:effectRef idx="0">
-            <a:schemeClr val="accent4"/>
-          </a:effectRef>
-          <a:fontRef idx="minor">
-            <a:schemeClr val="lt1"/>
-          </a:fontRef>
-        </p:style>
-        <p:txBody>
-          <a:bodyPr rtlCol="0" anchor="ctr"/>
-          <a:lstStyle/>
-          <a:p>
-            <a:pPr algn="ctr"/>
-            <a:r>
-              <a:rPr lang="en-US" sz="4800" dirty="0"/>
-              <a:t>Live coding examples</a:t>
-            </a:r>
-            <a:endParaRPr lang="en-IL" sz="4800" dirty="0"/>
           </a:p>
         </p:txBody>
       </p:sp>
@@ -8082,7 +8033,19 @@
           <a:p>
             <a:r>
               <a:rPr lang="en-US" dirty="0"/>
-              <a:t>01 - Subset selection, dimension reduction, and variable importance</a:t>
+              <a:t>01 – Linear regression, feature selection, and variable importance</a:t>
+            </a:r>
+          </a:p>
+          <a:p>
+            <a:r>
+              <a:rPr lang="en-US" dirty="0"/>
+              <a:t>Download the file from the LMS</a:t>
+            </a:r>
+          </a:p>
+          <a:p>
+            <a:r>
+              <a:rPr lang="en-US" dirty="0"/>
+              <a:t>Open /exercises/01-flight_prices.R</a:t>
             </a:r>
             <a:endParaRPr lang="he-IL" dirty="0"/>
           </a:p>
@@ -8131,56 +8094,6 @@
               <a:t>16</a:t>
             </a:fld>
             <a:endParaRPr lang="en-US" dirty="0"/>
-          </a:p>
-        </p:txBody>
-      </p:sp>
-      <p:sp>
-        <p:nvSpPr>
-          <p:cNvPr id="6" name="Rectangle: Rounded Corners 5">
-            <a:extLst>
-              <a:ext uri="{FF2B5EF4-FFF2-40B4-BE49-F238E27FC236}">
-                <a16:creationId xmlns:a16="http://schemas.microsoft.com/office/drawing/2014/main" id="{FC62D0E2-855C-4C25-B31D-CDA0A77EA15D}"/>
-              </a:ext>
-            </a:extLst>
-          </p:cNvPr>
-          <p:cNvSpPr/>
-          <p:nvPr/>
-        </p:nvSpPr>
-        <p:spPr>
-          <a:xfrm>
-            <a:off x="2743199" y="2743200"/>
-            <a:ext cx="6709025" cy="2116476"/>
-          </a:xfrm>
-          <a:prstGeom prst="roundRect">
-            <a:avLst/>
-          </a:prstGeom>
-        </p:spPr>
-        <p:style>
-          <a:lnRef idx="2">
-            <a:schemeClr val="accent4">
-              <a:shade val="50000"/>
-            </a:schemeClr>
-          </a:lnRef>
-          <a:fillRef idx="1">
-            <a:schemeClr val="accent4"/>
-          </a:fillRef>
-          <a:effectRef idx="0">
-            <a:schemeClr val="accent4"/>
-          </a:effectRef>
-          <a:fontRef idx="minor">
-            <a:schemeClr val="lt1"/>
-          </a:fontRef>
-        </p:style>
-        <p:txBody>
-          <a:bodyPr rtlCol="0" anchor="ctr"/>
-          <a:lstStyle/>
-          <a:p>
-            <a:pPr algn="ctr"/>
-            <a:r>
-              <a:rPr lang="en-US" sz="4800" dirty="0"/>
-              <a:t>Exercise</a:t>
-            </a:r>
-            <a:endParaRPr lang="en-IL" sz="4800" dirty="0"/>
           </a:p>
         </p:txBody>
       </p:sp>
@@ -8760,8 +8673,8 @@
           </a:p>
         </p:txBody>
       </p:sp>
-      <mc:AlternateContent xmlns:mc="http://schemas.openxmlformats.org/markup-compatibility/2006">
-        <mc:Choice xmlns:a14="http://schemas.microsoft.com/office/drawing/2010/main" Requires="a14">
+      <mc:AlternateContent xmlns:mc="http://schemas.openxmlformats.org/markup-compatibility/2006" xmlns:a14="http://schemas.microsoft.com/office/drawing/2010/main">
+        <mc:Choice Requires="a14">
           <p:sp>
             <p:nvSpPr>
               <p:cNvPr id="3" name="Content Placeholder 2">
@@ -9235,7 +9148,7 @@
             </p:txBody>
           </p:sp>
         </mc:Choice>
-        <mc:Fallback>
+        <mc:Fallback xmlns="">
           <p:sp>
             <p:nvSpPr>
               <p:cNvPr id="3" name="Content Placeholder 2">
@@ -12107,8 +12020,8 @@
           </a:p>
         </p:txBody>
       </p:sp>
-      <mc:AlternateContent xmlns:mc="http://schemas.openxmlformats.org/markup-compatibility/2006">
-        <mc:Choice xmlns:a14="http://schemas.microsoft.com/office/drawing/2010/main" Requires="a14">
+      <mc:AlternateContent xmlns:mc="http://schemas.openxmlformats.org/markup-compatibility/2006" xmlns:a14="http://schemas.microsoft.com/office/drawing/2010/main">
+        <mc:Choice Requires="a14">
           <p:sp>
             <p:nvSpPr>
               <p:cNvPr id="3" name="Content Placeholder 2"/>
@@ -12763,7 +12676,7 @@
             </p:txBody>
           </p:sp>
         </mc:Choice>
-        <mc:Fallback>
+        <mc:Fallback xmlns="">
           <p:sp>
             <p:nvSpPr>
               <p:cNvPr id="3" name="Content Placeholder 2"/>
@@ -13131,8 +13044,8 @@
           </a:p>
         </p:txBody>
       </p:sp>
-      <mc:AlternateContent xmlns:mc="http://schemas.openxmlformats.org/markup-compatibility/2006">
-        <mc:Choice xmlns:a14="http://schemas.microsoft.com/office/drawing/2010/main" Requires="a14">
+      <mc:AlternateContent xmlns:mc="http://schemas.openxmlformats.org/markup-compatibility/2006" xmlns:a14="http://schemas.microsoft.com/office/drawing/2010/main">
+        <mc:Choice Requires="a14">
           <p:sp>
             <p:nvSpPr>
               <p:cNvPr id="3" name="Content Placeholder 2"/>
@@ -13273,7 +13186,7 @@
             </p:txBody>
           </p:sp>
         </mc:Choice>
-        <mc:Fallback>
+        <mc:Fallback xmlns="">
           <p:sp>
             <p:nvSpPr>
               <p:cNvPr id="3" name="Content Placeholder 2"/>
@@ -13361,6 +13274,209 @@
     <p:extLst>
       <p:ext uri="{BB962C8B-B14F-4D97-AF65-F5344CB8AC3E}">
         <p14:creationId xmlns:p14="http://schemas.microsoft.com/office/powerpoint/2010/main" val="3068560513"/>
+      </p:ext>
+    </p:extLst>
+  </p:cSld>
+  <p:clrMapOvr>
+    <a:masterClrMapping/>
+  </p:clrMapOvr>
+</p:sld>
+</file>
+
+<file path=ppt/slides/slide23.xml><?xml version="1.0" encoding="utf-8"?>
+<p:sld xmlns:a="http://schemas.openxmlformats.org/drawingml/2006/main" xmlns:r="http://schemas.openxmlformats.org/officeDocument/2006/relationships" xmlns:p="http://schemas.openxmlformats.org/presentationml/2006/main">
+  <p:cSld>
+    <p:spTree>
+      <p:nvGrpSpPr>
+        <p:cNvPr id="1" name=""/>
+        <p:cNvGrpSpPr/>
+        <p:nvPr/>
+      </p:nvGrpSpPr>
+      <p:grpSpPr>
+        <a:xfrm>
+          <a:off x="0" y="0"/>
+          <a:ext cx="0" cy="0"/>
+          <a:chOff x="0" y="0"/>
+          <a:chExt cx="0" cy="0"/>
+        </a:xfrm>
+      </p:grpSpPr>
+      <p:sp>
+        <p:nvSpPr>
+          <p:cNvPr id="2" name="Title 1">
+            <a:extLst>
+              <a:ext uri="{FF2B5EF4-FFF2-40B4-BE49-F238E27FC236}">
+                <a16:creationId xmlns:a16="http://schemas.microsoft.com/office/drawing/2014/main" id="{4845CB24-5373-4603-9DCF-706277B304EF}"/>
+              </a:ext>
+            </a:extLst>
+          </p:cNvPr>
+          <p:cNvSpPr>
+            <a:spLocks noGrp="1"/>
+          </p:cNvSpPr>
+          <p:nvPr>
+            <p:ph type="title"/>
+          </p:nvPr>
+        </p:nvSpPr>
+        <p:spPr/>
+        <p:txBody>
+          <a:bodyPr/>
+          <a:lstStyle/>
+          <a:p>
+            <a:r>
+              <a:rPr lang="en-US" dirty="0"/>
+              <a:t>Comes – regularization</a:t>
+            </a:r>
+            <a:endParaRPr lang="en-IL" dirty="0"/>
+          </a:p>
+        </p:txBody>
+      </p:sp>
+      <mc:AlternateContent xmlns:mc="http://schemas.openxmlformats.org/markup-compatibility/2006">
+        <mc:Choice xmlns:a14="http://schemas.microsoft.com/office/drawing/2010/main" Requires="a14">
+          <p:sp>
+            <p:nvSpPr>
+              <p:cNvPr id="3" name="Content Placeholder 2">
+                <a:extLst>
+                  <a:ext uri="{FF2B5EF4-FFF2-40B4-BE49-F238E27FC236}">
+                    <a16:creationId xmlns:a16="http://schemas.microsoft.com/office/drawing/2014/main" id="{7599A068-F72C-4867-AEF4-1896408D88E6}"/>
+                  </a:ext>
+                </a:extLst>
+              </p:cNvPr>
+              <p:cNvSpPr>
+                <a:spLocks noGrp="1"/>
+              </p:cNvSpPr>
+              <p:nvPr>
+                <p:ph idx="1"/>
+              </p:nvPr>
+            </p:nvSpPr>
+            <p:spPr/>
+            <p:txBody>
+              <a:bodyPr/>
+              <a:lstStyle/>
+              <a:p>
+                <a:r>
+                  <a:rPr lang="en-US" dirty="0"/>
+                  <a:t>Imposing penalties or constraints on the </a:t>
+                </a:r>
+                <a14:m>
+                  <m:oMath xmlns:m="http://schemas.openxmlformats.org/officeDocument/2006/math">
+                    <m:r>
+                      <a:rPr lang="en-US" b="0" i="1" smtClean="0">
+                        <a:latin typeface="Cambria Math" panose="02040503050406030204" pitchFamily="18" charset="0"/>
+                      </a:rPr>
+                      <m:t>𝛽</m:t>
+                    </m:r>
+                  </m:oMath>
+                </a14:m>
+                <a:r>
+                  <a:rPr lang="en-US" dirty="0"/>
+                  <a:t> coefficients.</a:t>
+                </a:r>
+                <a:endParaRPr lang="en-IL" dirty="0"/>
+              </a:p>
+            </p:txBody>
+          </p:sp>
+        </mc:Choice>
+        <mc:Fallback>
+          <p:sp>
+            <p:nvSpPr>
+              <p:cNvPr id="3" name="Content Placeholder 2">
+                <a:extLst>
+                  <a:ext uri="{FF2B5EF4-FFF2-40B4-BE49-F238E27FC236}">
+                    <a16:creationId xmlns:a16="http://schemas.microsoft.com/office/drawing/2014/main" id="{7599A068-F72C-4867-AEF4-1896408D88E6}"/>
+                  </a:ext>
+                </a:extLst>
+              </p:cNvPr>
+              <p:cNvSpPr>
+                <a:spLocks noGrp="1" noRot="1" noChangeAspect="1" noMove="1" noResize="1" noEditPoints="1" noAdjustHandles="1" noChangeArrowheads="1" noChangeShapeType="1" noTextEdit="1"/>
+              </p:cNvSpPr>
+              <p:nvPr>
+                <p:ph idx="1"/>
+              </p:nvPr>
+            </p:nvSpPr>
+            <p:spPr>
+              <a:blipFill>
+                <a:blip r:embed="rId2"/>
+                <a:stretch>
+                  <a:fillRect l="-303" t="-1504"/>
+                </a:stretch>
+              </a:blipFill>
+            </p:spPr>
+            <p:txBody>
+              <a:bodyPr/>
+              <a:lstStyle/>
+              <a:p>
+                <a:r>
+                  <a:rPr lang="en-IL">
+                    <a:noFill/>
+                  </a:rPr>
+                  <a:t> </a:t>
+                </a:r>
+              </a:p>
+            </p:txBody>
+          </p:sp>
+        </mc:Fallback>
+      </mc:AlternateContent>
+      <p:sp>
+        <p:nvSpPr>
+          <p:cNvPr id="4" name="Footer Placeholder 3">
+            <a:extLst>
+              <a:ext uri="{FF2B5EF4-FFF2-40B4-BE49-F238E27FC236}">
+                <a16:creationId xmlns:a16="http://schemas.microsoft.com/office/drawing/2014/main" id="{90E31FC7-636A-4A88-9C04-0D11D8F97A2D}"/>
+              </a:ext>
+            </a:extLst>
+          </p:cNvPr>
+          <p:cNvSpPr>
+            <a:spLocks noGrp="1"/>
+          </p:cNvSpPr>
+          <p:nvPr>
+            <p:ph type="ftr" sz="quarter" idx="11"/>
+          </p:nvPr>
+        </p:nvSpPr>
+        <p:spPr/>
+        <p:txBody>
+          <a:bodyPr/>
+          <a:lstStyle/>
+          <a:p>
+            <a:r>
+              <a:rPr lang="en-US"/>
+              <a:t>Materials by Adi Sarid https://adisarid.github.io and http://www.sarid-ins.com</a:t>
+            </a:r>
+            <a:endParaRPr lang="en-US" dirty="0"/>
+          </a:p>
+        </p:txBody>
+      </p:sp>
+      <p:sp>
+        <p:nvSpPr>
+          <p:cNvPr id="5" name="Slide Number Placeholder 4">
+            <a:extLst>
+              <a:ext uri="{FF2B5EF4-FFF2-40B4-BE49-F238E27FC236}">
+                <a16:creationId xmlns:a16="http://schemas.microsoft.com/office/drawing/2014/main" id="{570B64F1-F326-4F73-982A-5CC370E6464B}"/>
+              </a:ext>
+            </a:extLst>
+          </p:cNvPr>
+          <p:cNvSpPr>
+            <a:spLocks noGrp="1"/>
+          </p:cNvSpPr>
+          <p:nvPr>
+            <p:ph type="sldNum" sz="quarter" idx="12"/>
+          </p:nvPr>
+        </p:nvSpPr>
+        <p:spPr/>
+        <p:txBody>
+          <a:bodyPr/>
+          <a:lstStyle/>
+          <a:p>
+            <a:fld id="{4FAB73BC-B049-4115-A692-8D63A059BFB8}" type="slidenum">
+              <a:rPr lang="en-US" smtClean="0"/>
+              <a:t>23</a:t>
+            </a:fld>
+            <a:endParaRPr lang="en-US" dirty="0"/>
+          </a:p>
+        </p:txBody>
+      </p:sp>
+    </p:spTree>
+    <p:extLst>
+      <p:ext uri="{BB962C8B-B14F-4D97-AF65-F5344CB8AC3E}">
+        <p14:creationId xmlns:p14="http://schemas.microsoft.com/office/powerpoint/2010/main" val="1084178654"/>
       </p:ext>
     </p:extLst>
   </p:cSld>
@@ -15402,8 +15518,8 @@
           </a:p>
         </p:txBody>
       </p:sp>
-      <mc:AlternateContent xmlns:mc="http://schemas.openxmlformats.org/markup-compatibility/2006">
-        <mc:Choice xmlns:a14="http://schemas.microsoft.com/office/drawing/2010/main" Requires="a14">
+      <mc:AlternateContent xmlns:mc="http://schemas.openxmlformats.org/markup-compatibility/2006" xmlns:a14="http://schemas.microsoft.com/office/drawing/2010/main">
+        <mc:Choice Requires="a14">
           <p:sp>
             <p:nvSpPr>
               <p:cNvPr id="3" name="Content Placeholder 2"/>
@@ -15534,7 +15650,7 @@
             </p:txBody>
           </p:sp>
         </mc:Choice>
-        <mc:Fallback>
+        <mc:Fallback xmlns="">
           <p:sp>
             <p:nvSpPr>
               <p:cNvPr id="3" name="Content Placeholder 2"/>
@@ -15634,8 +15750,8 @@
             <a:chExt cx="2686303" cy="910699"/>
           </a:xfrm>
         </p:grpSpPr>
-        <mc:AlternateContent xmlns:mc="http://schemas.openxmlformats.org/markup-compatibility/2006">
-          <mc:Choice xmlns:a14="http://schemas.microsoft.com/office/drawing/2010/main" Requires="a14">
+        <mc:AlternateContent xmlns:mc="http://schemas.openxmlformats.org/markup-compatibility/2006" xmlns:a14="http://schemas.microsoft.com/office/drawing/2010/main">
+          <mc:Choice Requires="a14">
             <p:sp>
               <p:nvSpPr>
                 <p:cNvPr id="8" name="Rectangle 7"/>
@@ -15771,7 +15887,7 @@
               </p:txBody>
             </p:sp>
           </mc:Choice>
-          <mc:Fallback>
+          <mc:Fallback xmlns="">
             <p:sp>
               <p:nvSpPr>
                 <p:cNvPr id="8" name="Rectangle 7"/>
@@ -15861,8 +15977,8 @@
             <a:chExt cx="2432310" cy="848566"/>
           </a:xfrm>
         </p:grpSpPr>
-        <mc:AlternateContent xmlns:mc="http://schemas.openxmlformats.org/markup-compatibility/2006">
-          <mc:Choice xmlns:a14="http://schemas.microsoft.com/office/drawing/2010/main" Requires="a14">
+        <mc:AlternateContent xmlns:mc="http://schemas.openxmlformats.org/markup-compatibility/2006" xmlns:a14="http://schemas.microsoft.com/office/drawing/2010/main">
+          <mc:Choice Requires="a14">
             <p:sp>
               <p:nvSpPr>
                 <p:cNvPr id="6" name="Rectangle 5"/>
@@ -16065,7 +16181,7 @@
               </p:txBody>
             </p:sp>
           </mc:Choice>
-          <mc:Fallback>
+          <mc:Fallback xmlns="">
             <p:sp>
               <p:nvSpPr>
                 <p:cNvPr id="6" name="Rectangle 5"/>
@@ -16155,8 +16271,8 @@
             <a:chExt cx="3256600" cy="848566"/>
           </a:xfrm>
         </p:grpSpPr>
-        <mc:AlternateContent xmlns:mc="http://schemas.openxmlformats.org/markup-compatibility/2006">
-          <mc:Choice xmlns:a14="http://schemas.microsoft.com/office/drawing/2010/main" Requires="a14">
+        <mc:AlternateContent xmlns:mc="http://schemas.openxmlformats.org/markup-compatibility/2006" xmlns:a14="http://schemas.microsoft.com/office/drawing/2010/main">
+          <mc:Choice Requires="a14">
             <p:sp>
               <p:nvSpPr>
                 <p:cNvPr id="9" name="Rectangle 8"/>
@@ -16349,7 +16465,7 @@
               </p:txBody>
             </p:sp>
           </mc:Choice>
-          <mc:Fallback>
+          <mc:Fallback xmlns="">
             <p:sp>
               <p:nvSpPr>
                 <p:cNvPr id="9" name="Rectangle 8"/>
@@ -16469,8 +16585,8 @@
             </a:fontRef>
           </p:style>
         </p:cxnSp>
-        <mc:AlternateContent xmlns:mc="http://schemas.openxmlformats.org/markup-compatibility/2006">
-          <mc:Choice xmlns:a14="http://schemas.microsoft.com/office/drawing/2010/main" Requires="a14">
+        <mc:AlternateContent xmlns:mc="http://schemas.openxmlformats.org/markup-compatibility/2006" xmlns:a14="http://schemas.microsoft.com/office/drawing/2010/main">
+          <mc:Choice Requires="a14">
             <p:sp>
               <p:nvSpPr>
                 <p:cNvPr id="17" name="Rectangle 16"/>
@@ -16568,7 +16684,7 @@
               </p:txBody>
             </p:sp>
           </mc:Choice>
-          <mc:Fallback>
+          <mc:Fallback xmlns="">
             <p:sp>
               <p:nvSpPr>
                 <p:cNvPr id="17" name="Rectangle 16"/>
@@ -16628,8 +16744,8 @@
             <a:chExt cx="1677838" cy="369332"/>
           </a:xfrm>
         </p:grpSpPr>
-        <mc:AlternateContent xmlns:mc="http://schemas.openxmlformats.org/markup-compatibility/2006">
-          <mc:Choice xmlns:a14="http://schemas.microsoft.com/office/drawing/2010/main" Requires="a14">
+        <mc:AlternateContent xmlns:mc="http://schemas.openxmlformats.org/markup-compatibility/2006" xmlns:a14="http://schemas.microsoft.com/office/drawing/2010/main">
+          <mc:Choice Requires="a14">
             <p:sp>
               <p:nvSpPr>
                 <p:cNvPr id="7" name="Rectangle 6"/>
@@ -16765,7 +16881,7 @@
               </p:txBody>
             </p:sp>
           </mc:Choice>
-          <mc:Fallback>
+          <mc:Fallback xmlns="">
             <p:sp>
               <p:nvSpPr>
                 <p:cNvPr id="7" name="Rectangle 6"/>
@@ -16855,8 +16971,8 @@
             <a:chExt cx="3291234" cy="466090"/>
           </a:xfrm>
         </p:grpSpPr>
-        <mc:AlternateContent xmlns:mc="http://schemas.openxmlformats.org/markup-compatibility/2006">
-          <mc:Choice xmlns:a14="http://schemas.microsoft.com/office/drawing/2010/main" Requires="a14">
+        <mc:AlternateContent xmlns:mc="http://schemas.openxmlformats.org/markup-compatibility/2006" xmlns:a14="http://schemas.microsoft.com/office/drawing/2010/main">
+          <mc:Choice Requires="a14">
             <p:sp>
               <p:nvSpPr>
                 <p:cNvPr id="21" name="Rectangle 20"/>
@@ -17105,7 +17221,7 @@
               </p:txBody>
             </p:sp>
           </mc:Choice>
-          <mc:Fallback>
+          <mc:Fallback xmlns="">
             <p:sp>
               <p:nvSpPr>
                 <p:cNvPr id="21" name="Rectangle 20"/>
@@ -17231,8 +17347,8 @@
             </a:fontRef>
           </p:style>
         </p:cxnSp>
-        <mc:AlternateContent xmlns:mc="http://schemas.openxmlformats.org/markup-compatibility/2006">
-          <mc:Choice xmlns:a14="http://schemas.microsoft.com/office/drawing/2010/main" Requires="a14">
+        <mc:AlternateContent xmlns:mc="http://schemas.openxmlformats.org/markup-compatibility/2006" xmlns:a14="http://schemas.microsoft.com/office/drawing/2010/main">
+          <mc:Choice Requires="a14">
             <p:sp>
               <p:nvSpPr>
                 <p:cNvPr id="26" name="Rectangle 25">
@@ -17363,19 +17479,7 @@
                           <a:rPr lang="en-US" b="0" i="1" smtClean="0">
                             <a:latin typeface="Cambria Math" panose="02040503050406030204" pitchFamily="18" charset="0"/>
                           </a:rPr>
-                          <m:t>)</m:t>
-                        </m:r>
-                        <m:r>
-                          <a:rPr lang="en-US" b="0" i="1" smtClean="0">
-                            <a:latin typeface="Cambria Math" panose="02040503050406030204" pitchFamily="18" charset="0"/>
-                          </a:rPr>
-                          <m:t>/</m:t>
-                        </m:r>
-                        <m:r>
-                          <a:rPr lang="en-US" b="0" i="1" smtClean="0">
-                            <a:latin typeface="Cambria Math" panose="02040503050406030204" pitchFamily="18" charset="0"/>
-                          </a:rPr>
-                          <m:t>(</m:t>
+                          <m:t>)/(</m:t>
                         </m:r>
                         <m:f>
                           <m:fPr>
@@ -17428,7 +17532,7 @@
               </p:txBody>
             </p:sp>
           </mc:Choice>
-          <mc:Fallback>
+          <mc:Fallback xmlns="">
             <p:sp>
               <p:nvSpPr>
                 <p:cNvPr id="26" name="Rectangle 25">

--- a/presentation/pptx/01-Linear_regression_methods.pptx
+++ b/presentation/pptx/01-Linear_regression_methods.pptx
@@ -5,7 +5,7 @@
     <p:sldMasterId id="2147483840" r:id="rId1"/>
   </p:sldMasterIdLst>
   <p:notesMasterIdLst>
-    <p:notesMasterId r:id="rId25"/>
+    <p:notesMasterId r:id="rId27"/>
   </p:notesMasterIdLst>
   <p:sldIdLst>
     <p:sldId id="256" r:id="rId2"/>
@@ -23,14 +23,16 @@
     <p:sldId id="268" r:id="rId14"/>
     <p:sldId id="275" r:id="rId15"/>
     <p:sldId id="267" r:id="rId16"/>
-    <p:sldId id="273" r:id="rId17"/>
-    <p:sldId id="272" r:id="rId18"/>
-    <p:sldId id="274" r:id="rId19"/>
+    <p:sldId id="272" r:id="rId17"/>
+    <p:sldId id="274" r:id="rId18"/>
+    <p:sldId id="273" r:id="rId19"/>
     <p:sldId id="269" r:id="rId20"/>
     <p:sldId id="270" r:id="rId21"/>
     <p:sldId id="281" r:id="rId22"/>
     <p:sldId id="261" r:id="rId23"/>
     <p:sldId id="282" r:id="rId24"/>
+    <p:sldId id="284" r:id="rId25"/>
+    <p:sldId id="283" r:id="rId26"/>
   </p:sldIdLst>
   <p:sldSz cx="12192000" cy="6858000"/>
   <p:notesSz cx="6858000" cy="9144000"/>
@@ -8010,7 +8012,7 @@
           <a:p>
             <a:r>
               <a:rPr lang="en-US" dirty="0"/>
-              <a:t>Exercise</a:t>
+              <a:t>The influence of outliers</a:t>
             </a:r>
             <a:endParaRPr lang="he-IL" dirty="0"/>
           </a:p>
@@ -8028,26 +8030,56 @@
         </p:nvSpPr>
         <p:spPr/>
         <p:txBody>
-          <a:bodyPr/>
+          <a:bodyPr>
+            <a:normAutofit/>
+          </a:bodyPr>
           <a:lstStyle/>
           <a:p>
             <a:r>
               <a:rPr lang="en-US" dirty="0"/>
-              <a:t>01 – Linear regression, feature selection, and variable importance</a:t>
+              <a:t>How to detect an outlier? e.g. using a boxplot</a:t>
             </a:r>
           </a:p>
           <a:p>
             <a:r>
               <a:rPr lang="en-US" dirty="0"/>
-              <a:t>Download the file from the LMS</a:t>
-            </a:r>
+              <a:t>But, is that enough? a short quiz</a:t>
+            </a:r>
+          </a:p>
+          <a:p>
+            <a:endParaRPr lang="en-US" dirty="0"/>
+          </a:p>
+          <a:p>
+            <a:endParaRPr lang="en-US" dirty="0"/>
           </a:p>
           <a:p>
             <a:r>
               <a:rPr lang="en-US" dirty="0"/>
-              <a:t>Open /exercises/01-flight_prices.R</a:t>
-            </a:r>
-            <a:endParaRPr lang="he-IL" dirty="0"/>
+              <a:t>Live coding example: /class code/01-outliers.R</a:t>
+            </a:r>
+          </a:p>
+          <a:p>
+            <a:endParaRPr lang="en-US" dirty="0"/>
+          </a:p>
+          <a:p>
+            <a:r>
+              <a:rPr lang="en-US" dirty="0"/>
+              <a:t>Mitigation:</a:t>
+            </a:r>
+          </a:p>
+          <a:p>
+            <a:pPr lvl="1"/>
+            <a:r>
+              <a:rPr lang="en-US" dirty="0"/>
+              <a:t>Quantile regression</a:t>
+            </a:r>
+          </a:p>
+          <a:p>
+            <a:pPr lvl="1"/>
+            <a:r>
+              <a:rPr lang="en-US" dirty="0"/>
+              <a:t>Outlier detection (out of scope for now)</a:t>
+            </a:r>
           </a:p>
         </p:txBody>
       </p:sp>
@@ -8092,170 +8124,6 @@
             <a:fld id="{4FAB73BC-B049-4115-A692-8D63A059BFB8}" type="slidenum">
               <a:rPr lang="en-US" smtClean="0"/>
               <a:t>16</a:t>
-            </a:fld>
-            <a:endParaRPr lang="en-US" dirty="0"/>
-          </a:p>
-        </p:txBody>
-      </p:sp>
-    </p:spTree>
-    <p:extLst>
-      <p:ext uri="{BB962C8B-B14F-4D97-AF65-F5344CB8AC3E}">
-        <p14:creationId xmlns:p14="http://schemas.microsoft.com/office/powerpoint/2010/main" val="2921006448"/>
-      </p:ext>
-    </p:extLst>
-  </p:cSld>
-  <p:clrMapOvr>
-    <a:masterClrMapping/>
-  </p:clrMapOvr>
-</p:sld>
-</file>
-
-<file path=ppt/slides/slide17.xml><?xml version="1.0" encoding="utf-8"?>
-<p:sld xmlns:a="http://schemas.openxmlformats.org/drawingml/2006/main" xmlns:r="http://schemas.openxmlformats.org/officeDocument/2006/relationships" xmlns:p="http://schemas.openxmlformats.org/presentationml/2006/main">
-  <p:cSld>
-    <p:spTree>
-      <p:nvGrpSpPr>
-        <p:cNvPr id="1" name=""/>
-        <p:cNvGrpSpPr/>
-        <p:nvPr/>
-      </p:nvGrpSpPr>
-      <p:grpSpPr>
-        <a:xfrm>
-          <a:off x="0" y="0"/>
-          <a:ext cx="0" cy="0"/>
-          <a:chOff x="0" y="0"/>
-          <a:chExt cx="0" cy="0"/>
-        </a:xfrm>
-      </p:grpSpPr>
-      <p:sp>
-        <p:nvSpPr>
-          <p:cNvPr id="2" name="Title 1"/>
-          <p:cNvSpPr>
-            <a:spLocks noGrp="1"/>
-          </p:cNvSpPr>
-          <p:nvPr>
-            <p:ph type="title"/>
-          </p:nvPr>
-        </p:nvSpPr>
-        <p:spPr/>
-        <p:txBody>
-          <a:bodyPr/>
-          <a:lstStyle/>
-          <a:p>
-            <a:r>
-              <a:rPr lang="en-US" dirty="0"/>
-              <a:t>The influence of outliers</a:t>
-            </a:r>
-            <a:endParaRPr lang="he-IL" dirty="0"/>
-          </a:p>
-        </p:txBody>
-      </p:sp>
-      <p:sp>
-        <p:nvSpPr>
-          <p:cNvPr id="3" name="Content Placeholder 2"/>
-          <p:cNvSpPr>
-            <a:spLocks noGrp="1"/>
-          </p:cNvSpPr>
-          <p:nvPr>
-            <p:ph idx="1"/>
-          </p:nvPr>
-        </p:nvSpPr>
-        <p:spPr/>
-        <p:txBody>
-          <a:bodyPr>
-            <a:normAutofit/>
-          </a:bodyPr>
-          <a:lstStyle/>
-          <a:p>
-            <a:r>
-              <a:rPr lang="en-US" dirty="0"/>
-              <a:t>How to detect an outlier? e.g. using a boxplot</a:t>
-            </a:r>
-          </a:p>
-          <a:p>
-            <a:r>
-              <a:rPr lang="en-US" dirty="0"/>
-              <a:t>But, is that enough? a short quiz</a:t>
-            </a:r>
-          </a:p>
-          <a:p>
-            <a:endParaRPr lang="en-US" dirty="0"/>
-          </a:p>
-          <a:p>
-            <a:endParaRPr lang="en-US" dirty="0"/>
-          </a:p>
-          <a:p>
-            <a:r>
-              <a:rPr lang="en-US" dirty="0"/>
-              <a:t>Live coding example: /class code/01-outliers.R</a:t>
-            </a:r>
-          </a:p>
-          <a:p>
-            <a:endParaRPr lang="en-US" dirty="0"/>
-          </a:p>
-          <a:p>
-            <a:r>
-              <a:rPr lang="en-US" dirty="0"/>
-              <a:t>Mitigation:</a:t>
-            </a:r>
-          </a:p>
-          <a:p>
-            <a:pPr lvl="1"/>
-            <a:r>
-              <a:rPr lang="en-US" dirty="0"/>
-              <a:t>Quantile regression</a:t>
-            </a:r>
-          </a:p>
-          <a:p>
-            <a:pPr lvl="1"/>
-            <a:r>
-              <a:rPr lang="en-US" dirty="0"/>
-              <a:t>Outlier detection (out of scope for now)</a:t>
-            </a:r>
-          </a:p>
-        </p:txBody>
-      </p:sp>
-      <p:sp>
-        <p:nvSpPr>
-          <p:cNvPr id="4" name="Footer Placeholder 3"/>
-          <p:cNvSpPr>
-            <a:spLocks noGrp="1"/>
-          </p:cNvSpPr>
-          <p:nvPr>
-            <p:ph type="ftr" sz="quarter" idx="11"/>
-          </p:nvPr>
-        </p:nvSpPr>
-        <p:spPr/>
-        <p:txBody>
-          <a:bodyPr/>
-          <a:lstStyle/>
-          <a:p>
-            <a:r>
-              <a:rPr lang="en-US"/>
-              <a:t>Materials by Adi Sarid https://adisarid.github.io and http://www.sarid-ins.com</a:t>
-            </a:r>
-            <a:endParaRPr lang="en-US" dirty="0"/>
-          </a:p>
-        </p:txBody>
-      </p:sp>
-      <p:sp>
-        <p:nvSpPr>
-          <p:cNvPr id="5" name="Slide Number Placeholder 4"/>
-          <p:cNvSpPr>
-            <a:spLocks noGrp="1"/>
-          </p:cNvSpPr>
-          <p:nvPr>
-            <p:ph type="sldNum" sz="quarter" idx="12"/>
-          </p:nvPr>
-        </p:nvSpPr>
-        <p:spPr/>
-        <p:txBody>
-          <a:bodyPr/>
-          <a:lstStyle/>
-          <a:p>
-            <a:fld id="{4FAB73BC-B049-4115-A692-8D63A059BFB8}" type="slidenum">
-              <a:rPr lang="en-US" smtClean="0"/>
-              <a:t>17</a:t>
             </a:fld>
             <a:endParaRPr lang="en-US" dirty="0"/>
           </a:p>
@@ -8627,7 +8495,7 @@
 </p:sld>
 </file>
 
-<file path=ppt/slides/slide18.xml><?xml version="1.0" encoding="utf-8"?>
+<file path=ppt/slides/slide17.xml><?xml version="1.0" encoding="utf-8"?>
 <p:sld xmlns:a="http://schemas.openxmlformats.org/drawingml/2006/main" xmlns:r="http://schemas.openxmlformats.org/officeDocument/2006/relationships" xmlns:p="http://schemas.openxmlformats.org/presentationml/2006/main">
   <p:cSld>
     <p:spTree>
@@ -9240,7 +9108,7 @@
           <a:p>
             <a:fld id="{4FAB73BC-B049-4115-A692-8D63A059BFB8}" type="slidenum">
               <a:rPr lang="en-US" smtClean="0"/>
-              <a:t>18</a:t>
+              <a:t>17</a:t>
             </a:fld>
             <a:endParaRPr lang="en-US" dirty="0"/>
           </a:p>
@@ -9250,6 +9118,140 @@
     <p:extLst>
       <p:ext uri="{BB962C8B-B14F-4D97-AF65-F5344CB8AC3E}">
         <p14:creationId xmlns:p14="http://schemas.microsoft.com/office/powerpoint/2010/main" val="827681978"/>
+      </p:ext>
+    </p:extLst>
+  </p:cSld>
+  <p:clrMapOvr>
+    <a:masterClrMapping/>
+  </p:clrMapOvr>
+</p:sld>
+</file>
+
+<file path=ppt/slides/slide18.xml><?xml version="1.0" encoding="utf-8"?>
+<p:sld xmlns:a="http://schemas.openxmlformats.org/drawingml/2006/main" xmlns:r="http://schemas.openxmlformats.org/officeDocument/2006/relationships" xmlns:p="http://schemas.openxmlformats.org/presentationml/2006/main">
+  <p:cSld>
+    <p:spTree>
+      <p:nvGrpSpPr>
+        <p:cNvPr id="1" name=""/>
+        <p:cNvGrpSpPr/>
+        <p:nvPr/>
+      </p:nvGrpSpPr>
+      <p:grpSpPr>
+        <a:xfrm>
+          <a:off x="0" y="0"/>
+          <a:ext cx="0" cy="0"/>
+          <a:chOff x="0" y="0"/>
+          <a:chExt cx="0" cy="0"/>
+        </a:xfrm>
+      </p:grpSpPr>
+      <p:sp>
+        <p:nvSpPr>
+          <p:cNvPr id="2" name="Title 1"/>
+          <p:cNvSpPr>
+            <a:spLocks noGrp="1"/>
+          </p:cNvSpPr>
+          <p:nvPr>
+            <p:ph type="title"/>
+          </p:nvPr>
+        </p:nvSpPr>
+        <p:spPr/>
+        <p:txBody>
+          <a:bodyPr/>
+          <a:lstStyle/>
+          <a:p>
+            <a:r>
+              <a:rPr lang="en-US" dirty="0"/>
+              <a:t>Exercise</a:t>
+            </a:r>
+            <a:endParaRPr lang="he-IL" dirty="0"/>
+          </a:p>
+        </p:txBody>
+      </p:sp>
+      <p:sp>
+        <p:nvSpPr>
+          <p:cNvPr id="3" name="Content Placeholder 2"/>
+          <p:cNvSpPr>
+            <a:spLocks noGrp="1"/>
+          </p:cNvSpPr>
+          <p:nvPr>
+            <p:ph idx="1"/>
+          </p:nvPr>
+        </p:nvSpPr>
+        <p:spPr/>
+        <p:txBody>
+          <a:bodyPr/>
+          <a:lstStyle/>
+          <a:p>
+            <a:r>
+              <a:rPr lang="en-US" dirty="0"/>
+              <a:t>01 – Linear regression, feature selection, and variable importance</a:t>
+            </a:r>
+          </a:p>
+          <a:p>
+            <a:r>
+              <a:rPr lang="en-US" dirty="0"/>
+              <a:t>Download the file from the LMS</a:t>
+            </a:r>
+          </a:p>
+          <a:p>
+            <a:r>
+              <a:rPr lang="en-US" dirty="0"/>
+              <a:t>Open /exercises/01-flight_prices.R</a:t>
+            </a:r>
+            <a:endParaRPr lang="he-IL" dirty="0"/>
+          </a:p>
+        </p:txBody>
+      </p:sp>
+      <p:sp>
+        <p:nvSpPr>
+          <p:cNvPr id="4" name="Footer Placeholder 3"/>
+          <p:cNvSpPr>
+            <a:spLocks noGrp="1"/>
+          </p:cNvSpPr>
+          <p:nvPr>
+            <p:ph type="ftr" sz="quarter" idx="11"/>
+          </p:nvPr>
+        </p:nvSpPr>
+        <p:spPr/>
+        <p:txBody>
+          <a:bodyPr/>
+          <a:lstStyle/>
+          <a:p>
+            <a:r>
+              <a:rPr lang="en-US"/>
+              <a:t>Materials by Adi Sarid https://adisarid.github.io and http://www.sarid-ins.com</a:t>
+            </a:r>
+            <a:endParaRPr lang="en-US" dirty="0"/>
+          </a:p>
+        </p:txBody>
+      </p:sp>
+      <p:sp>
+        <p:nvSpPr>
+          <p:cNvPr id="5" name="Slide Number Placeholder 4"/>
+          <p:cNvSpPr>
+            <a:spLocks noGrp="1"/>
+          </p:cNvSpPr>
+          <p:nvPr>
+            <p:ph type="sldNum" sz="quarter" idx="12"/>
+          </p:nvPr>
+        </p:nvSpPr>
+        <p:spPr/>
+        <p:txBody>
+          <a:bodyPr/>
+          <a:lstStyle/>
+          <a:p>
+            <a:fld id="{4FAB73BC-B049-4115-A692-8D63A059BFB8}" type="slidenum">
+              <a:rPr lang="en-US" smtClean="0"/>
+              <a:t>18</a:t>
+            </a:fld>
+            <a:endParaRPr lang="en-US" dirty="0"/>
+          </a:p>
+        </p:txBody>
+      </p:sp>
+    </p:spTree>
+    <p:extLst>
+      <p:ext uri="{BB962C8B-B14F-4D97-AF65-F5344CB8AC3E}">
+        <p14:creationId xmlns:p14="http://schemas.microsoft.com/office/powerpoint/2010/main" val="2921006448"/>
       </p:ext>
     </p:extLst>
   </p:cSld>
@@ -13477,6 +13479,1462 @@
     <p:extLst>
       <p:ext uri="{BB962C8B-B14F-4D97-AF65-F5344CB8AC3E}">
         <p14:creationId xmlns:p14="http://schemas.microsoft.com/office/powerpoint/2010/main" val="1084178654"/>
+      </p:ext>
+    </p:extLst>
+  </p:cSld>
+  <p:clrMapOvr>
+    <a:masterClrMapping/>
+  </p:clrMapOvr>
+</p:sld>
+</file>
+
+<file path=ppt/slides/slide24.xml><?xml version="1.0" encoding="utf-8"?>
+<p:sld xmlns:a="http://schemas.openxmlformats.org/drawingml/2006/main" xmlns:r="http://schemas.openxmlformats.org/officeDocument/2006/relationships" xmlns:p="http://schemas.openxmlformats.org/presentationml/2006/main">
+  <p:cSld>
+    <p:spTree>
+      <p:nvGrpSpPr>
+        <p:cNvPr id="1" name=""/>
+        <p:cNvGrpSpPr/>
+        <p:nvPr/>
+      </p:nvGrpSpPr>
+      <p:grpSpPr>
+        <a:xfrm>
+          <a:off x="0" y="0"/>
+          <a:ext cx="0" cy="0"/>
+          <a:chOff x="0" y="0"/>
+          <a:chExt cx="0" cy="0"/>
+        </a:xfrm>
+      </p:grpSpPr>
+      <p:sp>
+        <p:nvSpPr>
+          <p:cNvPr id="2" name="Title 1"/>
+          <p:cNvSpPr>
+            <a:spLocks noGrp="1"/>
+          </p:cNvSpPr>
+          <p:nvPr>
+            <p:ph type="title"/>
+          </p:nvPr>
+        </p:nvSpPr>
+        <p:spPr/>
+        <p:txBody>
+          <a:bodyPr/>
+          <a:lstStyle/>
+          <a:p>
+            <a:r>
+              <a:rPr lang="en-US" dirty="0"/>
+              <a:t>Contents</a:t>
+            </a:r>
+            <a:endParaRPr lang="he-IL" dirty="0"/>
+          </a:p>
+        </p:txBody>
+      </p:sp>
+      <p:sp>
+        <p:nvSpPr>
+          <p:cNvPr id="4" name="Footer Placeholder 3"/>
+          <p:cNvSpPr>
+            <a:spLocks noGrp="1"/>
+          </p:cNvSpPr>
+          <p:nvPr>
+            <p:ph type="ftr" sz="quarter" idx="11"/>
+          </p:nvPr>
+        </p:nvSpPr>
+        <p:spPr/>
+        <p:txBody>
+          <a:bodyPr/>
+          <a:lstStyle/>
+          <a:p>
+            <a:r>
+              <a:rPr lang="en-US"/>
+              <a:t>Materials by Adi Sarid https://adisarid.github.io and http://www.sarid-ins.com</a:t>
+            </a:r>
+            <a:endParaRPr lang="en-US" dirty="0"/>
+          </a:p>
+        </p:txBody>
+      </p:sp>
+      <p:sp>
+        <p:nvSpPr>
+          <p:cNvPr id="5" name="Slide Number Placeholder 4"/>
+          <p:cNvSpPr>
+            <a:spLocks noGrp="1"/>
+          </p:cNvSpPr>
+          <p:nvPr>
+            <p:ph type="sldNum" sz="quarter" idx="12"/>
+          </p:nvPr>
+        </p:nvSpPr>
+        <p:spPr/>
+        <p:txBody>
+          <a:bodyPr/>
+          <a:lstStyle/>
+          <a:p>
+            <a:fld id="{4FAB73BC-B049-4115-A692-8D63A059BFB8}" type="slidenum">
+              <a:rPr lang="en-US" smtClean="0"/>
+              <a:t>24</a:t>
+            </a:fld>
+            <a:endParaRPr lang="en-US" dirty="0"/>
+          </a:p>
+        </p:txBody>
+      </p:sp>
+      <p:sp>
+        <p:nvSpPr>
+          <p:cNvPr id="6" name="Rounded Rectangle 5"/>
+          <p:cNvSpPr/>
+          <p:nvPr/>
+        </p:nvSpPr>
+        <p:spPr>
+          <a:xfrm>
+            <a:off x="3377903" y="2000920"/>
+            <a:ext cx="1775012" cy="623943"/>
+          </a:xfrm>
+          <a:prstGeom prst="roundRect">
+            <a:avLst/>
+          </a:prstGeom>
+        </p:spPr>
+        <p:style>
+          <a:lnRef idx="3">
+            <a:schemeClr val="lt1"/>
+          </a:lnRef>
+          <a:fillRef idx="1">
+            <a:schemeClr val="accent2"/>
+          </a:fillRef>
+          <a:effectRef idx="1">
+            <a:schemeClr val="accent2"/>
+          </a:effectRef>
+          <a:fontRef idx="minor">
+            <a:schemeClr val="lt1"/>
+          </a:fontRef>
+        </p:style>
+        <p:txBody>
+          <a:bodyPr rtlCol="1" anchor="ctr"/>
+          <a:lstStyle/>
+          <a:p>
+            <a:pPr algn="ctr"/>
+            <a:r>
+              <a:rPr lang="en-US" dirty="0"/>
+              <a:t>Supervised learning</a:t>
+            </a:r>
+            <a:endParaRPr lang="he-IL" dirty="0"/>
+          </a:p>
+        </p:txBody>
+      </p:sp>
+      <p:sp>
+        <p:nvSpPr>
+          <p:cNvPr id="7" name="Rounded Rectangle 6"/>
+          <p:cNvSpPr/>
+          <p:nvPr/>
+        </p:nvSpPr>
+        <p:spPr>
+          <a:xfrm>
+            <a:off x="441065" y="2000920"/>
+            <a:ext cx="1775012" cy="623943"/>
+          </a:xfrm>
+          <a:prstGeom prst="roundRect">
+            <a:avLst/>
+          </a:prstGeom>
+          <a:ln>
+            <a:headEnd type="none" w="med" len="med"/>
+            <a:tailEnd type="none" w="med" len="med"/>
+          </a:ln>
+        </p:spPr>
+        <p:style>
+          <a:lnRef idx="2">
+            <a:schemeClr val="accent2"/>
+          </a:lnRef>
+          <a:fillRef idx="1">
+            <a:schemeClr val="lt1"/>
+          </a:fillRef>
+          <a:effectRef idx="0">
+            <a:schemeClr val="accent2"/>
+          </a:effectRef>
+          <a:fontRef idx="minor">
+            <a:schemeClr val="dk1"/>
+          </a:fontRef>
+        </p:style>
+        <p:txBody>
+          <a:bodyPr rtlCol="1" anchor="ctr"/>
+          <a:lstStyle/>
+          <a:p>
+            <a:pPr algn="ctr"/>
+            <a:r>
+              <a:rPr lang="en-US" dirty="0"/>
+              <a:t>Unsupervised learning</a:t>
+            </a:r>
+          </a:p>
+        </p:txBody>
+      </p:sp>
+      <p:sp>
+        <p:nvSpPr>
+          <p:cNvPr id="8" name="Rounded Rectangle 7"/>
+          <p:cNvSpPr/>
+          <p:nvPr/>
+        </p:nvSpPr>
+        <p:spPr>
+          <a:xfrm>
+            <a:off x="3528511" y="4129373"/>
+            <a:ext cx="1785765" cy="623943"/>
+          </a:xfrm>
+          <a:prstGeom prst="roundRect">
+            <a:avLst/>
+          </a:prstGeom>
+        </p:spPr>
+        <p:style>
+          <a:lnRef idx="2">
+            <a:schemeClr val="accent2"/>
+          </a:lnRef>
+          <a:fillRef idx="1">
+            <a:schemeClr val="lt1"/>
+          </a:fillRef>
+          <a:effectRef idx="0">
+            <a:schemeClr val="accent2"/>
+          </a:effectRef>
+          <a:fontRef idx="minor">
+            <a:schemeClr val="dk1"/>
+          </a:fontRef>
+        </p:style>
+        <p:txBody>
+          <a:bodyPr rtlCol="1" anchor="ctr"/>
+          <a:lstStyle/>
+          <a:p>
+            <a:pPr algn="ctr"/>
+            <a:r>
+              <a:rPr lang="en-US" dirty="0"/>
+              <a:t>Classification</a:t>
+            </a:r>
+            <a:endParaRPr lang="he-IL" dirty="0"/>
+          </a:p>
+        </p:txBody>
+      </p:sp>
+      <p:sp>
+        <p:nvSpPr>
+          <p:cNvPr id="9" name="Rounded Rectangle 8"/>
+          <p:cNvSpPr/>
+          <p:nvPr/>
+        </p:nvSpPr>
+        <p:spPr>
+          <a:xfrm>
+            <a:off x="9918559" y="3161180"/>
+            <a:ext cx="1592128" cy="623943"/>
+          </a:xfrm>
+          <a:prstGeom prst="roundRect">
+            <a:avLst/>
+          </a:prstGeom>
+        </p:spPr>
+        <p:style>
+          <a:lnRef idx="3">
+            <a:schemeClr val="lt1"/>
+          </a:lnRef>
+          <a:fillRef idx="1">
+            <a:schemeClr val="accent5"/>
+          </a:fillRef>
+          <a:effectRef idx="1">
+            <a:schemeClr val="accent5"/>
+          </a:effectRef>
+          <a:fontRef idx="minor">
+            <a:schemeClr val="lt1"/>
+          </a:fontRef>
+        </p:style>
+        <p:txBody>
+          <a:bodyPr rtlCol="1" anchor="ctr"/>
+          <a:lstStyle/>
+          <a:p>
+            <a:pPr algn="ctr"/>
+            <a:r>
+              <a:rPr lang="en-US" dirty="0"/>
+              <a:t>Feature importance</a:t>
+            </a:r>
+            <a:endParaRPr lang="he-IL" dirty="0"/>
+          </a:p>
+        </p:txBody>
+      </p:sp>
+      <p:sp>
+        <p:nvSpPr>
+          <p:cNvPr id="10" name="Rounded Rectangle 9"/>
+          <p:cNvSpPr/>
+          <p:nvPr/>
+        </p:nvSpPr>
+        <p:spPr>
+          <a:xfrm>
+            <a:off x="7901252" y="5495589"/>
+            <a:ext cx="1592128" cy="623943"/>
+          </a:xfrm>
+          <a:prstGeom prst="roundRect">
+            <a:avLst/>
+          </a:prstGeom>
+        </p:spPr>
+        <p:style>
+          <a:lnRef idx="3">
+            <a:schemeClr val="lt1"/>
+          </a:lnRef>
+          <a:fillRef idx="1">
+            <a:schemeClr val="accent5"/>
+          </a:fillRef>
+          <a:effectRef idx="1">
+            <a:schemeClr val="accent5"/>
+          </a:effectRef>
+          <a:fontRef idx="minor">
+            <a:schemeClr val="lt1"/>
+          </a:fontRef>
+        </p:style>
+        <p:txBody>
+          <a:bodyPr rtlCol="1" anchor="ctr"/>
+          <a:lstStyle/>
+          <a:p>
+            <a:pPr algn="ctr"/>
+            <a:r>
+              <a:rPr lang="en-US" dirty="0"/>
+              <a:t>Shrinkage methods</a:t>
+            </a:r>
+            <a:endParaRPr lang="he-IL" dirty="0"/>
+          </a:p>
+        </p:txBody>
+      </p:sp>
+      <p:sp>
+        <p:nvSpPr>
+          <p:cNvPr id="11" name="Rounded Rectangle 10"/>
+          <p:cNvSpPr/>
+          <p:nvPr/>
+        </p:nvSpPr>
+        <p:spPr>
+          <a:xfrm>
+            <a:off x="9897042" y="5140586"/>
+            <a:ext cx="1108033" cy="623943"/>
+          </a:xfrm>
+          <a:prstGeom prst="roundRect">
+            <a:avLst/>
+          </a:prstGeom>
+        </p:spPr>
+        <p:style>
+          <a:lnRef idx="3">
+            <a:schemeClr val="lt1"/>
+          </a:lnRef>
+          <a:fillRef idx="1">
+            <a:schemeClr val="accent5"/>
+          </a:fillRef>
+          <a:effectRef idx="1">
+            <a:schemeClr val="accent5"/>
+          </a:effectRef>
+          <a:fontRef idx="minor">
+            <a:schemeClr val="lt1"/>
+          </a:fontRef>
+        </p:style>
+        <p:txBody>
+          <a:bodyPr rtlCol="1" anchor="ctr"/>
+          <a:lstStyle/>
+          <a:p>
+            <a:pPr algn="ctr"/>
+            <a:r>
+              <a:rPr lang="en-US" dirty="0"/>
+              <a:t>Ridge</a:t>
+            </a:r>
+            <a:endParaRPr lang="he-IL" dirty="0"/>
+          </a:p>
+        </p:txBody>
+      </p:sp>
+      <p:sp>
+        <p:nvSpPr>
+          <p:cNvPr id="12" name="Rounded Rectangle 11"/>
+          <p:cNvSpPr/>
+          <p:nvPr/>
+        </p:nvSpPr>
+        <p:spPr>
+          <a:xfrm>
+            <a:off x="9897041" y="5891923"/>
+            <a:ext cx="1108033" cy="623943"/>
+          </a:xfrm>
+          <a:prstGeom prst="roundRect">
+            <a:avLst/>
+          </a:prstGeom>
+        </p:spPr>
+        <p:style>
+          <a:lnRef idx="3">
+            <a:schemeClr val="lt1"/>
+          </a:lnRef>
+          <a:fillRef idx="1">
+            <a:schemeClr val="accent5"/>
+          </a:fillRef>
+          <a:effectRef idx="1">
+            <a:schemeClr val="accent5"/>
+          </a:effectRef>
+          <a:fontRef idx="minor">
+            <a:schemeClr val="lt1"/>
+          </a:fontRef>
+        </p:style>
+        <p:txBody>
+          <a:bodyPr rtlCol="1" anchor="ctr"/>
+          <a:lstStyle/>
+          <a:p>
+            <a:pPr algn="ctr"/>
+            <a:r>
+              <a:rPr lang="en-US" dirty="0"/>
+              <a:t>Lasso</a:t>
+            </a:r>
+            <a:endParaRPr lang="he-IL" dirty="0"/>
+          </a:p>
+        </p:txBody>
+      </p:sp>
+      <p:sp>
+        <p:nvSpPr>
+          <p:cNvPr id="13" name="Rounded Rectangle 12"/>
+          <p:cNvSpPr/>
+          <p:nvPr/>
+        </p:nvSpPr>
+        <p:spPr>
+          <a:xfrm>
+            <a:off x="1516830" y="4130942"/>
+            <a:ext cx="1775012" cy="623943"/>
+          </a:xfrm>
+          <a:prstGeom prst="roundRect">
+            <a:avLst/>
+          </a:prstGeom>
+          <a:ln>
+            <a:headEnd type="none" w="med" len="med"/>
+            <a:tailEnd type="none" w="med" len="med"/>
+          </a:ln>
+        </p:spPr>
+        <p:style>
+          <a:lnRef idx="2">
+            <a:schemeClr val="accent2"/>
+          </a:lnRef>
+          <a:fillRef idx="1">
+            <a:schemeClr val="lt1"/>
+          </a:fillRef>
+          <a:effectRef idx="0">
+            <a:schemeClr val="accent2"/>
+          </a:effectRef>
+          <a:fontRef idx="minor">
+            <a:schemeClr val="dk1"/>
+          </a:fontRef>
+        </p:style>
+        <p:txBody>
+          <a:bodyPr rtlCol="1" anchor="ctr"/>
+          <a:lstStyle/>
+          <a:p>
+            <a:pPr algn="ctr"/>
+            <a:r>
+              <a:rPr lang="en-US" dirty="0"/>
+              <a:t>Model evaluation</a:t>
+            </a:r>
+            <a:endParaRPr lang="he-IL" dirty="0"/>
+          </a:p>
+        </p:txBody>
+      </p:sp>
+      <p:sp>
+        <p:nvSpPr>
+          <p:cNvPr id="14" name="Rounded Rectangle 13"/>
+          <p:cNvSpPr/>
+          <p:nvPr/>
+        </p:nvSpPr>
+        <p:spPr>
+          <a:xfrm>
+            <a:off x="591681" y="2913754"/>
+            <a:ext cx="1473794" cy="623943"/>
+          </a:xfrm>
+          <a:prstGeom prst="roundRect">
+            <a:avLst/>
+          </a:prstGeom>
+        </p:spPr>
+        <p:style>
+          <a:lnRef idx="3">
+            <a:schemeClr val="lt1"/>
+          </a:lnRef>
+          <a:fillRef idx="1">
+            <a:schemeClr val="accent5"/>
+          </a:fillRef>
+          <a:effectRef idx="1">
+            <a:schemeClr val="accent5"/>
+          </a:effectRef>
+          <a:fontRef idx="minor">
+            <a:schemeClr val="lt1"/>
+          </a:fontRef>
+        </p:style>
+        <p:txBody>
+          <a:bodyPr rtlCol="1" anchor="ctr"/>
+          <a:lstStyle/>
+          <a:p>
+            <a:pPr algn="ctr"/>
+            <a:r>
+              <a:rPr lang="en-US" dirty="0"/>
+              <a:t>PCA</a:t>
+            </a:r>
+            <a:endParaRPr lang="he-IL" dirty="0"/>
+          </a:p>
+        </p:txBody>
+      </p:sp>
+      <p:sp>
+        <p:nvSpPr>
+          <p:cNvPr id="15" name="Rounded Rectangle 14"/>
+          <p:cNvSpPr/>
+          <p:nvPr/>
+        </p:nvSpPr>
+        <p:spPr>
+          <a:xfrm>
+            <a:off x="5443370" y="4129372"/>
+            <a:ext cx="1785765" cy="623943"/>
+          </a:xfrm>
+          <a:prstGeom prst="roundRect">
+            <a:avLst/>
+          </a:prstGeom>
+        </p:spPr>
+        <p:style>
+          <a:lnRef idx="3">
+            <a:schemeClr val="lt1"/>
+          </a:lnRef>
+          <a:fillRef idx="1">
+            <a:schemeClr val="accent2"/>
+          </a:fillRef>
+          <a:effectRef idx="1">
+            <a:schemeClr val="accent2"/>
+          </a:effectRef>
+          <a:fontRef idx="minor">
+            <a:schemeClr val="lt1"/>
+          </a:fontRef>
+        </p:style>
+        <p:txBody>
+          <a:bodyPr rtlCol="1" anchor="ctr"/>
+          <a:lstStyle/>
+          <a:p>
+            <a:pPr algn="ctr"/>
+            <a:r>
+              <a:rPr lang="en-US" dirty="0"/>
+              <a:t>Regression</a:t>
+            </a:r>
+            <a:endParaRPr lang="he-IL" dirty="0"/>
+          </a:p>
+        </p:txBody>
+      </p:sp>
+      <p:sp>
+        <p:nvSpPr>
+          <p:cNvPr id="16" name="Rounded Rectangle 15"/>
+          <p:cNvSpPr/>
+          <p:nvPr/>
+        </p:nvSpPr>
+        <p:spPr>
+          <a:xfrm>
+            <a:off x="4448049" y="2935269"/>
+            <a:ext cx="1785765" cy="623943"/>
+          </a:xfrm>
+          <a:prstGeom prst="roundRect">
+            <a:avLst/>
+          </a:prstGeom>
+        </p:spPr>
+        <p:style>
+          <a:lnRef idx="3">
+            <a:schemeClr val="lt1"/>
+          </a:lnRef>
+          <a:fillRef idx="1">
+            <a:schemeClr val="accent2"/>
+          </a:fillRef>
+          <a:effectRef idx="1">
+            <a:schemeClr val="accent2"/>
+          </a:effectRef>
+          <a:fontRef idx="minor">
+            <a:schemeClr val="lt1"/>
+          </a:fontRef>
+        </p:style>
+        <p:txBody>
+          <a:bodyPr rtlCol="1" anchor="ctr"/>
+          <a:lstStyle/>
+          <a:p>
+            <a:pPr algn="ctr"/>
+            <a:r>
+              <a:rPr lang="en-US" dirty="0"/>
+              <a:t>Models</a:t>
+            </a:r>
+            <a:endParaRPr lang="he-IL" dirty="0"/>
+          </a:p>
+        </p:txBody>
+      </p:sp>
+      <p:sp>
+        <p:nvSpPr>
+          <p:cNvPr id="17" name="Rounded Rectangle 16"/>
+          <p:cNvSpPr/>
+          <p:nvPr/>
+        </p:nvSpPr>
+        <p:spPr>
+          <a:xfrm>
+            <a:off x="2511673" y="2935269"/>
+            <a:ext cx="1785765" cy="623943"/>
+          </a:xfrm>
+          <a:prstGeom prst="roundRect">
+            <a:avLst/>
+          </a:prstGeom>
+        </p:spPr>
+        <p:style>
+          <a:lnRef idx="2">
+            <a:schemeClr val="accent2"/>
+          </a:lnRef>
+          <a:fillRef idx="1">
+            <a:schemeClr val="lt1"/>
+          </a:fillRef>
+          <a:effectRef idx="0">
+            <a:schemeClr val="accent2"/>
+          </a:effectRef>
+          <a:fontRef idx="minor">
+            <a:schemeClr val="dk1"/>
+          </a:fontRef>
+        </p:style>
+        <p:txBody>
+          <a:bodyPr rtlCol="1" anchor="ctr"/>
+          <a:lstStyle/>
+          <a:p>
+            <a:pPr algn="ctr"/>
+            <a:r>
+              <a:rPr lang="en-US" dirty="0"/>
+              <a:t>Methods</a:t>
+            </a:r>
+            <a:endParaRPr lang="he-IL" dirty="0"/>
+          </a:p>
+        </p:txBody>
+      </p:sp>
+      <p:sp>
+        <p:nvSpPr>
+          <p:cNvPr id="18" name="Rounded Rectangle 17"/>
+          <p:cNvSpPr/>
+          <p:nvPr/>
+        </p:nvSpPr>
+        <p:spPr>
+          <a:xfrm>
+            <a:off x="7901252" y="3548458"/>
+            <a:ext cx="1592128" cy="623943"/>
+          </a:xfrm>
+          <a:prstGeom prst="roundRect">
+            <a:avLst/>
+          </a:prstGeom>
+        </p:spPr>
+        <p:style>
+          <a:lnRef idx="3">
+            <a:schemeClr val="lt1"/>
+          </a:lnRef>
+          <a:fillRef idx="1">
+            <a:schemeClr val="accent5"/>
+          </a:fillRef>
+          <a:effectRef idx="1">
+            <a:schemeClr val="accent5"/>
+          </a:effectRef>
+          <a:fontRef idx="minor">
+            <a:schemeClr val="lt1"/>
+          </a:fontRef>
+        </p:style>
+        <p:txBody>
+          <a:bodyPr rtlCol="1" anchor="ctr"/>
+          <a:lstStyle/>
+          <a:p>
+            <a:pPr algn="ctr"/>
+            <a:r>
+              <a:rPr lang="en-US" dirty="0"/>
+              <a:t>Linear regression</a:t>
+            </a:r>
+            <a:endParaRPr lang="he-IL" dirty="0"/>
+          </a:p>
+        </p:txBody>
+      </p:sp>
+      <p:sp>
+        <p:nvSpPr>
+          <p:cNvPr id="19" name="Rounded Rectangle 18"/>
+          <p:cNvSpPr/>
+          <p:nvPr/>
+        </p:nvSpPr>
+        <p:spPr>
+          <a:xfrm>
+            <a:off x="9918559" y="3924973"/>
+            <a:ext cx="1592128" cy="623943"/>
+          </a:xfrm>
+          <a:prstGeom prst="roundRect">
+            <a:avLst/>
+          </a:prstGeom>
+        </p:spPr>
+        <p:style>
+          <a:lnRef idx="3">
+            <a:schemeClr val="lt1"/>
+          </a:lnRef>
+          <a:fillRef idx="1">
+            <a:schemeClr val="accent5"/>
+          </a:fillRef>
+          <a:effectRef idx="1">
+            <a:schemeClr val="accent5"/>
+          </a:effectRef>
+          <a:fontRef idx="minor">
+            <a:schemeClr val="lt1"/>
+          </a:fontRef>
+        </p:style>
+        <p:txBody>
+          <a:bodyPr rtlCol="1" anchor="ctr"/>
+          <a:lstStyle/>
+          <a:p>
+            <a:pPr algn="ctr"/>
+            <a:r>
+              <a:rPr lang="en-US" dirty="0"/>
+              <a:t>Variable selection</a:t>
+            </a:r>
+            <a:endParaRPr lang="he-IL" dirty="0"/>
+          </a:p>
+        </p:txBody>
+      </p:sp>
+      <p:sp>
+        <p:nvSpPr>
+          <p:cNvPr id="20" name="Rounded Rectangle 19"/>
+          <p:cNvSpPr/>
+          <p:nvPr/>
+        </p:nvSpPr>
+        <p:spPr>
+          <a:xfrm>
+            <a:off x="7901252" y="4624219"/>
+            <a:ext cx="1592128" cy="623943"/>
+          </a:xfrm>
+          <a:prstGeom prst="roundRect">
+            <a:avLst/>
+          </a:prstGeom>
+        </p:spPr>
+        <p:style>
+          <a:lnRef idx="3">
+            <a:schemeClr val="lt1"/>
+          </a:lnRef>
+          <a:fillRef idx="1">
+            <a:schemeClr val="accent5"/>
+          </a:fillRef>
+          <a:effectRef idx="1">
+            <a:schemeClr val="accent5"/>
+          </a:effectRef>
+          <a:fontRef idx="minor">
+            <a:schemeClr val="lt1"/>
+          </a:fontRef>
+        </p:style>
+        <p:txBody>
+          <a:bodyPr rtlCol="1" anchor="ctr"/>
+          <a:lstStyle/>
+          <a:p>
+            <a:pPr algn="ctr"/>
+            <a:r>
+              <a:rPr lang="en-US" dirty="0"/>
+              <a:t>Quantile regression</a:t>
+            </a:r>
+            <a:endParaRPr lang="he-IL" dirty="0"/>
+          </a:p>
+        </p:txBody>
+      </p:sp>
+      <p:cxnSp>
+        <p:nvCxnSpPr>
+          <p:cNvPr id="21" name="Straight Arrow Connector 20"/>
+          <p:cNvCxnSpPr>
+            <a:stCxn id="6" idx="2"/>
+            <a:endCxn id="16" idx="0"/>
+          </p:cNvCxnSpPr>
+          <p:nvPr/>
+        </p:nvCxnSpPr>
+        <p:spPr>
+          <a:xfrm>
+            <a:off x="4265409" y="2624863"/>
+            <a:ext cx="1075523" cy="310406"/>
+          </a:xfrm>
+          <a:prstGeom prst="straightConnector1">
+            <a:avLst/>
+          </a:prstGeom>
+          <a:ln>
+            <a:tailEnd type="triangle"/>
+          </a:ln>
+        </p:spPr>
+        <p:style>
+          <a:lnRef idx="2">
+            <a:schemeClr val="dk1"/>
+          </a:lnRef>
+          <a:fillRef idx="0">
+            <a:schemeClr val="dk1"/>
+          </a:fillRef>
+          <a:effectRef idx="1">
+            <a:schemeClr val="dk1"/>
+          </a:effectRef>
+          <a:fontRef idx="minor">
+            <a:schemeClr val="tx1"/>
+          </a:fontRef>
+        </p:style>
+      </p:cxnSp>
+      <p:cxnSp>
+        <p:nvCxnSpPr>
+          <p:cNvPr id="22" name="Straight Arrow Connector 21"/>
+          <p:cNvCxnSpPr>
+            <a:stCxn id="16" idx="2"/>
+            <a:endCxn id="15" idx="0"/>
+          </p:cNvCxnSpPr>
+          <p:nvPr/>
+        </p:nvCxnSpPr>
+        <p:spPr>
+          <a:xfrm>
+            <a:off x="5340932" y="3559212"/>
+            <a:ext cx="995321" cy="570160"/>
+          </a:xfrm>
+          <a:prstGeom prst="straightConnector1">
+            <a:avLst/>
+          </a:prstGeom>
+          <a:ln>
+            <a:tailEnd type="triangle"/>
+          </a:ln>
+        </p:spPr>
+        <p:style>
+          <a:lnRef idx="2">
+            <a:schemeClr val="dk1"/>
+          </a:lnRef>
+          <a:fillRef idx="0">
+            <a:schemeClr val="dk1"/>
+          </a:fillRef>
+          <a:effectRef idx="1">
+            <a:schemeClr val="dk1"/>
+          </a:effectRef>
+          <a:fontRef idx="minor">
+            <a:schemeClr val="tx1"/>
+          </a:fontRef>
+        </p:style>
+      </p:cxnSp>
+      <p:cxnSp>
+        <p:nvCxnSpPr>
+          <p:cNvPr id="23" name="Straight Arrow Connector 22"/>
+          <p:cNvCxnSpPr>
+            <a:stCxn id="18" idx="2"/>
+            <a:endCxn id="20" idx="0"/>
+          </p:cNvCxnSpPr>
+          <p:nvPr/>
+        </p:nvCxnSpPr>
+        <p:spPr>
+          <a:xfrm>
+            <a:off x="8697316" y="4172401"/>
+            <a:ext cx="0" cy="451818"/>
+          </a:xfrm>
+          <a:prstGeom prst="straightConnector1">
+            <a:avLst/>
+          </a:prstGeom>
+          <a:ln>
+            <a:tailEnd type="triangle"/>
+          </a:ln>
+        </p:spPr>
+        <p:style>
+          <a:lnRef idx="2">
+            <a:schemeClr val="dk1"/>
+          </a:lnRef>
+          <a:fillRef idx="0">
+            <a:schemeClr val="dk1"/>
+          </a:fillRef>
+          <a:effectRef idx="1">
+            <a:schemeClr val="dk1"/>
+          </a:effectRef>
+          <a:fontRef idx="minor">
+            <a:schemeClr val="tx1"/>
+          </a:fontRef>
+        </p:style>
+      </p:cxnSp>
+      <p:cxnSp>
+        <p:nvCxnSpPr>
+          <p:cNvPr id="24" name="Straight Arrow Connector 23"/>
+          <p:cNvCxnSpPr>
+            <a:stCxn id="15" idx="3"/>
+            <a:endCxn id="18" idx="1"/>
+          </p:cNvCxnSpPr>
+          <p:nvPr/>
+        </p:nvCxnSpPr>
+        <p:spPr>
+          <a:xfrm flipV="1">
+            <a:off x="7229135" y="3860430"/>
+            <a:ext cx="672117" cy="580914"/>
+          </a:xfrm>
+          <a:prstGeom prst="straightConnector1">
+            <a:avLst/>
+          </a:prstGeom>
+          <a:ln>
+            <a:tailEnd type="triangle"/>
+          </a:ln>
+        </p:spPr>
+        <p:style>
+          <a:lnRef idx="2">
+            <a:schemeClr val="dk1"/>
+          </a:lnRef>
+          <a:fillRef idx="0">
+            <a:schemeClr val="dk1"/>
+          </a:fillRef>
+          <a:effectRef idx="1">
+            <a:schemeClr val="dk1"/>
+          </a:effectRef>
+          <a:fontRef idx="minor">
+            <a:schemeClr val="tx1"/>
+          </a:fontRef>
+        </p:style>
+      </p:cxnSp>
+      <p:cxnSp>
+        <p:nvCxnSpPr>
+          <p:cNvPr id="25" name="Straight Arrow Connector 24"/>
+          <p:cNvCxnSpPr>
+            <a:stCxn id="10" idx="3"/>
+            <a:endCxn id="11" idx="1"/>
+          </p:cNvCxnSpPr>
+          <p:nvPr/>
+        </p:nvCxnSpPr>
+        <p:spPr>
+          <a:xfrm flipV="1">
+            <a:off x="9493380" y="5452558"/>
+            <a:ext cx="403662" cy="355003"/>
+          </a:xfrm>
+          <a:prstGeom prst="straightConnector1">
+            <a:avLst/>
+          </a:prstGeom>
+          <a:ln>
+            <a:tailEnd type="triangle"/>
+          </a:ln>
+        </p:spPr>
+        <p:style>
+          <a:lnRef idx="2">
+            <a:schemeClr val="dk1"/>
+          </a:lnRef>
+          <a:fillRef idx="0">
+            <a:schemeClr val="dk1"/>
+          </a:fillRef>
+          <a:effectRef idx="1">
+            <a:schemeClr val="dk1"/>
+          </a:effectRef>
+          <a:fontRef idx="minor">
+            <a:schemeClr val="tx1"/>
+          </a:fontRef>
+        </p:style>
+      </p:cxnSp>
+      <p:cxnSp>
+        <p:nvCxnSpPr>
+          <p:cNvPr id="26" name="Straight Arrow Connector 25"/>
+          <p:cNvCxnSpPr>
+            <a:stCxn id="10" idx="3"/>
+            <a:endCxn id="12" idx="1"/>
+          </p:cNvCxnSpPr>
+          <p:nvPr/>
+        </p:nvCxnSpPr>
+        <p:spPr>
+          <a:xfrm>
+            <a:off x="9493380" y="5807561"/>
+            <a:ext cx="403661" cy="396334"/>
+          </a:xfrm>
+          <a:prstGeom prst="straightConnector1">
+            <a:avLst/>
+          </a:prstGeom>
+          <a:ln>
+            <a:tailEnd type="triangle"/>
+          </a:ln>
+        </p:spPr>
+        <p:style>
+          <a:lnRef idx="2">
+            <a:schemeClr val="dk1"/>
+          </a:lnRef>
+          <a:fillRef idx="0">
+            <a:schemeClr val="dk1"/>
+          </a:fillRef>
+          <a:effectRef idx="1">
+            <a:schemeClr val="dk1"/>
+          </a:effectRef>
+          <a:fontRef idx="minor">
+            <a:schemeClr val="tx1"/>
+          </a:fontRef>
+        </p:style>
+      </p:cxnSp>
+      <p:cxnSp>
+        <p:nvCxnSpPr>
+          <p:cNvPr id="27" name="Straight Arrow Connector 26"/>
+          <p:cNvCxnSpPr>
+            <a:stCxn id="18" idx="3"/>
+            <a:endCxn id="9" idx="1"/>
+          </p:cNvCxnSpPr>
+          <p:nvPr/>
+        </p:nvCxnSpPr>
+        <p:spPr>
+          <a:xfrm flipV="1">
+            <a:off x="9493380" y="3473152"/>
+            <a:ext cx="425179" cy="387278"/>
+          </a:xfrm>
+          <a:prstGeom prst="straightConnector1">
+            <a:avLst/>
+          </a:prstGeom>
+          <a:ln>
+            <a:tailEnd type="triangle"/>
+          </a:ln>
+        </p:spPr>
+        <p:style>
+          <a:lnRef idx="2">
+            <a:schemeClr val="dk1"/>
+          </a:lnRef>
+          <a:fillRef idx="0">
+            <a:schemeClr val="dk1"/>
+          </a:fillRef>
+          <a:effectRef idx="1">
+            <a:schemeClr val="dk1"/>
+          </a:effectRef>
+          <a:fontRef idx="minor">
+            <a:schemeClr val="tx1"/>
+          </a:fontRef>
+        </p:style>
+      </p:cxnSp>
+      <p:cxnSp>
+        <p:nvCxnSpPr>
+          <p:cNvPr id="28" name="Straight Arrow Connector 27"/>
+          <p:cNvCxnSpPr>
+            <a:stCxn id="18" idx="3"/>
+            <a:endCxn id="19" idx="1"/>
+          </p:cNvCxnSpPr>
+          <p:nvPr/>
+        </p:nvCxnSpPr>
+        <p:spPr>
+          <a:xfrm>
+            <a:off x="9493380" y="3860430"/>
+            <a:ext cx="425179" cy="376515"/>
+          </a:xfrm>
+          <a:prstGeom prst="straightConnector1">
+            <a:avLst/>
+          </a:prstGeom>
+          <a:ln>
+            <a:tailEnd type="triangle"/>
+          </a:ln>
+        </p:spPr>
+        <p:style>
+          <a:lnRef idx="2">
+            <a:schemeClr val="dk1"/>
+          </a:lnRef>
+          <a:fillRef idx="0">
+            <a:schemeClr val="dk1"/>
+          </a:fillRef>
+          <a:effectRef idx="1">
+            <a:schemeClr val="dk1"/>
+          </a:effectRef>
+          <a:fontRef idx="minor">
+            <a:schemeClr val="tx1"/>
+          </a:fontRef>
+        </p:style>
+      </p:cxnSp>
+      <p:cxnSp>
+        <p:nvCxnSpPr>
+          <p:cNvPr id="29" name="Straight Arrow Connector 28"/>
+          <p:cNvCxnSpPr>
+            <a:stCxn id="6" idx="2"/>
+            <a:endCxn id="17" idx="0"/>
+          </p:cNvCxnSpPr>
+          <p:nvPr/>
+        </p:nvCxnSpPr>
+        <p:spPr>
+          <a:xfrm flipH="1">
+            <a:off x="3404556" y="2624863"/>
+            <a:ext cx="860853" cy="310406"/>
+          </a:xfrm>
+          <a:prstGeom prst="straightConnector1">
+            <a:avLst/>
+          </a:prstGeom>
+          <a:ln>
+            <a:tailEnd type="triangle"/>
+          </a:ln>
+        </p:spPr>
+        <p:style>
+          <a:lnRef idx="2">
+            <a:schemeClr val="dk1"/>
+          </a:lnRef>
+          <a:fillRef idx="0">
+            <a:schemeClr val="dk1"/>
+          </a:fillRef>
+          <a:effectRef idx="1">
+            <a:schemeClr val="dk1"/>
+          </a:effectRef>
+          <a:fontRef idx="minor">
+            <a:schemeClr val="tx1"/>
+          </a:fontRef>
+        </p:style>
+      </p:cxnSp>
+      <p:cxnSp>
+        <p:nvCxnSpPr>
+          <p:cNvPr id="30" name="Straight Arrow Connector 29"/>
+          <p:cNvCxnSpPr>
+            <a:stCxn id="7" idx="2"/>
+            <a:endCxn id="14" idx="0"/>
+          </p:cNvCxnSpPr>
+          <p:nvPr/>
+        </p:nvCxnSpPr>
+        <p:spPr>
+          <a:xfrm>
+            <a:off x="1328571" y="2624863"/>
+            <a:ext cx="7" cy="288891"/>
+          </a:xfrm>
+          <a:prstGeom prst="straightConnector1">
+            <a:avLst/>
+          </a:prstGeom>
+          <a:ln>
+            <a:tailEnd type="triangle"/>
+          </a:ln>
+        </p:spPr>
+        <p:style>
+          <a:lnRef idx="2">
+            <a:schemeClr val="dk1"/>
+          </a:lnRef>
+          <a:fillRef idx="0">
+            <a:schemeClr val="dk1"/>
+          </a:fillRef>
+          <a:effectRef idx="1">
+            <a:schemeClr val="dk1"/>
+          </a:effectRef>
+          <a:fontRef idx="minor">
+            <a:schemeClr val="tx1"/>
+          </a:fontRef>
+        </p:style>
+      </p:cxnSp>
+      <p:cxnSp>
+        <p:nvCxnSpPr>
+          <p:cNvPr id="31" name="Straight Arrow Connector 30"/>
+          <p:cNvCxnSpPr>
+            <a:stCxn id="16" idx="2"/>
+            <a:endCxn id="8" idx="0"/>
+          </p:cNvCxnSpPr>
+          <p:nvPr/>
+        </p:nvCxnSpPr>
+        <p:spPr>
+          <a:xfrm flipH="1">
+            <a:off x="4421394" y="3559212"/>
+            <a:ext cx="919538" cy="570161"/>
+          </a:xfrm>
+          <a:prstGeom prst="straightConnector1">
+            <a:avLst/>
+          </a:prstGeom>
+          <a:ln>
+            <a:tailEnd type="triangle"/>
+          </a:ln>
+        </p:spPr>
+        <p:style>
+          <a:lnRef idx="2">
+            <a:schemeClr val="dk1"/>
+          </a:lnRef>
+          <a:fillRef idx="0">
+            <a:schemeClr val="dk1"/>
+          </a:fillRef>
+          <a:effectRef idx="1">
+            <a:schemeClr val="dk1"/>
+          </a:effectRef>
+          <a:fontRef idx="minor">
+            <a:schemeClr val="tx1"/>
+          </a:fontRef>
+        </p:style>
+      </p:cxnSp>
+      <p:cxnSp>
+        <p:nvCxnSpPr>
+          <p:cNvPr id="32" name="Straight Arrow Connector 31"/>
+          <p:cNvCxnSpPr>
+            <a:stCxn id="17" idx="2"/>
+            <a:endCxn id="13" idx="0"/>
+          </p:cNvCxnSpPr>
+          <p:nvPr/>
+        </p:nvCxnSpPr>
+        <p:spPr>
+          <a:xfrm flipH="1">
+            <a:off x="2404336" y="3559212"/>
+            <a:ext cx="1000220" cy="571730"/>
+          </a:xfrm>
+          <a:prstGeom prst="straightConnector1">
+            <a:avLst/>
+          </a:prstGeom>
+          <a:ln>
+            <a:tailEnd type="triangle"/>
+          </a:ln>
+        </p:spPr>
+        <p:style>
+          <a:lnRef idx="2">
+            <a:schemeClr val="dk1"/>
+          </a:lnRef>
+          <a:fillRef idx="0">
+            <a:schemeClr val="dk1"/>
+          </a:fillRef>
+          <a:effectRef idx="1">
+            <a:schemeClr val="dk1"/>
+          </a:effectRef>
+          <a:fontRef idx="minor">
+            <a:schemeClr val="tx1"/>
+          </a:fontRef>
+        </p:style>
+      </p:cxnSp>
+      <p:cxnSp>
+        <p:nvCxnSpPr>
+          <p:cNvPr id="33" name="Elbow Connector 32"/>
+          <p:cNvCxnSpPr>
+            <a:stCxn id="18" idx="2"/>
+            <a:endCxn id="10" idx="1"/>
+          </p:cNvCxnSpPr>
+          <p:nvPr/>
+        </p:nvCxnSpPr>
+        <p:spPr>
+          <a:xfrm rot="5400000">
+            <a:off x="7481704" y="4591949"/>
+            <a:ext cx="1635160" cy="796064"/>
+          </a:xfrm>
+          <a:prstGeom prst="bentConnector4">
+            <a:avLst>
+              <a:gd name="adj1" fmla="val 14145"/>
+              <a:gd name="adj2" fmla="val 128716"/>
+            </a:avLst>
+          </a:prstGeom>
+          <a:ln>
+            <a:tailEnd type="triangle"/>
+          </a:ln>
+        </p:spPr>
+        <p:style>
+          <a:lnRef idx="2">
+            <a:schemeClr val="dk1"/>
+          </a:lnRef>
+          <a:fillRef idx="0">
+            <a:schemeClr val="dk1"/>
+          </a:fillRef>
+          <a:effectRef idx="1">
+            <a:schemeClr val="dk1"/>
+          </a:effectRef>
+          <a:fontRef idx="minor">
+            <a:schemeClr val="tx1"/>
+          </a:fontRef>
+        </p:style>
+      </p:cxnSp>
+      <p:sp>
+        <p:nvSpPr>
+          <p:cNvPr id="34" name="Rounded Rectangle 33"/>
+          <p:cNvSpPr/>
+          <p:nvPr/>
+        </p:nvSpPr>
+        <p:spPr>
+          <a:xfrm>
+            <a:off x="4464425" y="5174438"/>
+            <a:ext cx="2753954" cy="763792"/>
+          </a:xfrm>
+          <a:prstGeom prst="roundRect">
+            <a:avLst/>
+          </a:prstGeom>
+        </p:spPr>
+        <p:style>
+          <a:lnRef idx="2">
+            <a:schemeClr val="accent2"/>
+          </a:lnRef>
+          <a:fillRef idx="1">
+            <a:schemeClr val="lt1"/>
+          </a:fillRef>
+          <a:effectRef idx="0">
+            <a:schemeClr val="accent2"/>
+          </a:effectRef>
+          <a:fontRef idx="minor">
+            <a:schemeClr val="dk1"/>
+          </a:fontRef>
+        </p:style>
+        <p:txBody>
+          <a:bodyPr rtlCol="1" anchor="ctr"/>
+          <a:lstStyle/>
+          <a:p>
+            <a:pPr algn="ctr"/>
+            <a:r>
+              <a:rPr lang="en-US" dirty="0"/>
+              <a:t>Additional algorithms (e.g. </a:t>
+            </a:r>
+            <a:r>
+              <a:rPr lang="en-US" dirty="0" err="1"/>
+              <a:t>knn</a:t>
+            </a:r>
+            <a:r>
+              <a:rPr lang="en-US" dirty="0"/>
+              <a:t>, trees,…)</a:t>
+            </a:r>
+            <a:endParaRPr lang="he-IL" dirty="0"/>
+          </a:p>
+        </p:txBody>
+      </p:sp>
+      <p:cxnSp>
+        <p:nvCxnSpPr>
+          <p:cNvPr id="35" name="Straight Arrow Connector 34"/>
+          <p:cNvCxnSpPr>
+            <a:stCxn id="15" idx="2"/>
+            <a:endCxn id="34" idx="0"/>
+          </p:cNvCxnSpPr>
+          <p:nvPr/>
+        </p:nvCxnSpPr>
+        <p:spPr>
+          <a:xfrm flipH="1">
+            <a:off x="5841402" y="4753315"/>
+            <a:ext cx="494851" cy="421123"/>
+          </a:xfrm>
+          <a:prstGeom prst="straightConnector1">
+            <a:avLst/>
+          </a:prstGeom>
+          <a:ln>
+            <a:tailEnd type="triangle"/>
+          </a:ln>
+        </p:spPr>
+        <p:style>
+          <a:lnRef idx="2">
+            <a:schemeClr val="dk1"/>
+          </a:lnRef>
+          <a:fillRef idx="0">
+            <a:schemeClr val="dk1"/>
+          </a:fillRef>
+          <a:effectRef idx="1">
+            <a:schemeClr val="dk1"/>
+          </a:effectRef>
+          <a:fontRef idx="minor">
+            <a:schemeClr val="tx1"/>
+          </a:fontRef>
+        </p:style>
+      </p:cxnSp>
+    </p:spTree>
+    <p:extLst>
+      <p:ext uri="{BB962C8B-B14F-4D97-AF65-F5344CB8AC3E}">
+        <p14:creationId xmlns:p14="http://schemas.microsoft.com/office/powerpoint/2010/main" val="1139907710"/>
+      </p:ext>
+    </p:extLst>
+  </p:cSld>
+  <p:clrMapOvr>
+    <a:masterClrMapping/>
+  </p:clrMapOvr>
+</p:sld>
+</file>
+
+<file path=ppt/slides/slide25.xml><?xml version="1.0" encoding="utf-8"?>
+<p:sld xmlns:a="http://schemas.openxmlformats.org/drawingml/2006/main" xmlns:r="http://schemas.openxmlformats.org/officeDocument/2006/relationships" xmlns:p="http://schemas.openxmlformats.org/presentationml/2006/main">
+  <p:cSld>
+    <p:spTree>
+      <p:nvGrpSpPr>
+        <p:cNvPr id="1" name=""/>
+        <p:cNvGrpSpPr/>
+        <p:nvPr/>
+      </p:nvGrpSpPr>
+      <p:grpSpPr>
+        <a:xfrm>
+          <a:off x="0" y="0"/>
+          <a:ext cx="0" cy="0"/>
+          <a:chOff x="0" y="0"/>
+          <a:chExt cx="0" cy="0"/>
+        </a:xfrm>
+      </p:grpSpPr>
+      <p:sp>
+        <p:nvSpPr>
+          <p:cNvPr id="2" name="Title 1">
+            <a:extLst>
+              <a:ext uri="{FF2B5EF4-FFF2-40B4-BE49-F238E27FC236}">
+                <a16:creationId xmlns:a16="http://schemas.microsoft.com/office/drawing/2014/main" id="{67F725B3-635B-4D2D-9057-88B295F29442}"/>
+              </a:ext>
+            </a:extLst>
+          </p:cNvPr>
+          <p:cNvSpPr>
+            <a:spLocks noGrp="1"/>
+          </p:cNvSpPr>
+          <p:nvPr>
+            <p:ph type="title"/>
+          </p:nvPr>
+        </p:nvSpPr>
+        <p:spPr/>
+        <p:txBody>
+          <a:bodyPr/>
+          <a:lstStyle/>
+          <a:p>
+            <a:r>
+              <a:rPr lang="en-US" dirty="0"/>
+              <a:t>Summary</a:t>
+            </a:r>
+            <a:endParaRPr lang="en-IL" dirty="0"/>
+          </a:p>
+        </p:txBody>
+      </p:sp>
+      <p:sp>
+        <p:nvSpPr>
+          <p:cNvPr id="3" name="Content Placeholder 2">
+            <a:extLst>
+              <a:ext uri="{FF2B5EF4-FFF2-40B4-BE49-F238E27FC236}">
+                <a16:creationId xmlns:a16="http://schemas.microsoft.com/office/drawing/2014/main" id="{F7B4D936-3CBB-4BF2-813A-EF6EF947E629}"/>
+              </a:ext>
+            </a:extLst>
+          </p:cNvPr>
+          <p:cNvSpPr>
+            <a:spLocks noGrp="1"/>
+          </p:cNvSpPr>
+          <p:nvPr>
+            <p:ph idx="1"/>
+          </p:nvPr>
+        </p:nvSpPr>
+        <p:spPr/>
+        <p:txBody>
+          <a:bodyPr/>
+          <a:lstStyle/>
+          <a:p>
+            <a:r>
+              <a:rPr lang="en-US" dirty="0"/>
+              <a:t>Though a very “simplistic tool”, linear regression can be a very good tool for gaining insights, and help the exploratory process</a:t>
+            </a:r>
+          </a:p>
+          <a:p>
+            <a:r>
+              <a:rPr lang="en-US" dirty="0"/>
+              <a:t>It is quick to run, and can illustrate relationships of variables</a:t>
+            </a:r>
+          </a:p>
+          <a:p>
+            <a:r>
+              <a:rPr lang="en-US" dirty="0"/>
+              <a:t>It has some nice extensions, which can be beneficial in various situations</a:t>
+            </a:r>
+          </a:p>
+          <a:p>
+            <a:r>
+              <a:rPr lang="en-US" dirty="0"/>
+              <a:t>Even though it is not as flexible as other regression tools (i.e., forests, boosting, NNs), it can provide a reference – “starting point”, from which one can improve further with other models</a:t>
+            </a:r>
+          </a:p>
+        </p:txBody>
+      </p:sp>
+      <p:sp>
+        <p:nvSpPr>
+          <p:cNvPr id="4" name="Footer Placeholder 3">
+            <a:extLst>
+              <a:ext uri="{FF2B5EF4-FFF2-40B4-BE49-F238E27FC236}">
+                <a16:creationId xmlns:a16="http://schemas.microsoft.com/office/drawing/2014/main" id="{0D6ACDF8-EA81-4839-8A10-6D624B18D70B}"/>
+              </a:ext>
+            </a:extLst>
+          </p:cNvPr>
+          <p:cNvSpPr>
+            <a:spLocks noGrp="1"/>
+          </p:cNvSpPr>
+          <p:nvPr>
+            <p:ph type="ftr" sz="quarter" idx="11"/>
+          </p:nvPr>
+        </p:nvSpPr>
+        <p:spPr/>
+        <p:txBody>
+          <a:bodyPr/>
+          <a:lstStyle/>
+          <a:p>
+            <a:r>
+              <a:rPr lang="en-US"/>
+              <a:t>Materials by Adi Sarid https://adisarid.github.io and http://www.sarid-ins.com</a:t>
+            </a:r>
+            <a:endParaRPr lang="en-US" dirty="0"/>
+          </a:p>
+        </p:txBody>
+      </p:sp>
+      <p:sp>
+        <p:nvSpPr>
+          <p:cNvPr id="5" name="Slide Number Placeholder 4">
+            <a:extLst>
+              <a:ext uri="{FF2B5EF4-FFF2-40B4-BE49-F238E27FC236}">
+                <a16:creationId xmlns:a16="http://schemas.microsoft.com/office/drawing/2014/main" id="{F81CD851-1B68-4BC6-ABC7-6FE5369A415A}"/>
+              </a:ext>
+            </a:extLst>
+          </p:cNvPr>
+          <p:cNvSpPr>
+            <a:spLocks noGrp="1"/>
+          </p:cNvSpPr>
+          <p:nvPr>
+            <p:ph type="sldNum" sz="quarter" idx="12"/>
+          </p:nvPr>
+        </p:nvSpPr>
+        <p:spPr/>
+        <p:txBody>
+          <a:bodyPr/>
+          <a:lstStyle/>
+          <a:p>
+            <a:fld id="{4FAB73BC-B049-4115-A692-8D63A059BFB8}" type="slidenum">
+              <a:rPr lang="en-US" smtClean="0"/>
+              <a:t>25</a:t>
+            </a:fld>
+            <a:endParaRPr lang="en-US" dirty="0"/>
+          </a:p>
+        </p:txBody>
+      </p:sp>
+    </p:spTree>
+    <p:extLst>
+      <p:ext uri="{BB962C8B-B14F-4D97-AF65-F5344CB8AC3E}">
+        <p14:creationId xmlns:p14="http://schemas.microsoft.com/office/powerpoint/2010/main" val="1162116287"/>
       </p:ext>
     </p:extLst>
   </p:cSld>

--- a/presentation/pptx/01-Linear_regression_methods.pptx
+++ b/presentation/pptx/01-Linear_regression_methods.pptx
@@ -5,7 +5,7 @@
     <p:sldMasterId id="2147483840" r:id="rId1"/>
   </p:sldMasterIdLst>
   <p:notesMasterIdLst>
-    <p:notesMasterId r:id="rId27"/>
+    <p:notesMasterId r:id="rId28"/>
   </p:notesMasterIdLst>
   <p:sldIdLst>
     <p:sldId id="256" r:id="rId2"/>
@@ -28,11 +28,12 @@
     <p:sldId id="273" r:id="rId19"/>
     <p:sldId id="269" r:id="rId20"/>
     <p:sldId id="270" r:id="rId21"/>
-    <p:sldId id="281" r:id="rId22"/>
-    <p:sldId id="261" r:id="rId23"/>
-    <p:sldId id="282" r:id="rId24"/>
-    <p:sldId id="284" r:id="rId25"/>
-    <p:sldId id="283" r:id="rId26"/>
+    <p:sldId id="282" r:id="rId22"/>
+    <p:sldId id="281" r:id="rId23"/>
+    <p:sldId id="261" r:id="rId24"/>
+    <p:sldId id="285" r:id="rId25"/>
+    <p:sldId id="284" r:id="rId26"/>
+    <p:sldId id="283" r:id="rId27"/>
   </p:sldIdLst>
   <p:sldSz cx="12192000" cy="6858000"/>
   <p:notesSz cx="6858000" cy="9144000"/>
@@ -237,7 +238,7 @@
           <a:p>
             <a:fld id="{5C93CA8F-50F8-44B5-B48F-4C4452AC4FCB}" type="datetimeFigureOut">
               <a:rPr lang="he-IL" smtClean="0"/>
-              <a:t>י"ג/תמוז/תשע"ט</a:t>
+              <a:t>י"ד/תמוז/תשע"ט</a:t>
             </a:fld>
             <a:endParaRPr lang="he-IL"/>
           </a:p>
@@ -1140,6 +1141,522 @@
 </file>
 
 <file path=ppt/notesSlides/notesSlide4.xml><?xml version="1.0" encoding="utf-8"?>
+<p:notes xmlns:a="http://schemas.openxmlformats.org/drawingml/2006/main" xmlns:r="http://schemas.openxmlformats.org/officeDocument/2006/relationships" xmlns:p="http://schemas.openxmlformats.org/presentationml/2006/main">
+  <p:cSld>
+    <p:spTree>
+      <p:nvGrpSpPr>
+        <p:cNvPr id="1" name=""/>
+        <p:cNvGrpSpPr/>
+        <p:nvPr/>
+      </p:nvGrpSpPr>
+      <p:grpSpPr>
+        <a:xfrm>
+          <a:off x="0" y="0"/>
+          <a:ext cx="0" cy="0"/>
+          <a:chOff x="0" y="0"/>
+          <a:chExt cx="0" cy="0"/>
+        </a:xfrm>
+      </p:grpSpPr>
+      <p:sp>
+        <p:nvSpPr>
+          <p:cNvPr id="2" name="Slide Image Placeholder 1"/>
+          <p:cNvSpPr>
+            <a:spLocks noGrp="1" noRot="1" noChangeAspect="1"/>
+          </p:cNvSpPr>
+          <p:nvPr>
+            <p:ph type="sldImg"/>
+          </p:nvPr>
+        </p:nvSpPr>
+        <p:spPr/>
+      </p:sp>
+      <mc:AlternateContent xmlns:mc="http://schemas.openxmlformats.org/markup-compatibility/2006" xmlns:a14="http://schemas.microsoft.com/office/drawing/2010/main">
+        <mc:Choice Requires="a14">
+          <p:sp>
+            <p:nvSpPr>
+              <p:cNvPr id="3" name="Notes Placeholder 2"/>
+              <p:cNvSpPr>
+                <a:spLocks noGrp="1"/>
+              </p:cNvSpPr>
+              <p:nvPr>
+                <p:ph type="body" idx="1"/>
+              </p:nvPr>
+            </p:nvSpPr>
+            <p:spPr/>
+            <p:txBody>
+              <a:bodyPr/>
+              <a:lstStyle/>
+              <a:p>
+                <a:pPr rtl="0"/>
+                <a14:m>
+                  <m:oMathPara xmlns:m="http://schemas.openxmlformats.org/officeDocument/2006/math">
+                    <m:oMathParaPr>
+                      <m:jc m:val="centerGroup"/>
+                    </m:oMathParaPr>
+                    <m:oMath xmlns:m="http://schemas.openxmlformats.org/officeDocument/2006/math">
+                      <m:r>
+                        <a:rPr lang="en-US" b="0" i="1" dirty="0" smtClean="0">
+                          <a:latin typeface="Cambria Math" panose="02040503050406030204" pitchFamily="18" charset="0"/>
+                        </a:rPr>
+                        <m:t>𝐸</m:t>
+                      </m:r>
+                      <m:sSup>
+                        <m:sSupPr>
+                          <m:ctrlPr>
+                            <a:rPr lang="en-US" b="0" i="1" dirty="0" smtClean="0">
+                              <a:latin typeface="Cambria Math" panose="02040503050406030204" pitchFamily="18" charset="0"/>
+                            </a:rPr>
+                          </m:ctrlPr>
+                        </m:sSupPr>
+                        <m:e>
+                          <m:r>
+                            <a:rPr lang="en-US" b="0" i="1" dirty="0" smtClean="0">
+                              <a:latin typeface="Cambria Math" panose="02040503050406030204" pitchFamily="18" charset="0"/>
+                            </a:rPr>
+                            <m:t>𝑎</m:t>
+                          </m:r>
+                        </m:e>
+                        <m:sup>
+                          <m:r>
+                            <a:rPr lang="en-US" b="0" i="1" dirty="0" smtClean="0">
+                              <a:latin typeface="Cambria Math" panose="02040503050406030204" pitchFamily="18" charset="0"/>
+                            </a:rPr>
+                            <m:t>𝑇</m:t>
+                          </m:r>
+                        </m:sup>
+                      </m:sSup>
+                      <m:sSup>
+                        <m:sSupPr>
+                          <m:ctrlPr>
+                            <a:rPr lang="en-US" i="1">
+                              <a:latin typeface="Cambria Math" panose="02040503050406030204" pitchFamily="18" charset="0"/>
+                            </a:rPr>
+                          </m:ctrlPr>
+                        </m:sSupPr>
+                        <m:e>
+                          <m:d>
+                            <m:dPr>
+                              <m:ctrlPr>
+                                <a:rPr lang="en-US" i="1">
+                                  <a:latin typeface="Cambria Math" panose="02040503050406030204" pitchFamily="18" charset="0"/>
+                                </a:rPr>
+                              </m:ctrlPr>
+                            </m:dPr>
+                            <m:e>
+                              <m:sSup>
+                                <m:sSupPr>
+                                  <m:ctrlPr>
+                                    <a:rPr lang="en-US" i="1">
+                                      <a:latin typeface="Cambria Math" panose="02040503050406030204" pitchFamily="18" charset="0"/>
+                                    </a:rPr>
+                                  </m:ctrlPr>
+                                </m:sSupPr>
+                                <m:e>
+                                  <m:r>
+                                    <a:rPr lang="en-US" i="1">
+                                      <a:latin typeface="Cambria Math" panose="02040503050406030204" pitchFamily="18" charset="0"/>
+                                    </a:rPr>
+                                    <m:t>𝑋</m:t>
+                                  </m:r>
+                                </m:e>
+                                <m:sup>
+                                  <m:r>
+                                    <a:rPr lang="en-US" i="1">
+                                      <a:latin typeface="Cambria Math" panose="02040503050406030204" pitchFamily="18" charset="0"/>
+                                    </a:rPr>
+                                    <m:t>𝑇</m:t>
+                                  </m:r>
+                                </m:sup>
+                              </m:sSup>
+                              <m:r>
+                                <a:rPr lang="en-US" i="1">
+                                  <a:latin typeface="Cambria Math" panose="02040503050406030204" pitchFamily="18" charset="0"/>
+                                </a:rPr>
+                                <m:t>𝑋</m:t>
+                              </m:r>
+                            </m:e>
+                          </m:d>
+                        </m:e>
+                        <m:sup>
+                          <m:r>
+                            <a:rPr lang="en-US" i="1">
+                              <a:latin typeface="Cambria Math" panose="02040503050406030204" pitchFamily="18" charset="0"/>
+                            </a:rPr>
+                            <m:t>−</m:t>
+                          </m:r>
+                          <m:r>
+                            <a:rPr lang="en-US" i="1">
+                              <a:latin typeface="Cambria Math" panose="02040503050406030204" pitchFamily="18" charset="0"/>
+                            </a:rPr>
+                            <m:t>1</m:t>
+                          </m:r>
+                        </m:sup>
+                      </m:sSup>
+                      <m:sSup>
+                        <m:sSupPr>
+                          <m:ctrlPr>
+                            <a:rPr lang="en-US" i="1">
+                              <a:latin typeface="Cambria Math" panose="02040503050406030204" pitchFamily="18" charset="0"/>
+                            </a:rPr>
+                          </m:ctrlPr>
+                        </m:sSupPr>
+                        <m:e>
+                          <m:r>
+                            <a:rPr lang="en-US" i="1">
+                              <a:latin typeface="Cambria Math" panose="02040503050406030204" pitchFamily="18" charset="0"/>
+                            </a:rPr>
+                            <m:t>𝑋</m:t>
+                          </m:r>
+                        </m:e>
+                        <m:sup>
+                          <m:r>
+                            <a:rPr lang="en-US" i="1">
+                              <a:latin typeface="Cambria Math" panose="02040503050406030204" pitchFamily="18" charset="0"/>
+                            </a:rPr>
+                            <m:t>𝑇</m:t>
+                          </m:r>
+                        </m:sup>
+                      </m:sSup>
+                      <m:r>
+                        <a:rPr lang="en-US" i="1">
+                          <a:latin typeface="Cambria Math" panose="02040503050406030204" pitchFamily="18" charset="0"/>
+                        </a:rPr>
+                        <m:t>𝑦</m:t>
+                      </m:r>
+                      <m:r>
+                        <a:rPr lang="en-US" b="0" i="1" smtClean="0">
+                          <a:latin typeface="Cambria Math" panose="02040503050406030204" pitchFamily="18" charset="0"/>
+                        </a:rPr>
+                        <m:t>=</m:t>
+                      </m:r>
+                      <m:r>
+                        <a:rPr lang="en-US" b="0" i="1" smtClean="0">
+                          <a:latin typeface="Cambria Math" panose="02040503050406030204" pitchFamily="18" charset="0"/>
+                        </a:rPr>
+                        <m:t>𝐸</m:t>
+                      </m:r>
+                      <m:d>
+                        <m:dPr>
+                          <m:ctrlPr>
+                            <a:rPr lang="en-US" b="0" i="1" smtClean="0">
+                              <a:latin typeface="Cambria Math" panose="02040503050406030204" pitchFamily="18" charset="0"/>
+                            </a:rPr>
+                          </m:ctrlPr>
+                        </m:dPr>
+                        <m:e>
+                          <m:sSup>
+                            <m:sSupPr>
+                              <m:ctrlPr>
+                                <a:rPr lang="en-US" b="0" i="1" smtClean="0">
+                                  <a:latin typeface="Cambria Math" panose="02040503050406030204" pitchFamily="18" charset="0"/>
+                                </a:rPr>
+                              </m:ctrlPr>
+                            </m:sSupPr>
+                            <m:e>
+                              <m:r>
+                                <a:rPr lang="en-US" b="0" i="1" smtClean="0">
+                                  <a:latin typeface="Cambria Math" panose="02040503050406030204" pitchFamily="18" charset="0"/>
+                                </a:rPr>
+                                <m:t>𝑎</m:t>
+                              </m:r>
+                            </m:e>
+                            <m:sup>
+                              <m:r>
+                                <a:rPr lang="en-US" b="0" i="1" smtClean="0">
+                                  <a:latin typeface="Cambria Math" panose="02040503050406030204" pitchFamily="18" charset="0"/>
+                                </a:rPr>
+                                <m:t>𝑇</m:t>
+                              </m:r>
+                            </m:sup>
+                          </m:sSup>
+                          <m:sSup>
+                            <m:sSupPr>
+                              <m:ctrlPr>
+                                <a:rPr lang="en-US" b="0" i="1" smtClean="0">
+                                  <a:latin typeface="Cambria Math" panose="02040503050406030204" pitchFamily="18" charset="0"/>
+                                </a:rPr>
+                              </m:ctrlPr>
+                            </m:sSupPr>
+                            <m:e>
+                              <m:d>
+                                <m:dPr>
+                                  <m:ctrlPr>
+                                    <a:rPr lang="en-US" b="0" i="1" smtClean="0">
+                                      <a:latin typeface="Cambria Math" panose="02040503050406030204" pitchFamily="18" charset="0"/>
+                                    </a:rPr>
+                                  </m:ctrlPr>
+                                </m:dPr>
+                                <m:e>
+                                  <m:sSup>
+                                    <m:sSupPr>
+                                      <m:ctrlPr>
+                                        <a:rPr lang="en-US" b="0" i="1" smtClean="0">
+                                          <a:latin typeface="Cambria Math" panose="02040503050406030204" pitchFamily="18" charset="0"/>
+                                        </a:rPr>
+                                      </m:ctrlPr>
+                                    </m:sSupPr>
+                                    <m:e>
+                                      <m:r>
+                                        <a:rPr lang="en-US" b="0" i="1" smtClean="0">
+                                          <a:latin typeface="Cambria Math" panose="02040503050406030204" pitchFamily="18" charset="0"/>
+                                        </a:rPr>
+                                        <m:t>𝑋</m:t>
+                                      </m:r>
+                                    </m:e>
+                                    <m:sup>
+                                      <m:r>
+                                        <a:rPr lang="en-US" b="0" i="1" smtClean="0">
+                                          <a:latin typeface="Cambria Math" panose="02040503050406030204" pitchFamily="18" charset="0"/>
+                                        </a:rPr>
+                                        <m:t>𝑇</m:t>
+                                      </m:r>
+                                    </m:sup>
+                                  </m:sSup>
+                                  <m:r>
+                                    <a:rPr lang="en-US" b="0" i="1" smtClean="0">
+                                      <a:latin typeface="Cambria Math" panose="02040503050406030204" pitchFamily="18" charset="0"/>
+                                    </a:rPr>
+                                    <m:t>𝑋</m:t>
+                                  </m:r>
+                                </m:e>
+                              </m:d>
+                            </m:e>
+                            <m:sup>
+                              <m:r>
+                                <a:rPr lang="en-US" b="0" i="1" smtClean="0">
+                                  <a:latin typeface="Cambria Math" panose="02040503050406030204" pitchFamily="18" charset="0"/>
+                                </a:rPr>
+                                <m:t>−</m:t>
+                              </m:r>
+                              <m:r>
+                                <a:rPr lang="en-US" b="0" i="1" smtClean="0">
+                                  <a:latin typeface="Cambria Math" panose="02040503050406030204" pitchFamily="18" charset="0"/>
+                                </a:rPr>
+                                <m:t>1</m:t>
+                              </m:r>
+                            </m:sup>
+                          </m:sSup>
+                          <m:sSup>
+                            <m:sSupPr>
+                              <m:ctrlPr>
+                                <a:rPr lang="en-US" b="0" i="1" smtClean="0">
+                                  <a:latin typeface="Cambria Math" panose="02040503050406030204" pitchFamily="18" charset="0"/>
+                                </a:rPr>
+                              </m:ctrlPr>
+                            </m:sSupPr>
+                            <m:e>
+                              <m:r>
+                                <a:rPr lang="en-US" b="0" i="1" smtClean="0">
+                                  <a:latin typeface="Cambria Math" panose="02040503050406030204" pitchFamily="18" charset="0"/>
+                                </a:rPr>
+                                <m:t>𝑋</m:t>
+                              </m:r>
+                            </m:e>
+                            <m:sup>
+                              <m:r>
+                                <a:rPr lang="en-US" b="0" i="1" smtClean="0">
+                                  <a:latin typeface="Cambria Math" panose="02040503050406030204" pitchFamily="18" charset="0"/>
+                                </a:rPr>
+                                <m:t>𝑇</m:t>
+                              </m:r>
+                            </m:sup>
+                          </m:sSup>
+                          <m:r>
+                            <a:rPr lang="en-US" b="0" i="1" smtClean="0">
+                              <a:latin typeface="Cambria Math" panose="02040503050406030204" pitchFamily="18" charset="0"/>
+                            </a:rPr>
+                            <m:t>𝑋</m:t>
+                          </m:r>
+                          <m:r>
+                            <a:rPr lang="en-US" b="0" i="1" smtClean="0">
+                              <a:latin typeface="Cambria Math" panose="02040503050406030204" pitchFamily="18" charset="0"/>
+                            </a:rPr>
+                            <m:t>𝛽</m:t>
+                          </m:r>
+                        </m:e>
+                      </m:d>
+                      <m:r>
+                        <a:rPr lang="en-US" b="0" i="1" smtClean="0">
+                          <a:latin typeface="Cambria Math" panose="02040503050406030204" pitchFamily="18" charset="0"/>
+                        </a:rPr>
+                        <m:t>=</m:t>
+                      </m:r>
+                      <m:r>
+                        <a:rPr lang="en-US" b="0" i="1" smtClean="0">
+                          <a:latin typeface="Cambria Math" panose="02040503050406030204" pitchFamily="18" charset="0"/>
+                        </a:rPr>
+                        <m:t>𝐸</m:t>
+                      </m:r>
+                      <m:sSup>
+                        <m:sSupPr>
+                          <m:ctrlPr>
+                            <a:rPr lang="en-US" b="0" i="1" smtClean="0">
+                              <a:latin typeface="Cambria Math" panose="02040503050406030204" pitchFamily="18" charset="0"/>
+                            </a:rPr>
+                          </m:ctrlPr>
+                        </m:sSupPr>
+                        <m:e>
+                          <m:r>
+                            <a:rPr lang="en-US" b="0" i="1" smtClean="0">
+                              <a:latin typeface="Cambria Math" panose="02040503050406030204" pitchFamily="18" charset="0"/>
+                            </a:rPr>
+                            <m:t>𝑎</m:t>
+                          </m:r>
+                        </m:e>
+                        <m:sup>
+                          <m:r>
+                            <a:rPr lang="en-US" b="0" i="1" smtClean="0">
+                              <a:latin typeface="Cambria Math" panose="02040503050406030204" pitchFamily="18" charset="0"/>
+                            </a:rPr>
+                            <m:t>𝑇</m:t>
+                          </m:r>
+                        </m:sup>
+                      </m:sSup>
+                      <m:r>
+                        <a:rPr lang="en-US" b="0" i="1" smtClean="0">
+                          <a:latin typeface="Cambria Math" panose="02040503050406030204" pitchFamily="18" charset="0"/>
+                        </a:rPr>
+                        <m:t>𝛽</m:t>
+                      </m:r>
+                    </m:oMath>
+                  </m:oMathPara>
+                </a14:m>
+                <a:endParaRPr lang="en-US" dirty="0" smtClean="0"/>
+              </a:p>
+              <a:p>
+                <a:pPr rtl="0"/>
+                <a:endParaRPr lang="en-US" dirty="0" smtClean="0"/>
+              </a:p>
+              <a:p>
+                <a:pPr algn="ctr" rtl="0"/>
+                <a:r>
+                  <a:rPr lang="en-US" dirty="0" smtClean="0"/>
+                  <a:t>E[(Y-\hat{f}(x_0))^2|X=x_0] = \</a:t>
+                </a:r>
+                <a:r>
+                  <a:rPr lang="en-US" dirty="0" err="1" smtClean="0"/>
+                  <a:t>var</a:t>
+                </a:r>
+                <a:r>
+                  <a:rPr lang="en-US" dirty="0" smtClean="0"/>
+                  <a:t>(\epsilon) + E[\hat{f}(x_0)</a:t>
+                </a:r>
+                <a:r>
+                  <a:rPr lang="en-US" baseline="0" dirty="0" smtClean="0"/>
+                  <a:t> - f(x_0)]^2 + E[\hat{f}(x_0)-E\hat{f}(x_0)]^2 = \sigma_\epsilon^2+Bias^2(\hat{f}(x_0)) + \</a:t>
+                </a:r>
+                <a:r>
+                  <a:rPr lang="en-US" baseline="0" dirty="0" err="1" smtClean="0"/>
+                  <a:t>var</a:t>
+                </a:r>
+                <a:r>
+                  <a:rPr lang="en-US" baseline="0" dirty="0" smtClean="0"/>
+                  <a:t>(\hat{f}(x_0))</a:t>
+                </a:r>
+              </a:p>
+              <a:p>
+                <a:pPr algn="ctr" rtl="0"/>
+                <a:endParaRPr lang="en-US" baseline="0" dirty="0" smtClean="0"/>
+              </a:p>
+              <a:p>
+                <a:pPr algn="l" rtl="0"/>
+                <a:r>
+                  <a:rPr lang="en-US" baseline="0" dirty="0" smtClean="0"/>
+                  <a:t>When we make the model “more complex”, i.e., more features, we usually get a lower bias, but a higher variance. There is also an irreducible error which cannot be avoided (unless \sigma_\epsilon=0).</a:t>
+                </a:r>
+              </a:p>
+            </p:txBody>
+          </p:sp>
+        </mc:Choice>
+        <mc:Fallback xmlns="">
+          <p:sp>
+            <p:nvSpPr>
+              <p:cNvPr id="3" name="Notes Placeholder 2"/>
+              <p:cNvSpPr>
+                <a:spLocks noGrp="1"/>
+              </p:cNvSpPr>
+              <p:nvPr>
+                <p:ph type="body" idx="1"/>
+              </p:nvPr>
+            </p:nvSpPr>
+            <p:spPr/>
+            <p:txBody>
+              <a:bodyPr/>
+              <a:lstStyle/>
+              <a:p>
+                <a:pPr rtl="0"/>
+                <a:r>
+                  <a:rPr lang="en-US" b="0" i="0" dirty="0" smtClean="0">
+                    <a:latin typeface="Cambria Math" panose="02040503050406030204" pitchFamily="18" charset="0"/>
+                  </a:rPr>
+                  <a:t>𝐸</a:t>
+                </a:r>
+                <a:r>
+                  <a:rPr lang="en-US" b="0" i="0" dirty="0" smtClean="0">
+                    <a:latin typeface="Cambria Math" panose="02040503050406030204" pitchFamily="18" charset="0"/>
+                  </a:rPr>
+                  <a:t>𝑎^𝑇</a:t>
+                </a:r>
+                <a:r>
+                  <a:rPr lang="en-US" b="0" i="0">
+                    <a:latin typeface="Cambria Math" panose="02040503050406030204" pitchFamily="18" charset="0"/>
+                  </a:rPr>
+                  <a:t> </a:t>
+                </a:r>
+                <a:r>
+                  <a:rPr lang="en-US" i="0">
+                    <a:latin typeface="Cambria Math" panose="02040503050406030204" pitchFamily="18" charset="0"/>
+                  </a:rPr>
+                  <a:t>(𝑋^𝑇 𝑋)^(−1) 𝑋^𝑇 𝑦</a:t>
+                </a:r>
+                <a:r>
+                  <a:rPr lang="en-US" b="0" i="0" smtClean="0">
+                    <a:latin typeface="Cambria Math" panose="02040503050406030204" pitchFamily="18" charset="0"/>
+                  </a:rPr>
+                  <a:t>=𝐸(𝑎^𝑇 (𝑋^𝑇 𝑋)^(−1) 𝑋^𝑇 𝑋𝛽)=𝐸𝑎^𝑇 𝛽</a:t>
+                </a:r>
+                <a:endParaRPr lang="he-IL" dirty="0"/>
+              </a:p>
+            </p:txBody>
+          </p:sp>
+        </mc:Fallback>
+      </mc:AlternateContent>
+      <p:sp>
+        <p:nvSpPr>
+          <p:cNvPr id="4" name="Slide Number Placeholder 3"/>
+          <p:cNvSpPr>
+            <a:spLocks noGrp="1"/>
+          </p:cNvSpPr>
+          <p:nvPr>
+            <p:ph type="sldNum" sz="quarter" idx="10"/>
+          </p:nvPr>
+        </p:nvSpPr>
+        <p:spPr/>
+        <p:txBody>
+          <a:bodyPr/>
+          <a:lstStyle/>
+          <a:p>
+            <a:fld id="{C4276747-8356-4D8F-84BF-3C530C5DAF39}" type="slidenum">
+              <a:rPr lang="he-IL" smtClean="0"/>
+              <a:t>22</a:t>
+            </a:fld>
+            <a:endParaRPr lang="he-IL"/>
+          </a:p>
+        </p:txBody>
+      </p:sp>
+    </p:spTree>
+    <p:extLst>
+      <p:ext uri="{BB962C8B-B14F-4D97-AF65-F5344CB8AC3E}">
+        <p14:creationId xmlns:p14="http://schemas.microsoft.com/office/powerpoint/2010/main" val="641636670"/>
+      </p:ext>
+    </p:extLst>
+  </p:cSld>
+  <p:clrMapOvr>
+    <a:masterClrMapping/>
+  </p:clrMapOvr>
+</p:notes>
+</file>
+
+<file path=ppt/notesSlides/notesSlide5.xml><?xml version="1.0" encoding="utf-8"?>
 <p:notes xmlns:a="http://schemas.openxmlformats.org/drawingml/2006/main" xmlns:r="http://schemas.openxmlformats.org/officeDocument/2006/relationships" xmlns:p="http://schemas.openxmlformats.org/presentationml/2006/main">
   <p:cSld>
     <p:spTree>
@@ -1594,481 +2111,7 @@
           <a:p>
             <a:fld id="{C4276747-8356-4D8F-84BF-3C530C5DAF39}" type="slidenum">
               <a:rPr lang="he-IL" smtClean="0"/>
-              <a:t>21</a:t>
-            </a:fld>
-            <a:endParaRPr lang="he-IL"/>
-          </a:p>
-        </p:txBody>
-      </p:sp>
-    </p:spTree>
-    <p:extLst>
-      <p:ext uri="{BB962C8B-B14F-4D97-AF65-F5344CB8AC3E}">
-        <p14:creationId xmlns:p14="http://schemas.microsoft.com/office/powerpoint/2010/main" val="641636670"/>
-      </p:ext>
-    </p:extLst>
-  </p:cSld>
-  <p:clrMapOvr>
-    <a:masterClrMapping/>
-  </p:clrMapOvr>
-</p:notes>
-</file>
-
-<file path=ppt/notesSlides/notesSlide5.xml><?xml version="1.0" encoding="utf-8"?>
-<p:notes xmlns:a="http://schemas.openxmlformats.org/drawingml/2006/main" xmlns:r="http://schemas.openxmlformats.org/officeDocument/2006/relationships" xmlns:p="http://schemas.openxmlformats.org/presentationml/2006/main">
-  <p:cSld>
-    <p:spTree>
-      <p:nvGrpSpPr>
-        <p:cNvPr id="1" name=""/>
-        <p:cNvGrpSpPr/>
-        <p:nvPr/>
-      </p:nvGrpSpPr>
-      <p:grpSpPr>
-        <a:xfrm>
-          <a:off x="0" y="0"/>
-          <a:ext cx="0" cy="0"/>
-          <a:chOff x="0" y="0"/>
-          <a:chExt cx="0" cy="0"/>
-        </a:xfrm>
-      </p:grpSpPr>
-      <p:sp>
-        <p:nvSpPr>
-          <p:cNvPr id="2" name="Slide Image Placeholder 1"/>
-          <p:cNvSpPr>
-            <a:spLocks noGrp="1" noRot="1" noChangeAspect="1"/>
-          </p:cNvSpPr>
-          <p:nvPr>
-            <p:ph type="sldImg"/>
-          </p:nvPr>
-        </p:nvSpPr>
-        <p:spPr/>
-      </p:sp>
-      <mc:AlternateContent xmlns:mc="http://schemas.openxmlformats.org/markup-compatibility/2006" xmlns:a14="http://schemas.microsoft.com/office/drawing/2010/main">
-        <mc:Choice Requires="a14">
-          <p:sp>
-            <p:nvSpPr>
-              <p:cNvPr id="3" name="Notes Placeholder 2"/>
-              <p:cNvSpPr>
-                <a:spLocks noGrp="1"/>
-              </p:cNvSpPr>
-              <p:nvPr>
-                <p:ph type="body" idx="1"/>
-              </p:nvPr>
-            </p:nvSpPr>
-            <p:spPr/>
-            <p:txBody>
-              <a:bodyPr/>
-              <a:lstStyle/>
-              <a:p>
-                <a:pPr rtl="0"/>
-                <a14:m>
-                  <m:oMathPara xmlns:m="http://schemas.openxmlformats.org/officeDocument/2006/math">
-                    <m:oMathParaPr>
-                      <m:jc m:val="centerGroup"/>
-                    </m:oMathParaPr>
-                    <m:oMath xmlns:m="http://schemas.openxmlformats.org/officeDocument/2006/math">
-                      <m:r>
-                        <a:rPr lang="en-US" b="0" i="1" dirty="0" smtClean="0">
-                          <a:latin typeface="Cambria Math" panose="02040503050406030204" pitchFamily="18" charset="0"/>
-                        </a:rPr>
-                        <m:t>𝐸</m:t>
-                      </m:r>
-                      <m:sSup>
-                        <m:sSupPr>
-                          <m:ctrlPr>
-                            <a:rPr lang="en-US" b="0" i="1" dirty="0" smtClean="0">
-                              <a:latin typeface="Cambria Math" panose="02040503050406030204" pitchFamily="18" charset="0"/>
-                            </a:rPr>
-                          </m:ctrlPr>
-                        </m:sSupPr>
-                        <m:e>
-                          <m:r>
-                            <a:rPr lang="en-US" b="0" i="1" dirty="0" smtClean="0">
-                              <a:latin typeface="Cambria Math" panose="02040503050406030204" pitchFamily="18" charset="0"/>
-                            </a:rPr>
-                            <m:t>𝑎</m:t>
-                          </m:r>
-                        </m:e>
-                        <m:sup>
-                          <m:r>
-                            <a:rPr lang="en-US" b="0" i="1" dirty="0" smtClean="0">
-                              <a:latin typeface="Cambria Math" panose="02040503050406030204" pitchFamily="18" charset="0"/>
-                            </a:rPr>
-                            <m:t>𝑇</m:t>
-                          </m:r>
-                        </m:sup>
-                      </m:sSup>
-                      <m:sSup>
-                        <m:sSupPr>
-                          <m:ctrlPr>
-                            <a:rPr lang="en-US" i="1">
-                              <a:latin typeface="Cambria Math" panose="02040503050406030204" pitchFamily="18" charset="0"/>
-                            </a:rPr>
-                          </m:ctrlPr>
-                        </m:sSupPr>
-                        <m:e>
-                          <m:d>
-                            <m:dPr>
-                              <m:ctrlPr>
-                                <a:rPr lang="en-US" i="1">
-                                  <a:latin typeface="Cambria Math" panose="02040503050406030204" pitchFamily="18" charset="0"/>
-                                </a:rPr>
-                              </m:ctrlPr>
-                            </m:dPr>
-                            <m:e>
-                              <m:sSup>
-                                <m:sSupPr>
-                                  <m:ctrlPr>
-                                    <a:rPr lang="en-US" i="1">
-                                      <a:latin typeface="Cambria Math" panose="02040503050406030204" pitchFamily="18" charset="0"/>
-                                    </a:rPr>
-                                  </m:ctrlPr>
-                                </m:sSupPr>
-                                <m:e>
-                                  <m:r>
-                                    <a:rPr lang="en-US" i="1">
-                                      <a:latin typeface="Cambria Math" panose="02040503050406030204" pitchFamily="18" charset="0"/>
-                                    </a:rPr>
-                                    <m:t>𝑋</m:t>
-                                  </m:r>
-                                </m:e>
-                                <m:sup>
-                                  <m:r>
-                                    <a:rPr lang="en-US" i="1">
-                                      <a:latin typeface="Cambria Math" panose="02040503050406030204" pitchFamily="18" charset="0"/>
-                                    </a:rPr>
-                                    <m:t>𝑇</m:t>
-                                  </m:r>
-                                </m:sup>
-                              </m:sSup>
-                              <m:r>
-                                <a:rPr lang="en-US" i="1">
-                                  <a:latin typeface="Cambria Math" panose="02040503050406030204" pitchFamily="18" charset="0"/>
-                                </a:rPr>
-                                <m:t>𝑋</m:t>
-                              </m:r>
-                            </m:e>
-                          </m:d>
-                        </m:e>
-                        <m:sup>
-                          <m:r>
-                            <a:rPr lang="en-US" i="1">
-                              <a:latin typeface="Cambria Math" panose="02040503050406030204" pitchFamily="18" charset="0"/>
-                            </a:rPr>
-                            <m:t>−</m:t>
-                          </m:r>
-                          <m:r>
-                            <a:rPr lang="en-US" i="1">
-                              <a:latin typeface="Cambria Math" panose="02040503050406030204" pitchFamily="18" charset="0"/>
-                            </a:rPr>
-                            <m:t>1</m:t>
-                          </m:r>
-                        </m:sup>
-                      </m:sSup>
-                      <m:sSup>
-                        <m:sSupPr>
-                          <m:ctrlPr>
-                            <a:rPr lang="en-US" i="1">
-                              <a:latin typeface="Cambria Math" panose="02040503050406030204" pitchFamily="18" charset="0"/>
-                            </a:rPr>
-                          </m:ctrlPr>
-                        </m:sSupPr>
-                        <m:e>
-                          <m:r>
-                            <a:rPr lang="en-US" i="1">
-                              <a:latin typeface="Cambria Math" panose="02040503050406030204" pitchFamily="18" charset="0"/>
-                            </a:rPr>
-                            <m:t>𝑋</m:t>
-                          </m:r>
-                        </m:e>
-                        <m:sup>
-                          <m:r>
-                            <a:rPr lang="en-US" i="1">
-                              <a:latin typeface="Cambria Math" panose="02040503050406030204" pitchFamily="18" charset="0"/>
-                            </a:rPr>
-                            <m:t>𝑇</m:t>
-                          </m:r>
-                        </m:sup>
-                      </m:sSup>
-                      <m:r>
-                        <a:rPr lang="en-US" i="1">
-                          <a:latin typeface="Cambria Math" panose="02040503050406030204" pitchFamily="18" charset="0"/>
-                        </a:rPr>
-                        <m:t>𝑦</m:t>
-                      </m:r>
-                      <m:r>
-                        <a:rPr lang="en-US" b="0" i="1" smtClean="0">
-                          <a:latin typeface="Cambria Math" panose="02040503050406030204" pitchFamily="18" charset="0"/>
-                        </a:rPr>
-                        <m:t>=</m:t>
-                      </m:r>
-                      <m:r>
-                        <a:rPr lang="en-US" b="0" i="1" smtClean="0">
-                          <a:latin typeface="Cambria Math" panose="02040503050406030204" pitchFamily="18" charset="0"/>
-                        </a:rPr>
-                        <m:t>𝐸</m:t>
-                      </m:r>
-                      <m:d>
-                        <m:dPr>
-                          <m:ctrlPr>
-                            <a:rPr lang="en-US" b="0" i="1" smtClean="0">
-                              <a:latin typeface="Cambria Math" panose="02040503050406030204" pitchFamily="18" charset="0"/>
-                            </a:rPr>
-                          </m:ctrlPr>
-                        </m:dPr>
-                        <m:e>
-                          <m:sSup>
-                            <m:sSupPr>
-                              <m:ctrlPr>
-                                <a:rPr lang="en-US" b="0" i="1" smtClean="0">
-                                  <a:latin typeface="Cambria Math" panose="02040503050406030204" pitchFamily="18" charset="0"/>
-                                </a:rPr>
-                              </m:ctrlPr>
-                            </m:sSupPr>
-                            <m:e>
-                              <m:r>
-                                <a:rPr lang="en-US" b="0" i="1" smtClean="0">
-                                  <a:latin typeface="Cambria Math" panose="02040503050406030204" pitchFamily="18" charset="0"/>
-                                </a:rPr>
-                                <m:t>𝑎</m:t>
-                              </m:r>
-                            </m:e>
-                            <m:sup>
-                              <m:r>
-                                <a:rPr lang="en-US" b="0" i="1" smtClean="0">
-                                  <a:latin typeface="Cambria Math" panose="02040503050406030204" pitchFamily="18" charset="0"/>
-                                </a:rPr>
-                                <m:t>𝑇</m:t>
-                              </m:r>
-                            </m:sup>
-                          </m:sSup>
-                          <m:sSup>
-                            <m:sSupPr>
-                              <m:ctrlPr>
-                                <a:rPr lang="en-US" b="0" i="1" smtClean="0">
-                                  <a:latin typeface="Cambria Math" panose="02040503050406030204" pitchFamily="18" charset="0"/>
-                                </a:rPr>
-                              </m:ctrlPr>
-                            </m:sSupPr>
-                            <m:e>
-                              <m:d>
-                                <m:dPr>
-                                  <m:ctrlPr>
-                                    <a:rPr lang="en-US" b="0" i="1" smtClean="0">
-                                      <a:latin typeface="Cambria Math" panose="02040503050406030204" pitchFamily="18" charset="0"/>
-                                    </a:rPr>
-                                  </m:ctrlPr>
-                                </m:dPr>
-                                <m:e>
-                                  <m:sSup>
-                                    <m:sSupPr>
-                                      <m:ctrlPr>
-                                        <a:rPr lang="en-US" b="0" i="1" smtClean="0">
-                                          <a:latin typeface="Cambria Math" panose="02040503050406030204" pitchFamily="18" charset="0"/>
-                                        </a:rPr>
-                                      </m:ctrlPr>
-                                    </m:sSupPr>
-                                    <m:e>
-                                      <m:r>
-                                        <a:rPr lang="en-US" b="0" i="1" smtClean="0">
-                                          <a:latin typeface="Cambria Math" panose="02040503050406030204" pitchFamily="18" charset="0"/>
-                                        </a:rPr>
-                                        <m:t>𝑋</m:t>
-                                      </m:r>
-                                    </m:e>
-                                    <m:sup>
-                                      <m:r>
-                                        <a:rPr lang="en-US" b="0" i="1" smtClean="0">
-                                          <a:latin typeface="Cambria Math" panose="02040503050406030204" pitchFamily="18" charset="0"/>
-                                        </a:rPr>
-                                        <m:t>𝑇</m:t>
-                                      </m:r>
-                                    </m:sup>
-                                  </m:sSup>
-                                  <m:r>
-                                    <a:rPr lang="en-US" b="0" i="1" smtClean="0">
-                                      <a:latin typeface="Cambria Math" panose="02040503050406030204" pitchFamily="18" charset="0"/>
-                                    </a:rPr>
-                                    <m:t>𝑋</m:t>
-                                  </m:r>
-                                </m:e>
-                              </m:d>
-                            </m:e>
-                            <m:sup>
-                              <m:r>
-                                <a:rPr lang="en-US" b="0" i="1" smtClean="0">
-                                  <a:latin typeface="Cambria Math" panose="02040503050406030204" pitchFamily="18" charset="0"/>
-                                </a:rPr>
-                                <m:t>−</m:t>
-                              </m:r>
-                              <m:r>
-                                <a:rPr lang="en-US" b="0" i="1" smtClean="0">
-                                  <a:latin typeface="Cambria Math" panose="02040503050406030204" pitchFamily="18" charset="0"/>
-                                </a:rPr>
-                                <m:t>1</m:t>
-                              </m:r>
-                            </m:sup>
-                          </m:sSup>
-                          <m:sSup>
-                            <m:sSupPr>
-                              <m:ctrlPr>
-                                <a:rPr lang="en-US" b="0" i="1" smtClean="0">
-                                  <a:latin typeface="Cambria Math" panose="02040503050406030204" pitchFamily="18" charset="0"/>
-                                </a:rPr>
-                              </m:ctrlPr>
-                            </m:sSupPr>
-                            <m:e>
-                              <m:r>
-                                <a:rPr lang="en-US" b="0" i="1" smtClean="0">
-                                  <a:latin typeface="Cambria Math" panose="02040503050406030204" pitchFamily="18" charset="0"/>
-                                </a:rPr>
-                                <m:t>𝑋</m:t>
-                              </m:r>
-                            </m:e>
-                            <m:sup>
-                              <m:r>
-                                <a:rPr lang="en-US" b="0" i="1" smtClean="0">
-                                  <a:latin typeface="Cambria Math" panose="02040503050406030204" pitchFamily="18" charset="0"/>
-                                </a:rPr>
-                                <m:t>𝑇</m:t>
-                              </m:r>
-                            </m:sup>
-                          </m:sSup>
-                          <m:r>
-                            <a:rPr lang="en-US" b="0" i="1" smtClean="0">
-                              <a:latin typeface="Cambria Math" panose="02040503050406030204" pitchFamily="18" charset="0"/>
-                            </a:rPr>
-                            <m:t>𝑋</m:t>
-                          </m:r>
-                          <m:r>
-                            <a:rPr lang="en-US" b="0" i="1" smtClean="0">
-                              <a:latin typeface="Cambria Math" panose="02040503050406030204" pitchFamily="18" charset="0"/>
-                            </a:rPr>
-                            <m:t>𝛽</m:t>
-                          </m:r>
-                        </m:e>
-                      </m:d>
-                      <m:r>
-                        <a:rPr lang="en-US" b="0" i="1" smtClean="0">
-                          <a:latin typeface="Cambria Math" panose="02040503050406030204" pitchFamily="18" charset="0"/>
-                        </a:rPr>
-                        <m:t>=</m:t>
-                      </m:r>
-                      <m:r>
-                        <a:rPr lang="en-US" b="0" i="1" smtClean="0">
-                          <a:latin typeface="Cambria Math" panose="02040503050406030204" pitchFamily="18" charset="0"/>
-                        </a:rPr>
-                        <m:t>𝐸</m:t>
-                      </m:r>
-                      <m:sSup>
-                        <m:sSupPr>
-                          <m:ctrlPr>
-                            <a:rPr lang="en-US" b="0" i="1" smtClean="0">
-                              <a:latin typeface="Cambria Math" panose="02040503050406030204" pitchFamily="18" charset="0"/>
-                            </a:rPr>
-                          </m:ctrlPr>
-                        </m:sSupPr>
-                        <m:e>
-                          <m:r>
-                            <a:rPr lang="en-US" b="0" i="1" smtClean="0">
-                              <a:latin typeface="Cambria Math" panose="02040503050406030204" pitchFamily="18" charset="0"/>
-                            </a:rPr>
-                            <m:t>𝑎</m:t>
-                          </m:r>
-                        </m:e>
-                        <m:sup>
-                          <m:r>
-                            <a:rPr lang="en-US" b="0" i="1" smtClean="0">
-                              <a:latin typeface="Cambria Math" panose="02040503050406030204" pitchFamily="18" charset="0"/>
-                            </a:rPr>
-                            <m:t>𝑇</m:t>
-                          </m:r>
-                        </m:sup>
-                      </m:sSup>
-                      <m:r>
-                        <a:rPr lang="en-US" b="0" i="1" smtClean="0">
-                          <a:latin typeface="Cambria Math" panose="02040503050406030204" pitchFamily="18" charset="0"/>
-                        </a:rPr>
-                        <m:t>𝛽</m:t>
-                      </m:r>
-                    </m:oMath>
-                  </m:oMathPara>
-                </a14:m>
-                <a:endParaRPr lang="he-IL" dirty="0"/>
-              </a:p>
-            </p:txBody>
-          </p:sp>
-        </mc:Choice>
-        <mc:Fallback xmlns="">
-          <p:sp>
-            <p:nvSpPr>
-              <p:cNvPr id="3" name="Notes Placeholder 2"/>
-              <p:cNvSpPr>
-                <a:spLocks noGrp="1"/>
-              </p:cNvSpPr>
-              <p:nvPr>
-                <p:ph type="body" idx="1"/>
-              </p:nvPr>
-            </p:nvSpPr>
-            <p:spPr/>
-            <p:txBody>
-              <a:bodyPr/>
-              <a:lstStyle/>
-              <a:p>
-                <a:pPr rtl="0"/>
-                <a:r>
-                  <a:rPr lang="en-US" b="0" i="0" dirty="0" smtClean="0">
-                    <a:latin typeface="Cambria Math" panose="02040503050406030204" pitchFamily="18" charset="0"/>
-                  </a:rPr>
-                  <a:t>𝐸</a:t>
-                </a:r>
-                <a:r>
-                  <a:rPr lang="en-US" b="0" i="0" dirty="0" smtClean="0">
-                    <a:latin typeface="Cambria Math" panose="02040503050406030204" pitchFamily="18" charset="0"/>
-                  </a:rPr>
-                  <a:t>𝑎^𝑇</a:t>
-                </a:r>
-                <a:r>
-                  <a:rPr lang="en-US" b="0" i="0">
-                    <a:latin typeface="Cambria Math" panose="02040503050406030204" pitchFamily="18" charset="0"/>
-                  </a:rPr>
-                  <a:t> </a:t>
-                </a:r>
-                <a:r>
-                  <a:rPr lang="en-US" i="0">
-                    <a:latin typeface="Cambria Math" panose="02040503050406030204" pitchFamily="18" charset="0"/>
-                  </a:rPr>
-                  <a:t>(𝑋^𝑇 𝑋)^(−1) 𝑋^𝑇 𝑦</a:t>
-                </a:r>
-                <a:r>
-                  <a:rPr lang="en-US" b="0" i="0" smtClean="0">
-                    <a:latin typeface="Cambria Math" panose="02040503050406030204" pitchFamily="18" charset="0"/>
-                  </a:rPr>
-                  <a:t>=𝐸(𝑎^𝑇 (𝑋^𝑇 𝑋)^(−1) 𝑋^𝑇 𝑋𝛽)=𝐸𝑎^𝑇 𝛽</a:t>
-                </a:r>
-                <a:endParaRPr lang="he-IL" dirty="0"/>
-              </a:p>
-            </p:txBody>
-          </p:sp>
-        </mc:Fallback>
-      </mc:AlternateContent>
-      <p:sp>
-        <p:nvSpPr>
-          <p:cNvPr id="4" name="Slide Number Placeholder 3"/>
-          <p:cNvSpPr>
-            <a:spLocks noGrp="1"/>
-          </p:cNvSpPr>
-          <p:nvPr>
-            <p:ph type="sldNum" sz="quarter" idx="10"/>
-          </p:nvPr>
-        </p:nvSpPr>
-        <p:spPr/>
-        <p:txBody>
-          <a:bodyPr/>
-          <a:lstStyle/>
-          <a:p>
-            <a:fld id="{C4276747-8356-4D8F-84BF-3C530C5DAF39}" type="slidenum">
-              <a:rPr lang="he-IL" smtClean="0"/>
-              <a:t>22</a:t>
+              <a:t>23</a:t>
             </a:fld>
             <a:endParaRPr lang="he-IL"/>
           </a:p>
@@ -6648,6 +6691,10 @@
             <a:r>
               <a:rPr lang="en-US" sz="5400" u="sng" dirty="0"/>
               <a:t>Word of caution (2): </a:t>
+            </a:r>
+            <a:r>
+              <a:rPr lang="en-US" sz="5400" dirty="0"/>
+              <a:t/>
             </a:r>
             <a:br>
               <a:rPr lang="en-US" sz="5400" dirty="0"/>
@@ -9190,8 +9237,13 @@
           <a:p>
             <a:r>
               <a:rPr lang="en-US" dirty="0"/>
-              <a:t>Download the file from the LMS</a:t>
-            </a:r>
+              <a:t>Download the file from </a:t>
+            </a:r>
+            <a:r>
+              <a:rPr lang="en-US" dirty="0" smtClean="0"/>
+              <a:t>S3 (flight_prices.csv)</a:t>
+            </a:r>
+            <a:endParaRPr lang="en-US" dirty="0"/>
           </a:p>
           <a:p>
             <a:r>
@@ -11917,7 +11969,32 @@
           <a:bodyPr/>
           <a:lstStyle/>
           <a:p>
-            <a:endParaRPr lang="he-IL"/>
+            <a:r>
+              <a:rPr lang="en-US" dirty="0" smtClean="0"/>
+              <a:t>Sometimes our explanatory variables are correlated</a:t>
+            </a:r>
+          </a:p>
+          <a:p>
+            <a:r>
+              <a:rPr lang="en-US" dirty="0" smtClean="0"/>
+              <a:t>We may also get too many variables</a:t>
+            </a:r>
+          </a:p>
+          <a:p>
+            <a:r>
+              <a:rPr lang="en-US" dirty="0" smtClean="0"/>
+              <a:t>As discussed, feature selection is one option, another options is PCA</a:t>
+            </a:r>
+          </a:p>
+          <a:p>
+            <a:endParaRPr lang="en-US" dirty="0"/>
+          </a:p>
+          <a:p>
+            <a:r>
+              <a:rPr lang="en-US" dirty="0" smtClean="0"/>
+              <a:t>/class code/01-pca.Rmd</a:t>
+            </a:r>
+            <a:endParaRPr lang="he-IL" dirty="0"/>
           </a:p>
         </p:txBody>
       </p:sp>
@@ -11999,6 +12076,209 @@
       </p:grpSpPr>
       <p:sp>
         <p:nvSpPr>
+          <p:cNvPr id="2" name="Title 1">
+            <a:extLst>
+              <a:ext uri="{FF2B5EF4-FFF2-40B4-BE49-F238E27FC236}">
+                <a16:creationId xmlns:a16="http://schemas.microsoft.com/office/drawing/2014/main" id="{4845CB24-5373-4603-9DCF-706277B304EF}"/>
+              </a:ext>
+            </a:extLst>
+          </p:cNvPr>
+          <p:cNvSpPr>
+            <a:spLocks noGrp="1"/>
+          </p:cNvSpPr>
+          <p:nvPr>
+            <p:ph type="ctrTitle"/>
+          </p:nvPr>
+        </p:nvSpPr>
+        <p:spPr/>
+        <p:txBody>
+          <a:bodyPr/>
+          <a:lstStyle/>
+          <a:p>
+            <a:r>
+              <a:rPr lang="en-US" dirty="0" smtClean="0"/>
+              <a:t>Regularization methods</a:t>
+            </a:r>
+            <a:endParaRPr lang="en-IL" dirty="0"/>
+          </a:p>
+        </p:txBody>
+      </p:sp>
+      <mc:AlternateContent xmlns:mc="http://schemas.openxmlformats.org/markup-compatibility/2006" xmlns:a14="http://schemas.microsoft.com/office/drawing/2010/main">
+        <mc:Choice Requires="a14">
+          <p:sp>
+            <p:nvSpPr>
+              <p:cNvPr id="3" name="Content Placeholder 2">
+                <a:extLst>
+                  <a:ext uri="{FF2B5EF4-FFF2-40B4-BE49-F238E27FC236}">
+                    <a16:creationId xmlns:a16="http://schemas.microsoft.com/office/drawing/2014/main" id="{7599A068-F72C-4867-AEF4-1896408D88E6}"/>
+                  </a:ext>
+                </a:extLst>
+              </p:cNvPr>
+              <p:cNvSpPr>
+                <a:spLocks noGrp="1"/>
+              </p:cNvSpPr>
+              <p:nvPr>
+                <p:ph type="subTitle" idx="1"/>
+              </p:nvPr>
+            </p:nvSpPr>
+            <p:spPr/>
+            <p:txBody>
+              <a:bodyPr/>
+              <a:lstStyle/>
+              <a:p>
+                <a:r>
+                  <a:rPr lang="en-US" dirty="0"/>
+                  <a:t>Imposing penalties or constraints on the </a:t>
+                </a:r>
+                <a14:m>
+                  <m:oMath xmlns:m="http://schemas.openxmlformats.org/officeDocument/2006/math">
+                    <m:r>
+                      <a:rPr lang="en-US" b="0" i="1" smtClean="0">
+                        <a:latin typeface="Cambria Math" panose="02040503050406030204" pitchFamily="18" charset="0"/>
+                      </a:rPr>
+                      <m:t>𝛽</m:t>
+                    </m:r>
+                  </m:oMath>
+                </a14:m>
+                <a:r>
+                  <a:rPr lang="en-US" dirty="0"/>
+                  <a:t> coefficients.</a:t>
+                </a:r>
+                <a:endParaRPr lang="en-IL" dirty="0"/>
+              </a:p>
+            </p:txBody>
+          </p:sp>
+        </mc:Choice>
+        <mc:Fallback xmlns="">
+          <p:sp>
+            <p:nvSpPr>
+              <p:cNvPr id="3" name="Content Placeholder 2">
+                <a:extLst>
+                  <a:ext uri="{FF2B5EF4-FFF2-40B4-BE49-F238E27FC236}">
+                    <a16:creationId xmlns:a16="http://schemas.microsoft.com/office/drawing/2014/main" id="{7599A068-F72C-4867-AEF4-1896408D88E6}"/>
+                  </a:ext>
+                </a:extLst>
+              </p:cNvPr>
+              <p:cNvSpPr>
+                <a:spLocks noGrp="1" noRot="1" noChangeAspect="1" noMove="1" noResize="1" noEditPoints="1" noAdjustHandles="1" noChangeArrowheads="1" noChangeShapeType="1" noTextEdit="1"/>
+              </p:cNvSpPr>
+              <p:nvPr>
+                <p:ph idx="1"/>
+              </p:nvPr>
+            </p:nvSpPr>
+            <p:spPr>
+              <a:blipFill>
+                <a:blip r:embed="rId2"/>
+                <a:stretch>
+                  <a:fillRect l="-303" t="-1504"/>
+                </a:stretch>
+              </a:blipFill>
+            </p:spPr>
+            <p:txBody>
+              <a:bodyPr/>
+              <a:lstStyle/>
+              <a:p>
+                <a:r>
+                  <a:rPr lang="en-IL">
+                    <a:noFill/>
+                  </a:rPr>
+                  <a:t> </a:t>
+                </a:r>
+              </a:p>
+            </p:txBody>
+          </p:sp>
+        </mc:Fallback>
+      </mc:AlternateContent>
+      <p:sp>
+        <p:nvSpPr>
+          <p:cNvPr id="4" name="Footer Placeholder 3">
+            <a:extLst>
+              <a:ext uri="{FF2B5EF4-FFF2-40B4-BE49-F238E27FC236}">
+                <a16:creationId xmlns:a16="http://schemas.microsoft.com/office/drawing/2014/main" id="{90E31FC7-636A-4A88-9C04-0D11D8F97A2D}"/>
+              </a:ext>
+            </a:extLst>
+          </p:cNvPr>
+          <p:cNvSpPr>
+            <a:spLocks noGrp="1"/>
+          </p:cNvSpPr>
+          <p:nvPr>
+            <p:ph type="ftr" sz="quarter" idx="11"/>
+          </p:nvPr>
+        </p:nvSpPr>
+        <p:spPr/>
+        <p:txBody>
+          <a:bodyPr/>
+          <a:lstStyle/>
+          <a:p>
+            <a:r>
+              <a:rPr lang="en-US"/>
+              <a:t>Materials by Adi Sarid https://adisarid.github.io and http://www.sarid-ins.com</a:t>
+            </a:r>
+            <a:endParaRPr lang="en-US" dirty="0"/>
+          </a:p>
+        </p:txBody>
+      </p:sp>
+      <p:sp>
+        <p:nvSpPr>
+          <p:cNvPr id="5" name="Slide Number Placeholder 4">
+            <a:extLst>
+              <a:ext uri="{FF2B5EF4-FFF2-40B4-BE49-F238E27FC236}">
+                <a16:creationId xmlns:a16="http://schemas.microsoft.com/office/drawing/2014/main" id="{570B64F1-F326-4F73-982A-5CC370E6464B}"/>
+              </a:ext>
+            </a:extLst>
+          </p:cNvPr>
+          <p:cNvSpPr>
+            <a:spLocks noGrp="1"/>
+          </p:cNvSpPr>
+          <p:nvPr>
+            <p:ph type="sldNum" sz="quarter" idx="12"/>
+          </p:nvPr>
+        </p:nvSpPr>
+        <p:spPr/>
+        <p:txBody>
+          <a:bodyPr/>
+          <a:lstStyle/>
+          <a:p>
+            <a:fld id="{4FAB73BC-B049-4115-A692-8D63A059BFB8}" type="slidenum">
+              <a:rPr lang="en-US" smtClean="0"/>
+              <a:t>21</a:t>
+            </a:fld>
+            <a:endParaRPr lang="en-US" dirty="0"/>
+          </a:p>
+        </p:txBody>
+      </p:sp>
+    </p:spTree>
+    <p:extLst>
+      <p:ext uri="{BB962C8B-B14F-4D97-AF65-F5344CB8AC3E}">
+        <p14:creationId xmlns:p14="http://schemas.microsoft.com/office/powerpoint/2010/main" val="1084178654"/>
+      </p:ext>
+    </p:extLst>
+  </p:cSld>
+  <p:clrMapOvr>
+    <a:masterClrMapping/>
+  </p:clrMapOvr>
+</p:sld>
+</file>
+
+<file path=ppt/slides/slide22.xml><?xml version="1.0" encoding="utf-8"?>
+<p:sld xmlns:a="http://schemas.openxmlformats.org/drawingml/2006/main" xmlns:r="http://schemas.openxmlformats.org/officeDocument/2006/relationships" xmlns:p="http://schemas.openxmlformats.org/presentationml/2006/main">
+  <p:cSld>
+    <p:spTree>
+      <p:nvGrpSpPr>
+        <p:cNvPr id="1" name=""/>
+        <p:cNvGrpSpPr/>
+        <p:nvPr/>
+      </p:nvGrpSpPr>
+      <p:grpSpPr>
+        <a:xfrm>
+          <a:off x="0" y="0"/>
+          <a:ext cx="0" cy="0"/>
+          <a:chOff x="0" y="0"/>
+          <a:chExt cx="0" cy="0"/>
+        </a:xfrm>
+      </p:grpSpPr>
+      <p:sp>
+        <p:nvSpPr>
           <p:cNvPr id="2" name="Title 1"/>
           <p:cNvSpPr>
             <a:spLocks noGrp="1"/>
@@ -12015,15 +12295,15 @@
           <a:lstStyle/>
           <a:p>
             <a:r>
-              <a:rPr lang="en-US" sz="4400" dirty="0"/>
-              <a:t>Some properties of linear regression</a:t>
+              <a:rPr lang="en-US" sz="4400" dirty="0" smtClean="0"/>
+              <a:t>The Bias-Variance tradeoff</a:t>
             </a:r>
             <a:endParaRPr lang="he-IL" sz="4400" dirty="0"/>
           </a:p>
         </p:txBody>
       </p:sp>
-      <mc:AlternateContent xmlns:mc="http://schemas.openxmlformats.org/markup-compatibility/2006" xmlns:a14="http://schemas.microsoft.com/office/drawing/2010/main">
-        <mc:Choice Requires="a14">
+      <mc:AlternateContent xmlns:mc="http://schemas.openxmlformats.org/markup-compatibility/2006">
+        <mc:Choice xmlns:a14="http://schemas.microsoft.com/office/drawing/2010/main" Requires="a14">
           <p:sp>
             <p:nvSpPr>
               <p:cNvPr id="3" name="Content Placeholder 2"/>
@@ -12047,7 +12327,7 @@
               <a:lstStyle/>
               <a:p>
                 <a:r>
-                  <a:rPr lang="en-US" dirty="0"/>
+                  <a:rPr lang="en-US" dirty="0" smtClean="0"/>
                   <a:t>The linear regression estimate</a:t>
                 </a:r>
                 <a:r>
@@ -12385,9 +12665,51 @@
                   <a:buNone/>
                 </a:pPr>
                 <a:r>
+                  <a:rPr lang="en-US" dirty="0" smtClean="0"/>
+                  <a:t>In </a:t>
+                </a:r>
+                <a:r>
                   <a:rPr lang="en-US" dirty="0"/>
-                  <a:t>Or in the regression case:</a:t>
+                  <a:t>the regression </a:t>
                 </a:r>
+                <a:r>
+                  <a:rPr lang="en-US" dirty="0" smtClean="0"/>
+                  <a:t>case assuming a fixed point </a:t>
+                </a:r>
+                <a14:m>
+                  <m:oMath xmlns:m="http://schemas.openxmlformats.org/officeDocument/2006/math">
+                    <m:sSub>
+                      <m:sSubPr>
+                        <m:ctrlPr>
+                          <a:rPr lang="en-US" b="0" i="1" smtClean="0">
+                            <a:latin typeface="Cambria Math" panose="02040503050406030204" pitchFamily="18" charset="0"/>
+                          </a:rPr>
+                        </m:ctrlPr>
+                      </m:sSubPr>
+                      <m:e>
+                        <m:r>
+                          <a:rPr lang="en-US" b="0" i="1" smtClean="0">
+                            <a:latin typeface="Cambria Math" panose="02040503050406030204" pitchFamily="18" charset="0"/>
+                          </a:rPr>
+                          <m:t>𝑥</m:t>
+                        </m:r>
+                      </m:e>
+                      <m:sub>
+                        <m:r>
+                          <a:rPr lang="en-US" b="0" i="1" smtClean="0">
+                            <a:latin typeface="Cambria Math" panose="02040503050406030204" pitchFamily="18" charset="0"/>
+                          </a:rPr>
+                          <m:t>0</m:t>
+                        </m:r>
+                      </m:sub>
+                    </m:sSub>
+                  </m:oMath>
+                </a14:m>
+                <a:r>
+                  <a:rPr lang="en-US" dirty="0" smtClean="0"/>
+                  <a:t>:</a:t>
+                </a:r>
+                <a:endParaRPr lang="en-US" dirty="0"/>
               </a:p>
               <a:p>
                 <a:pPr marL="0" indent="0">
@@ -12411,6 +12733,12 @@
                         </a:rPr>
                         <m:t>𝐸</m:t>
                       </m:r>
+                      <m:r>
+                        <a:rPr lang="en-US" b="0" i="1" smtClean="0">
+                          <a:latin typeface="Cambria Math" panose="02040503050406030204" pitchFamily="18" charset="0"/>
+                        </a:rPr>
+                        <m:t>[</m:t>
+                      </m:r>
                       <m:sSup>
                         <m:sSupPr>
                           <m:ctrlPr>
@@ -12433,7 +12761,7 @@
                                 <a:rPr lang="en-US" b="0" i="1" smtClean="0">
                                   <a:latin typeface="Cambria Math" panose="02040503050406030204" pitchFamily="18" charset="0"/>
                                 </a:rPr>
-                                <m:t>𝑦</m:t>
+                                <m:t>𝑌</m:t>
                               </m:r>
                               <m:r>
                                 <a:rPr lang="en-US" b="0" i="1" smtClean="0">
@@ -12468,12 +12796,31 @@
                                   </m:ctrlPr>
                                 </m:dPr>
                                 <m:e>
-                                  <m:r>
-                                    <a:rPr lang="en-US" b="0" i="1" smtClean="0">
-                                      <a:latin typeface="Cambria Math" panose="02040503050406030204" pitchFamily="18" charset="0"/>
-                                    </a:rPr>
-                                    <m:t>𝑥</m:t>
-                                  </m:r>
+                                  <m:sSub>
+                                    <m:sSubPr>
+                                      <m:ctrlPr>
+                                        <a:rPr lang="en-US" b="0" i="1" smtClean="0">
+                                          <a:latin typeface="Cambria Math" panose="02040503050406030204" pitchFamily="18" charset="0"/>
+                                        </a:rPr>
+                                      </m:ctrlPr>
+                                    </m:sSubPr>
+                                    <m:e>
+                                      <m:r>
+                                        <a:rPr lang="en-US" b="0" i="1" smtClean="0">
+                                          <a:latin typeface="Cambria Math" panose="02040503050406030204" pitchFamily="18" charset="0"/>
+                                        </a:rPr>
+                                        <m:t>𝑥</m:t>
+                                      </m:r>
+                                    </m:e>
+                                    <m:sub>
+                                      <m:r>
+                                        <a:rPr lang="en-US" b="0" i="1" smtClean="0">
+                                          <a:latin typeface="Cambria Math" panose="02040503050406030204" pitchFamily="18" charset="0"/>
+                                        </a:rPr>
+                                        <m:t>0</m:t>
+                                      </m:r>
+                                    </m:sub>
+                                  </m:sSub>
                                 </m:e>
                               </m:d>
                             </m:e>
@@ -12488,6 +12835,55 @@
                           </m:r>
                         </m:sup>
                       </m:sSup>
+                      <m:r>
+                        <a:rPr lang="en-US" b="0" i="1" smtClean="0">
+                          <a:latin typeface="Cambria Math" panose="02040503050406030204" pitchFamily="18" charset="0"/>
+                        </a:rPr>
+                        <m:t>|</m:t>
+                      </m:r>
+                      <m:r>
+                        <a:rPr lang="en-US" b="0" i="1" smtClean="0">
+                          <a:latin typeface="Cambria Math" panose="02040503050406030204" pitchFamily="18" charset="0"/>
+                        </a:rPr>
+                        <m:t>𝑋</m:t>
+                      </m:r>
+                      <m:r>
+                        <a:rPr lang="en-US" b="0" i="1" smtClean="0">
+                          <a:latin typeface="Cambria Math" panose="02040503050406030204" pitchFamily="18" charset="0"/>
+                        </a:rPr>
+                        <m:t>=</m:t>
+                      </m:r>
+                      <m:sSub>
+                        <m:sSubPr>
+                          <m:ctrlPr>
+                            <a:rPr lang="en-US" b="0" i="1" smtClean="0">
+                              <a:latin typeface="Cambria Math" panose="02040503050406030204" pitchFamily="18" charset="0"/>
+                            </a:rPr>
+                          </m:ctrlPr>
+                        </m:sSubPr>
+                        <m:e>
+                          <m:r>
+                            <a:rPr lang="en-US" b="0" i="1" smtClean="0">
+                              <a:latin typeface="Cambria Math" panose="02040503050406030204" pitchFamily="18" charset="0"/>
+                            </a:rPr>
+                            <m:t>𝑥</m:t>
+                          </m:r>
+                        </m:e>
+                        <m:sub>
+                          <m:r>
+                            <a:rPr lang="en-US" b="0" i="1" smtClean="0">
+                              <a:latin typeface="Cambria Math" panose="02040503050406030204" pitchFamily="18" charset="0"/>
+                            </a:rPr>
+                            <m:t>0</m:t>
+                          </m:r>
+                        </m:sub>
+                      </m:sSub>
+                      <m:r>
+                        <a:rPr lang="en-US" b="0" i="1" smtClean="0">
+                          <a:latin typeface="Cambria Math" panose="02040503050406030204" pitchFamily="18" charset="0"/>
+                        </a:rPr>
+                        <m:t>] </m:t>
+                      </m:r>
                       <m:r>
                         <a:rPr lang="en-US" b="0" i="1" smtClean="0">
                           <a:latin typeface="Cambria Math" panose="02040503050406030204" pitchFamily="18" charset="0"/>
@@ -12539,12 +12935,31 @@
                               </m:ctrlPr>
                             </m:dPr>
                             <m:e>
-                              <m:r>
-                                <a:rPr lang="en-US" b="0" i="1" smtClean="0">
-                                  <a:latin typeface="Cambria Math" panose="02040503050406030204" pitchFamily="18" charset="0"/>
-                                </a:rPr>
-                                <m:t>𝑥</m:t>
-                              </m:r>
+                              <m:sSub>
+                                <m:sSubPr>
+                                  <m:ctrlPr>
+                                    <a:rPr lang="en-US" b="0" i="1" smtClean="0">
+                                      <a:latin typeface="Cambria Math" panose="02040503050406030204" pitchFamily="18" charset="0"/>
+                                    </a:rPr>
+                                  </m:ctrlPr>
+                                </m:sSubPr>
+                                <m:e>
+                                  <m:r>
+                                    <a:rPr lang="en-US" b="0" i="1" smtClean="0">
+                                      <a:latin typeface="Cambria Math" panose="02040503050406030204" pitchFamily="18" charset="0"/>
+                                    </a:rPr>
+                                    <m:t>𝑥</m:t>
+                                  </m:r>
+                                </m:e>
+                                <m:sub>
+                                  <m:r>
+                                    <a:rPr lang="en-US" b="0" i="1" smtClean="0">
+                                      <a:latin typeface="Cambria Math" panose="02040503050406030204" pitchFamily="18" charset="0"/>
+                                    </a:rPr>
+                                    <m:t>0</m:t>
+                                  </m:r>
+                                </m:sub>
+                              </m:sSub>
                             </m:e>
                           </m:d>
                         </m:e>
@@ -12615,12 +13030,31 @@
                             </a:rPr>
                             <m:t>(</m:t>
                           </m:r>
-                          <m:r>
-                            <a:rPr lang="en-US" b="0" i="1" dirty="0" smtClean="0">
-                              <a:latin typeface="Cambria Math" panose="02040503050406030204" pitchFamily="18" charset="0"/>
-                            </a:rPr>
-                            <m:t>𝑥</m:t>
-                          </m:r>
+                          <m:sSub>
+                            <m:sSubPr>
+                              <m:ctrlPr>
+                                <a:rPr lang="en-US" b="0" i="1" dirty="0" smtClean="0">
+                                  <a:latin typeface="Cambria Math" panose="02040503050406030204" pitchFamily="18" charset="0"/>
+                                </a:rPr>
+                              </m:ctrlPr>
+                            </m:sSubPr>
+                            <m:e>
+                              <m:r>
+                                <a:rPr lang="en-US" b="0" i="1" dirty="0" smtClean="0">
+                                  <a:latin typeface="Cambria Math" panose="02040503050406030204" pitchFamily="18" charset="0"/>
+                                </a:rPr>
+                                <m:t>𝑥</m:t>
+                              </m:r>
+                            </m:e>
+                            <m:sub>
+                              <m:r>
+                                <a:rPr lang="en-US" b="0" i="1" dirty="0" smtClean="0">
+                                  <a:latin typeface="Cambria Math" panose="02040503050406030204" pitchFamily="18" charset="0"/>
+                                </a:rPr>
+                                <m:t>0</m:t>
+                              </m:r>
+                            </m:sub>
+                          </m:sSub>
                           <m:r>
                             <a:rPr lang="en-US" b="0" i="1" dirty="0" smtClean="0">
                               <a:latin typeface="Cambria Math" panose="02040503050406030204" pitchFamily="18" charset="0"/>
@@ -12678,7 +13112,7 @@
             </p:txBody>
           </p:sp>
         </mc:Choice>
-        <mc:Fallback xmlns="">
+        <mc:Fallback>
           <p:sp>
             <p:nvSpPr>
               <p:cNvPr id="3" name="Content Placeholder 2"/>
@@ -12706,7 +13140,7 @@
               <a:lstStyle/>
               <a:p>
                 <a:r>
-                  <a:rPr lang="en-IL">
+                  <a:rPr lang="he-IL">
                     <a:noFill/>
                   </a:rPr>
                   <a:t> </a:t>
@@ -12756,7 +13190,7 @@
           <a:p>
             <a:fld id="{4FAB73BC-B049-4115-A692-8D63A059BFB8}" type="slidenum">
               <a:rPr lang="en-US" smtClean="0"/>
-              <a:t>21</a:t>
+              <a:t>22</a:t>
             </a:fld>
             <a:endParaRPr lang="en-US" dirty="0"/>
           </a:p>
@@ -12776,8 +13210,8 @@
         </p:nvCxnSpPr>
         <p:spPr>
           <a:xfrm flipH="1" flipV="1">
-            <a:off x="8890000" y="5181600"/>
-            <a:ext cx="609600" cy="768350"/>
+            <a:off x="9294607" y="5185186"/>
+            <a:ext cx="204993" cy="764764"/>
           </a:xfrm>
           <a:prstGeom prst="straightConnector1">
             <a:avLst/>
@@ -12816,7 +13250,7 @@
         <p:spPr>
           <a:xfrm>
             <a:off x="8483135" y="5964793"/>
-            <a:ext cx="2032929" cy="369332"/>
+            <a:ext cx="2165978" cy="369332"/>
           </a:xfrm>
           <a:prstGeom prst="rect">
             <a:avLst/>
@@ -12830,10 +13264,10 @@
           <a:lstStyle/>
           <a:p>
             <a:r>
-              <a:rPr lang="en-US" dirty="0"/>
+              <a:rPr lang="en-US" b="1" dirty="0"/>
               <a:t>Irreducible error</a:t>
             </a:r>
-            <a:endParaRPr lang="en-IL" dirty="0"/>
+            <a:endParaRPr lang="en-IL" b="1" dirty="0"/>
           </a:p>
         </p:txBody>
       </p:sp>
@@ -12852,7 +13286,7 @@
         <p:spPr>
           <a:xfrm>
             <a:off x="4251960" y="5964793"/>
-            <a:ext cx="1883849" cy="369332"/>
+            <a:ext cx="2005677" cy="369332"/>
           </a:xfrm>
           <a:prstGeom prst="rect">
             <a:avLst/>
@@ -12866,10 +13300,10 @@
           <a:lstStyle/>
           <a:p>
             <a:r>
-              <a:rPr lang="en-US" dirty="0"/>
+              <a:rPr lang="en-US" b="1" dirty="0"/>
               <a:t>Model variance</a:t>
             </a:r>
-            <a:endParaRPr lang="en-IL" dirty="0"/>
+            <a:endParaRPr lang="en-IL" b="1" dirty="0"/>
           </a:p>
         </p:txBody>
       </p:sp>
@@ -12888,7 +13322,7 @@
         <p:spPr>
           <a:xfrm>
             <a:off x="6472811" y="5964793"/>
-            <a:ext cx="1398140" cy="369332"/>
+            <a:ext cx="1459054" cy="369332"/>
           </a:xfrm>
           <a:prstGeom prst="rect">
             <a:avLst/>
@@ -12902,10 +13336,10 @@
           <a:lstStyle/>
           <a:p>
             <a:r>
-              <a:rPr lang="en-US" dirty="0"/>
+              <a:rPr lang="en-US" b="1" dirty="0"/>
               <a:t>Model bias</a:t>
             </a:r>
-            <a:endParaRPr lang="en-IL" dirty="0"/>
+            <a:endParaRPr lang="en-IL" b="1" dirty="0"/>
           </a:p>
         </p:txBody>
       </p:sp>
@@ -12925,8 +13359,8 @@
         </p:nvCxnSpPr>
         <p:spPr>
           <a:xfrm flipV="1">
-            <a:off x="7171881" y="5181600"/>
-            <a:ext cx="0" cy="783193"/>
+            <a:off x="7202338" y="5217459"/>
+            <a:ext cx="414076" cy="747334"/>
           </a:xfrm>
           <a:prstGeom prst="straightConnector1">
             <a:avLst/>
@@ -12966,8 +13400,8 @@
         </p:nvCxnSpPr>
         <p:spPr>
           <a:xfrm flipV="1">
-            <a:off x="5193885" y="5283200"/>
-            <a:ext cx="279815" cy="681593"/>
+            <a:off x="5254799" y="5217459"/>
+            <a:ext cx="704937" cy="747334"/>
           </a:xfrm>
           <a:prstGeom prst="straightConnector1">
             <a:avLst/>
@@ -13004,7 +13438,7 @@
 </p:sld>
 </file>
 
-<file path=ppt/slides/slide22.xml><?xml version="1.0" encoding="utf-8"?>
+<file path=ppt/slides/slide23.xml><?xml version="1.0" encoding="utf-8"?>
 <p:sld xmlns:a="http://schemas.openxmlformats.org/drawingml/2006/main" xmlns:r="http://schemas.openxmlformats.org/officeDocument/2006/relationships" xmlns:p="http://schemas.openxmlformats.org/presentationml/2006/main">
   <p:cSld>
     <p:spTree>
@@ -13046,8 +13480,8 @@
           </a:p>
         </p:txBody>
       </p:sp>
-      <mc:AlternateContent xmlns:mc="http://schemas.openxmlformats.org/markup-compatibility/2006" xmlns:a14="http://schemas.microsoft.com/office/drawing/2010/main">
-        <mc:Choice Requires="a14">
+      <mc:AlternateContent xmlns:mc="http://schemas.openxmlformats.org/markup-compatibility/2006">
+        <mc:Choice xmlns:a14="http://schemas.microsoft.com/office/drawing/2010/main" Requires="a14">
           <p:sp>
             <p:nvSpPr>
               <p:cNvPr id="3" name="Content Placeholder 2"/>
@@ -13182,13 +13616,36 @@
                 </a14:m>
                 <a:r>
                   <a:rPr lang="en-US" dirty="0"/>
-                  <a:t> by using biased estimates</a:t>
+                  <a:t> by using </a:t>
                 </a:r>
+                <a:r>
+                  <a:rPr lang="en-US" b="1" dirty="0"/>
+                  <a:t>biased </a:t>
+                </a:r>
+                <a:r>
+                  <a:rPr lang="en-US" b="1" dirty="0" smtClean="0"/>
+                  <a:t>estimates</a:t>
+                </a:r>
+                <a:r>
+                  <a:rPr lang="en-US" dirty="0" smtClean="0"/>
+                  <a:t> which have a </a:t>
+                </a:r>
+                <a:r>
+                  <a:rPr lang="en-US" b="1" dirty="0" smtClean="0"/>
+                  <a:t>much lower variance</a:t>
+                </a:r>
+              </a:p>
+              <a:p>
+                <a:r>
+                  <a:rPr lang="en-US" dirty="0" smtClean="0"/>
+                  <a:t>How would we achieve that? by “penalizing” large coefficients.</a:t>
+                </a:r>
+                <a:endParaRPr lang="en-US" dirty="0"/>
               </a:p>
             </p:txBody>
           </p:sp>
         </mc:Choice>
-        <mc:Fallback xmlns="">
+        <mc:Fallback>
           <p:sp>
             <p:nvSpPr>
               <p:cNvPr id="3" name="Content Placeholder 2"/>
@@ -13216,7 +13673,7 @@
               <a:lstStyle/>
               <a:p>
                 <a:r>
-                  <a:rPr lang="en-IL">
+                  <a:rPr lang="he-IL">
                     <a:noFill/>
                   </a:rPr>
                   <a:t> </a:t>
@@ -13266,7 +13723,7 @@
           <a:p>
             <a:fld id="{4FAB73BC-B049-4115-A692-8D63A059BFB8}" type="slidenum">
               <a:rPr lang="en-US" smtClean="0"/>
-              <a:t>22</a:t>
+              <a:t>23</a:t>
             </a:fld>
             <a:endParaRPr lang="en-US" dirty="0"/>
           </a:p>
@@ -13276,209 +13733,6 @@
     <p:extLst>
       <p:ext uri="{BB962C8B-B14F-4D97-AF65-F5344CB8AC3E}">
         <p14:creationId xmlns:p14="http://schemas.microsoft.com/office/powerpoint/2010/main" val="3068560513"/>
-      </p:ext>
-    </p:extLst>
-  </p:cSld>
-  <p:clrMapOvr>
-    <a:masterClrMapping/>
-  </p:clrMapOvr>
-</p:sld>
-</file>
-
-<file path=ppt/slides/slide23.xml><?xml version="1.0" encoding="utf-8"?>
-<p:sld xmlns:a="http://schemas.openxmlformats.org/drawingml/2006/main" xmlns:r="http://schemas.openxmlformats.org/officeDocument/2006/relationships" xmlns:p="http://schemas.openxmlformats.org/presentationml/2006/main">
-  <p:cSld>
-    <p:spTree>
-      <p:nvGrpSpPr>
-        <p:cNvPr id="1" name=""/>
-        <p:cNvGrpSpPr/>
-        <p:nvPr/>
-      </p:nvGrpSpPr>
-      <p:grpSpPr>
-        <a:xfrm>
-          <a:off x="0" y="0"/>
-          <a:ext cx="0" cy="0"/>
-          <a:chOff x="0" y="0"/>
-          <a:chExt cx="0" cy="0"/>
-        </a:xfrm>
-      </p:grpSpPr>
-      <p:sp>
-        <p:nvSpPr>
-          <p:cNvPr id="2" name="Title 1">
-            <a:extLst>
-              <a:ext uri="{FF2B5EF4-FFF2-40B4-BE49-F238E27FC236}">
-                <a16:creationId xmlns:a16="http://schemas.microsoft.com/office/drawing/2014/main" id="{4845CB24-5373-4603-9DCF-706277B304EF}"/>
-              </a:ext>
-            </a:extLst>
-          </p:cNvPr>
-          <p:cNvSpPr>
-            <a:spLocks noGrp="1"/>
-          </p:cNvSpPr>
-          <p:nvPr>
-            <p:ph type="title"/>
-          </p:nvPr>
-        </p:nvSpPr>
-        <p:spPr/>
-        <p:txBody>
-          <a:bodyPr/>
-          <a:lstStyle/>
-          <a:p>
-            <a:r>
-              <a:rPr lang="en-US" dirty="0"/>
-              <a:t>Comes – regularization</a:t>
-            </a:r>
-            <a:endParaRPr lang="en-IL" dirty="0"/>
-          </a:p>
-        </p:txBody>
-      </p:sp>
-      <mc:AlternateContent xmlns:mc="http://schemas.openxmlformats.org/markup-compatibility/2006">
-        <mc:Choice xmlns:a14="http://schemas.microsoft.com/office/drawing/2010/main" Requires="a14">
-          <p:sp>
-            <p:nvSpPr>
-              <p:cNvPr id="3" name="Content Placeholder 2">
-                <a:extLst>
-                  <a:ext uri="{FF2B5EF4-FFF2-40B4-BE49-F238E27FC236}">
-                    <a16:creationId xmlns:a16="http://schemas.microsoft.com/office/drawing/2014/main" id="{7599A068-F72C-4867-AEF4-1896408D88E6}"/>
-                  </a:ext>
-                </a:extLst>
-              </p:cNvPr>
-              <p:cNvSpPr>
-                <a:spLocks noGrp="1"/>
-              </p:cNvSpPr>
-              <p:nvPr>
-                <p:ph idx="1"/>
-              </p:nvPr>
-            </p:nvSpPr>
-            <p:spPr/>
-            <p:txBody>
-              <a:bodyPr/>
-              <a:lstStyle/>
-              <a:p>
-                <a:r>
-                  <a:rPr lang="en-US" dirty="0"/>
-                  <a:t>Imposing penalties or constraints on the </a:t>
-                </a:r>
-                <a14:m>
-                  <m:oMath xmlns:m="http://schemas.openxmlformats.org/officeDocument/2006/math">
-                    <m:r>
-                      <a:rPr lang="en-US" b="0" i="1" smtClean="0">
-                        <a:latin typeface="Cambria Math" panose="02040503050406030204" pitchFamily="18" charset="0"/>
-                      </a:rPr>
-                      <m:t>𝛽</m:t>
-                    </m:r>
-                  </m:oMath>
-                </a14:m>
-                <a:r>
-                  <a:rPr lang="en-US" dirty="0"/>
-                  <a:t> coefficients.</a:t>
-                </a:r>
-                <a:endParaRPr lang="en-IL" dirty="0"/>
-              </a:p>
-            </p:txBody>
-          </p:sp>
-        </mc:Choice>
-        <mc:Fallback>
-          <p:sp>
-            <p:nvSpPr>
-              <p:cNvPr id="3" name="Content Placeholder 2">
-                <a:extLst>
-                  <a:ext uri="{FF2B5EF4-FFF2-40B4-BE49-F238E27FC236}">
-                    <a16:creationId xmlns:a16="http://schemas.microsoft.com/office/drawing/2014/main" id="{7599A068-F72C-4867-AEF4-1896408D88E6}"/>
-                  </a:ext>
-                </a:extLst>
-              </p:cNvPr>
-              <p:cNvSpPr>
-                <a:spLocks noGrp="1" noRot="1" noChangeAspect="1" noMove="1" noResize="1" noEditPoints="1" noAdjustHandles="1" noChangeArrowheads="1" noChangeShapeType="1" noTextEdit="1"/>
-              </p:cNvSpPr>
-              <p:nvPr>
-                <p:ph idx="1"/>
-              </p:nvPr>
-            </p:nvSpPr>
-            <p:spPr>
-              <a:blipFill>
-                <a:blip r:embed="rId2"/>
-                <a:stretch>
-                  <a:fillRect l="-303" t="-1504"/>
-                </a:stretch>
-              </a:blipFill>
-            </p:spPr>
-            <p:txBody>
-              <a:bodyPr/>
-              <a:lstStyle/>
-              <a:p>
-                <a:r>
-                  <a:rPr lang="en-IL">
-                    <a:noFill/>
-                  </a:rPr>
-                  <a:t> </a:t>
-                </a:r>
-              </a:p>
-            </p:txBody>
-          </p:sp>
-        </mc:Fallback>
-      </mc:AlternateContent>
-      <p:sp>
-        <p:nvSpPr>
-          <p:cNvPr id="4" name="Footer Placeholder 3">
-            <a:extLst>
-              <a:ext uri="{FF2B5EF4-FFF2-40B4-BE49-F238E27FC236}">
-                <a16:creationId xmlns:a16="http://schemas.microsoft.com/office/drawing/2014/main" id="{90E31FC7-636A-4A88-9C04-0D11D8F97A2D}"/>
-              </a:ext>
-            </a:extLst>
-          </p:cNvPr>
-          <p:cNvSpPr>
-            <a:spLocks noGrp="1"/>
-          </p:cNvSpPr>
-          <p:nvPr>
-            <p:ph type="ftr" sz="quarter" idx="11"/>
-          </p:nvPr>
-        </p:nvSpPr>
-        <p:spPr/>
-        <p:txBody>
-          <a:bodyPr/>
-          <a:lstStyle/>
-          <a:p>
-            <a:r>
-              <a:rPr lang="en-US"/>
-              <a:t>Materials by Adi Sarid https://adisarid.github.io and http://www.sarid-ins.com</a:t>
-            </a:r>
-            <a:endParaRPr lang="en-US" dirty="0"/>
-          </a:p>
-        </p:txBody>
-      </p:sp>
-      <p:sp>
-        <p:nvSpPr>
-          <p:cNvPr id="5" name="Slide Number Placeholder 4">
-            <a:extLst>
-              <a:ext uri="{FF2B5EF4-FFF2-40B4-BE49-F238E27FC236}">
-                <a16:creationId xmlns:a16="http://schemas.microsoft.com/office/drawing/2014/main" id="{570B64F1-F326-4F73-982A-5CC370E6464B}"/>
-              </a:ext>
-            </a:extLst>
-          </p:cNvPr>
-          <p:cNvSpPr>
-            <a:spLocks noGrp="1"/>
-          </p:cNvSpPr>
-          <p:nvPr>
-            <p:ph type="sldNum" sz="quarter" idx="12"/>
-          </p:nvPr>
-        </p:nvSpPr>
-        <p:spPr/>
-        <p:txBody>
-          <a:bodyPr/>
-          <a:lstStyle/>
-          <a:p>
-            <a:fld id="{4FAB73BC-B049-4115-A692-8D63A059BFB8}" type="slidenum">
-              <a:rPr lang="en-US" smtClean="0"/>
-              <a:t>23</a:t>
-            </a:fld>
-            <a:endParaRPr lang="en-US" dirty="0"/>
-          </a:p>
-        </p:txBody>
-      </p:sp>
-    </p:spTree>
-    <p:extLst>
-      <p:ext uri="{BB962C8B-B14F-4D97-AF65-F5344CB8AC3E}">
-        <p14:creationId xmlns:p14="http://schemas.microsoft.com/office/powerpoint/2010/main" val="1084178654"/>
       </p:ext>
     </p:extLst>
   </p:cSld>
@@ -13521,13 +13775,594 @@
           <a:lstStyle/>
           <a:p>
             <a:r>
-              <a:rPr lang="en-US" dirty="0"/>
-              <a:t>Contents</a:t>
+              <a:rPr lang="en-US" dirty="0" smtClean="0"/>
+              <a:t>The Ridge and the Lasso</a:t>
             </a:r>
             <a:endParaRPr lang="he-IL" dirty="0"/>
           </a:p>
         </p:txBody>
       </p:sp>
+      <mc:AlternateContent xmlns:mc="http://schemas.openxmlformats.org/markup-compatibility/2006">
+        <mc:Choice xmlns:a14="http://schemas.microsoft.com/office/drawing/2010/main" Requires="a14">
+          <p:sp>
+            <p:nvSpPr>
+              <p:cNvPr id="6" name="Content Placeholder 5"/>
+              <p:cNvSpPr>
+                <a:spLocks noGrp="1"/>
+              </p:cNvSpPr>
+              <p:nvPr>
+                <p:ph sz="half" idx="1"/>
+              </p:nvPr>
+            </p:nvSpPr>
+            <p:spPr>
+              <a:xfrm>
+                <a:off x="1069848" y="3010830"/>
+                <a:ext cx="4754880" cy="3161370"/>
+              </a:xfrm>
+            </p:spPr>
+            <p:txBody>
+              <a:bodyPr>
+                <a:normAutofit/>
+              </a:bodyPr>
+              <a:lstStyle/>
+              <a:p>
+                <a:r>
+                  <a:rPr lang="en-US" sz="2400" dirty="0" smtClean="0"/>
+                  <a:t>Ridge regression:</a:t>
+                </a:r>
+              </a:p>
+              <a:p>
+                <a:r>
+                  <a:rPr lang="en-US" sz="2400" dirty="0" smtClean="0"/>
+                  <a:t>Minimize:</a:t>
+                </a:r>
+              </a:p>
+              <a:p>
+                <a14:m>
+                  <m:oMath xmlns:m="http://schemas.openxmlformats.org/officeDocument/2006/math">
+                    <m:r>
+                      <a:rPr lang="en-US" sz="2400" i="1">
+                        <a:latin typeface="Cambria Math" panose="02040503050406030204" pitchFamily="18" charset="0"/>
+                      </a:rPr>
+                      <m:t>∑</m:t>
+                    </m:r>
+                    <m:sSup>
+                      <m:sSupPr>
+                        <m:ctrlPr>
+                          <a:rPr lang="en-US" sz="2400" i="1">
+                            <a:latin typeface="Cambria Math" panose="02040503050406030204" pitchFamily="18" charset="0"/>
+                          </a:rPr>
+                        </m:ctrlPr>
+                      </m:sSupPr>
+                      <m:e>
+                        <m:d>
+                          <m:dPr>
+                            <m:ctrlPr>
+                              <a:rPr lang="en-US" sz="2400" i="1">
+                                <a:latin typeface="Cambria Math" panose="02040503050406030204" pitchFamily="18" charset="0"/>
+                              </a:rPr>
+                            </m:ctrlPr>
+                          </m:dPr>
+                          <m:e>
+                            <m:sSub>
+                              <m:sSubPr>
+                                <m:ctrlPr>
+                                  <a:rPr lang="en-US" sz="2400" i="1">
+                                    <a:latin typeface="Cambria Math" panose="02040503050406030204" pitchFamily="18" charset="0"/>
+                                  </a:rPr>
+                                </m:ctrlPr>
+                              </m:sSubPr>
+                              <m:e>
+                                <m:r>
+                                  <a:rPr lang="en-US" sz="2400" i="1">
+                                    <a:latin typeface="Cambria Math" panose="02040503050406030204" pitchFamily="18" charset="0"/>
+                                  </a:rPr>
+                                  <m:t>𝑦</m:t>
+                                </m:r>
+                              </m:e>
+                              <m:sub>
+                                <m:r>
+                                  <a:rPr lang="en-US" sz="2400" i="1">
+                                    <a:latin typeface="Cambria Math" panose="02040503050406030204" pitchFamily="18" charset="0"/>
+                                  </a:rPr>
+                                  <m:t>𝑖</m:t>
+                                </m:r>
+                              </m:sub>
+                            </m:sSub>
+                            <m:r>
+                              <a:rPr lang="en-US" sz="2400" i="1">
+                                <a:latin typeface="Cambria Math" panose="02040503050406030204" pitchFamily="18" charset="0"/>
+                              </a:rPr>
+                              <m:t>−</m:t>
+                            </m:r>
+                            <m:acc>
+                              <m:accPr>
+                                <m:chr m:val="̂"/>
+                                <m:ctrlPr>
+                                  <a:rPr lang="en-US" sz="2400" i="1">
+                                    <a:latin typeface="Cambria Math" panose="02040503050406030204" pitchFamily="18" charset="0"/>
+                                  </a:rPr>
+                                </m:ctrlPr>
+                              </m:accPr>
+                              <m:e>
+                                <m:r>
+                                  <a:rPr lang="en-US" sz="2400" i="1">
+                                    <a:latin typeface="Cambria Math" panose="02040503050406030204" pitchFamily="18" charset="0"/>
+                                  </a:rPr>
+                                  <m:t>𝑦</m:t>
+                                </m:r>
+                              </m:e>
+                            </m:acc>
+                          </m:e>
+                        </m:d>
+                      </m:e>
+                      <m:sup>
+                        <m:r>
+                          <a:rPr lang="en-US" sz="2400" i="1">
+                            <a:latin typeface="Cambria Math" panose="02040503050406030204" pitchFamily="18" charset="0"/>
+                          </a:rPr>
+                          <m:t>2</m:t>
+                        </m:r>
+                      </m:sup>
+                    </m:sSup>
+                    <m:r>
+                      <a:rPr lang="en-US" sz="2400" b="0" i="0" smtClean="0">
+                        <a:latin typeface="Cambria Math" panose="02040503050406030204" pitchFamily="18" charset="0"/>
+                      </a:rPr>
+                      <m:t>+</m:t>
+                    </m:r>
+                    <m:r>
+                      <a:rPr lang="en-US" sz="2400" b="0" i="1" smtClean="0">
+                        <a:latin typeface="Cambria Math" panose="02040503050406030204" pitchFamily="18" charset="0"/>
+                      </a:rPr>
+                      <m:t>𝜆</m:t>
+                    </m:r>
+                    <m:d>
+                      <m:dPr>
+                        <m:ctrlPr>
+                          <a:rPr lang="en-US" sz="2400" b="0" i="1" smtClean="0">
+                            <a:latin typeface="Cambria Math" panose="02040503050406030204" pitchFamily="18" charset="0"/>
+                          </a:rPr>
+                        </m:ctrlPr>
+                      </m:dPr>
+                      <m:e>
+                        <m:sSubSup>
+                          <m:sSubSupPr>
+                            <m:ctrlPr>
+                              <a:rPr lang="en-US" sz="2400" b="0" i="1" smtClean="0">
+                                <a:latin typeface="Cambria Math" panose="02040503050406030204" pitchFamily="18" charset="0"/>
+                              </a:rPr>
+                            </m:ctrlPr>
+                          </m:sSubSupPr>
+                          <m:e>
+                            <m:r>
+                              <a:rPr lang="en-US" sz="2400" b="0" i="1" smtClean="0">
+                                <a:latin typeface="Cambria Math" panose="02040503050406030204" pitchFamily="18" charset="0"/>
+                              </a:rPr>
+                              <m:t>𝛽</m:t>
+                            </m:r>
+                          </m:e>
+                          <m:sub>
+                            <m:r>
+                              <a:rPr lang="en-US" sz="2400" b="0" i="1" smtClean="0">
+                                <a:latin typeface="Cambria Math" panose="02040503050406030204" pitchFamily="18" charset="0"/>
+                              </a:rPr>
+                              <m:t>1</m:t>
+                            </m:r>
+                          </m:sub>
+                          <m:sup>
+                            <m:r>
+                              <a:rPr lang="en-US" sz="2400" b="0" i="1" smtClean="0">
+                                <a:latin typeface="Cambria Math" panose="02040503050406030204" pitchFamily="18" charset="0"/>
+                              </a:rPr>
+                              <m:t>2</m:t>
+                            </m:r>
+                          </m:sup>
+                        </m:sSubSup>
+                        <m:r>
+                          <a:rPr lang="en-US" sz="2400" b="0" i="1" smtClean="0">
+                            <a:latin typeface="Cambria Math" panose="02040503050406030204" pitchFamily="18" charset="0"/>
+                          </a:rPr>
+                          <m:t>+</m:t>
+                        </m:r>
+                        <m:sSubSup>
+                          <m:sSubSupPr>
+                            <m:ctrlPr>
+                              <a:rPr lang="en-US" sz="2400" b="0" i="1" smtClean="0">
+                                <a:latin typeface="Cambria Math" panose="02040503050406030204" pitchFamily="18" charset="0"/>
+                              </a:rPr>
+                            </m:ctrlPr>
+                          </m:sSubSupPr>
+                          <m:e>
+                            <m:r>
+                              <a:rPr lang="en-US" sz="2400" b="0" i="1" smtClean="0">
+                                <a:latin typeface="Cambria Math" panose="02040503050406030204" pitchFamily="18" charset="0"/>
+                              </a:rPr>
+                              <m:t>𝛽</m:t>
+                            </m:r>
+                          </m:e>
+                          <m:sub>
+                            <m:r>
+                              <a:rPr lang="en-US" sz="2400" b="0" i="1" smtClean="0">
+                                <a:latin typeface="Cambria Math" panose="02040503050406030204" pitchFamily="18" charset="0"/>
+                              </a:rPr>
+                              <m:t>2</m:t>
+                            </m:r>
+                          </m:sub>
+                          <m:sup>
+                            <m:r>
+                              <a:rPr lang="en-US" sz="2400" b="0" i="1" smtClean="0">
+                                <a:latin typeface="Cambria Math" panose="02040503050406030204" pitchFamily="18" charset="0"/>
+                              </a:rPr>
+                              <m:t>2</m:t>
+                            </m:r>
+                          </m:sup>
+                        </m:sSubSup>
+                        <m:r>
+                          <a:rPr lang="en-US" sz="2400" b="0" i="1" smtClean="0">
+                            <a:latin typeface="Cambria Math" panose="02040503050406030204" pitchFamily="18" charset="0"/>
+                          </a:rPr>
+                          <m:t>+…</m:t>
+                        </m:r>
+                      </m:e>
+                    </m:d>
+                  </m:oMath>
+                </a14:m>
+                <a:endParaRPr lang="en-US" sz="2400" b="0" dirty="0" smtClean="0"/>
+              </a:p>
+              <a:p>
+                <a:endParaRPr lang="en-US" sz="2400" dirty="0" smtClean="0"/>
+              </a:p>
+              <a:p>
+                <a:r>
+                  <a:rPr lang="en-US" sz="2400" dirty="0" smtClean="0"/>
+                  <a:t>RSS with an </a:t>
+                </a:r>
+                <a:r>
+                  <a:rPr lang="en-US" sz="2400" b="1" dirty="0" smtClean="0"/>
+                  <a:t>L2 penalty </a:t>
+                </a:r>
+                <a:r>
+                  <a:rPr lang="en-US" sz="2400" dirty="0" smtClean="0"/>
+                  <a:t>on coefficients</a:t>
+                </a:r>
+              </a:p>
+            </p:txBody>
+          </p:sp>
+        </mc:Choice>
+        <mc:Fallback>
+          <p:sp>
+            <p:nvSpPr>
+              <p:cNvPr id="6" name="Content Placeholder 5"/>
+              <p:cNvSpPr>
+                <a:spLocks noGrp="1" noRot="1" noChangeAspect="1" noMove="1" noResize="1" noEditPoints="1" noAdjustHandles="1" noChangeArrowheads="1" noChangeShapeType="1" noTextEdit="1"/>
+              </p:cNvSpPr>
+              <p:nvPr>
+                <p:ph sz="half" idx="1"/>
+              </p:nvPr>
+            </p:nvSpPr>
+            <p:spPr>
+              <a:xfrm>
+                <a:off x="1069848" y="3010830"/>
+                <a:ext cx="4754880" cy="3161370"/>
+              </a:xfrm>
+              <a:blipFill>
+                <a:blip r:embed="rId2"/>
+                <a:stretch>
+                  <a:fillRect l="-1154" t="-2505"/>
+                </a:stretch>
+              </a:blipFill>
+            </p:spPr>
+            <p:txBody>
+              <a:bodyPr/>
+              <a:lstStyle/>
+              <a:p>
+                <a:r>
+                  <a:rPr lang="he-IL">
+                    <a:noFill/>
+                  </a:rPr>
+                  <a:t> </a:t>
+                </a:r>
+              </a:p>
+            </p:txBody>
+          </p:sp>
+        </mc:Fallback>
+      </mc:AlternateContent>
+      <mc:AlternateContent xmlns:mc="http://schemas.openxmlformats.org/markup-compatibility/2006">
+        <mc:Choice xmlns:a14="http://schemas.microsoft.com/office/drawing/2010/main" Requires="a14">
+          <p:sp>
+            <p:nvSpPr>
+              <p:cNvPr id="7" name="Content Placeholder 6"/>
+              <p:cNvSpPr>
+                <a:spLocks noGrp="1"/>
+              </p:cNvSpPr>
+              <p:nvPr>
+                <p:ph sz="half" idx="2"/>
+              </p:nvPr>
+            </p:nvSpPr>
+            <p:spPr>
+              <a:xfrm>
+                <a:off x="6364224" y="3010830"/>
+                <a:ext cx="4754880" cy="3161370"/>
+              </a:xfrm>
+            </p:spPr>
+            <p:txBody>
+              <a:bodyPr>
+                <a:normAutofit/>
+              </a:bodyPr>
+              <a:lstStyle/>
+              <a:p>
+                <a:r>
+                  <a:rPr lang="en-US" sz="2400" dirty="0" smtClean="0"/>
+                  <a:t>Lasso regression:</a:t>
+                </a:r>
+              </a:p>
+              <a:p>
+                <a:r>
+                  <a:rPr lang="en-US" sz="2400" dirty="0" smtClean="0"/>
+                  <a:t>Minimize:</a:t>
+                </a:r>
+              </a:p>
+              <a:p>
+                <a14:m>
+                  <m:oMath xmlns:m="http://schemas.openxmlformats.org/officeDocument/2006/math">
+                    <m:r>
+                      <a:rPr lang="en-US" sz="2400" i="1">
+                        <a:latin typeface="Cambria Math" panose="02040503050406030204" pitchFamily="18" charset="0"/>
+                      </a:rPr>
+                      <m:t>∑</m:t>
+                    </m:r>
+                    <m:sSup>
+                      <m:sSupPr>
+                        <m:ctrlPr>
+                          <a:rPr lang="en-US" sz="2400" i="1">
+                            <a:latin typeface="Cambria Math" panose="02040503050406030204" pitchFamily="18" charset="0"/>
+                          </a:rPr>
+                        </m:ctrlPr>
+                      </m:sSupPr>
+                      <m:e>
+                        <m:d>
+                          <m:dPr>
+                            <m:ctrlPr>
+                              <a:rPr lang="en-US" sz="2400" i="1">
+                                <a:latin typeface="Cambria Math" panose="02040503050406030204" pitchFamily="18" charset="0"/>
+                              </a:rPr>
+                            </m:ctrlPr>
+                          </m:dPr>
+                          <m:e>
+                            <m:sSub>
+                              <m:sSubPr>
+                                <m:ctrlPr>
+                                  <a:rPr lang="en-US" sz="2400" i="1">
+                                    <a:latin typeface="Cambria Math" panose="02040503050406030204" pitchFamily="18" charset="0"/>
+                                  </a:rPr>
+                                </m:ctrlPr>
+                              </m:sSubPr>
+                              <m:e>
+                                <m:r>
+                                  <a:rPr lang="en-US" sz="2400" i="1">
+                                    <a:latin typeface="Cambria Math" panose="02040503050406030204" pitchFamily="18" charset="0"/>
+                                  </a:rPr>
+                                  <m:t>𝑦</m:t>
+                                </m:r>
+                              </m:e>
+                              <m:sub>
+                                <m:r>
+                                  <a:rPr lang="en-US" sz="2400" i="1">
+                                    <a:latin typeface="Cambria Math" panose="02040503050406030204" pitchFamily="18" charset="0"/>
+                                  </a:rPr>
+                                  <m:t>𝑖</m:t>
+                                </m:r>
+                              </m:sub>
+                            </m:sSub>
+                            <m:r>
+                              <a:rPr lang="en-US" sz="2400" i="1">
+                                <a:latin typeface="Cambria Math" panose="02040503050406030204" pitchFamily="18" charset="0"/>
+                              </a:rPr>
+                              <m:t>−</m:t>
+                            </m:r>
+                            <m:acc>
+                              <m:accPr>
+                                <m:chr m:val="̂"/>
+                                <m:ctrlPr>
+                                  <a:rPr lang="en-US" sz="2400" i="1">
+                                    <a:latin typeface="Cambria Math" panose="02040503050406030204" pitchFamily="18" charset="0"/>
+                                  </a:rPr>
+                                </m:ctrlPr>
+                              </m:accPr>
+                              <m:e>
+                                <m:r>
+                                  <a:rPr lang="en-US" sz="2400" i="1">
+                                    <a:latin typeface="Cambria Math" panose="02040503050406030204" pitchFamily="18" charset="0"/>
+                                  </a:rPr>
+                                  <m:t>𝑦</m:t>
+                                </m:r>
+                              </m:e>
+                            </m:acc>
+                          </m:e>
+                        </m:d>
+                      </m:e>
+                      <m:sup>
+                        <m:r>
+                          <a:rPr lang="en-US" sz="2400" i="1">
+                            <a:latin typeface="Cambria Math" panose="02040503050406030204" pitchFamily="18" charset="0"/>
+                          </a:rPr>
+                          <m:t>2</m:t>
+                        </m:r>
+                      </m:sup>
+                    </m:sSup>
+                    <m:r>
+                      <a:rPr lang="en-US" sz="2400">
+                        <a:latin typeface="Cambria Math" panose="02040503050406030204" pitchFamily="18" charset="0"/>
+                      </a:rPr>
+                      <m:t>+</m:t>
+                    </m:r>
+                    <m:r>
+                      <a:rPr lang="en-US" sz="2400" i="1">
+                        <a:latin typeface="Cambria Math" panose="02040503050406030204" pitchFamily="18" charset="0"/>
+                      </a:rPr>
+                      <m:t>𝜆</m:t>
+                    </m:r>
+                    <m:d>
+                      <m:dPr>
+                        <m:ctrlPr>
+                          <a:rPr lang="en-US" sz="2400" i="1">
+                            <a:latin typeface="Cambria Math" panose="02040503050406030204" pitchFamily="18" charset="0"/>
+                          </a:rPr>
+                        </m:ctrlPr>
+                      </m:dPr>
+                      <m:e>
+                        <m:r>
+                          <a:rPr lang="en-US" sz="2400" b="0" i="1" smtClean="0">
+                            <a:latin typeface="Cambria Math" panose="02040503050406030204" pitchFamily="18" charset="0"/>
+                          </a:rPr>
+                          <m:t>|</m:t>
+                        </m:r>
+                        <m:sSub>
+                          <m:sSubPr>
+                            <m:ctrlPr>
+                              <a:rPr lang="en-US" sz="2400" b="0" i="1" smtClean="0">
+                                <a:latin typeface="Cambria Math" panose="02040503050406030204" pitchFamily="18" charset="0"/>
+                              </a:rPr>
+                            </m:ctrlPr>
+                          </m:sSubPr>
+                          <m:e>
+                            <m:r>
+                              <a:rPr lang="en-US" sz="2400" b="0" i="1" smtClean="0">
+                                <a:latin typeface="Cambria Math" panose="02040503050406030204" pitchFamily="18" charset="0"/>
+                              </a:rPr>
+                              <m:t>𝛽</m:t>
+                            </m:r>
+                          </m:e>
+                          <m:sub>
+                            <m:r>
+                              <a:rPr lang="en-US" sz="2400" b="0" i="1" smtClean="0">
+                                <a:latin typeface="Cambria Math" panose="02040503050406030204" pitchFamily="18" charset="0"/>
+                              </a:rPr>
+                              <m:t>1</m:t>
+                            </m:r>
+                          </m:sub>
+                        </m:sSub>
+                        <m:r>
+                          <a:rPr lang="en-US" sz="2400" b="0" i="1" smtClean="0">
+                            <a:latin typeface="Cambria Math" panose="02040503050406030204" pitchFamily="18" charset="0"/>
+                          </a:rPr>
+                          <m:t>|</m:t>
+                        </m:r>
+                        <m:r>
+                          <a:rPr lang="en-US" sz="2400" i="1">
+                            <a:latin typeface="Cambria Math" panose="02040503050406030204" pitchFamily="18" charset="0"/>
+                          </a:rPr>
+                          <m:t>+</m:t>
+                        </m:r>
+                        <m:r>
+                          <a:rPr lang="en-US" sz="2400" b="0" i="1" smtClean="0">
+                            <a:latin typeface="Cambria Math" panose="02040503050406030204" pitchFamily="18" charset="0"/>
+                          </a:rPr>
+                          <m:t>|</m:t>
+                        </m:r>
+                        <m:sSub>
+                          <m:sSubPr>
+                            <m:ctrlPr>
+                              <a:rPr lang="en-US" sz="2400" b="0" i="1" smtClean="0">
+                                <a:latin typeface="Cambria Math" panose="02040503050406030204" pitchFamily="18" charset="0"/>
+                              </a:rPr>
+                            </m:ctrlPr>
+                          </m:sSubPr>
+                          <m:e>
+                            <m:r>
+                              <a:rPr lang="en-US" sz="2400" b="0" i="1" smtClean="0">
+                                <a:latin typeface="Cambria Math" panose="02040503050406030204" pitchFamily="18" charset="0"/>
+                              </a:rPr>
+                              <m:t>𝛽</m:t>
+                            </m:r>
+                          </m:e>
+                          <m:sub>
+                            <m:r>
+                              <a:rPr lang="en-US" sz="2400" b="0" i="1" smtClean="0">
+                                <a:latin typeface="Cambria Math" panose="02040503050406030204" pitchFamily="18" charset="0"/>
+                              </a:rPr>
+                              <m:t>2</m:t>
+                            </m:r>
+                          </m:sub>
+                        </m:sSub>
+                        <m:r>
+                          <a:rPr lang="en-US" sz="2400" b="0" i="1" smtClean="0">
+                            <a:latin typeface="Cambria Math" panose="02040503050406030204" pitchFamily="18" charset="0"/>
+                          </a:rPr>
+                          <m:t>|</m:t>
+                        </m:r>
+                        <m:r>
+                          <a:rPr lang="en-US" sz="2400" i="1">
+                            <a:latin typeface="Cambria Math" panose="02040503050406030204" pitchFamily="18" charset="0"/>
+                          </a:rPr>
+                          <m:t>+…</m:t>
+                        </m:r>
+                      </m:e>
+                    </m:d>
+                  </m:oMath>
+                </a14:m>
+                <a:endParaRPr lang="en-US" sz="2400" dirty="0" smtClean="0"/>
+              </a:p>
+              <a:p>
+                <a:endParaRPr lang="en-US" sz="2400" dirty="0"/>
+              </a:p>
+              <a:p>
+                <a:r>
+                  <a:rPr lang="en-US" sz="2400" dirty="0" smtClean="0"/>
+                  <a:t>RSS with an </a:t>
+                </a:r>
+                <a:r>
+                  <a:rPr lang="en-US" sz="2400" b="1" dirty="0" smtClean="0"/>
+                  <a:t>L1 penalty </a:t>
+                </a:r>
+                <a:r>
+                  <a:rPr lang="en-US" sz="2400" dirty="0" smtClean="0"/>
+                  <a:t>on coefficients</a:t>
+                </a:r>
+                <a:endParaRPr lang="he-IL" sz="2400" dirty="0"/>
+              </a:p>
+            </p:txBody>
+          </p:sp>
+        </mc:Choice>
+        <mc:Fallback>
+          <p:sp>
+            <p:nvSpPr>
+              <p:cNvPr id="7" name="Content Placeholder 6"/>
+              <p:cNvSpPr>
+                <a:spLocks noGrp="1" noRot="1" noChangeAspect="1" noMove="1" noResize="1" noEditPoints="1" noAdjustHandles="1" noChangeArrowheads="1" noChangeShapeType="1" noTextEdit="1"/>
+              </p:cNvSpPr>
+              <p:nvPr>
+                <p:ph sz="half" idx="2"/>
+              </p:nvPr>
+            </p:nvSpPr>
+            <p:spPr>
+              <a:xfrm>
+                <a:off x="6364224" y="3010830"/>
+                <a:ext cx="4754880" cy="3161370"/>
+              </a:xfrm>
+              <a:blipFill>
+                <a:blip r:embed="rId3"/>
+                <a:stretch>
+                  <a:fillRect l="-1154" t="-2505"/>
+                </a:stretch>
+              </a:blipFill>
+            </p:spPr>
+            <p:txBody>
+              <a:bodyPr/>
+              <a:lstStyle/>
+              <a:p>
+                <a:r>
+                  <a:rPr lang="he-IL">
+                    <a:noFill/>
+                  </a:rPr>
+                  <a:t> </a:t>
+                </a:r>
+              </a:p>
+            </p:txBody>
+          </p:sp>
+        </mc:Fallback>
+      </mc:AlternateContent>
       <p:sp>
         <p:nvSpPr>
           <p:cNvPr id="4" name="Footer Placeholder 3"/>
@@ -13544,7 +14379,7 @@
           <a:lstStyle/>
           <a:p>
             <a:r>
-              <a:rPr lang="en-US"/>
+              <a:rPr lang="en-US" smtClean="0"/>
               <a:t>Materials by Adi Sarid https://adisarid.github.io and http://www.sarid-ins.com</a:t>
             </a:r>
             <a:endParaRPr lang="en-US" dirty="0"/>
@@ -13569,6 +14404,294 @@
             <a:fld id="{4FAB73BC-B049-4115-A692-8D63A059BFB8}" type="slidenum">
               <a:rPr lang="en-US" smtClean="0"/>
               <a:t>24</a:t>
+            </a:fld>
+            <a:endParaRPr lang="en-US" dirty="0"/>
+          </a:p>
+        </p:txBody>
+      </p:sp>
+      <mc:AlternateContent xmlns:mc="http://schemas.openxmlformats.org/markup-compatibility/2006">
+        <mc:Choice xmlns:a14="http://schemas.microsoft.com/office/drawing/2010/main" Requires="a14">
+          <p:sp>
+            <p:nvSpPr>
+              <p:cNvPr id="9" name="TextBox 8"/>
+              <p:cNvSpPr txBox="1"/>
+              <p:nvPr/>
+            </p:nvSpPr>
+            <p:spPr>
+              <a:xfrm>
+                <a:off x="1193180" y="1717288"/>
+                <a:ext cx="10437542" cy="1015663"/>
+              </a:xfrm>
+              <a:prstGeom prst="rect">
+                <a:avLst/>
+              </a:prstGeom>
+              <a:noFill/>
+            </p:spPr>
+            <p:txBody>
+              <a:bodyPr wrap="square" rtlCol="1">
+                <a:spAutoFit/>
+              </a:bodyPr>
+              <a:lstStyle/>
+              <a:p>
+                <a:r>
+                  <a:rPr lang="en-US" dirty="0" smtClean="0"/>
+                  <a:t>The basic model is the same (still a linear model with the beta coefficients, only that now, we solve a different optimization problem.</a:t>
+                </a:r>
+              </a:p>
+              <a:p>
+                <a:r>
+                  <a:rPr lang="en-US" dirty="0" smtClean="0"/>
+                  <a:t>Instead of finding the coefficients that yield </a:t>
+                </a:r>
+                <a14:m>
+                  <m:oMath xmlns:m="http://schemas.openxmlformats.org/officeDocument/2006/math">
+                    <m:func>
+                      <m:funcPr>
+                        <m:ctrlPr>
+                          <a:rPr lang="en-US" sz="2400" b="0" i="1" smtClean="0">
+                            <a:latin typeface="Cambria Math" panose="02040503050406030204" pitchFamily="18" charset="0"/>
+                          </a:rPr>
+                        </m:ctrlPr>
+                      </m:funcPr>
+                      <m:fName>
+                        <m:r>
+                          <m:rPr>
+                            <m:sty m:val="p"/>
+                          </m:rPr>
+                          <a:rPr lang="en-US" sz="2400" b="0" i="0" smtClean="0">
+                            <a:latin typeface="Cambria Math" panose="02040503050406030204" pitchFamily="18" charset="0"/>
+                          </a:rPr>
+                          <m:t>min</m:t>
+                        </m:r>
+                      </m:fName>
+                      <m:e>
+                        <m:r>
+                          <a:rPr lang="en-US" sz="2400" b="0" i="1" smtClean="0">
+                            <a:latin typeface="Cambria Math" panose="02040503050406030204" pitchFamily="18" charset="0"/>
+                          </a:rPr>
+                          <m:t>∑</m:t>
+                        </m:r>
+                        <m:sSup>
+                          <m:sSupPr>
+                            <m:ctrlPr>
+                              <a:rPr lang="en-US" sz="2400" b="0" i="1" smtClean="0">
+                                <a:latin typeface="Cambria Math" panose="02040503050406030204" pitchFamily="18" charset="0"/>
+                              </a:rPr>
+                            </m:ctrlPr>
+                          </m:sSupPr>
+                          <m:e>
+                            <m:d>
+                              <m:dPr>
+                                <m:ctrlPr>
+                                  <a:rPr lang="en-US" sz="2400" b="0" i="1" smtClean="0">
+                                    <a:latin typeface="Cambria Math" panose="02040503050406030204" pitchFamily="18" charset="0"/>
+                                  </a:rPr>
+                                </m:ctrlPr>
+                              </m:dPr>
+                              <m:e>
+                                <m:sSub>
+                                  <m:sSubPr>
+                                    <m:ctrlPr>
+                                      <a:rPr lang="en-US" sz="2400" b="0" i="1" smtClean="0">
+                                        <a:latin typeface="Cambria Math" panose="02040503050406030204" pitchFamily="18" charset="0"/>
+                                      </a:rPr>
+                                    </m:ctrlPr>
+                                  </m:sSubPr>
+                                  <m:e>
+                                    <m:r>
+                                      <a:rPr lang="en-US" sz="2400" b="0" i="1" smtClean="0">
+                                        <a:latin typeface="Cambria Math" panose="02040503050406030204" pitchFamily="18" charset="0"/>
+                                      </a:rPr>
+                                      <m:t>𝑦</m:t>
+                                    </m:r>
+                                  </m:e>
+                                  <m:sub>
+                                    <m:r>
+                                      <a:rPr lang="en-US" sz="2400" b="0" i="1" smtClean="0">
+                                        <a:latin typeface="Cambria Math" panose="02040503050406030204" pitchFamily="18" charset="0"/>
+                                      </a:rPr>
+                                      <m:t>𝑖</m:t>
+                                    </m:r>
+                                  </m:sub>
+                                </m:sSub>
+                                <m:r>
+                                  <a:rPr lang="en-US" sz="2400" b="0" i="1" smtClean="0">
+                                    <a:latin typeface="Cambria Math" panose="02040503050406030204" pitchFamily="18" charset="0"/>
+                                  </a:rPr>
+                                  <m:t>−</m:t>
+                                </m:r>
+                                <m:acc>
+                                  <m:accPr>
+                                    <m:chr m:val="̂"/>
+                                    <m:ctrlPr>
+                                      <a:rPr lang="en-US" sz="2400" b="0" i="1" smtClean="0">
+                                        <a:latin typeface="Cambria Math" panose="02040503050406030204" pitchFamily="18" charset="0"/>
+                                      </a:rPr>
+                                    </m:ctrlPr>
+                                  </m:accPr>
+                                  <m:e>
+                                    <m:r>
+                                      <a:rPr lang="en-US" sz="2400" b="0" i="1" smtClean="0">
+                                        <a:latin typeface="Cambria Math" panose="02040503050406030204" pitchFamily="18" charset="0"/>
+                                      </a:rPr>
+                                      <m:t>𝑦</m:t>
+                                    </m:r>
+                                  </m:e>
+                                </m:acc>
+                              </m:e>
+                            </m:d>
+                          </m:e>
+                          <m:sup>
+                            <m:r>
+                              <a:rPr lang="en-US" sz="2400" b="0" i="1" smtClean="0">
+                                <a:latin typeface="Cambria Math" panose="02040503050406030204" pitchFamily="18" charset="0"/>
+                              </a:rPr>
+                              <m:t>2</m:t>
+                            </m:r>
+                          </m:sup>
+                        </m:sSup>
+                      </m:e>
+                    </m:func>
+                  </m:oMath>
+                </a14:m>
+                <a:endParaRPr lang="en-US" dirty="0" smtClean="0"/>
+              </a:p>
+            </p:txBody>
+          </p:sp>
+        </mc:Choice>
+        <mc:Fallback>
+          <p:sp>
+            <p:nvSpPr>
+              <p:cNvPr id="9" name="TextBox 8"/>
+              <p:cNvSpPr txBox="1">
+                <a:spLocks noRot="1" noChangeAspect="1" noMove="1" noResize="1" noEditPoints="1" noAdjustHandles="1" noChangeArrowheads="1" noChangeShapeType="1" noTextEdit="1"/>
+              </p:cNvSpPr>
+              <p:nvPr/>
+            </p:nvSpPr>
+            <p:spPr>
+              <a:xfrm>
+                <a:off x="1193180" y="1717288"/>
+                <a:ext cx="10437542" cy="1015663"/>
+              </a:xfrm>
+              <a:prstGeom prst="rect">
+                <a:avLst/>
+              </a:prstGeom>
+              <a:blipFill>
+                <a:blip r:embed="rId4"/>
+                <a:stretch>
+                  <a:fillRect l="-526" t="-3012" b="-8434"/>
+                </a:stretch>
+              </a:blipFill>
+            </p:spPr>
+            <p:txBody>
+              <a:bodyPr/>
+              <a:lstStyle/>
+              <a:p>
+                <a:r>
+                  <a:rPr lang="he-IL">
+                    <a:noFill/>
+                  </a:rPr>
+                  <a:t> </a:t>
+                </a:r>
+              </a:p>
+            </p:txBody>
+          </p:sp>
+        </mc:Fallback>
+      </mc:AlternateContent>
+    </p:spTree>
+    <p:extLst>
+      <p:ext uri="{BB962C8B-B14F-4D97-AF65-F5344CB8AC3E}">
+        <p14:creationId xmlns:p14="http://schemas.microsoft.com/office/powerpoint/2010/main" val="2330712121"/>
+      </p:ext>
+    </p:extLst>
+  </p:cSld>
+  <p:clrMapOvr>
+    <a:masterClrMapping/>
+  </p:clrMapOvr>
+</p:sld>
+</file>
+
+<file path=ppt/slides/slide25.xml><?xml version="1.0" encoding="utf-8"?>
+<p:sld xmlns:a="http://schemas.openxmlformats.org/drawingml/2006/main" xmlns:r="http://schemas.openxmlformats.org/officeDocument/2006/relationships" xmlns:p="http://schemas.openxmlformats.org/presentationml/2006/main">
+  <p:cSld>
+    <p:spTree>
+      <p:nvGrpSpPr>
+        <p:cNvPr id="1" name=""/>
+        <p:cNvGrpSpPr/>
+        <p:nvPr/>
+      </p:nvGrpSpPr>
+      <p:grpSpPr>
+        <a:xfrm>
+          <a:off x="0" y="0"/>
+          <a:ext cx="0" cy="0"/>
+          <a:chOff x="0" y="0"/>
+          <a:chExt cx="0" cy="0"/>
+        </a:xfrm>
+      </p:grpSpPr>
+      <p:sp>
+        <p:nvSpPr>
+          <p:cNvPr id="2" name="Title 1"/>
+          <p:cNvSpPr>
+            <a:spLocks noGrp="1"/>
+          </p:cNvSpPr>
+          <p:nvPr>
+            <p:ph type="title"/>
+          </p:nvPr>
+        </p:nvSpPr>
+        <p:spPr/>
+        <p:txBody>
+          <a:bodyPr/>
+          <a:lstStyle/>
+          <a:p>
+            <a:r>
+              <a:rPr lang="en-US" dirty="0"/>
+              <a:t>Contents</a:t>
+            </a:r>
+            <a:endParaRPr lang="he-IL" dirty="0"/>
+          </a:p>
+        </p:txBody>
+      </p:sp>
+      <p:sp>
+        <p:nvSpPr>
+          <p:cNvPr id="4" name="Footer Placeholder 3"/>
+          <p:cNvSpPr>
+            <a:spLocks noGrp="1"/>
+          </p:cNvSpPr>
+          <p:nvPr>
+            <p:ph type="ftr" sz="quarter" idx="11"/>
+          </p:nvPr>
+        </p:nvSpPr>
+        <p:spPr/>
+        <p:txBody>
+          <a:bodyPr/>
+          <a:lstStyle/>
+          <a:p>
+            <a:r>
+              <a:rPr lang="en-US"/>
+              <a:t>Materials by Adi Sarid https://adisarid.github.io and http://www.sarid-ins.com</a:t>
+            </a:r>
+            <a:endParaRPr lang="en-US" dirty="0"/>
+          </a:p>
+        </p:txBody>
+      </p:sp>
+      <p:sp>
+        <p:nvSpPr>
+          <p:cNvPr id="5" name="Slide Number Placeholder 4"/>
+          <p:cNvSpPr>
+            <a:spLocks noGrp="1"/>
+          </p:cNvSpPr>
+          <p:nvPr>
+            <p:ph type="sldNum" sz="quarter" idx="12"/>
+          </p:nvPr>
+        </p:nvSpPr>
+        <p:spPr/>
+        <p:txBody>
+          <a:bodyPr/>
+          <a:lstStyle/>
+          <a:p>
+            <a:fld id="{4FAB73BC-B049-4115-A692-8D63A059BFB8}" type="slidenum">
+              <a:rPr lang="en-US" smtClean="0"/>
+              <a:t>25</a:t>
             </a:fld>
             <a:endParaRPr lang="en-US" dirty="0"/>
           </a:p>
@@ -14781,7 +15904,7 @@
 </p:sld>
 </file>
 
-<file path=ppt/slides/slide25.xml><?xml version="1.0" encoding="utf-8"?>
+<file path=ppt/slides/slide26.xml><?xml version="1.0" encoding="utf-8"?>
 <p:sld xmlns:a="http://schemas.openxmlformats.org/drawingml/2006/main" xmlns:r="http://schemas.openxmlformats.org/officeDocument/2006/relationships" xmlns:p="http://schemas.openxmlformats.org/presentationml/2006/main">
   <p:cSld>
     <p:spTree>
@@ -14925,7 +16048,7 @@
           <a:p>
             <a:fld id="{4FAB73BC-B049-4115-A692-8D63A059BFB8}" type="slidenum">
               <a:rPr lang="en-US" smtClean="0"/>
-              <a:t>25</a:t>
+              <a:t>26</a:t>
             </a:fld>
             <a:endParaRPr lang="en-US" dirty="0"/>
           </a:p>
@@ -15078,8 +16201,21 @@
           <a:p>
             <a:r>
               <a:rPr lang="en-US" dirty="0"/>
-              <a:t>The solution which minimizes the this loss function is</a:t>
-            </a:r>
+              <a:t>The solution which minimizes </a:t>
+            </a:r>
+            <a:r>
+              <a:rPr lang="en-US" dirty="0" smtClean="0"/>
+              <a:t>the expectancy of this </a:t>
+            </a:r>
+            <a:r>
+              <a:rPr lang="en-US" dirty="0"/>
+              <a:t>loss function </a:t>
+            </a:r>
+            <a:r>
+              <a:rPr lang="en-US" dirty="0" smtClean="0"/>
+              <a:t>is given by:</a:t>
+            </a:r>
+            <a:endParaRPr lang="en-US" dirty="0"/>
           </a:p>
           <a:p>
             <a:endParaRPr lang="en-US" dirty="0"/>
@@ -15740,9 +16876,18 @@
               <a:t>model based </a:t>
             </a:r>
             <a:r>
+              <a:rPr lang="en-US" dirty="0" smtClean="0"/>
+              <a:t>approach: we </a:t>
+            </a:r>
+            <a:r>
               <a:rPr lang="en-US" dirty="0"/>
-              <a:t>approach (we assume an underlying linear model)</a:t>
-            </a:r>
+              <a:t>assume an underlying </a:t>
+            </a:r>
+            <a:r>
+              <a:rPr lang="en-US" dirty="0" smtClean="0"/>
+              <a:t>(linear) model</a:t>
+            </a:r>
+            <a:endParaRPr lang="en-US" dirty="0"/>
           </a:p>
         </p:txBody>
       </p:sp>
@@ -16845,14 +17990,29 @@
         </p:nvSpPr>
         <p:spPr/>
         <p:txBody>
-          <a:bodyPr/>
+          <a:bodyPr>
+            <a:normAutofit/>
+          </a:bodyPr>
           <a:lstStyle/>
           <a:p>
             <a:r>
-              <a:rPr lang="en-US" dirty="0"/>
-              <a:t>/class code/01-linear_regression_example1.Rmd</a:t>
-            </a:r>
-            <a:endParaRPr lang="en-IL" dirty="0"/>
+              <a:rPr lang="en-US" sz="2400" dirty="0" smtClean="0"/>
+              <a:t>What influences the beer consumption around the world?</a:t>
+            </a:r>
+          </a:p>
+          <a:p>
+            <a:endParaRPr lang="en-US" sz="2400" dirty="0" smtClean="0"/>
+          </a:p>
+          <a:p>
+            <a:r>
+              <a:rPr lang="en-US" sz="2400" dirty="0" smtClean="0"/>
+              <a:t>/</a:t>
+            </a:r>
+            <a:r>
+              <a:rPr lang="en-US" sz="2400" dirty="0"/>
+              <a:t>class code/01-linear_regression_example1.Rmd</a:t>
+            </a:r>
+            <a:endParaRPr lang="en-IL" sz="2400" dirty="0"/>
           </a:p>
         </p:txBody>
       </p:sp>
@@ -19093,6 +20253,10 @@
               <a:rPr lang="en-US" sz="5400" u="sng" dirty="0"/>
               <a:t>Word of caution (1): </a:t>
             </a:r>
+            <a:r>
+              <a:rPr lang="en-US" sz="5400" dirty="0"/>
+              <a:t/>
+            </a:r>
             <a:br>
               <a:rPr lang="en-US" sz="5400" dirty="0"/>
             </a:br>

--- a/presentation/pptx/01-Linear_regression_methods.pptx
+++ b/presentation/pptx/01-Linear_regression_methods.pptx
@@ -5,7 +5,7 @@
     <p:sldMasterId id="2147483840" r:id="rId1"/>
   </p:sldMasterIdLst>
   <p:notesMasterIdLst>
-    <p:notesMasterId r:id="rId28"/>
+    <p:notesMasterId r:id="rId29"/>
   </p:notesMasterIdLst>
   <p:sldIdLst>
     <p:sldId id="256" r:id="rId2"/>
@@ -32,8 +32,9 @@
     <p:sldId id="281" r:id="rId23"/>
     <p:sldId id="261" r:id="rId24"/>
     <p:sldId id="285" r:id="rId25"/>
-    <p:sldId id="284" r:id="rId26"/>
-    <p:sldId id="283" r:id="rId27"/>
+    <p:sldId id="286" r:id="rId26"/>
+    <p:sldId id="284" r:id="rId27"/>
+    <p:sldId id="283" r:id="rId28"/>
   </p:sldIdLst>
   <p:sldSz cx="12192000" cy="6858000"/>
   <p:notesSz cx="6858000" cy="9144000"/>
@@ -13807,13 +13808,13 @@
               <a:lstStyle/>
               <a:p>
                 <a:r>
-                  <a:rPr lang="en-US" sz="2400" dirty="0" smtClean="0"/>
+                  <a:rPr lang="en-US" dirty="0" smtClean="0"/>
                   <a:t>Ridge regression:</a:t>
                 </a:r>
               </a:p>
               <a:p>
                 <a:r>
-                  <a:rPr lang="en-US" sz="2400" dirty="0" smtClean="0"/>
+                  <a:rPr lang="en-US" dirty="0" smtClean="0"/>
                   <a:t>Minimize:</a:t>
                 </a:r>
               </a:p>
@@ -13821,7 +13822,7 @@
                 <a14:m>
                   <m:oMath xmlns:m="http://schemas.openxmlformats.org/officeDocument/2006/math">
                     <m:r>
-                      <a:rPr lang="en-US" sz="2400" i="1">
+                      <a:rPr lang="en-US" i="1">
                         <a:latin typeface="Cambria Math" panose="02040503050406030204" pitchFamily="18" charset="0"/>
                       </a:rPr>
                       <m:t>∑</m:t>
@@ -13829,7 +13830,7 @@
                     <m:sSup>
                       <m:sSupPr>
                         <m:ctrlPr>
-                          <a:rPr lang="en-US" sz="2400" i="1">
+                          <a:rPr lang="en-US" i="1">
                             <a:latin typeface="Cambria Math" panose="02040503050406030204" pitchFamily="18" charset="0"/>
                           </a:rPr>
                         </m:ctrlPr>
@@ -13838,7 +13839,7 @@
                         <m:d>
                           <m:dPr>
                             <m:ctrlPr>
-                              <a:rPr lang="en-US" sz="2400" i="1">
+                              <a:rPr lang="en-US" i="1">
                                 <a:latin typeface="Cambria Math" panose="02040503050406030204" pitchFamily="18" charset="0"/>
                               </a:rPr>
                             </m:ctrlPr>
@@ -13847,14 +13848,14 @@
                             <m:sSub>
                               <m:sSubPr>
                                 <m:ctrlPr>
-                                  <a:rPr lang="en-US" sz="2400" i="1">
+                                  <a:rPr lang="en-US" i="1">
                                     <a:latin typeface="Cambria Math" panose="02040503050406030204" pitchFamily="18" charset="0"/>
                                   </a:rPr>
                                 </m:ctrlPr>
                               </m:sSubPr>
                               <m:e>
                                 <m:r>
-                                  <a:rPr lang="en-US" sz="2400" i="1">
+                                  <a:rPr lang="en-US" i="1">
                                     <a:latin typeface="Cambria Math" panose="02040503050406030204" pitchFamily="18" charset="0"/>
                                   </a:rPr>
                                   <m:t>𝑦</m:t>
@@ -13862,7 +13863,7 @@
                               </m:e>
                               <m:sub>
                                 <m:r>
-                                  <a:rPr lang="en-US" sz="2400" i="1">
+                                  <a:rPr lang="en-US" i="1">
                                     <a:latin typeface="Cambria Math" panose="02040503050406030204" pitchFamily="18" charset="0"/>
                                   </a:rPr>
                                   <m:t>𝑖</m:t>
@@ -13870,7 +13871,7 @@
                               </m:sub>
                             </m:sSub>
                             <m:r>
-                              <a:rPr lang="en-US" sz="2400" i="1">
+                              <a:rPr lang="en-US" i="1">
                                 <a:latin typeface="Cambria Math" panose="02040503050406030204" pitchFamily="18" charset="0"/>
                               </a:rPr>
                               <m:t>−</m:t>
@@ -13879,14 +13880,14 @@
                               <m:accPr>
                                 <m:chr m:val="̂"/>
                                 <m:ctrlPr>
-                                  <a:rPr lang="en-US" sz="2400" i="1">
+                                  <a:rPr lang="en-US" i="1">
                                     <a:latin typeface="Cambria Math" panose="02040503050406030204" pitchFamily="18" charset="0"/>
                                   </a:rPr>
                                 </m:ctrlPr>
                               </m:accPr>
                               <m:e>
                                 <m:r>
-                                  <a:rPr lang="en-US" sz="2400" i="1">
+                                  <a:rPr lang="en-US" i="1">
                                     <a:latin typeface="Cambria Math" panose="02040503050406030204" pitchFamily="18" charset="0"/>
                                   </a:rPr>
                                   <m:t>𝑦</m:t>
@@ -13898,7 +13899,7 @@
                       </m:e>
                       <m:sup>
                         <m:r>
-                          <a:rPr lang="en-US" sz="2400" i="1">
+                          <a:rPr lang="en-US" i="1">
                             <a:latin typeface="Cambria Math" panose="02040503050406030204" pitchFamily="18" charset="0"/>
                           </a:rPr>
                           <m:t>2</m:t>
@@ -13906,13 +13907,13 @@
                       </m:sup>
                     </m:sSup>
                     <m:r>
-                      <a:rPr lang="en-US" sz="2400" b="0" i="0" smtClean="0">
+                      <a:rPr lang="en-US" b="0" i="0" smtClean="0">
                         <a:latin typeface="Cambria Math" panose="02040503050406030204" pitchFamily="18" charset="0"/>
                       </a:rPr>
                       <m:t>+</m:t>
                     </m:r>
                     <m:r>
-                      <a:rPr lang="en-US" sz="2400" b="0" i="1" smtClean="0">
+                      <a:rPr lang="en-US" b="0" i="1" smtClean="0">
                         <a:latin typeface="Cambria Math" panose="02040503050406030204" pitchFamily="18" charset="0"/>
                       </a:rPr>
                       <m:t>𝜆</m:t>
@@ -13920,7 +13921,7 @@
                     <m:d>
                       <m:dPr>
                         <m:ctrlPr>
-                          <a:rPr lang="en-US" sz="2400" b="0" i="1" smtClean="0">
+                          <a:rPr lang="en-US" b="0" i="1" smtClean="0">
                             <a:latin typeface="Cambria Math" panose="02040503050406030204" pitchFamily="18" charset="0"/>
                           </a:rPr>
                         </m:ctrlPr>
@@ -13929,14 +13930,14 @@
                         <m:sSubSup>
                           <m:sSubSupPr>
                             <m:ctrlPr>
-                              <a:rPr lang="en-US" sz="2400" b="0" i="1" smtClean="0">
+                              <a:rPr lang="en-US" b="0" i="1" smtClean="0">
                                 <a:latin typeface="Cambria Math" panose="02040503050406030204" pitchFamily="18" charset="0"/>
                               </a:rPr>
                             </m:ctrlPr>
                           </m:sSubSupPr>
                           <m:e>
                             <m:r>
-                              <a:rPr lang="en-US" sz="2400" b="0" i="1" smtClean="0">
+                              <a:rPr lang="en-US" b="0" i="1" smtClean="0">
                                 <a:latin typeface="Cambria Math" panose="02040503050406030204" pitchFamily="18" charset="0"/>
                               </a:rPr>
                               <m:t>𝛽</m:t>
@@ -13944,7 +13945,7 @@
                           </m:e>
                           <m:sub>
                             <m:r>
-                              <a:rPr lang="en-US" sz="2400" b="0" i="1" smtClean="0">
+                              <a:rPr lang="en-US" b="0" i="1" smtClean="0">
                                 <a:latin typeface="Cambria Math" panose="02040503050406030204" pitchFamily="18" charset="0"/>
                               </a:rPr>
                               <m:t>1</m:t>
@@ -13952,7 +13953,7 @@
                           </m:sub>
                           <m:sup>
                             <m:r>
-                              <a:rPr lang="en-US" sz="2400" b="0" i="1" smtClean="0">
+                              <a:rPr lang="en-US" b="0" i="1" smtClean="0">
                                 <a:latin typeface="Cambria Math" panose="02040503050406030204" pitchFamily="18" charset="0"/>
                               </a:rPr>
                               <m:t>2</m:t>
@@ -13960,7 +13961,7 @@
                           </m:sup>
                         </m:sSubSup>
                         <m:r>
-                          <a:rPr lang="en-US" sz="2400" b="0" i="1" smtClean="0">
+                          <a:rPr lang="en-US" b="0" i="1" smtClean="0">
                             <a:latin typeface="Cambria Math" panose="02040503050406030204" pitchFamily="18" charset="0"/>
                           </a:rPr>
                           <m:t>+</m:t>
@@ -13968,14 +13969,14 @@
                         <m:sSubSup>
                           <m:sSubSupPr>
                             <m:ctrlPr>
-                              <a:rPr lang="en-US" sz="2400" b="0" i="1" smtClean="0">
+                              <a:rPr lang="en-US" b="0" i="1" smtClean="0">
                                 <a:latin typeface="Cambria Math" panose="02040503050406030204" pitchFamily="18" charset="0"/>
                               </a:rPr>
                             </m:ctrlPr>
                           </m:sSubSupPr>
                           <m:e>
                             <m:r>
-                              <a:rPr lang="en-US" sz="2400" b="0" i="1" smtClean="0">
+                              <a:rPr lang="en-US" b="0" i="1" smtClean="0">
                                 <a:latin typeface="Cambria Math" panose="02040503050406030204" pitchFamily="18" charset="0"/>
                               </a:rPr>
                               <m:t>𝛽</m:t>
@@ -13983,7 +13984,7 @@
                           </m:e>
                           <m:sub>
                             <m:r>
-                              <a:rPr lang="en-US" sz="2400" b="0" i="1" smtClean="0">
+                              <a:rPr lang="en-US" b="0" i="1" smtClean="0">
                                 <a:latin typeface="Cambria Math" panose="02040503050406030204" pitchFamily="18" charset="0"/>
                               </a:rPr>
                               <m:t>2</m:t>
@@ -13991,7 +13992,7 @@
                           </m:sub>
                           <m:sup>
                             <m:r>
-                              <a:rPr lang="en-US" sz="2400" b="0" i="1" smtClean="0">
+                              <a:rPr lang="en-US" b="0" i="1" smtClean="0">
                                 <a:latin typeface="Cambria Math" panose="02040503050406030204" pitchFamily="18" charset="0"/>
                               </a:rPr>
                               <m:t>2</m:t>
@@ -13999,7 +14000,7 @@
                           </m:sup>
                         </m:sSubSup>
                         <m:r>
-                          <a:rPr lang="en-US" sz="2400" b="0" i="1" smtClean="0">
+                          <a:rPr lang="en-US" b="0" i="1" smtClean="0">
                             <a:latin typeface="Cambria Math" panose="02040503050406030204" pitchFamily="18" charset="0"/>
                           </a:rPr>
                           <m:t>+…</m:t>
@@ -14008,23 +14009,33 @@
                     </m:d>
                   </m:oMath>
                 </a14:m>
-                <a:endParaRPr lang="en-US" sz="2400" b="0" dirty="0" smtClean="0"/>
+                <a:endParaRPr lang="en-US" b="0" dirty="0" smtClean="0"/>
               </a:p>
               <a:p>
-                <a:endParaRPr lang="en-US" sz="2400" dirty="0" smtClean="0"/>
+                <a:endParaRPr lang="en-US" dirty="0" smtClean="0"/>
               </a:p>
               <a:p>
                 <a:r>
-                  <a:rPr lang="en-US" sz="2400" dirty="0" smtClean="0"/>
+                  <a:rPr lang="en-US" dirty="0" smtClean="0"/>
                   <a:t>RSS with an </a:t>
                 </a:r>
                 <a:r>
-                  <a:rPr lang="en-US" sz="2400" b="1" dirty="0" smtClean="0"/>
+                  <a:rPr lang="en-US" b="1" dirty="0" smtClean="0"/>
                   <a:t>L2 penalty </a:t>
                 </a:r>
                 <a:r>
-                  <a:rPr lang="en-US" sz="2400" dirty="0" smtClean="0"/>
+                  <a:rPr lang="en-US" dirty="0" smtClean="0"/>
                   <a:t>on coefficients</a:t>
+                </a:r>
+              </a:p>
+              <a:p>
+                <a:r>
+                  <a:rPr lang="en-US" b="1" dirty="0" smtClean="0"/>
+                  <a:t>Retains all coefficients</a:t>
+                </a:r>
+                <a:r>
+                  <a:rPr lang="en-US" dirty="0" smtClean="0"/>
+                  <a:t>, but makes them smaller</a:t>
                 </a:r>
               </a:p>
             </p:txBody>
@@ -14049,7 +14060,7 @@
               <a:blipFill>
                 <a:blip r:embed="rId2"/>
                 <a:stretch>
-                  <a:fillRect l="-1154" t="-2505"/>
+                  <a:fillRect l="-641" t="-2119"/>
                 </a:stretch>
               </a:blipFill>
             </p:spPr>
@@ -14093,13 +14104,13 @@
               <a:lstStyle/>
               <a:p>
                 <a:r>
-                  <a:rPr lang="en-US" sz="2400" dirty="0" smtClean="0"/>
+                  <a:rPr lang="en-US" dirty="0" smtClean="0"/>
                   <a:t>Lasso regression:</a:t>
                 </a:r>
               </a:p>
               <a:p>
                 <a:r>
-                  <a:rPr lang="en-US" sz="2400" dirty="0" smtClean="0"/>
+                  <a:rPr lang="en-US" dirty="0" smtClean="0"/>
                   <a:t>Minimize:</a:t>
                 </a:r>
               </a:p>
@@ -14107,7 +14118,7 @@
                 <a14:m>
                   <m:oMath xmlns:m="http://schemas.openxmlformats.org/officeDocument/2006/math">
                     <m:r>
-                      <a:rPr lang="en-US" sz="2400" i="1">
+                      <a:rPr lang="en-US" i="1">
                         <a:latin typeface="Cambria Math" panose="02040503050406030204" pitchFamily="18" charset="0"/>
                       </a:rPr>
                       <m:t>∑</m:t>
@@ -14115,7 +14126,7 @@
                     <m:sSup>
                       <m:sSupPr>
                         <m:ctrlPr>
-                          <a:rPr lang="en-US" sz="2400" i="1">
+                          <a:rPr lang="en-US" i="1">
                             <a:latin typeface="Cambria Math" panose="02040503050406030204" pitchFamily="18" charset="0"/>
                           </a:rPr>
                         </m:ctrlPr>
@@ -14124,7 +14135,7 @@
                         <m:d>
                           <m:dPr>
                             <m:ctrlPr>
-                              <a:rPr lang="en-US" sz="2400" i="1">
+                              <a:rPr lang="en-US" i="1">
                                 <a:latin typeface="Cambria Math" panose="02040503050406030204" pitchFamily="18" charset="0"/>
                               </a:rPr>
                             </m:ctrlPr>
@@ -14133,14 +14144,14 @@
                             <m:sSub>
                               <m:sSubPr>
                                 <m:ctrlPr>
-                                  <a:rPr lang="en-US" sz="2400" i="1">
+                                  <a:rPr lang="en-US" i="1">
                                     <a:latin typeface="Cambria Math" panose="02040503050406030204" pitchFamily="18" charset="0"/>
                                   </a:rPr>
                                 </m:ctrlPr>
                               </m:sSubPr>
                               <m:e>
                                 <m:r>
-                                  <a:rPr lang="en-US" sz="2400" i="1">
+                                  <a:rPr lang="en-US" i="1">
                                     <a:latin typeface="Cambria Math" panose="02040503050406030204" pitchFamily="18" charset="0"/>
                                   </a:rPr>
                                   <m:t>𝑦</m:t>
@@ -14148,7 +14159,7 @@
                               </m:e>
                               <m:sub>
                                 <m:r>
-                                  <a:rPr lang="en-US" sz="2400" i="1">
+                                  <a:rPr lang="en-US" i="1">
                                     <a:latin typeface="Cambria Math" panose="02040503050406030204" pitchFamily="18" charset="0"/>
                                   </a:rPr>
                                   <m:t>𝑖</m:t>
@@ -14156,7 +14167,7 @@
                               </m:sub>
                             </m:sSub>
                             <m:r>
-                              <a:rPr lang="en-US" sz="2400" i="1">
+                              <a:rPr lang="en-US" i="1">
                                 <a:latin typeface="Cambria Math" panose="02040503050406030204" pitchFamily="18" charset="0"/>
                               </a:rPr>
                               <m:t>−</m:t>
@@ -14165,14 +14176,14 @@
                               <m:accPr>
                                 <m:chr m:val="̂"/>
                                 <m:ctrlPr>
-                                  <a:rPr lang="en-US" sz="2400" i="1">
+                                  <a:rPr lang="en-US" i="1">
                                     <a:latin typeface="Cambria Math" panose="02040503050406030204" pitchFamily="18" charset="0"/>
                                   </a:rPr>
                                 </m:ctrlPr>
                               </m:accPr>
                               <m:e>
                                 <m:r>
-                                  <a:rPr lang="en-US" sz="2400" i="1">
+                                  <a:rPr lang="en-US" i="1">
                                     <a:latin typeface="Cambria Math" panose="02040503050406030204" pitchFamily="18" charset="0"/>
                                   </a:rPr>
                                   <m:t>𝑦</m:t>
@@ -14184,7 +14195,7 @@
                       </m:e>
                       <m:sup>
                         <m:r>
-                          <a:rPr lang="en-US" sz="2400" i="1">
+                          <a:rPr lang="en-US" i="1">
                             <a:latin typeface="Cambria Math" panose="02040503050406030204" pitchFamily="18" charset="0"/>
                           </a:rPr>
                           <m:t>2</m:t>
@@ -14192,13 +14203,13 @@
                       </m:sup>
                     </m:sSup>
                     <m:r>
-                      <a:rPr lang="en-US" sz="2400">
+                      <a:rPr lang="en-US">
                         <a:latin typeface="Cambria Math" panose="02040503050406030204" pitchFamily="18" charset="0"/>
                       </a:rPr>
                       <m:t>+</m:t>
                     </m:r>
                     <m:r>
-                      <a:rPr lang="en-US" sz="2400" i="1">
+                      <a:rPr lang="en-US" i="1">
                         <a:latin typeface="Cambria Math" panose="02040503050406030204" pitchFamily="18" charset="0"/>
                       </a:rPr>
                       <m:t>𝜆</m:t>
@@ -14206,14 +14217,14 @@
                     <m:d>
                       <m:dPr>
                         <m:ctrlPr>
-                          <a:rPr lang="en-US" sz="2400" i="1">
+                          <a:rPr lang="en-US" i="1">
                             <a:latin typeface="Cambria Math" panose="02040503050406030204" pitchFamily="18" charset="0"/>
                           </a:rPr>
                         </m:ctrlPr>
                       </m:dPr>
                       <m:e>
                         <m:r>
-                          <a:rPr lang="en-US" sz="2400" b="0" i="1" smtClean="0">
+                          <a:rPr lang="en-US" b="0" i="1" smtClean="0">
                             <a:latin typeface="Cambria Math" panose="02040503050406030204" pitchFamily="18" charset="0"/>
                           </a:rPr>
                           <m:t>|</m:t>
@@ -14221,14 +14232,14 @@
                         <m:sSub>
                           <m:sSubPr>
                             <m:ctrlPr>
-                              <a:rPr lang="en-US" sz="2400" b="0" i="1" smtClean="0">
+                              <a:rPr lang="en-US" b="0" i="1" smtClean="0">
                                 <a:latin typeface="Cambria Math" panose="02040503050406030204" pitchFamily="18" charset="0"/>
                               </a:rPr>
                             </m:ctrlPr>
                           </m:sSubPr>
                           <m:e>
                             <m:r>
-                              <a:rPr lang="en-US" sz="2400" b="0" i="1" smtClean="0">
+                              <a:rPr lang="en-US" b="0" i="1" smtClean="0">
                                 <a:latin typeface="Cambria Math" panose="02040503050406030204" pitchFamily="18" charset="0"/>
                               </a:rPr>
                               <m:t>𝛽</m:t>
@@ -14236,7 +14247,7 @@
                           </m:e>
                           <m:sub>
                             <m:r>
-                              <a:rPr lang="en-US" sz="2400" b="0" i="1" smtClean="0">
+                              <a:rPr lang="en-US" b="0" i="1" smtClean="0">
                                 <a:latin typeface="Cambria Math" panose="02040503050406030204" pitchFamily="18" charset="0"/>
                               </a:rPr>
                               <m:t>1</m:t>
@@ -14244,19 +14255,19 @@
                           </m:sub>
                         </m:sSub>
                         <m:r>
-                          <a:rPr lang="en-US" sz="2400" b="0" i="1" smtClean="0">
+                          <a:rPr lang="en-US" b="0" i="1" smtClean="0">
                             <a:latin typeface="Cambria Math" panose="02040503050406030204" pitchFamily="18" charset="0"/>
                           </a:rPr>
                           <m:t>|</m:t>
                         </m:r>
                         <m:r>
-                          <a:rPr lang="en-US" sz="2400" i="1">
+                          <a:rPr lang="en-US" i="1">
                             <a:latin typeface="Cambria Math" panose="02040503050406030204" pitchFamily="18" charset="0"/>
                           </a:rPr>
                           <m:t>+</m:t>
                         </m:r>
                         <m:r>
-                          <a:rPr lang="en-US" sz="2400" b="0" i="1" smtClean="0">
+                          <a:rPr lang="en-US" b="0" i="1" smtClean="0">
                             <a:latin typeface="Cambria Math" panose="02040503050406030204" pitchFamily="18" charset="0"/>
                           </a:rPr>
                           <m:t>|</m:t>
@@ -14264,14 +14275,14 @@
                         <m:sSub>
                           <m:sSubPr>
                             <m:ctrlPr>
-                              <a:rPr lang="en-US" sz="2400" b="0" i="1" smtClean="0">
+                              <a:rPr lang="en-US" b="0" i="1" smtClean="0">
                                 <a:latin typeface="Cambria Math" panose="02040503050406030204" pitchFamily="18" charset="0"/>
                               </a:rPr>
                             </m:ctrlPr>
                           </m:sSubPr>
                           <m:e>
                             <m:r>
-                              <a:rPr lang="en-US" sz="2400" b="0" i="1" smtClean="0">
+                              <a:rPr lang="en-US" b="0" i="1" smtClean="0">
                                 <a:latin typeface="Cambria Math" panose="02040503050406030204" pitchFamily="18" charset="0"/>
                               </a:rPr>
                               <m:t>𝛽</m:t>
@@ -14279,7 +14290,7 @@
                           </m:e>
                           <m:sub>
                             <m:r>
-                              <a:rPr lang="en-US" sz="2400" b="0" i="1" smtClean="0">
+                              <a:rPr lang="en-US" b="0" i="1" smtClean="0">
                                 <a:latin typeface="Cambria Math" panose="02040503050406030204" pitchFamily="18" charset="0"/>
                               </a:rPr>
                               <m:t>2</m:t>
@@ -14287,13 +14298,13 @@
                           </m:sub>
                         </m:sSub>
                         <m:r>
-                          <a:rPr lang="en-US" sz="2400" b="0" i="1" smtClean="0">
+                          <a:rPr lang="en-US" b="0" i="1" smtClean="0">
                             <a:latin typeface="Cambria Math" panose="02040503050406030204" pitchFamily="18" charset="0"/>
                           </a:rPr>
                           <m:t>|</m:t>
                         </m:r>
                         <m:r>
-                          <a:rPr lang="en-US" sz="2400" i="1">
+                          <a:rPr lang="en-US" i="1">
                             <a:latin typeface="Cambria Math" panose="02040503050406030204" pitchFamily="18" charset="0"/>
                           </a:rPr>
                           <m:t>+…</m:t>
@@ -14302,25 +14313,39 @@
                     </m:d>
                   </m:oMath>
                 </a14:m>
-                <a:endParaRPr lang="en-US" sz="2400" dirty="0" smtClean="0"/>
+                <a:endParaRPr lang="en-US" dirty="0" smtClean="0"/>
               </a:p>
               <a:p>
-                <a:endParaRPr lang="en-US" sz="2400" dirty="0"/>
+                <a:endParaRPr lang="en-US" dirty="0"/>
               </a:p>
               <a:p>
                 <a:r>
-                  <a:rPr lang="en-US" sz="2400" dirty="0" smtClean="0"/>
+                  <a:rPr lang="en-US" dirty="0" smtClean="0"/>
                   <a:t>RSS with an </a:t>
                 </a:r>
                 <a:r>
-                  <a:rPr lang="en-US" sz="2400" b="1" dirty="0" smtClean="0"/>
+                  <a:rPr lang="en-US" b="1" dirty="0" smtClean="0"/>
                   <a:t>L1 penalty </a:t>
                 </a:r>
                 <a:r>
-                  <a:rPr lang="en-US" sz="2400" dirty="0" smtClean="0"/>
+                  <a:rPr lang="en-US" dirty="0" smtClean="0"/>
                   <a:t>on coefficients</a:t>
                 </a:r>
-                <a:endParaRPr lang="he-IL" sz="2400" dirty="0"/>
+              </a:p>
+              <a:p>
+                <a:r>
+                  <a:rPr lang="en-US" dirty="0" smtClean="0"/>
+                  <a:t>Tends to </a:t>
+                </a:r>
+                <a:r>
+                  <a:rPr lang="en-US" b="1" dirty="0" smtClean="0"/>
+                  <a:t>eliminate coefficients </a:t>
+                </a:r>
+                <a:r>
+                  <a:rPr lang="en-US" dirty="0" smtClean="0"/>
+                  <a:t>(like feature selection)</a:t>
+                </a:r>
+                <a:endParaRPr lang="he-IL" dirty="0"/>
               </a:p>
             </p:txBody>
           </p:sp>
@@ -14344,7 +14369,7 @@
               <a:blipFill>
                 <a:blip r:embed="rId3"/>
                 <a:stretch>
-                  <a:fillRect l="-1154" t="-2505"/>
+                  <a:fillRect l="-513" t="-2119"/>
                 </a:stretch>
               </a:blipFill>
             </p:spPr>
@@ -14644,6 +14669,128 @@
           <a:lstStyle/>
           <a:p>
             <a:r>
+              <a:rPr lang="en-US" dirty="0" smtClean="0"/>
+              <a:t>Ridge and Lasso demonstration</a:t>
+            </a:r>
+            <a:endParaRPr lang="he-IL" dirty="0"/>
+          </a:p>
+        </p:txBody>
+      </p:sp>
+      <p:sp>
+        <p:nvSpPr>
+          <p:cNvPr id="7" name="Content Placeholder 6"/>
+          <p:cNvSpPr>
+            <a:spLocks noGrp="1"/>
+          </p:cNvSpPr>
+          <p:nvPr>
+            <p:ph idx="1"/>
+          </p:nvPr>
+        </p:nvSpPr>
+        <p:spPr/>
+        <p:txBody>
+          <a:bodyPr/>
+          <a:lstStyle/>
+          <a:p>
+            <a:r>
+              <a:rPr lang="en-US" dirty="0" smtClean="0"/>
+              <a:t>/class code/01-ridge_lasso_glmnet.Rmd</a:t>
+            </a:r>
+            <a:endParaRPr lang="he-IL" dirty="0"/>
+          </a:p>
+        </p:txBody>
+      </p:sp>
+      <p:sp>
+        <p:nvSpPr>
+          <p:cNvPr id="5" name="Footer Placeholder 4"/>
+          <p:cNvSpPr>
+            <a:spLocks noGrp="1"/>
+          </p:cNvSpPr>
+          <p:nvPr>
+            <p:ph type="ftr" sz="quarter" idx="11"/>
+          </p:nvPr>
+        </p:nvSpPr>
+        <p:spPr/>
+        <p:txBody>
+          <a:bodyPr/>
+          <a:lstStyle/>
+          <a:p>
+            <a:r>
+              <a:rPr lang="en-US" smtClean="0"/>
+              <a:t>Materials by Adi Sarid https://adisarid.github.io and http://www.sarid-ins.com</a:t>
+            </a:r>
+            <a:endParaRPr lang="en-US" dirty="0"/>
+          </a:p>
+        </p:txBody>
+      </p:sp>
+      <p:sp>
+        <p:nvSpPr>
+          <p:cNvPr id="6" name="Slide Number Placeholder 5"/>
+          <p:cNvSpPr>
+            <a:spLocks noGrp="1"/>
+          </p:cNvSpPr>
+          <p:nvPr>
+            <p:ph type="sldNum" sz="quarter" idx="12"/>
+          </p:nvPr>
+        </p:nvSpPr>
+        <p:spPr/>
+        <p:txBody>
+          <a:bodyPr/>
+          <a:lstStyle/>
+          <a:p>
+            <a:fld id="{4FAB73BC-B049-4115-A692-8D63A059BFB8}" type="slidenum">
+              <a:rPr lang="en-US" smtClean="0"/>
+              <a:t>25</a:t>
+            </a:fld>
+            <a:endParaRPr lang="en-US" dirty="0"/>
+          </a:p>
+        </p:txBody>
+      </p:sp>
+    </p:spTree>
+    <p:extLst>
+      <p:ext uri="{BB962C8B-B14F-4D97-AF65-F5344CB8AC3E}">
+        <p14:creationId xmlns:p14="http://schemas.microsoft.com/office/powerpoint/2010/main" val="1225703325"/>
+      </p:ext>
+    </p:extLst>
+  </p:cSld>
+  <p:clrMapOvr>
+    <a:masterClrMapping/>
+  </p:clrMapOvr>
+</p:sld>
+</file>
+
+<file path=ppt/slides/slide26.xml><?xml version="1.0" encoding="utf-8"?>
+<p:sld xmlns:a="http://schemas.openxmlformats.org/drawingml/2006/main" xmlns:r="http://schemas.openxmlformats.org/officeDocument/2006/relationships" xmlns:p="http://schemas.openxmlformats.org/presentationml/2006/main">
+  <p:cSld>
+    <p:spTree>
+      <p:nvGrpSpPr>
+        <p:cNvPr id="1" name=""/>
+        <p:cNvGrpSpPr/>
+        <p:nvPr/>
+      </p:nvGrpSpPr>
+      <p:grpSpPr>
+        <a:xfrm>
+          <a:off x="0" y="0"/>
+          <a:ext cx="0" cy="0"/>
+          <a:chOff x="0" y="0"/>
+          <a:chExt cx="0" cy="0"/>
+        </a:xfrm>
+      </p:grpSpPr>
+      <p:sp>
+        <p:nvSpPr>
+          <p:cNvPr id="2" name="Title 1"/>
+          <p:cNvSpPr>
+            <a:spLocks noGrp="1"/>
+          </p:cNvSpPr>
+          <p:nvPr>
+            <p:ph type="title"/>
+          </p:nvPr>
+        </p:nvSpPr>
+        <p:spPr/>
+        <p:txBody>
+          <a:bodyPr/>
+          <a:lstStyle/>
+          <a:p>
+            <a:r>
               <a:rPr lang="en-US" dirty="0"/>
               <a:t>Contents</a:t>
             </a:r>
@@ -14691,7 +14838,7 @@
           <a:p>
             <a:fld id="{4FAB73BC-B049-4115-A692-8D63A059BFB8}" type="slidenum">
               <a:rPr lang="en-US" smtClean="0"/>
-              <a:t>25</a:t>
+              <a:t>26</a:t>
             </a:fld>
             <a:endParaRPr lang="en-US" dirty="0"/>
           </a:p>
@@ -15904,7 +16051,7 @@
 </p:sld>
 </file>
 
-<file path=ppt/slides/slide26.xml><?xml version="1.0" encoding="utf-8"?>
+<file path=ppt/slides/slide27.xml><?xml version="1.0" encoding="utf-8"?>
 <p:sld xmlns:a="http://schemas.openxmlformats.org/drawingml/2006/main" xmlns:r="http://schemas.openxmlformats.org/officeDocument/2006/relationships" xmlns:p="http://schemas.openxmlformats.org/presentationml/2006/main">
   <p:cSld>
     <p:spTree>
@@ -15991,7 +16138,19 @@
           <a:p>
             <a:r>
               <a:rPr lang="en-US" dirty="0"/>
-              <a:t>Even though it is not as flexible as other regression tools (i.e., forests, boosting, NNs), it can provide a reference – “starting point”, from which one can improve further with other models</a:t>
+              <a:t>Even though it is not as flexible as other regression tools (i.e., forests, boosting, </a:t>
+            </a:r>
+            <a:r>
+              <a:rPr lang="en-US" dirty="0" smtClean="0"/>
+              <a:t>neural networks), </a:t>
+            </a:r>
+            <a:r>
+              <a:rPr lang="en-US" dirty="0"/>
+              <a:t>it can provide a reference – “starting point”, from which one can improve further with other </a:t>
+            </a:r>
+            <a:r>
+              <a:rPr lang="en-US" dirty="0" smtClean="0"/>
+              <a:t>models</a:t>
             </a:r>
           </a:p>
         </p:txBody>
@@ -16048,7 +16207,7 @@
           <a:p>
             <a:fld id="{4FAB73BC-B049-4115-A692-8D63A059BFB8}" type="slidenum">
               <a:rPr lang="en-US" smtClean="0"/>
-              <a:t>26</a:t>
+              <a:t>27</a:t>
             </a:fld>
             <a:endParaRPr lang="en-US" dirty="0"/>
           </a:p>

--- a/presentation/pptx/01-Linear_regression_methods.pptx
+++ b/presentation/pptx/01-Linear_regression_methods.pptx
@@ -239,7 +239,7 @@
           <a:p>
             <a:fld id="{5C93CA8F-50F8-44B5-B48F-4C4452AC4FCB}" type="datetimeFigureOut">
               <a:rPr lang="he-IL" smtClean="0"/>
-              <a:t>י"ד/תמוז/תשע"ט</a:t>
+              <a:t>י"ט/תמוז/תשע"ט</a:t>
             </a:fld>
             <a:endParaRPr lang="he-IL"/>
           </a:p>
@@ -12303,8 +12303,8 @@
           </a:p>
         </p:txBody>
       </p:sp>
-      <mc:AlternateContent xmlns:mc="http://schemas.openxmlformats.org/markup-compatibility/2006">
-        <mc:Choice xmlns:a14="http://schemas.microsoft.com/office/drawing/2010/main" Requires="a14">
+      <mc:AlternateContent xmlns:mc="http://schemas.openxmlformats.org/markup-compatibility/2006" xmlns:a14="http://schemas.microsoft.com/office/drawing/2010/main">
+        <mc:Choice Requires="a14">
           <p:sp>
             <p:nvSpPr>
               <p:cNvPr id="3" name="Content Placeholder 2"/>
@@ -12883,13 +12883,7 @@
                         <a:rPr lang="en-US" b="0" i="1" smtClean="0">
                           <a:latin typeface="Cambria Math" panose="02040503050406030204" pitchFamily="18" charset="0"/>
                         </a:rPr>
-                        <m:t>] </m:t>
-                      </m:r>
-                      <m:r>
-                        <a:rPr lang="en-US" b="0" i="1" smtClean="0">
-                          <a:latin typeface="Cambria Math" panose="02040503050406030204" pitchFamily="18" charset="0"/>
-                        </a:rPr>
-                        <m:t>=</m:t>
+                        <m:t>] =</m:t>
                       </m:r>
                       <m:r>
                         <m:rPr>
@@ -13113,7 +13107,7 @@
             </p:txBody>
           </p:sp>
         </mc:Choice>
-        <mc:Fallback>
+        <mc:Fallback xmlns="">
           <p:sp>
             <p:nvSpPr>
               <p:cNvPr id="3" name="Content Placeholder 2"/>
@@ -13481,8 +13475,8 @@
           </a:p>
         </p:txBody>
       </p:sp>
-      <mc:AlternateContent xmlns:mc="http://schemas.openxmlformats.org/markup-compatibility/2006">
-        <mc:Choice xmlns:a14="http://schemas.microsoft.com/office/drawing/2010/main" Requires="a14">
+      <mc:AlternateContent xmlns:mc="http://schemas.openxmlformats.org/markup-compatibility/2006" xmlns:a14="http://schemas.microsoft.com/office/drawing/2010/main">
+        <mc:Choice Requires="a14">
           <p:sp>
             <p:nvSpPr>
               <p:cNvPr id="3" name="Content Placeholder 2"/>
@@ -13646,7 +13640,7 @@
             </p:txBody>
           </p:sp>
         </mc:Choice>
-        <mc:Fallback>
+        <mc:Fallback xmlns="">
           <p:sp>
             <p:nvSpPr>
               <p:cNvPr id="3" name="Content Placeholder 2"/>
@@ -13783,8 +13777,8 @@
           </a:p>
         </p:txBody>
       </p:sp>
-      <mc:AlternateContent xmlns:mc="http://schemas.openxmlformats.org/markup-compatibility/2006">
-        <mc:Choice xmlns:a14="http://schemas.microsoft.com/office/drawing/2010/main" Requires="a14">
+      <mc:AlternateContent xmlns:mc="http://schemas.openxmlformats.org/markup-compatibility/2006" xmlns:a14="http://schemas.microsoft.com/office/drawing/2010/main">
+        <mc:Choice Requires="a14">
           <p:sp>
             <p:nvSpPr>
               <p:cNvPr id="6" name="Content Placeholder 5"/>
@@ -14041,7 +14035,7 @@
             </p:txBody>
           </p:sp>
         </mc:Choice>
-        <mc:Fallback>
+        <mc:Fallback xmlns="">
           <p:sp>
             <p:nvSpPr>
               <p:cNvPr id="6" name="Content Placeholder 5"/>
@@ -14079,8 +14073,8 @@
           </p:sp>
         </mc:Fallback>
       </mc:AlternateContent>
-      <mc:AlternateContent xmlns:mc="http://schemas.openxmlformats.org/markup-compatibility/2006">
-        <mc:Choice xmlns:a14="http://schemas.microsoft.com/office/drawing/2010/main" Requires="a14">
+      <mc:AlternateContent xmlns:mc="http://schemas.openxmlformats.org/markup-compatibility/2006" xmlns:a14="http://schemas.microsoft.com/office/drawing/2010/main">
+        <mc:Choice Requires="a14">
           <p:sp>
             <p:nvSpPr>
               <p:cNvPr id="7" name="Content Placeholder 6"/>
@@ -14350,7 +14344,7 @@
             </p:txBody>
           </p:sp>
         </mc:Choice>
-        <mc:Fallback>
+        <mc:Fallback xmlns="">
           <p:sp>
             <p:nvSpPr>
               <p:cNvPr id="7" name="Content Placeholder 6"/>
@@ -14434,8 +14428,8 @@
           </a:p>
         </p:txBody>
       </p:sp>
-      <mc:AlternateContent xmlns:mc="http://schemas.openxmlformats.org/markup-compatibility/2006">
-        <mc:Choice xmlns:a14="http://schemas.microsoft.com/office/drawing/2010/main" Requires="a14">
+      <mc:AlternateContent xmlns:mc="http://schemas.openxmlformats.org/markup-compatibility/2006" xmlns:a14="http://schemas.microsoft.com/office/drawing/2010/main">
+        <mc:Choice Requires="a14">
           <p:sp>
             <p:nvSpPr>
               <p:cNvPr id="9" name="TextBox 8"/>
@@ -14584,7 +14578,7 @@
             </p:txBody>
           </p:sp>
         </mc:Choice>
-        <mc:Fallback>
+        <mc:Fallback xmlns="">
           <p:sp>
             <p:nvSpPr>
               <p:cNvPr id="9" name="TextBox 8"/>
@@ -16118,24 +16112,59 @@
           <a:bodyPr/>
           <a:lstStyle/>
           <a:p>
+            <a:pPr>
+              <a:lnSpc>
+                <a:spcPct val="100000"/>
+              </a:lnSpc>
+            </a:pPr>
+            <a:r>
+              <a:rPr lang="en-US" dirty="0" smtClean="0"/>
+              <a:t>Summary quiz</a:t>
+            </a:r>
+          </a:p>
+          <a:p>
+            <a:pPr>
+              <a:lnSpc>
+                <a:spcPct val="100000"/>
+              </a:lnSpc>
+            </a:pPr>
+            <a:r>
+              <a:rPr lang="en-US" dirty="0" smtClean="0"/>
+              <a:t>Though </a:t>
+            </a:r>
             <a:r>
               <a:rPr lang="en-US" dirty="0"/>
-              <a:t>Though a very “simplistic tool”, linear regression can be a very good tool for gaining insights, and help the exploratory process</a:t>
-            </a:r>
-          </a:p>
-          <a:p>
+              <a:t>a very “simplistic tool”, linear regression can be a very good tool for gaining insights, and help the exploratory process</a:t>
+            </a:r>
+          </a:p>
+          <a:p>
+            <a:pPr>
+              <a:lnSpc>
+                <a:spcPct val="100000"/>
+              </a:lnSpc>
+            </a:pPr>
             <a:r>
               <a:rPr lang="en-US" dirty="0"/>
               <a:t>It is quick to run, and can illustrate relationships of variables</a:t>
             </a:r>
           </a:p>
           <a:p>
+            <a:pPr>
+              <a:lnSpc>
+                <a:spcPct val="100000"/>
+              </a:lnSpc>
+            </a:pPr>
             <a:r>
               <a:rPr lang="en-US" dirty="0"/>
               <a:t>It has some nice extensions, which can be beneficial in various situations</a:t>
             </a:r>
           </a:p>
           <a:p>
+            <a:pPr>
+              <a:lnSpc>
+                <a:spcPct val="100000"/>
+              </a:lnSpc>
+            </a:pPr>
             <a:r>
               <a:rPr lang="en-US" dirty="0"/>
               <a:t>Even though it is not as flexible as other regression tools (i.e., forests, boosting, </a:t>
@@ -16213,6 +16242,36 @@
           </a:p>
         </p:txBody>
       </p:sp>
+      <p:pic>
+        <p:nvPicPr>
+          <p:cNvPr id="6" name="Picture 5">
+            <a:hlinkClick r:id="rId2"/>
+            <a:extLst>
+              <a:ext uri="{FF2B5EF4-FFF2-40B4-BE49-F238E27FC236}">
+                <a16:creationId xmlns:a16="http://schemas.microsoft.com/office/drawing/2014/main" id="{1C4306F8-B11A-4B44-9601-39DB95973E9A}"/>
+              </a:ext>
+            </a:extLst>
+          </p:cNvPr>
+          <p:cNvPicPr>
+            <a:picLocks noChangeAspect="1"/>
+          </p:cNvPicPr>
+          <p:nvPr/>
+        </p:nvPicPr>
+        <p:blipFill rotWithShape="1">
+          <a:blip r:embed="rId3"/>
+          <a:srcRect l="16061" t="18242" r="8788" b="16788"/>
+          <a:stretch/>
+        </p:blipFill>
+        <p:spPr>
+          <a:xfrm>
+            <a:off x="3380135" y="2082415"/>
+            <a:ext cx="643154" cy="556017"/>
+          </a:xfrm>
+          <a:prstGeom prst="rect">
+            <a:avLst/>
+          </a:prstGeom>
+        </p:spPr>
+      </p:pic>
     </p:spTree>
     <p:extLst>
       <p:ext uri="{BB962C8B-B14F-4D97-AF65-F5344CB8AC3E}">
